--- a/The Omniscient Crypto Oracle.pptx
+++ b/The Omniscient Crypto Oracle.pptx
@@ -5,7 +5,7 @@
     <p:sldMasterId id="2147483954" r:id="rId1"/>
   </p:sldMasterIdLst>
   <p:notesMasterIdLst>
-    <p:notesMasterId r:id="rId14"/>
+    <p:notesMasterId r:id="rId15"/>
   </p:notesMasterIdLst>
   <p:sldIdLst>
     <p:sldId id="256" r:id="rId2"/>
@@ -18,8 +18,9 @@
     <p:sldId id="259" r:id="rId9"/>
     <p:sldId id="260" r:id="rId10"/>
     <p:sldId id="264" r:id="rId11"/>
-    <p:sldId id="265" r:id="rId12"/>
-    <p:sldId id="267" r:id="rId13"/>
+    <p:sldId id="268" r:id="rId12"/>
+    <p:sldId id="265" r:id="rId13"/>
+    <p:sldId id="267" r:id="rId14"/>
   </p:sldIdLst>
   <p:sldSz cx="12192000" cy="6858000"/>
   <p:notesSz cx="6858000" cy="9144000"/>
@@ -118,6 +119,11 @@
       </a:defRPr>
     </a:lvl9pPr>
   </p:defaultTextStyle>
+  <p:extLst>
+    <p:ext uri="{EFAFB233-063F-42B5-8137-9DF3F51BA10A}">
+      <p15:sldGuideLst xmlns:p15="http://schemas.microsoft.com/office/powerpoint/2012/main"/>
+    </p:ext>
+  </p:extLst>
 </p:presentation>
 </file>
 
@@ -515,17 +521,9 @@
           <a:lstStyle/>
           <a:p>
             <a:r>
-              <a:rPr lang="en-US" sz="1800" dirty="0">
-                <a:solidFill>
-                  <a:srgbClr val="0070C0"/>
-                </a:solidFill>
-                <a:effectLst/>
-                <a:latin typeface="Arial" panose="020B0604020202020204" pitchFamily="34" charset="0"/>
-                <a:ea typeface="Calibri" panose="020F0502020204030204" pitchFamily="34" charset="0"/>
-              </a:rPr>
-              <a:t>The cryptocurrency market is a center of a lot of activity. It is a growing market with much potential and profit. Data science is used in cryptocurrency to forecast and predict the prices of these digital coins. This science is used to figure out what causes the changes in prices of the coins, and then indicates whether the prices will increase or decrease in the future. By focusing on market capitalization, or the coins' worth, one will predict how well or poorly a cryptocurrency will perform. </a:t>
-            </a:r>
-            <a:endParaRPr lang="en-US" dirty="0"/>
+              <a:rPr lang="en-US" dirty="0"/>
+              <a:t>Bobbi</a:t>
+            </a:r>
           </a:p>
         </p:txBody>
       </p:sp>
@@ -546,7 +544,7 @@
           <a:p>
             <a:fld id="{2952150E-5FD0-4979-B16F-63AB93BFA1A6}" type="slidenum">
               <a:rPr lang="en-US" smtClean="0"/>
-              <a:t>2</a:t>
+              <a:t>1</a:t>
             </a:fld>
             <a:endParaRPr lang="en-US"/>
           </a:p>
@@ -555,7 +553,7 @@
     </p:spTree>
     <p:extLst>
       <p:ext uri="{BB962C8B-B14F-4D97-AF65-F5344CB8AC3E}">
-        <p14:creationId xmlns:p14="http://schemas.microsoft.com/office/powerpoint/2010/main" val="1055987771"/>
+        <p14:creationId xmlns:p14="http://schemas.microsoft.com/office/powerpoint/2010/main" val="3523303903"/>
       </p:ext>
     </p:extLst>
   </p:cSld>
@@ -609,6 +607,310 @@
           <a:bodyPr/>
           <a:lstStyle/>
           <a:p>
+            <a:pPr algn="l">
+              <a:buFont typeface="Arial" panose="020B0604020202020204" pitchFamily="34" charset="0"/>
+              <a:buChar char="•"/>
+            </a:pPr>
+            <a:r>
+              <a:rPr lang="en-US" b="0" i="1" dirty="0">
+                <a:solidFill>
+                  <a:srgbClr val="24292F"/>
+                </a:solidFill>
+                <a:effectLst/>
+                <a:latin typeface="-apple-system"/>
+              </a:rPr>
+              <a:t>David</a:t>
+            </a:r>
+          </a:p>
+          <a:p>
+            <a:pPr algn="l">
+              <a:buFont typeface="Arial" panose="020B0604020202020204" pitchFamily="34" charset="0"/>
+              <a:buChar char="•"/>
+            </a:pPr>
+            <a:r>
+              <a:rPr lang="en-US" b="0" i="1" dirty="0">
+                <a:solidFill>
+                  <a:srgbClr val="24292F"/>
+                </a:solidFill>
+                <a:effectLst/>
+                <a:latin typeface="-apple-system"/>
+              </a:rPr>
+              <a:t>Model Building</a:t>
+            </a:r>
+            <a:r>
+              <a:rPr lang="en-US" b="0" i="0" dirty="0">
+                <a:solidFill>
+                  <a:srgbClr val="24292F"/>
+                </a:solidFill>
+                <a:effectLst/>
+                <a:latin typeface="-apple-system"/>
+              </a:rPr>
+              <a:t>: The LSTM model is built using the </a:t>
+            </a:r>
+            <a:r>
+              <a:rPr lang="en-US" b="0" i="0" dirty="0" err="1">
+                <a:solidFill>
+                  <a:srgbClr val="24292F"/>
+                </a:solidFill>
+                <a:effectLst/>
+                <a:latin typeface="-apple-system"/>
+              </a:rPr>
+              <a:t>Keras</a:t>
+            </a:r>
+            <a:r>
+              <a:rPr lang="en-US" b="0" i="0" dirty="0">
+                <a:solidFill>
+                  <a:srgbClr val="24292F"/>
+                </a:solidFill>
+                <a:effectLst/>
+                <a:latin typeface="-apple-system"/>
+              </a:rPr>
+              <a:t> library in Python. The model architecture includes several LSTM layers followed by a Dense layer. The model is trained on the training data.</a:t>
+            </a:r>
+          </a:p>
+          <a:p>
+            <a:pPr lvl="1" algn="l">
+              <a:buFont typeface="Arial" panose="020B0604020202020204" pitchFamily="34" charset="0"/>
+              <a:buChar char="•"/>
+            </a:pPr>
+            <a:r>
+              <a:rPr lang="en-US" b="0" i="0" dirty="0">
+                <a:solidFill>
+                  <a:srgbClr val="24292F"/>
+                </a:solidFill>
+                <a:effectLst/>
+                <a:latin typeface="-apple-system"/>
+              </a:rPr>
+              <a:t>predict cryptocurrency prices takes in historical data, including close prices, and feeds it through a neural network with three LSTM layers, each consisting of 50 neurons with the </a:t>
+            </a:r>
+            <a:r>
+              <a:rPr lang="en-US" b="0" i="0" dirty="0" err="1">
+                <a:solidFill>
+                  <a:srgbClr val="24292F"/>
+                </a:solidFill>
+                <a:effectLst/>
+                <a:latin typeface="-apple-system"/>
+              </a:rPr>
+              <a:t>ReLU</a:t>
+            </a:r>
+            <a:r>
+              <a:rPr lang="en-US" b="0" i="0" dirty="0">
+                <a:solidFill>
+                  <a:srgbClr val="24292F"/>
+                </a:solidFill>
+                <a:effectLst/>
+                <a:latin typeface="-apple-system"/>
+              </a:rPr>
+              <a:t> activation function. </a:t>
+            </a:r>
+          </a:p>
+          <a:p>
+            <a:pPr algn="l">
+              <a:buFont typeface="Arial" panose="020B0604020202020204" pitchFamily="34" charset="0"/>
+              <a:buChar char="•"/>
+            </a:pPr>
+            <a:r>
+              <a:rPr lang="en-US" b="0" i="1" dirty="0">
+                <a:solidFill>
+                  <a:srgbClr val="24292F"/>
+                </a:solidFill>
+                <a:effectLst/>
+                <a:latin typeface="-apple-system"/>
+              </a:rPr>
+              <a:t>Model Evaluation</a:t>
+            </a:r>
+            <a:r>
+              <a:rPr lang="en-US" b="0" i="0" dirty="0">
+                <a:solidFill>
+                  <a:srgbClr val="24292F"/>
+                </a:solidFill>
+                <a:effectLst/>
+                <a:latin typeface="-apple-system"/>
+              </a:rPr>
+              <a:t>: The model is evaluated on the testing data using:</a:t>
+            </a:r>
+          </a:p>
+          <a:p>
+            <a:pPr lvl="1" algn="l">
+              <a:buFont typeface="Arial" panose="020B0604020202020204" pitchFamily="34" charset="0"/>
+              <a:buChar char="•"/>
+            </a:pPr>
+            <a:r>
+              <a:rPr lang="en-US" b="0" i="0" dirty="0">
+                <a:solidFill>
+                  <a:srgbClr val="24292F"/>
+                </a:solidFill>
+                <a:effectLst/>
+                <a:latin typeface="-apple-system"/>
+              </a:rPr>
+              <a:t>Mean Squared Error (MSE) - measures the average squared difference between the predicted and actual prices. A lower MSE value indicates better model performance.</a:t>
+            </a:r>
+          </a:p>
+          <a:p>
+            <a:pPr lvl="1" algn="l">
+              <a:buFont typeface="Arial" panose="020B0604020202020204" pitchFamily="34" charset="0"/>
+              <a:buChar char="•"/>
+            </a:pPr>
+            <a:r>
+              <a:rPr lang="en-US" b="0" i="0" dirty="0">
+                <a:solidFill>
+                  <a:srgbClr val="24292F"/>
+                </a:solidFill>
+                <a:effectLst/>
+                <a:latin typeface="-apple-system"/>
+              </a:rPr>
+              <a:t>Root Mean Squared Error (RMSE)</a:t>
+            </a:r>
+          </a:p>
+          <a:p>
+            <a:pPr lvl="1" algn="l">
+              <a:buFont typeface="Arial" panose="020B0604020202020204" pitchFamily="34" charset="0"/>
+              <a:buChar char="•"/>
+            </a:pPr>
+            <a:r>
+              <a:rPr lang="en-US" b="0" i="0" dirty="0">
+                <a:solidFill>
+                  <a:srgbClr val="24292F"/>
+                </a:solidFill>
+                <a:effectLst/>
+                <a:latin typeface="-apple-system"/>
+              </a:rPr>
+              <a:t>coefficient of determination (R^2) metrics. The predicted prices are compared to the actual prices to measure the accuracy of the model.</a:t>
+            </a:r>
+          </a:p>
+          <a:p>
+            <a:pPr algn="l">
+              <a:buFont typeface="Arial" panose="020B0604020202020204" pitchFamily="34" charset="0"/>
+              <a:buChar char="•"/>
+            </a:pPr>
+            <a:r>
+              <a:rPr lang="en-US" b="0" i="1" dirty="0">
+                <a:solidFill>
+                  <a:srgbClr val="24292F"/>
+                </a:solidFill>
+                <a:effectLst/>
+                <a:latin typeface="-apple-system"/>
+              </a:rPr>
+              <a:t>Model Prediction</a:t>
+            </a:r>
+            <a:r>
+              <a:rPr lang="en-US" b="0" i="0" dirty="0">
+                <a:solidFill>
+                  <a:srgbClr val="24292F"/>
+                </a:solidFill>
+                <a:effectLst/>
+                <a:latin typeface="-apple-system"/>
+              </a:rPr>
+              <a:t>: The trained LSTM model will be used to predict the prices of the five cryptocurrencies for a specific future date range.</a:t>
+            </a:r>
+          </a:p>
+          <a:p>
+            <a:endParaRPr lang="en-US" dirty="0"/>
+          </a:p>
+          <a:p>
+            <a:r>
+              <a:rPr lang="en-US" b="0" i="0" dirty="0">
+                <a:solidFill>
+                  <a:srgbClr val="24292F"/>
+                </a:solidFill>
+                <a:effectLst/>
+                <a:latin typeface="-apple-system"/>
+              </a:rPr>
+              <a:t>Overall, the LSTM model shows promising results in predicting future cryptocurrency prices. However, it is important to note that cryptocurrency prices are highly volatile and unpredictable, and the model's accuracy may vary depending on various factors such as market conditions, news events, and regulatory changes.</a:t>
+            </a:r>
+            <a:endParaRPr lang="en-US" dirty="0"/>
+          </a:p>
+        </p:txBody>
+      </p:sp>
+      <p:sp>
+        <p:nvSpPr>
+          <p:cNvPr id="4" name="Slide Number Placeholder 3"/>
+          <p:cNvSpPr>
+            <a:spLocks noGrp="1"/>
+          </p:cNvSpPr>
+          <p:nvPr>
+            <p:ph type="sldNum" sz="quarter" idx="5"/>
+          </p:nvPr>
+        </p:nvSpPr>
+        <p:spPr/>
+        <p:txBody>
+          <a:bodyPr/>
+          <a:lstStyle/>
+          <a:p>
+            <a:fld id="{2952150E-5FD0-4979-B16F-63AB93BFA1A6}" type="slidenum">
+              <a:rPr lang="en-US" smtClean="0"/>
+              <a:t>10</a:t>
+            </a:fld>
+            <a:endParaRPr lang="en-US"/>
+          </a:p>
+        </p:txBody>
+      </p:sp>
+    </p:spTree>
+    <p:extLst>
+      <p:ext uri="{BB962C8B-B14F-4D97-AF65-F5344CB8AC3E}">
+        <p14:creationId xmlns:p14="http://schemas.microsoft.com/office/powerpoint/2010/main" val="1811814442"/>
+      </p:ext>
+    </p:extLst>
+  </p:cSld>
+  <p:clrMapOvr>
+    <a:masterClrMapping/>
+  </p:clrMapOvr>
+</p:notes>
+</file>
+
+<file path=ppt/notesSlides/notesSlide11.xml><?xml version="1.0" encoding="utf-8"?>
+<p:notes xmlns:a="http://schemas.openxmlformats.org/drawingml/2006/main" xmlns:r="http://schemas.openxmlformats.org/officeDocument/2006/relationships" xmlns:p="http://schemas.openxmlformats.org/presentationml/2006/main">
+  <p:cSld>
+    <p:spTree>
+      <p:nvGrpSpPr>
+        <p:cNvPr id="1" name=""/>
+        <p:cNvGrpSpPr/>
+        <p:nvPr/>
+      </p:nvGrpSpPr>
+      <p:grpSpPr>
+        <a:xfrm>
+          <a:off x="0" y="0"/>
+          <a:ext cx="0" cy="0"/>
+          <a:chOff x="0" y="0"/>
+          <a:chExt cx="0" cy="0"/>
+        </a:xfrm>
+      </p:grpSpPr>
+      <p:sp>
+        <p:nvSpPr>
+          <p:cNvPr id="2" name="Slide Image Placeholder 1"/>
+          <p:cNvSpPr>
+            <a:spLocks noGrp="1" noRot="1" noChangeAspect="1"/>
+          </p:cNvSpPr>
+          <p:nvPr>
+            <p:ph type="sldImg"/>
+          </p:nvPr>
+        </p:nvSpPr>
+        <p:spPr/>
+      </p:sp>
+      <p:sp>
+        <p:nvSpPr>
+          <p:cNvPr id="3" name="Notes Placeholder 2"/>
+          <p:cNvSpPr>
+            <a:spLocks noGrp="1"/>
+          </p:cNvSpPr>
+          <p:nvPr>
+            <p:ph type="body" idx="1"/>
+          </p:nvPr>
+        </p:nvSpPr>
+        <p:spPr/>
+        <p:txBody>
+          <a:bodyPr/>
+          <a:lstStyle/>
+          <a:p>
+            <a:r>
+              <a:rPr lang="en-US" dirty="0"/>
+              <a:t>David</a:t>
+            </a:r>
+          </a:p>
+          <a:p>
+            <a:endParaRPr lang="en-US" dirty="0"/>
+          </a:p>
+          <a:p>
             <a:endParaRPr lang="en-US" dirty="0"/>
           </a:p>
         </p:txBody>
@@ -639,7 +941,181 @@
     </p:spTree>
     <p:extLst>
       <p:ext uri="{BB962C8B-B14F-4D97-AF65-F5344CB8AC3E}">
+        <p14:creationId xmlns:p14="http://schemas.microsoft.com/office/powerpoint/2010/main" val="2906911769"/>
+      </p:ext>
+    </p:extLst>
+  </p:cSld>
+  <p:clrMapOvr>
+    <a:masterClrMapping/>
+  </p:clrMapOvr>
+</p:notes>
+</file>
+
+<file path=ppt/notesSlides/notesSlide12.xml><?xml version="1.0" encoding="utf-8"?>
+<p:notes xmlns:a="http://schemas.openxmlformats.org/drawingml/2006/main" xmlns:r="http://schemas.openxmlformats.org/officeDocument/2006/relationships" xmlns:p="http://schemas.openxmlformats.org/presentationml/2006/main">
+  <p:cSld>
+    <p:spTree>
+      <p:nvGrpSpPr>
+        <p:cNvPr id="1" name=""/>
+        <p:cNvGrpSpPr/>
+        <p:nvPr/>
+      </p:nvGrpSpPr>
+      <p:grpSpPr>
+        <a:xfrm>
+          <a:off x="0" y="0"/>
+          <a:ext cx="0" cy="0"/>
+          <a:chOff x="0" y="0"/>
+          <a:chExt cx="0" cy="0"/>
+        </a:xfrm>
+      </p:grpSpPr>
+      <p:sp>
+        <p:nvSpPr>
+          <p:cNvPr id="2" name="Slide Image Placeholder 1"/>
+          <p:cNvSpPr>
+            <a:spLocks noGrp="1" noRot="1" noChangeAspect="1"/>
+          </p:cNvSpPr>
+          <p:nvPr>
+            <p:ph type="sldImg"/>
+          </p:nvPr>
+        </p:nvSpPr>
+        <p:spPr/>
+      </p:sp>
+      <p:sp>
+        <p:nvSpPr>
+          <p:cNvPr id="3" name="Notes Placeholder 2"/>
+          <p:cNvSpPr>
+            <a:spLocks noGrp="1"/>
+          </p:cNvSpPr>
+          <p:nvPr>
+            <p:ph type="body" idx="1"/>
+          </p:nvPr>
+        </p:nvSpPr>
+        <p:spPr/>
+        <p:txBody>
+          <a:bodyPr/>
+          <a:lstStyle/>
+          <a:p>
+            <a:r>
+              <a:rPr lang="en-US" dirty="0"/>
+              <a:t>Bobbi</a:t>
+            </a:r>
+          </a:p>
+        </p:txBody>
+      </p:sp>
+      <p:sp>
+        <p:nvSpPr>
+          <p:cNvPr id="4" name="Slide Number Placeholder 3"/>
+          <p:cNvSpPr>
+            <a:spLocks noGrp="1"/>
+          </p:cNvSpPr>
+          <p:nvPr>
+            <p:ph type="sldNum" sz="quarter" idx="5"/>
+          </p:nvPr>
+        </p:nvSpPr>
+        <p:spPr/>
+        <p:txBody>
+          <a:bodyPr/>
+          <a:lstStyle/>
+          <a:p>
+            <a:fld id="{2952150E-5FD0-4979-B16F-63AB93BFA1A6}" type="slidenum">
+              <a:rPr lang="en-US" smtClean="0"/>
+              <a:t>12</a:t>
+            </a:fld>
+            <a:endParaRPr lang="en-US"/>
+          </a:p>
+        </p:txBody>
+      </p:sp>
+    </p:spTree>
+    <p:extLst>
+      <p:ext uri="{BB962C8B-B14F-4D97-AF65-F5344CB8AC3E}">
         <p14:creationId xmlns:p14="http://schemas.microsoft.com/office/powerpoint/2010/main" val="3003907291"/>
+      </p:ext>
+    </p:extLst>
+  </p:cSld>
+  <p:clrMapOvr>
+    <a:masterClrMapping/>
+  </p:clrMapOvr>
+</p:notes>
+</file>
+
+<file path=ppt/notesSlides/notesSlide13.xml><?xml version="1.0" encoding="utf-8"?>
+<p:notes xmlns:a="http://schemas.openxmlformats.org/drawingml/2006/main" xmlns:r="http://schemas.openxmlformats.org/officeDocument/2006/relationships" xmlns:p="http://schemas.openxmlformats.org/presentationml/2006/main">
+  <p:cSld>
+    <p:spTree>
+      <p:nvGrpSpPr>
+        <p:cNvPr id="1" name=""/>
+        <p:cNvGrpSpPr/>
+        <p:nvPr/>
+      </p:nvGrpSpPr>
+      <p:grpSpPr>
+        <a:xfrm>
+          <a:off x="0" y="0"/>
+          <a:ext cx="0" cy="0"/>
+          <a:chOff x="0" y="0"/>
+          <a:chExt cx="0" cy="0"/>
+        </a:xfrm>
+      </p:grpSpPr>
+      <p:sp>
+        <p:nvSpPr>
+          <p:cNvPr id="2" name="Slide Image Placeholder 1"/>
+          <p:cNvSpPr>
+            <a:spLocks noGrp="1" noRot="1" noChangeAspect="1"/>
+          </p:cNvSpPr>
+          <p:nvPr>
+            <p:ph type="sldImg"/>
+          </p:nvPr>
+        </p:nvSpPr>
+        <p:spPr/>
+      </p:sp>
+      <p:sp>
+        <p:nvSpPr>
+          <p:cNvPr id="3" name="Notes Placeholder 2"/>
+          <p:cNvSpPr>
+            <a:spLocks noGrp="1"/>
+          </p:cNvSpPr>
+          <p:nvPr>
+            <p:ph type="body" idx="1"/>
+          </p:nvPr>
+        </p:nvSpPr>
+        <p:spPr/>
+        <p:txBody>
+          <a:bodyPr/>
+          <a:lstStyle/>
+          <a:p>
+            <a:r>
+              <a:rPr lang="en-US" dirty="0"/>
+              <a:t>Tyler</a:t>
+            </a:r>
+          </a:p>
+        </p:txBody>
+      </p:sp>
+      <p:sp>
+        <p:nvSpPr>
+          <p:cNvPr id="4" name="Slide Number Placeholder 3"/>
+          <p:cNvSpPr>
+            <a:spLocks noGrp="1"/>
+          </p:cNvSpPr>
+          <p:nvPr>
+            <p:ph type="sldNum" sz="quarter" idx="5"/>
+          </p:nvPr>
+        </p:nvSpPr>
+        <p:spPr/>
+        <p:txBody>
+          <a:bodyPr/>
+          <a:lstStyle/>
+          <a:p>
+            <a:fld id="{2952150E-5FD0-4979-B16F-63AB93BFA1A6}" type="slidenum">
+              <a:rPr lang="en-US" smtClean="0"/>
+              <a:t>13</a:t>
+            </a:fld>
+            <a:endParaRPr lang="en-US"/>
+          </a:p>
+        </p:txBody>
+      </p:sp>
+    </p:spTree>
+    <p:extLst>
+      <p:ext uri="{BB962C8B-B14F-4D97-AF65-F5344CB8AC3E}">
+        <p14:creationId xmlns:p14="http://schemas.microsoft.com/office/powerpoint/2010/main" val="2902554581"/>
       </p:ext>
     </p:extLst>
   </p:cSld>
@@ -702,7 +1178,7 @@
                 <a:latin typeface="Arial" panose="020B0604020202020204" pitchFamily="34" charset="0"/>
                 <a:ea typeface="Calibri" panose="020F0502020204030204" pitchFamily="34" charset="0"/>
               </a:rPr>
-              <a:t>In this project, TABD will be focusing on 5 different cryptocurrencies and their overall performance, specifically: Bitcoin, Dogecoin, Litecoin, Ripple and Ethereum. After running parsed data into specific machine learning algorithms, our goal is obtain predictions whether it is a good time to buy or sell a specific cryptocurrency or not.</a:t>
+              <a:t>Bobbi</a:t>
             </a:r>
           </a:p>
           <a:p>
@@ -716,6 +1192,17 @@
             </a:endParaRPr>
           </a:p>
           <a:p>
+            <a:r>
+              <a:rPr lang="en-US" sz="1800" dirty="0">
+                <a:solidFill>
+                  <a:srgbClr val="0070C0"/>
+                </a:solidFill>
+                <a:effectLst/>
+                <a:latin typeface="Arial" panose="020B0604020202020204" pitchFamily="34" charset="0"/>
+                <a:ea typeface="Calibri" panose="020F0502020204030204" pitchFamily="34" charset="0"/>
+              </a:rPr>
+              <a:t>The cryptocurrency market is a center of a lot of activity. It is a growing market with much potential and profit. Data science is used in cryptocurrency to forecast and predict the prices of these digital coins. This science is used to figure out what causes the changes in prices of the coins, and then indicates whether the prices will increase or decrease in the future. By focusing on market capitalization, or the coins' worth, one will predict how well or poorly a cryptocurrency will perform. </a:t>
+            </a:r>
             <a:endParaRPr lang="en-US" dirty="0"/>
           </a:p>
         </p:txBody>
@@ -737,7 +1224,7 @@
           <a:p>
             <a:fld id="{2952150E-5FD0-4979-B16F-63AB93BFA1A6}" type="slidenum">
               <a:rPr lang="en-US" smtClean="0"/>
-              <a:t>3</a:t>
+              <a:t>2</a:t>
             </a:fld>
             <a:endParaRPr lang="en-US"/>
           </a:p>
@@ -746,7 +1233,7 @@
     </p:spTree>
     <p:extLst>
       <p:ext uri="{BB962C8B-B14F-4D97-AF65-F5344CB8AC3E}">
-        <p14:creationId xmlns:p14="http://schemas.microsoft.com/office/powerpoint/2010/main" val="4033735550"/>
+        <p14:creationId xmlns:p14="http://schemas.microsoft.com/office/powerpoint/2010/main" val="1055987771"/>
       </p:ext>
     </p:extLst>
   </p:cSld>
@@ -800,6 +1287,19 @@
           <a:bodyPr/>
           <a:lstStyle/>
           <a:p>
+            <a:r>
+              <a:rPr lang="en-US" sz="1800" dirty="0">
+                <a:solidFill>
+                  <a:srgbClr val="0070C0"/>
+                </a:solidFill>
+                <a:effectLst/>
+                <a:latin typeface="Arial" panose="020B0604020202020204" pitchFamily="34" charset="0"/>
+                <a:ea typeface="Calibri" panose="020F0502020204030204" pitchFamily="34" charset="0"/>
+              </a:rPr>
+              <a:t>Bobbi</a:t>
+            </a:r>
+          </a:p>
+          <a:p>
             <a:endParaRPr lang="en-US" sz="1800" dirty="0">
               <a:solidFill>
                 <a:srgbClr val="0070C0"/>
@@ -810,6 +1310,29 @@
             </a:endParaRPr>
           </a:p>
           <a:p>
+            <a:r>
+              <a:rPr lang="en-US" sz="1800" dirty="0">
+                <a:solidFill>
+                  <a:srgbClr val="0070C0"/>
+                </a:solidFill>
+                <a:effectLst/>
+                <a:latin typeface="Arial" panose="020B0604020202020204" pitchFamily="34" charset="0"/>
+                <a:ea typeface="Calibri" panose="020F0502020204030204" pitchFamily="34" charset="0"/>
+              </a:rPr>
+              <a:t>In this project, TABD will be focusing on 5 different cryptocurrencies and their overall performance, specifically: Bitcoin, Dogecoin, Litecoin, Ripple and Ethereum. After running parsed data into specific machine learning algorithms, our goal is obtain predictions whether it is a good time to buy or sell a specific cryptocurrency or not.</a:t>
+            </a:r>
+          </a:p>
+          <a:p>
+            <a:endParaRPr lang="en-US" sz="1800" dirty="0">
+              <a:solidFill>
+                <a:srgbClr val="0070C0"/>
+              </a:solidFill>
+              <a:effectLst/>
+              <a:latin typeface="Arial" panose="020B0604020202020204" pitchFamily="34" charset="0"/>
+              <a:ea typeface="Calibri" panose="020F0502020204030204" pitchFamily="34" charset="0"/>
+            </a:endParaRPr>
+          </a:p>
+          <a:p>
             <a:endParaRPr lang="en-US" dirty="0"/>
           </a:p>
         </p:txBody>
@@ -831,7 +1354,7 @@
           <a:p>
             <a:fld id="{2952150E-5FD0-4979-B16F-63AB93BFA1A6}" type="slidenum">
               <a:rPr lang="en-US" smtClean="0"/>
-              <a:t>4</a:t>
+              <a:t>3</a:t>
             </a:fld>
             <a:endParaRPr lang="en-US"/>
           </a:p>
@@ -840,7 +1363,7 @@
     </p:spTree>
     <p:extLst>
       <p:ext uri="{BB962C8B-B14F-4D97-AF65-F5344CB8AC3E}">
-        <p14:creationId xmlns:p14="http://schemas.microsoft.com/office/powerpoint/2010/main" val="791319708"/>
+        <p14:creationId xmlns:p14="http://schemas.microsoft.com/office/powerpoint/2010/main" val="4033735550"/>
       </p:ext>
     </p:extLst>
   </p:cSld>
@@ -894,6 +1417,19 @@
           <a:bodyPr/>
           <a:lstStyle/>
           <a:p>
+            <a:r>
+              <a:rPr lang="en-US" sz="1800" dirty="0">
+                <a:solidFill>
+                  <a:srgbClr val="0070C0"/>
+                </a:solidFill>
+                <a:effectLst/>
+                <a:latin typeface="Arial" panose="020B0604020202020204" pitchFamily="34" charset="0"/>
+                <a:ea typeface="Calibri" panose="020F0502020204030204" pitchFamily="34" charset="0"/>
+              </a:rPr>
+              <a:t>David</a:t>
+            </a:r>
+          </a:p>
+          <a:p>
             <a:endParaRPr lang="en-US" sz="1800" dirty="0">
               <a:solidFill>
                 <a:srgbClr val="0070C0"/>
@@ -904,153 +1440,13 @@
             </a:endParaRPr>
           </a:p>
           <a:p>
-            <a:pPr algn="l">
-              <a:buFont typeface="Arial" panose="020B0604020202020204" pitchFamily="34" charset="0"/>
-              <a:buChar char="•"/>
-            </a:pPr>
-            <a:r>
-              <a:rPr lang="en-US" b="0" i="0" dirty="0">
-                <a:solidFill>
-                  <a:srgbClr val="24292F"/>
-                </a:solidFill>
-                <a:effectLst/>
-                <a:latin typeface="-apple-system"/>
-              </a:rPr>
-              <a:t>API connections were used to get real time data of current crypto price and to evaluate the type of market.</a:t>
-            </a:r>
-          </a:p>
-          <a:p>
-            <a:pPr algn="l">
-              <a:buFont typeface="Arial" panose="020B0604020202020204" pitchFamily="34" charset="0"/>
-              <a:buChar char="•"/>
-            </a:pPr>
-            <a:r>
-              <a:rPr lang="en-US" b="0" i="0" dirty="0">
-                <a:solidFill>
-                  <a:srgbClr val="24292F"/>
-                </a:solidFill>
-                <a:effectLst/>
-                <a:latin typeface="-apple-system"/>
-              </a:rPr>
-              <a:t>Ten years data for each cryptocurrency was used for the machine learning module to attempt to predict the price within 60 days of data.</a:t>
-            </a:r>
-          </a:p>
-          <a:p>
-            <a:pPr algn="l">
-              <a:buFont typeface="Arial" panose="020B0604020202020204" pitchFamily="34" charset="0"/>
-              <a:buChar char="•"/>
-            </a:pPr>
-            <a:r>
-              <a:rPr lang="en-US" b="0" i="0" dirty="0">
-                <a:solidFill>
-                  <a:srgbClr val="24292F"/>
-                </a:solidFill>
-                <a:effectLst/>
-                <a:latin typeface="-apple-system"/>
-              </a:rPr>
-              <a:t>Two years data was analyzed and averaged by weekday to see if there were any trends for high/low days.</a:t>
-            </a:r>
-          </a:p>
-          <a:p>
-            <a:endParaRPr lang="en-US" dirty="0"/>
-          </a:p>
-          <a:p>
-            <a:pPr algn="l"/>
-            <a:r>
-              <a:rPr lang="en-US" b="1" i="0" dirty="0">
-                <a:solidFill>
-                  <a:srgbClr val="24292F"/>
-                </a:solidFill>
-                <a:effectLst/>
-                <a:latin typeface="-apple-system"/>
-              </a:rPr>
-              <a:t>Monthly Data</a:t>
-            </a:r>
-          </a:p>
-          <a:p>
-            <a:pPr algn="l"/>
-            <a:r>
-              <a:rPr lang="en-US" b="0" i="0" u="none" strike="noStrike" dirty="0" err="1">
-                <a:solidFill>
-                  <a:srgbClr val="24292F"/>
-                </a:solidFill>
-                <a:effectLst/>
-                <a:latin typeface="-apple-system"/>
-              </a:rPr>
-              <a:t>CoinMetrics</a:t>
-            </a:r>
-            <a:endParaRPr lang="en-US" b="0" i="0" dirty="0">
+            <a:endParaRPr lang="en-US" sz="1800" dirty="0">
               <a:solidFill>
-                <a:srgbClr val="24292F"/>
+                <a:srgbClr val="0070C0"/>
               </a:solidFill>
               <a:effectLst/>
-              <a:latin typeface="-apple-system"/>
-            </a:endParaRPr>
-          </a:p>
-          <a:p>
-            <a:pPr algn="l"/>
-            <a:r>
-              <a:rPr lang="en-US" b="1" i="0" dirty="0">
-                <a:solidFill>
-                  <a:srgbClr val="24292F"/>
-                </a:solidFill>
-                <a:effectLst/>
-                <a:latin typeface="-apple-system"/>
-              </a:rPr>
-              <a:t>Daily Data</a:t>
-            </a:r>
-          </a:p>
-          <a:p>
-            <a:pPr algn="l"/>
-            <a:r>
-              <a:rPr lang="en-US" b="0" i="0" u="none" strike="noStrike" dirty="0">
-                <a:solidFill>
-                  <a:srgbClr val="24292F"/>
-                </a:solidFill>
-                <a:effectLst/>
-                <a:latin typeface="-apple-system"/>
-              </a:rPr>
-              <a:t>Investing.com</a:t>
-            </a:r>
-            <a:endParaRPr lang="en-US" b="0" i="0" dirty="0">
-              <a:solidFill>
-                <a:srgbClr val="24292F"/>
-              </a:solidFill>
-              <a:effectLst/>
-              <a:latin typeface="-apple-system"/>
-            </a:endParaRPr>
-          </a:p>
-          <a:p>
-            <a:pPr algn="l"/>
-            <a:r>
-              <a:rPr lang="en-US" b="1" i="0" dirty="0">
-                <a:solidFill>
-                  <a:srgbClr val="24292F"/>
-                </a:solidFill>
-                <a:effectLst/>
-                <a:latin typeface="-apple-system"/>
-              </a:rPr>
-              <a:t>Definitions</a:t>
-            </a:r>
-          </a:p>
-          <a:p>
-            <a:pPr algn="l"/>
-            <a:r>
-              <a:rPr lang="en-US" b="0" i="0" u="none" strike="noStrike" dirty="0">
-                <a:solidFill>
-                  <a:srgbClr val="24292F"/>
-                </a:solidFill>
-                <a:effectLst/>
-                <a:latin typeface="-apple-system"/>
-              </a:rPr>
-              <a:t>Investopedia</a:t>
-            </a:r>
-            <a:endParaRPr lang="en-US" b="0" i="0" dirty="0">
-              <a:solidFill>
-                <a:srgbClr val="24292F"/>
-              </a:solidFill>
-              <a:effectLst/>
-              <a:latin typeface="-apple-system"/>
+              <a:latin typeface="Arial" panose="020B0604020202020204" pitchFamily="34" charset="0"/>
+              <a:ea typeface="Calibri" panose="020F0502020204030204" pitchFamily="34" charset="0"/>
             </a:endParaRPr>
           </a:p>
           <a:p>
@@ -1075,7 +1471,7 @@
           <a:p>
             <a:fld id="{2952150E-5FD0-4979-B16F-63AB93BFA1A6}" type="slidenum">
               <a:rPr lang="en-US" smtClean="0"/>
-              <a:t>5</a:t>
+              <a:t>4</a:t>
             </a:fld>
             <a:endParaRPr lang="en-US"/>
           </a:p>
@@ -1084,7 +1480,7 @@
     </p:spTree>
     <p:extLst>
       <p:ext uri="{BB962C8B-B14F-4D97-AF65-F5344CB8AC3E}">
-        <p14:creationId xmlns:p14="http://schemas.microsoft.com/office/powerpoint/2010/main" val="2496513658"/>
+        <p14:creationId xmlns:p14="http://schemas.microsoft.com/office/powerpoint/2010/main" val="791319708"/>
       </p:ext>
     </p:extLst>
   </p:cSld>
@@ -1138,6 +1534,169 @@
           <a:bodyPr/>
           <a:lstStyle/>
           <a:p>
+            <a:r>
+              <a:rPr lang="en-US" sz="1800" dirty="0">
+                <a:solidFill>
+                  <a:srgbClr val="0070C0"/>
+                </a:solidFill>
+                <a:effectLst/>
+                <a:latin typeface="Arial" panose="020B0604020202020204" pitchFamily="34" charset="0"/>
+                <a:ea typeface="Calibri" panose="020F0502020204030204" pitchFamily="34" charset="0"/>
+              </a:rPr>
+              <a:t>David</a:t>
+            </a:r>
+          </a:p>
+          <a:p>
+            <a:pPr algn="l">
+              <a:buFont typeface="Arial" panose="020B0604020202020204" pitchFamily="34" charset="0"/>
+              <a:buChar char="•"/>
+            </a:pPr>
+            <a:r>
+              <a:rPr lang="en-US" b="0" i="0" dirty="0">
+                <a:solidFill>
+                  <a:srgbClr val="24292F"/>
+                </a:solidFill>
+                <a:effectLst/>
+                <a:latin typeface="-apple-system"/>
+              </a:rPr>
+              <a:t>API connections were used to get real time data of current crypto price and to evaluate the type of market.</a:t>
+            </a:r>
+          </a:p>
+          <a:p>
+            <a:pPr algn="l">
+              <a:buFont typeface="Arial" panose="020B0604020202020204" pitchFamily="34" charset="0"/>
+              <a:buChar char="•"/>
+            </a:pPr>
+            <a:r>
+              <a:rPr lang="en-US" b="0" i="0" dirty="0">
+                <a:solidFill>
+                  <a:srgbClr val="24292F"/>
+                </a:solidFill>
+                <a:effectLst/>
+                <a:latin typeface="-apple-system"/>
+              </a:rPr>
+              <a:t>Ten years data for each cryptocurrency was used for the machine learning module to attempt to predict the price within 60 days of data.</a:t>
+            </a:r>
+          </a:p>
+          <a:p>
+            <a:pPr algn="l">
+              <a:buFont typeface="Arial" panose="020B0604020202020204" pitchFamily="34" charset="0"/>
+              <a:buChar char="•"/>
+            </a:pPr>
+            <a:r>
+              <a:rPr lang="en-US" b="0" i="0" dirty="0">
+                <a:solidFill>
+                  <a:srgbClr val="24292F"/>
+                </a:solidFill>
+                <a:effectLst/>
+                <a:latin typeface="-apple-system"/>
+              </a:rPr>
+              <a:t>Two years data was analyzed and averaged by weekday to see if there were any trends for high/low days.</a:t>
+            </a:r>
+          </a:p>
+          <a:p>
+            <a:endParaRPr lang="en-US" dirty="0"/>
+          </a:p>
+          <a:p>
+            <a:pPr algn="l"/>
+            <a:r>
+              <a:rPr lang="en-US" b="1" i="0" dirty="0">
+                <a:solidFill>
+                  <a:srgbClr val="24292F"/>
+                </a:solidFill>
+                <a:effectLst/>
+                <a:latin typeface="-apple-system"/>
+              </a:rPr>
+              <a:t>Monthly Data</a:t>
+            </a:r>
+          </a:p>
+          <a:p>
+            <a:pPr algn="l"/>
+            <a:r>
+              <a:rPr lang="en-US" b="0" i="0" u="none" strike="noStrike" dirty="0" err="1">
+                <a:solidFill>
+                  <a:srgbClr val="24292F"/>
+                </a:solidFill>
+                <a:effectLst/>
+                <a:latin typeface="-apple-system"/>
+              </a:rPr>
+              <a:t>CoinMetrics</a:t>
+            </a:r>
+            <a:endParaRPr lang="en-US" b="0" i="0" dirty="0">
+              <a:solidFill>
+                <a:srgbClr val="24292F"/>
+              </a:solidFill>
+              <a:effectLst/>
+              <a:latin typeface="-apple-system"/>
+            </a:endParaRPr>
+          </a:p>
+          <a:p>
+            <a:pPr algn="l"/>
+            <a:r>
+              <a:rPr lang="en-US" b="1" i="0" dirty="0">
+                <a:solidFill>
+                  <a:srgbClr val="24292F"/>
+                </a:solidFill>
+                <a:effectLst/>
+                <a:latin typeface="-apple-system"/>
+              </a:rPr>
+              <a:t>Daily Data</a:t>
+            </a:r>
+          </a:p>
+          <a:p>
+            <a:pPr algn="l"/>
+            <a:r>
+              <a:rPr lang="en-US" b="0" i="0" u="none" strike="noStrike" dirty="0">
+                <a:solidFill>
+                  <a:srgbClr val="24292F"/>
+                </a:solidFill>
+                <a:effectLst/>
+                <a:latin typeface="-apple-system"/>
+              </a:rPr>
+              <a:t>Investing.com</a:t>
+            </a:r>
+            <a:endParaRPr lang="en-US" b="0" i="0" dirty="0">
+              <a:solidFill>
+                <a:srgbClr val="24292F"/>
+              </a:solidFill>
+              <a:effectLst/>
+              <a:latin typeface="-apple-system"/>
+            </a:endParaRPr>
+          </a:p>
+          <a:p>
+            <a:pPr algn="l"/>
+            <a:r>
+              <a:rPr lang="en-US" b="1" i="0" dirty="0">
+                <a:solidFill>
+                  <a:srgbClr val="24292F"/>
+                </a:solidFill>
+                <a:effectLst/>
+                <a:latin typeface="-apple-system"/>
+              </a:rPr>
+              <a:t>Definitions</a:t>
+            </a:r>
+          </a:p>
+          <a:p>
+            <a:pPr algn="l"/>
+            <a:r>
+              <a:rPr lang="en-US" b="0" i="0" u="none" strike="noStrike" dirty="0">
+                <a:solidFill>
+                  <a:srgbClr val="24292F"/>
+                </a:solidFill>
+                <a:effectLst/>
+                <a:latin typeface="-apple-system"/>
+              </a:rPr>
+              <a:t>Investopedia</a:t>
+            </a:r>
+            <a:endParaRPr lang="en-US" b="0" i="0" dirty="0">
+              <a:solidFill>
+                <a:srgbClr val="24292F"/>
+              </a:solidFill>
+              <a:effectLst/>
+              <a:latin typeface="-apple-system"/>
+            </a:endParaRPr>
+          </a:p>
+          <a:p>
             <a:endParaRPr lang="en-US" dirty="0"/>
           </a:p>
         </p:txBody>
@@ -1159,7 +1718,7 @@
           <a:p>
             <a:fld id="{2952150E-5FD0-4979-B16F-63AB93BFA1A6}" type="slidenum">
               <a:rPr lang="en-US" smtClean="0"/>
-              <a:t>6</a:t>
+              <a:t>5</a:t>
             </a:fld>
             <a:endParaRPr lang="en-US"/>
           </a:p>
@@ -1168,7 +1727,7 @@
     </p:spTree>
     <p:extLst>
       <p:ext uri="{BB962C8B-B14F-4D97-AF65-F5344CB8AC3E}">
-        <p14:creationId xmlns:p14="http://schemas.microsoft.com/office/powerpoint/2010/main" val="2095300615"/>
+        <p14:creationId xmlns:p14="http://schemas.microsoft.com/office/powerpoint/2010/main" val="2496513658"/>
       </p:ext>
     </p:extLst>
   </p:cSld>
@@ -1222,247 +1781,15 @@
           <a:bodyPr/>
           <a:lstStyle/>
           <a:p>
-            <a:pPr marL="0" marR="0" lvl="0" indent="0" algn="l" defTabSz="914400" rtl="0" eaLnBrk="1" fontAlgn="auto" latinLnBrk="0" hangingPunct="1">
-              <a:lnSpc>
-                <a:spcPct val="100000"/>
-              </a:lnSpc>
-              <a:spcBef>
-                <a:spcPts val="0"/>
-              </a:spcBef>
-              <a:spcAft>
-                <a:spcPts val="0"/>
-              </a:spcAft>
-              <a:buClrTx/>
-              <a:buSzTx/>
-              <a:buFontTx/>
-              <a:buNone/>
-              <a:tabLst/>
-              <a:defRPr/>
-            </a:pPr>
-            <a:r>
-              <a:rPr lang="en-US" b="0" i="1" dirty="0">
-                <a:solidFill>
-                  <a:srgbClr val="24292F"/>
-                </a:solidFill>
-                <a:effectLst/>
-                <a:latin typeface="-apple-system"/>
-              </a:rPr>
-              <a:t>Data Preprocessing</a:t>
-            </a:r>
-            <a:r>
-              <a:rPr lang="en-US" b="0" i="0" dirty="0">
-                <a:solidFill>
-                  <a:srgbClr val="24292F"/>
-                </a:solidFill>
-                <a:effectLst/>
-                <a:latin typeface="-apple-system"/>
-              </a:rPr>
-              <a:t>: The collected data will be preprocessed to ensure that it is clean, complete, and ready for training. This will involve removing missing values, normalizing the data, and splitting it into training and testing sets.</a:t>
-            </a:r>
-          </a:p>
-          <a:p>
-            <a:endParaRPr lang="en-US" b="0" i="0" dirty="0">
-              <a:solidFill>
-                <a:srgbClr val="24292F"/>
-              </a:solidFill>
-              <a:effectLst/>
-              <a:latin typeface="-apple-system"/>
-            </a:endParaRPr>
-          </a:p>
-          <a:p>
-            <a:endParaRPr lang="en-US" b="0" i="0" dirty="0">
-              <a:solidFill>
-                <a:srgbClr val="24292F"/>
-              </a:solidFill>
-              <a:effectLst/>
-              <a:latin typeface="-apple-system"/>
-            </a:endParaRPr>
-          </a:p>
-          <a:p>
-            <a:r>
-              <a:rPr lang="en-US" b="0" i="0" dirty="0">
-                <a:solidFill>
-                  <a:srgbClr val="24292F"/>
-                </a:solidFill>
-                <a:effectLst/>
-                <a:latin typeface="-apple-system"/>
-              </a:rPr>
-              <a:t>Part 1 was identifying all the files that I needed to combine. I found a library that I could use to pull the files into a list. The library was glob below is how I used the library to pull all 5 file.</a:t>
-            </a:r>
-          </a:p>
-          <a:p>
-            <a:endParaRPr lang="en-US" b="0" i="0" dirty="0">
-              <a:solidFill>
-                <a:srgbClr val="24292F"/>
-              </a:solidFill>
-              <a:effectLst/>
-              <a:latin typeface="-apple-system"/>
-            </a:endParaRPr>
-          </a:p>
-          <a:p>
-            <a:r>
-              <a:rPr lang="en-US" b="0" i="0" dirty="0">
-                <a:solidFill>
-                  <a:srgbClr val="24292F"/>
-                </a:solidFill>
-                <a:effectLst/>
-                <a:latin typeface="-apple-system"/>
-              </a:rPr>
-              <a:t>Part 2 was to combine all 5 files into one </a:t>
-            </a:r>
-            <a:r>
-              <a:rPr lang="en-US" b="0" i="0" dirty="0" err="1">
-                <a:solidFill>
-                  <a:srgbClr val="24292F"/>
-                </a:solidFill>
-                <a:effectLst/>
-                <a:latin typeface="-apple-system"/>
-              </a:rPr>
-              <a:t>DataFrame</a:t>
-            </a:r>
-            <a:r>
-              <a:rPr lang="en-US" b="0" i="0" dirty="0">
-                <a:solidFill>
-                  <a:srgbClr val="24292F"/>
-                </a:solidFill>
-                <a:effectLst/>
-                <a:latin typeface="-apple-system"/>
-              </a:rPr>
-              <a:t>. I had a challenge doing this as most of the files had different number of headers. To solve this I needed to pull in the join parameter and set it to inner. This would only bring in columns from every data set that they all had in common.</a:t>
-            </a:r>
-          </a:p>
-          <a:p>
-            <a:endParaRPr lang="en-US" b="0" i="0" dirty="0">
-              <a:solidFill>
-                <a:srgbClr val="24292F"/>
-              </a:solidFill>
-              <a:effectLst/>
-              <a:latin typeface="-apple-system"/>
-            </a:endParaRPr>
-          </a:p>
-          <a:p>
-            <a:r>
-              <a:rPr lang="en-US" b="0" i="0" dirty="0">
-                <a:solidFill>
-                  <a:srgbClr val="24292F"/>
-                </a:solidFill>
-                <a:effectLst/>
-                <a:latin typeface="-apple-system"/>
-              </a:rPr>
-              <a:t>Convert </a:t>
-            </a:r>
-            <a:r>
-              <a:rPr lang="en-US" b="0" i="0" dirty="0" err="1">
-                <a:solidFill>
-                  <a:srgbClr val="24292F"/>
-                </a:solidFill>
-                <a:effectLst/>
-                <a:latin typeface="-apple-system"/>
-              </a:rPr>
-              <a:t>DataTypes</a:t>
-            </a:r>
-            <a:r>
-              <a:rPr lang="en-US" b="0" i="0" dirty="0">
-                <a:solidFill>
-                  <a:srgbClr val="24292F"/>
-                </a:solidFill>
-                <a:effectLst/>
-                <a:latin typeface="-apple-system"/>
-              </a:rPr>
-              <a:t> –  Object Time to </a:t>
-            </a:r>
-            <a:r>
-              <a:rPr lang="en-US" b="0" i="0" dirty="0" err="1">
-                <a:solidFill>
-                  <a:srgbClr val="24292F"/>
-                </a:solidFill>
-                <a:effectLst/>
-                <a:latin typeface="-apple-system"/>
-              </a:rPr>
-              <a:t>DateTime</a:t>
-            </a:r>
-            <a:r>
-              <a:rPr lang="en-US" b="0" i="0" dirty="0">
-                <a:solidFill>
-                  <a:srgbClr val="24292F"/>
-                </a:solidFill>
-                <a:effectLst/>
-                <a:latin typeface="-apple-system"/>
-              </a:rPr>
-              <a:t> </a:t>
-            </a:r>
-          </a:p>
-          <a:p>
-            <a:r>
-              <a:rPr lang="en-US" b="0" i="0" dirty="0">
-                <a:solidFill>
-                  <a:srgbClr val="24292F"/>
-                </a:solidFill>
-                <a:effectLst/>
-                <a:latin typeface="-apple-system"/>
-              </a:rPr>
-              <a:t>Drop NAN values</a:t>
-            </a:r>
-          </a:p>
-          <a:p>
-            <a:r>
-              <a:rPr lang="en-US" b="0" i="0" dirty="0">
-                <a:solidFill>
-                  <a:srgbClr val="24292F"/>
-                </a:solidFill>
-                <a:effectLst/>
-                <a:latin typeface="-apple-system"/>
-              </a:rPr>
-              <a:t>Drop duplicates</a:t>
-            </a:r>
-          </a:p>
-          <a:p>
-            <a:r>
-              <a:rPr lang="en-US" b="0" i="0" dirty="0">
-                <a:solidFill>
-                  <a:srgbClr val="24292F"/>
-                </a:solidFill>
-                <a:effectLst/>
-                <a:latin typeface="-apple-system"/>
-              </a:rPr>
-              <a:t>Export to csv</a:t>
-            </a:r>
-          </a:p>
-          <a:p>
-            <a:r>
-              <a:rPr lang="en-US" b="0" i="0" dirty="0">
-                <a:solidFill>
-                  <a:srgbClr val="24292F"/>
-                </a:solidFill>
-                <a:effectLst/>
-                <a:latin typeface="-apple-system"/>
-              </a:rPr>
-              <a:t>Create new DF with only columns needed: Date, Crypto Name, Price</a:t>
-            </a:r>
-          </a:p>
-          <a:p>
-            <a:r>
-              <a:rPr lang="en-US" b="0" i="0" dirty="0">
-                <a:solidFill>
-                  <a:srgbClr val="24292F"/>
-                </a:solidFill>
-                <a:effectLst/>
-                <a:latin typeface="-apple-system"/>
-              </a:rPr>
-              <a:t>Changing Name to symbol</a:t>
-            </a:r>
-          </a:p>
-          <a:p>
-            <a:r>
-              <a:rPr lang="en-US" b="0" i="0" dirty="0">
-                <a:solidFill>
-                  <a:srgbClr val="24292F"/>
-                </a:solidFill>
-                <a:effectLst/>
-                <a:latin typeface="-apple-system"/>
-              </a:rPr>
-              <a:t>Calculate percentage change values</a:t>
-            </a:r>
+            <a:r>
+              <a:rPr lang="en-US" dirty="0"/>
+              <a:t>David</a:t>
+            </a:r>
+          </a:p>
+          <a:p>
+            <a:endParaRPr lang="en-US" dirty="0"/>
+          </a:p>
+          <a:p>
             <a:endParaRPr lang="en-US" dirty="0"/>
           </a:p>
         </p:txBody>
@@ -1484,7 +1811,7 @@
           <a:p>
             <a:fld id="{2952150E-5FD0-4979-B16F-63AB93BFA1A6}" type="slidenum">
               <a:rPr lang="en-US" smtClean="0"/>
-              <a:t>7</a:t>
+              <a:t>6</a:t>
             </a:fld>
             <a:endParaRPr lang="en-US"/>
           </a:p>
@@ -1493,7 +1820,7 @@
     </p:spTree>
     <p:extLst>
       <p:ext uri="{BB962C8B-B14F-4D97-AF65-F5344CB8AC3E}">
-        <p14:creationId xmlns:p14="http://schemas.microsoft.com/office/powerpoint/2010/main" val="2074955541"/>
+        <p14:creationId xmlns:p14="http://schemas.microsoft.com/office/powerpoint/2010/main" val="2095300615"/>
       </p:ext>
     </p:extLst>
   </p:cSld>
@@ -1547,27 +1874,277 @@
           <a:bodyPr/>
           <a:lstStyle/>
           <a:p>
-            <a:r>
-              <a:rPr lang="en-US" sz="1800" dirty="0">
-                <a:solidFill>
-                  <a:srgbClr val="0070C0"/>
+            <a:pPr marL="0" marR="0" lvl="0" indent="0" algn="l" defTabSz="914400" rtl="0" eaLnBrk="1" fontAlgn="auto" latinLnBrk="0" hangingPunct="1">
+              <a:lnSpc>
+                <a:spcPct val="100000"/>
+              </a:lnSpc>
+              <a:spcBef>
+                <a:spcPts val="0"/>
+              </a:spcBef>
+              <a:spcAft>
+                <a:spcPts val="0"/>
+              </a:spcAft>
+              <a:buClrTx/>
+              <a:buSzTx/>
+              <a:buFontTx/>
+              <a:buNone/>
+              <a:tabLst/>
+              <a:defRPr/>
+            </a:pPr>
+            <a:r>
+              <a:rPr lang="en-US" b="0" i="1" dirty="0">
+                <a:solidFill>
+                  <a:srgbClr val="24292F"/>
                 </a:solidFill>
                 <a:effectLst/>
-                <a:latin typeface="Arial" panose="020B0604020202020204" pitchFamily="34" charset="0"/>
-                <a:ea typeface="Calibri" panose="020F0502020204030204" pitchFamily="34" charset="0"/>
+                <a:latin typeface="-apple-system"/>
               </a:rPr>
-              <a:t>In addition, we will be able to determine which kind of crypto market the data falls under, whether is it a bull, bear, or neutral market.</a:t>
-            </a:r>
-          </a:p>
-          <a:p>
-            <a:endParaRPr lang="en-US" sz="1800" dirty="0">
+              <a:t>Aaron</a:t>
+            </a:r>
+          </a:p>
+          <a:p>
+            <a:pPr marL="0" marR="0" lvl="0" indent="0" algn="l" defTabSz="914400" rtl="0" eaLnBrk="1" fontAlgn="auto" latinLnBrk="0" hangingPunct="1">
+              <a:lnSpc>
+                <a:spcPct val="100000"/>
+              </a:lnSpc>
+              <a:spcBef>
+                <a:spcPts val="0"/>
+              </a:spcBef>
+              <a:spcAft>
+                <a:spcPts val="0"/>
+              </a:spcAft>
+              <a:buClrTx/>
+              <a:buSzTx/>
+              <a:buFontTx/>
+              <a:buNone/>
+              <a:tabLst/>
+              <a:defRPr/>
+            </a:pPr>
+            <a:r>
+              <a:rPr lang="en-US" b="0" i="1" dirty="0">
+                <a:solidFill>
+                  <a:srgbClr val="24292F"/>
+                </a:solidFill>
+                <a:effectLst/>
+                <a:latin typeface="-apple-system"/>
+              </a:rPr>
+              <a:t>Data Preprocessing</a:t>
+            </a:r>
+            <a:r>
+              <a:rPr lang="en-US" b="0" i="0" dirty="0">
+                <a:solidFill>
+                  <a:srgbClr val="24292F"/>
+                </a:solidFill>
+                <a:effectLst/>
+                <a:latin typeface="-apple-system"/>
+              </a:rPr>
+              <a:t>: The collected data will be preprocessed to ensure that it is clean, complete, and ready for training. This will involve removing missing values, normalizing the data, and splitting it into training and testing sets.</a:t>
+            </a:r>
+          </a:p>
+          <a:p>
+            <a:endParaRPr lang="en-US" b="0" i="0" dirty="0">
               <a:solidFill>
-                <a:srgbClr val="0070C0"/>
+                <a:srgbClr val="24292F"/>
               </a:solidFill>
               <a:effectLst/>
-              <a:latin typeface="Arial" panose="020B0604020202020204" pitchFamily="34" charset="0"/>
-              <a:ea typeface="Calibri" panose="020F0502020204030204" pitchFamily="34" charset="0"/>
+              <a:latin typeface="-apple-system"/>
             </a:endParaRPr>
+          </a:p>
+          <a:p>
+            <a:endParaRPr lang="en-US" b="0" i="0" dirty="0">
+              <a:solidFill>
+                <a:srgbClr val="24292F"/>
+              </a:solidFill>
+              <a:effectLst/>
+              <a:latin typeface="-apple-system"/>
+            </a:endParaRPr>
+          </a:p>
+          <a:p>
+            <a:r>
+              <a:rPr lang="en-US" b="0" i="0" dirty="0">
+                <a:solidFill>
+                  <a:srgbClr val="24292F"/>
+                </a:solidFill>
+                <a:effectLst/>
+                <a:latin typeface="-apple-system"/>
+              </a:rPr>
+              <a:t>Part 1 was identifying all the files that I needed to combine. I found a library that I could use to pull the files into a list. The library was glob below is how I used the library to pull all 5 file.</a:t>
+            </a:r>
+          </a:p>
+          <a:p>
+            <a:endParaRPr lang="en-US" b="0" i="0" dirty="0">
+              <a:solidFill>
+                <a:srgbClr val="24292F"/>
+              </a:solidFill>
+              <a:effectLst/>
+              <a:latin typeface="-apple-system"/>
+            </a:endParaRPr>
+          </a:p>
+          <a:p>
+            <a:r>
+              <a:rPr lang="en-US" b="0" i="0" dirty="0">
+                <a:solidFill>
+                  <a:srgbClr val="24292F"/>
+                </a:solidFill>
+                <a:effectLst/>
+                <a:latin typeface="-apple-system"/>
+              </a:rPr>
+              <a:t>Part 2 was to combine all 5 files into one </a:t>
+            </a:r>
+            <a:r>
+              <a:rPr lang="en-US" b="0" i="0" dirty="0" err="1">
+                <a:solidFill>
+                  <a:srgbClr val="24292F"/>
+                </a:solidFill>
+                <a:effectLst/>
+                <a:latin typeface="-apple-system"/>
+              </a:rPr>
+              <a:t>DataFrame</a:t>
+            </a:r>
+            <a:r>
+              <a:rPr lang="en-US" b="0" i="0" dirty="0">
+                <a:solidFill>
+                  <a:srgbClr val="24292F"/>
+                </a:solidFill>
+                <a:effectLst/>
+                <a:latin typeface="-apple-system"/>
+              </a:rPr>
+              <a:t>. I had a challenge doing this as most of the files had different number of headers. To solve this I needed to pull in the join parameter and set it to inner. This would only bring in columns from every data set that they all had in common.</a:t>
+            </a:r>
+          </a:p>
+          <a:p>
+            <a:endParaRPr lang="en-US" b="0" i="0" dirty="0">
+              <a:solidFill>
+                <a:srgbClr val="24292F"/>
+              </a:solidFill>
+              <a:effectLst/>
+              <a:latin typeface="-apple-system"/>
+            </a:endParaRPr>
+          </a:p>
+          <a:p>
+            <a:r>
+              <a:rPr lang="en-US" b="0" i="0" dirty="0">
+                <a:solidFill>
+                  <a:srgbClr val="24292F"/>
+                </a:solidFill>
+                <a:effectLst/>
+                <a:latin typeface="-apple-system"/>
+              </a:rPr>
+              <a:t>Convert </a:t>
+            </a:r>
+            <a:r>
+              <a:rPr lang="en-US" b="0" i="0" dirty="0" err="1">
+                <a:solidFill>
+                  <a:srgbClr val="24292F"/>
+                </a:solidFill>
+                <a:effectLst/>
+                <a:latin typeface="-apple-system"/>
+              </a:rPr>
+              <a:t>DataTypes</a:t>
+            </a:r>
+            <a:r>
+              <a:rPr lang="en-US" b="0" i="0" dirty="0">
+                <a:solidFill>
+                  <a:srgbClr val="24292F"/>
+                </a:solidFill>
+                <a:effectLst/>
+                <a:latin typeface="-apple-system"/>
+              </a:rPr>
+              <a:t> –  Object Time to </a:t>
+            </a:r>
+            <a:r>
+              <a:rPr lang="en-US" b="0" i="0" dirty="0" err="1">
+                <a:solidFill>
+                  <a:srgbClr val="24292F"/>
+                </a:solidFill>
+                <a:effectLst/>
+                <a:latin typeface="-apple-system"/>
+              </a:rPr>
+              <a:t>DateTime</a:t>
+            </a:r>
+            <a:r>
+              <a:rPr lang="en-US" b="0" i="0" dirty="0">
+                <a:solidFill>
+                  <a:srgbClr val="24292F"/>
+                </a:solidFill>
+                <a:effectLst/>
+                <a:latin typeface="-apple-system"/>
+              </a:rPr>
+              <a:t> </a:t>
+            </a:r>
+          </a:p>
+          <a:p>
+            <a:r>
+              <a:rPr lang="en-US" b="0" i="0" dirty="0">
+                <a:solidFill>
+                  <a:srgbClr val="24292F"/>
+                </a:solidFill>
+                <a:effectLst/>
+                <a:latin typeface="-apple-system"/>
+              </a:rPr>
+              <a:t>Drop NAN values</a:t>
+            </a:r>
+          </a:p>
+          <a:p>
+            <a:r>
+              <a:rPr lang="en-US" b="0" i="0" dirty="0">
+                <a:solidFill>
+                  <a:srgbClr val="24292F"/>
+                </a:solidFill>
+                <a:effectLst/>
+                <a:latin typeface="-apple-system"/>
+              </a:rPr>
+              <a:t>Drop duplicates</a:t>
+            </a:r>
+          </a:p>
+          <a:p>
+            <a:r>
+              <a:rPr lang="en-US" b="0" i="0" dirty="0">
+                <a:solidFill>
+                  <a:srgbClr val="24292F"/>
+                </a:solidFill>
+                <a:effectLst/>
+                <a:latin typeface="-apple-system"/>
+              </a:rPr>
+              <a:t>Export to csv</a:t>
+            </a:r>
+          </a:p>
+          <a:p>
+            <a:r>
+              <a:rPr lang="en-US" b="0" i="0" dirty="0">
+                <a:solidFill>
+                  <a:srgbClr val="24292F"/>
+                </a:solidFill>
+                <a:effectLst/>
+                <a:latin typeface="-apple-system"/>
+              </a:rPr>
+              <a:t>Create new DF with only columns needed: Date, Crypto Name, Price</a:t>
+            </a:r>
+          </a:p>
+          <a:p>
+            <a:r>
+              <a:rPr lang="en-US" b="0" i="0" dirty="0">
+                <a:solidFill>
+                  <a:srgbClr val="24292F"/>
+                </a:solidFill>
+                <a:effectLst/>
+                <a:latin typeface="-apple-system"/>
+              </a:rPr>
+              <a:t>Changing Name to symbol</a:t>
+            </a:r>
+          </a:p>
+          <a:p>
+            <a:r>
+              <a:rPr lang="en-US" b="0" i="0" dirty="0">
+                <a:solidFill>
+                  <a:srgbClr val="24292F"/>
+                </a:solidFill>
+                <a:effectLst/>
+                <a:latin typeface="-apple-system"/>
+              </a:rPr>
+              <a:t>Calculate percentage change values</a:t>
+            </a:r>
+            <a:endParaRPr lang="en-US" dirty="0"/>
           </a:p>
         </p:txBody>
       </p:sp>
@@ -1588,7 +2165,7 @@
           <a:p>
             <a:fld id="{2952150E-5FD0-4979-B16F-63AB93BFA1A6}" type="slidenum">
               <a:rPr lang="en-US" smtClean="0"/>
-              <a:t>8</a:t>
+              <a:t>7</a:t>
             </a:fld>
             <a:endParaRPr lang="en-US"/>
           </a:p>
@@ -1597,7 +2174,7 @@
     </p:spTree>
     <p:extLst>
       <p:ext uri="{BB962C8B-B14F-4D97-AF65-F5344CB8AC3E}">
-        <p14:creationId xmlns:p14="http://schemas.microsoft.com/office/powerpoint/2010/main" val="795997425"/>
+        <p14:creationId xmlns:p14="http://schemas.microsoft.com/office/powerpoint/2010/main" val="2074955541"/>
       </p:ext>
     </p:extLst>
   </p:cSld>
@@ -1651,168 +2228,50 @@
           <a:bodyPr/>
           <a:lstStyle/>
           <a:p>
-            <a:pPr algn="l"/>
-            <a:r>
-              <a:rPr lang="en-US" b="1" i="0" dirty="0">
-                <a:solidFill>
-                  <a:srgbClr val="24292F"/>
+            <a:endParaRPr lang="en-US" sz="1800" dirty="0">
+              <a:solidFill>
+                <a:srgbClr val="0070C0"/>
+              </a:solidFill>
+              <a:effectLst/>
+              <a:latin typeface="Arial" panose="020B0604020202020204" pitchFamily="34" charset="0"/>
+              <a:ea typeface="Calibri" panose="020F0502020204030204" pitchFamily="34" charset="0"/>
+            </a:endParaRPr>
+          </a:p>
+          <a:p>
+            <a:r>
+              <a:rPr lang="en-US" sz="1800" dirty="0">
+                <a:solidFill>
+                  <a:srgbClr val="0070C0"/>
                 </a:solidFill>
                 <a:effectLst/>
-                <a:latin typeface="-apple-system"/>
+                <a:latin typeface="Arial" panose="020B0604020202020204" pitchFamily="34" charset="0"/>
+                <a:ea typeface="Calibri" panose="020F0502020204030204" pitchFamily="34" charset="0"/>
               </a:rPr>
-              <a:t>Bull Market Criteria:</a:t>
-            </a:r>
-          </a:p>
-          <a:p>
-            <a:pPr algn="l">
-              <a:buFont typeface="+mj-lt"/>
-              <a:buAutoNum type="arabicPeriod"/>
-            </a:pPr>
-            <a:r>
-              <a:rPr lang="en-US" b="0" i="0" dirty="0">
-                <a:solidFill>
-                  <a:srgbClr val="24292F"/>
+              <a:t>Tyler</a:t>
+            </a:r>
+          </a:p>
+          <a:p>
+            <a:r>
+              <a:rPr lang="en-US" sz="1800" dirty="0">
+                <a:solidFill>
+                  <a:srgbClr val="0070C0"/>
                 </a:solidFill>
                 <a:effectLst/>
-                <a:latin typeface="-apple-system"/>
+                <a:latin typeface="Arial" panose="020B0604020202020204" pitchFamily="34" charset="0"/>
+                <a:ea typeface="Calibri" panose="020F0502020204030204" pitchFamily="34" charset="0"/>
               </a:rPr>
-              <a:t>Has Bitcoin price increased by over 70% in the past 3 months, and 150% in the past 6 months?</a:t>
-            </a:r>
-          </a:p>
-          <a:p>
-            <a:pPr algn="l">
-              <a:buFont typeface="+mj-lt"/>
-              <a:buAutoNum type="arabicPeriod"/>
-            </a:pPr>
-            <a:r>
-              <a:rPr lang="en-US" b="0" i="0" dirty="0">
-                <a:solidFill>
-                  <a:srgbClr val="24292F"/>
-                </a:solidFill>
-                <a:effectLst/>
-                <a:latin typeface="-apple-system"/>
-              </a:rPr>
-              <a:t>Has the asset in question increased by over 70% in the past 3 months, and over 200% in the past 6 months?</a:t>
-            </a:r>
-          </a:p>
-          <a:p>
-            <a:pPr algn="l"/>
-            <a:r>
-              <a:rPr lang="en-US" b="1" i="0" dirty="0">
-                <a:solidFill>
-                  <a:srgbClr val="24292F"/>
-                </a:solidFill>
-                <a:effectLst/>
-                <a:latin typeface="-apple-system"/>
-              </a:rPr>
-              <a:t>Bear Market Criteria:</a:t>
-            </a:r>
-          </a:p>
-          <a:p>
-            <a:pPr algn="l">
-              <a:buFont typeface="+mj-lt"/>
-              <a:buAutoNum type="arabicPeriod"/>
-            </a:pPr>
-            <a:r>
-              <a:rPr lang="en-US" b="0" i="0" dirty="0">
-                <a:solidFill>
-                  <a:srgbClr val="24292F"/>
-                </a:solidFill>
-                <a:effectLst/>
-                <a:latin typeface="-apple-system"/>
-              </a:rPr>
-              <a:t>Has Bitcoin price decreased by over 40% in the past 3 months, and 60% in the past 6 months?</a:t>
-            </a:r>
-          </a:p>
-          <a:p>
-            <a:pPr algn="l">
-              <a:buFont typeface="+mj-lt"/>
-              <a:buAutoNum type="arabicPeriod"/>
-            </a:pPr>
-            <a:r>
-              <a:rPr lang="en-US" b="0" i="0" dirty="0">
-                <a:solidFill>
-                  <a:srgbClr val="24292F"/>
-                </a:solidFill>
-                <a:effectLst/>
-                <a:latin typeface="-apple-system"/>
-              </a:rPr>
-              <a:t>Has the asset in question decreased by over 40% in the past 3 months and over 60% in the past 6 months? **For the above, if both 1 and 2, then highly likely bull market / bear market. If only 1, then somewhat likely bull market / bear market. If only 2, then it may indicate project growth or failure but not a true bull market / bear market.</a:t>
-            </a:r>
-          </a:p>
-          <a:p>
-            <a:pPr algn="l"/>
-            <a:r>
-              <a:rPr lang="en-US" b="1" i="0" dirty="0">
-                <a:solidFill>
-                  <a:srgbClr val="24292F"/>
-                </a:solidFill>
-                <a:effectLst/>
-                <a:latin typeface="-apple-system"/>
-              </a:rPr>
-              <a:t>Neutral Market Criteria:</a:t>
-            </a:r>
-          </a:p>
-          <a:p>
-            <a:pPr algn="l">
-              <a:buFont typeface="+mj-lt"/>
-              <a:buAutoNum type="arabicPeriod"/>
-            </a:pPr>
-            <a:r>
-              <a:rPr lang="en-US" b="0" i="0" dirty="0">
-                <a:solidFill>
-                  <a:srgbClr val="24292F"/>
-                </a:solidFill>
-                <a:effectLst/>
-                <a:latin typeface="-apple-system"/>
-              </a:rPr>
-              <a:t>Has Bitcoin price stayed within a 70% range over the past 3 months, and neither increased or decreased more than 150% in the past 6 months?</a:t>
-            </a:r>
-          </a:p>
-          <a:p>
-            <a:pPr algn="l">
-              <a:buFont typeface="+mj-lt"/>
-              <a:buAutoNum type="arabicPeriod"/>
-            </a:pPr>
-            <a:r>
-              <a:rPr lang="en-US" b="0" i="0" dirty="0">
-                <a:solidFill>
-                  <a:srgbClr val="24292F"/>
-                </a:solidFill>
-                <a:effectLst/>
-                <a:latin typeface="-apple-system"/>
-              </a:rPr>
-              <a:t>Has the asset in question stayed within a 70% range over the past 3 month, and neither increased or decreased more than 150% in the past 6 months?</a:t>
-            </a:r>
-          </a:p>
-          <a:p>
-            <a:pPr algn="l"/>
-            <a:r>
-              <a:rPr lang="en-US" b="1" i="0" dirty="0">
-                <a:solidFill>
-                  <a:srgbClr val="24292F"/>
-                </a:solidFill>
-                <a:effectLst/>
-                <a:latin typeface="-apple-system"/>
-              </a:rPr>
-              <a:t>Too Difficult To Predict Market Type Criteria:</a:t>
-            </a:r>
-          </a:p>
-          <a:p>
-            <a:pPr algn="l"/>
-            <a:r>
-              <a:rPr lang="en-US" b="0" i="0" dirty="0">
-                <a:solidFill>
-                  <a:srgbClr val="24292F"/>
-                </a:solidFill>
-                <a:effectLst/>
-                <a:latin typeface="-apple-system"/>
-              </a:rPr>
-              <a:t>If none of the above are true for bull, bear, or neutral market criteria, then it is too difficult to predict the market type.</a:t>
-            </a:r>
-          </a:p>
-          <a:p>
-            <a:endParaRPr lang="en-US" dirty="0"/>
+              <a:t>In addition, we will be able to determine which kind of crypto market the data falls under, whether is it a bull, bear, or neutral market.</a:t>
+            </a:r>
+          </a:p>
+          <a:p>
+            <a:endParaRPr lang="en-US" sz="1800" dirty="0">
+              <a:solidFill>
+                <a:srgbClr val="0070C0"/>
+              </a:solidFill>
+              <a:effectLst/>
+              <a:latin typeface="Arial" panose="020B0604020202020204" pitchFamily="34" charset="0"/>
+              <a:ea typeface="Calibri" panose="020F0502020204030204" pitchFamily="34" charset="0"/>
+            </a:endParaRPr>
           </a:p>
         </p:txBody>
       </p:sp>
@@ -1833,7 +2292,7 @@
           <a:p>
             <a:fld id="{2952150E-5FD0-4979-B16F-63AB93BFA1A6}" type="slidenum">
               <a:rPr lang="en-US" smtClean="0"/>
-              <a:t>9</a:t>
+              <a:t>8</a:t>
             </a:fld>
             <a:endParaRPr lang="en-US"/>
           </a:p>
@@ -1842,7 +2301,7 @@
     </p:spTree>
     <p:extLst>
       <p:ext uri="{BB962C8B-B14F-4D97-AF65-F5344CB8AC3E}">
-        <p14:creationId xmlns:p14="http://schemas.microsoft.com/office/powerpoint/2010/main" val="2465915016"/>
+        <p14:creationId xmlns:p14="http://schemas.microsoft.com/office/powerpoint/2010/main" val="795997425"/>
       </p:ext>
     </p:extLst>
   </p:cSld>
@@ -1896,40 +2355,52 @@
           <a:bodyPr/>
           <a:lstStyle/>
           <a:p>
-            <a:pPr algn="l">
-              <a:buFont typeface="Arial" panose="020B0604020202020204" pitchFamily="34" charset="0"/>
-              <a:buChar char="•"/>
-            </a:pPr>
-            <a:r>
-              <a:rPr lang="en-US" b="0" i="1" dirty="0">
+            <a:pPr algn="l"/>
+            <a:r>
+              <a:rPr lang="en-US" b="1" i="0" dirty="0">
                 <a:solidFill>
                   <a:srgbClr val="24292F"/>
                 </a:solidFill>
                 <a:effectLst/>
                 <a:latin typeface="-apple-system"/>
               </a:rPr>
-              <a:t>Model Building</a:t>
-            </a:r>
-            <a:r>
-              <a:rPr lang="en-US" b="0" i="0" dirty="0">
+              <a:t>Tyler</a:t>
+            </a:r>
+          </a:p>
+          <a:p>
+            <a:pPr algn="l"/>
+            <a:r>
+              <a:rPr lang="en-US" b="1" i="0" dirty="0">
                 <a:solidFill>
                   <a:srgbClr val="24292F"/>
                 </a:solidFill>
                 <a:effectLst/>
                 <a:latin typeface="-apple-system"/>
               </a:rPr>
-              <a:t>: The LSTM model is built using the </a:t>
-            </a:r>
-            <a:r>
-              <a:rPr lang="en-US" b="0" i="0" dirty="0" err="1">
+              <a:t>Bull Market Criteria:</a:t>
+            </a:r>
+          </a:p>
+          <a:p>
+            <a:pPr algn="l">
+              <a:buFont typeface="+mj-lt"/>
+              <a:buAutoNum type="arabicPeriod"/>
+            </a:pPr>
+            <a:r>
+              <a:rPr lang="en-US" b="0" i="0" dirty="0">
                 <a:solidFill>
                   <a:srgbClr val="24292F"/>
                 </a:solidFill>
                 <a:effectLst/>
                 <a:latin typeface="-apple-system"/>
               </a:rPr>
-              <a:t>Keras</a:t>
-            </a:r>
+              <a:t>Has Bitcoin price increased by over 70% in the past 3 months, and 150% in the past 6 months?</a:t>
+            </a:r>
+          </a:p>
+          <a:p>
+            <a:pPr algn="l">
+              <a:buFont typeface="+mj-lt"/>
+              <a:buAutoNum type="arabicPeriod"/>
+            </a:pPr>
             <a:r>
               <a:rPr lang="en-US" b="0" i="0" dirty="0">
                 <a:solidFill>
@@ -1938,34 +2409,43 @@
                 <a:effectLst/>
                 <a:latin typeface="-apple-system"/>
               </a:rPr>
-              <a:t> library in Python. The model architecture includes several LSTM layers followed by a Dense layer. The model is trained on the training data.</a:t>
-            </a:r>
-          </a:p>
-          <a:p>
-            <a:pPr lvl="1" algn="l">
-              <a:buFont typeface="Arial" panose="020B0604020202020204" pitchFamily="34" charset="0"/>
-              <a:buChar char="•"/>
-            </a:pPr>
-            <a:r>
-              <a:rPr lang="en-US" b="0" i="0" dirty="0">
+              <a:t>Has the asset in question increased by over 70% in the past 3 months, and over 200% in the past 6 months?</a:t>
+            </a:r>
+          </a:p>
+          <a:p>
+            <a:pPr algn="l"/>
+            <a:r>
+              <a:rPr lang="en-US" b="1" i="0" dirty="0">
                 <a:solidFill>
                   <a:srgbClr val="24292F"/>
                 </a:solidFill>
                 <a:effectLst/>
                 <a:latin typeface="-apple-system"/>
               </a:rPr>
-              <a:t>predict cryptocurrency prices takes in historical data, including close prices, and feeds it through a neural network with three LSTM layers, each consisting of 50 neurons with the </a:t>
-            </a:r>
-            <a:r>
-              <a:rPr lang="en-US" b="0" i="0" dirty="0" err="1">
+              <a:t>Bear Market Criteria:</a:t>
+            </a:r>
+          </a:p>
+          <a:p>
+            <a:pPr algn="l">
+              <a:buFont typeface="+mj-lt"/>
+              <a:buAutoNum type="arabicPeriod"/>
+            </a:pPr>
+            <a:r>
+              <a:rPr lang="en-US" b="0" i="0" dirty="0">
                 <a:solidFill>
                   <a:srgbClr val="24292F"/>
                 </a:solidFill>
                 <a:effectLst/>
                 <a:latin typeface="-apple-system"/>
               </a:rPr>
-              <a:t>ReLU</a:t>
-            </a:r>
+              <a:t>Has Bitcoin price decreased by over 40% in the past 3 months, and 60% in the past 6 months?</a:t>
+            </a:r>
+          </a:p>
+          <a:p>
+            <a:pPr algn="l">
+              <a:buFont typeface="+mj-lt"/>
+              <a:buAutoNum type="arabicPeriod"/>
+            </a:pPr>
             <a:r>
               <a:rPr lang="en-US" b="0" i="0" dirty="0">
                 <a:solidFill>
@@ -1974,24 +2454,27 @@
                 <a:effectLst/>
                 <a:latin typeface="-apple-system"/>
               </a:rPr>
-              <a:t> activation function. </a:t>
-            </a:r>
-          </a:p>
-          <a:p>
-            <a:pPr algn="l">
-              <a:buFont typeface="Arial" panose="020B0604020202020204" pitchFamily="34" charset="0"/>
-              <a:buChar char="•"/>
-            </a:pPr>
-            <a:r>
-              <a:rPr lang="en-US" b="0" i="1" dirty="0">
+              <a:t>Has the asset in question decreased by over 40% in the past 3 months and over 60% in the past 6 months? **For the above, if both 1 and 2, then highly likely bull market / bear market. If only 1, then somewhat likely bull market / bear market. If only 2, then it may indicate project growth or failure but not a true bull market / bear market.</a:t>
+            </a:r>
+          </a:p>
+          <a:p>
+            <a:pPr algn="l"/>
+            <a:r>
+              <a:rPr lang="en-US" b="1" i="0" dirty="0">
                 <a:solidFill>
                   <a:srgbClr val="24292F"/>
                 </a:solidFill>
                 <a:effectLst/>
                 <a:latin typeface="-apple-system"/>
               </a:rPr>
-              <a:t>Model Evaluation</a:t>
-            </a:r>
+              <a:t>Neutral Market Criteria:</a:t>
+            </a:r>
+          </a:p>
+          <a:p>
+            <a:pPr algn="l">
+              <a:buFont typeface="+mj-lt"/>
+              <a:buAutoNum type="arabicPeriod"/>
+            </a:pPr>
             <a:r>
               <a:rPr lang="en-US" b="0" i="0" dirty="0">
                 <a:solidFill>
@@ -2000,13 +2483,13 @@
                 <a:effectLst/>
                 <a:latin typeface="-apple-system"/>
               </a:rPr>
-              <a:t>: The model is evaluated on the testing data using:</a:t>
-            </a:r>
-          </a:p>
-          <a:p>
-            <a:pPr lvl="1" algn="l">
-              <a:buFont typeface="Arial" panose="020B0604020202020204" pitchFamily="34" charset="0"/>
-              <a:buChar char="•"/>
+              <a:t>Has Bitcoin price stayed within a 70% range over the past 3 months, and neither increased or decreased more than 150% in the past 6 months?</a:t>
+            </a:r>
+          </a:p>
+          <a:p>
+            <a:pPr algn="l">
+              <a:buFont typeface="+mj-lt"/>
+              <a:buAutoNum type="arabicPeriod"/>
             </a:pPr>
             <a:r>
               <a:rPr lang="en-US" b="0" i="0" dirty="0">
@@ -2016,30 +2499,24 @@
                 <a:effectLst/>
                 <a:latin typeface="-apple-system"/>
               </a:rPr>
-              <a:t>Mean Squared Error (MSE) - measures the average squared difference between the predicted and actual prices. A lower MSE value indicates better model performance.</a:t>
-            </a:r>
-          </a:p>
-          <a:p>
-            <a:pPr lvl="1" algn="l">
-              <a:buFont typeface="Arial" panose="020B0604020202020204" pitchFamily="34" charset="0"/>
-              <a:buChar char="•"/>
-            </a:pPr>
-            <a:r>
-              <a:rPr lang="en-US" b="0" i="0" dirty="0">
+              <a:t>Has the asset in question stayed within a 70% range over the past 3 month, and neither increased or decreased more than 150% in the past 6 months?</a:t>
+            </a:r>
+          </a:p>
+          <a:p>
+            <a:pPr algn="l"/>
+            <a:r>
+              <a:rPr lang="en-US" b="1" i="0" dirty="0">
                 <a:solidFill>
                   <a:srgbClr val="24292F"/>
                 </a:solidFill>
                 <a:effectLst/>
                 <a:latin typeface="-apple-system"/>
               </a:rPr>
-              <a:t>Root Mean Squared Error (RMSE)</a:t>
-            </a:r>
-          </a:p>
-          <a:p>
-            <a:pPr lvl="1" algn="l">
-              <a:buFont typeface="Arial" panose="020B0604020202020204" pitchFamily="34" charset="0"/>
-              <a:buChar char="•"/>
-            </a:pPr>
+              <a:t>Too Difficult To Predict Market Type Criteria:</a:t>
+            </a:r>
+          </a:p>
+          <a:p>
+            <a:pPr algn="l"/>
             <a:r>
               <a:rPr lang="en-US" b="0" i="0" dirty="0">
                 <a:solidFill>
@@ -2048,49 +2525,10 @@
                 <a:effectLst/>
                 <a:latin typeface="-apple-system"/>
               </a:rPr>
-              <a:t>coefficient of determination (R^2) metrics. The predicted prices are compared to the actual prices to measure the accuracy of the model.</a:t>
-            </a:r>
-          </a:p>
-          <a:p>
-            <a:pPr algn="l">
-              <a:buFont typeface="Arial" panose="020B0604020202020204" pitchFamily="34" charset="0"/>
-              <a:buChar char="•"/>
-            </a:pPr>
-            <a:r>
-              <a:rPr lang="en-US" b="0" i="1" dirty="0">
-                <a:solidFill>
-                  <a:srgbClr val="24292F"/>
-                </a:solidFill>
-                <a:effectLst/>
-                <a:latin typeface="-apple-system"/>
-              </a:rPr>
-              <a:t>Model Prediction</a:t>
-            </a:r>
-            <a:r>
-              <a:rPr lang="en-US" b="0" i="0" dirty="0">
-                <a:solidFill>
-                  <a:srgbClr val="24292F"/>
-                </a:solidFill>
-                <a:effectLst/>
-                <a:latin typeface="-apple-system"/>
-              </a:rPr>
-              <a:t>: The trained LSTM model will be used to predict the prices of the five cryptocurrencies for a specific future date range.</a:t>
-            </a:r>
-          </a:p>
-          <a:p>
-            <a:endParaRPr lang="en-US" dirty="0"/>
-          </a:p>
-          <a:p>
-            <a:r>
-              <a:rPr lang="en-US" b="0" i="0" dirty="0">
-                <a:solidFill>
-                  <a:srgbClr val="24292F"/>
-                </a:solidFill>
-                <a:effectLst/>
-                <a:latin typeface="-apple-system"/>
-              </a:rPr>
-              <a:t>Overall, the LSTM model shows promising results in predicting future cryptocurrency prices. However, it is important to note that cryptocurrency prices are highly volatile and unpredictable, and the model's accuracy may vary depending on various factors such as market conditions, news events, and regulatory changes.</a:t>
-            </a:r>
+              <a:t>If none of the above are true for bull, bear, or neutral market criteria, then it is too difficult to predict the market type.</a:t>
+            </a:r>
+          </a:p>
+          <a:p>
             <a:endParaRPr lang="en-US" dirty="0"/>
           </a:p>
         </p:txBody>
@@ -2112,7 +2550,7 @@
           <a:p>
             <a:fld id="{2952150E-5FD0-4979-B16F-63AB93BFA1A6}" type="slidenum">
               <a:rPr lang="en-US" smtClean="0"/>
-              <a:t>10</a:t>
+              <a:t>9</a:t>
             </a:fld>
             <a:endParaRPr lang="en-US"/>
           </a:p>
@@ -2121,7 +2559,7 @@
     </p:spTree>
     <p:extLst>
       <p:ext uri="{BB962C8B-B14F-4D97-AF65-F5344CB8AC3E}">
-        <p14:creationId xmlns:p14="http://schemas.microsoft.com/office/powerpoint/2010/main" val="1811814442"/>
+        <p14:creationId xmlns:p14="http://schemas.microsoft.com/office/powerpoint/2010/main" val="2465915016"/>
       </p:ext>
     </p:extLst>
   </p:cSld>
@@ -8041,7 +8479,7 @@
     <p:bg>
       <p:bgPr>
         <a:blipFill rotWithShape="1">
-          <a:blip r:embed="rId2">
+          <a:blip r:embed="rId3">
             <a:duotone>
               <a:schemeClr val="bg2">
                 <a:shade val="80000"/>
@@ -8107,7 +8545,6 @@
             <a:r>
               <a:rPr lang="en-US" b="1" i="0" dirty="0">
                 <a:effectLst/>
-                <a:latin typeface="-apple-system"/>
               </a:rPr>
               <a:t>The Omniscient Crypto Oracle</a:t>
             </a:r>
@@ -8148,6 +8585,7 @@
                 <a:solidFill>
                   <a:schemeClr val="tx2"/>
                 </a:solidFill>
+                <a:latin typeface="+mj-lt"/>
               </a:rPr>
               <a:t>Crypto Data and Predictor</a:t>
             </a:r>
@@ -8169,7 +8607,7 @@
           <p:nvPr/>
         </p:nvPicPr>
         <p:blipFill rotWithShape="1">
-          <a:blip r:embed="rId3">
+          <a:blip r:embed="rId4">
             <a:extLst>
               <a:ext uri="{28A0092B-C50C-407E-A947-70E740481C1C}">
                 <a14:useLocalDpi xmlns:a14="http://schemas.microsoft.com/office/drawing/2010/main" val="0"/>
@@ -8594,33 +9032,23 @@
             </a:r>
           </a:p>
           <a:p>
-            <a:pPr>
-              <a:buFont typeface="Arial" panose="020B0604020202020204" pitchFamily="34" charset="0"/>
-              <a:buChar char="•"/>
-            </a:pPr>
             <a:r>
               <a:rPr lang="en-US" b="0" i="0" dirty="0">
                 <a:solidFill>
                   <a:schemeClr val="tx2"/>
                 </a:solidFill>
                 <a:effectLst/>
-                <a:latin typeface="-apple-system"/>
               </a:rPr>
               <a:t>Tyler Fallon</a:t>
             </a:r>
           </a:p>
           <a:p>
-            <a:pPr>
-              <a:buFont typeface="Arial" panose="020B0604020202020204" pitchFamily="34" charset="0"/>
-              <a:buChar char="•"/>
-            </a:pPr>
             <a:r>
               <a:rPr lang="en-US" b="0" i="0" dirty="0">
                 <a:solidFill>
                   <a:schemeClr val="tx2"/>
                 </a:solidFill>
                 <a:effectLst/>
-                <a:latin typeface="-apple-system"/>
               </a:rPr>
               <a:t>Aaron </a:t>
             </a:r>
@@ -8630,7 +9058,6 @@
                   <a:schemeClr val="tx2"/>
                 </a:solidFill>
                 <a:effectLst/>
-                <a:latin typeface="-apple-system"/>
               </a:rPr>
               <a:t>Horneman</a:t>
             </a:r>
@@ -8639,37 +9066,26 @@
                 <a:schemeClr val="tx2"/>
               </a:solidFill>
               <a:effectLst/>
-              <a:latin typeface="-apple-system"/>
             </a:endParaRPr>
           </a:p>
           <a:p>
-            <a:pPr>
-              <a:buFont typeface="Arial" panose="020B0604020202020204" pitchFamily="34" charset="0"/>
-              <a:buChar char="•"/>
-            </a:pPr>
             <a:r>
               <a:rPr lang="en-US" b="0" i="0" dirty="0">
                 <a:solidFill>
                   <a:schemeClr val="tx2"/>
                 </a:solidFill>
                 <a:effectLst/>
-                <a:latin typeface="-apple-system"/>
               </a:rPr>
               <a:t>Bobbi Colhour</a:t>
             </a:r>
           </a:p>
           <a:p>
-            <a:pPr>
-              <a:buFont typeface="Arial" panose="020B0604020202020204" pitchFamily="34" charset="0"/>
-              <a:buChar char="•"/>
-            </a:pPr>
             <a:r>
               <a:rPr lang="en-US" b="0" i="0" dirty="0">
                 <a:solidFill>
                   <a:schemeClr val="tx2"/>
                 </a:solidFill>
                 <a:effectLst/>
-                <a:latin typeface="-apple-system"/>
               </a:rPr>
               <a:t>David Oliver</a:t>
             </a:r>
@@ -9193,6 +9609,1195 @@
 <file path=ppt/slides/slide11.xml><?xml version="1.0" encoding="utf-8"?>
 <p:sld xmlns:a="http://schemas.openxmlformats.org/drawingml/2006/main" xmlns:r="http://schemas.openxmlformats.org/officeDocument/2006/relationships" xmlns:p="http://schemas.openxmlformats.org/presentationml/2006/main">
   <p:cSld>
+    <p:bg>
+      <p:bgPr>
+        <a:blipFill rotWithShape="1">
+          <a:blip r:embed="rId3">
+            <a:duotone>
+              <a:schemeClr val="bg2">
+                <a:shade val="80000"/>
+                <a:lumMod val="80000"/>
+              </a:schemeClr>
+              <a:schemeClr val="bg2">
+                <a:tint val="98000"/>
+              </a:schemeClr>
+            </a:duotone>
+          </a:blip>
+          <a:stretch/>
+        </a:blipFill>
+        <a:effectLst/>
+      </p:bgPr>
+    </p:bg>
+    <p:spTree>
+      <p:nvGrpSpPr>
+        <p:cNvPr id="1" name=""/>
+        <p:cNvGrpSpPr/>
+        <p:nvPr/>
+      </p:nvGrpSpPr>
+      <p:grpSpPr>
+        <a:xfrm>
+          <a:off x="0" y="0"/>
+          <a:ext cx="0" cy="0"/>
+          <a:chOff x="0" y="0"/>
+          <a:chExt cx="0" cy="0"/>
+        </a:xfrm>
+      </p:grpSpPr>
+      <p:sp useBgFill="1">
+        <p:nvSpPr>
+          <p:cNvPr id="6" name="Rectangle 5">
+            <a:extLst>
+              <a:ext uri="{FF2B5EF4-FFF2-40B4-BE49-F238E27FC236}">
+                <a16:creationId xmlns:a16="http://schemas.microsoft.com/office/drawing/2014/main" id="{2124007E-BA57-41B2-8C6B-5E99927F2247}"/>
+              </a:ext>
+              <a:ext uri="{C183D7F6-B498-43B3-948B-1728B52AA6E4}">
+                <adec:decorative xmlns:adec="http://schemas.microsoft.com/office/drawing/2017/decorative" val="1"/>
+              </a:ext>
+            </a:extLst>
+          </p:cNvPr>
+          <p:cNvSpPr>
+            <a:spLocks noGrp="1" noRot="1" noChangeAspect="1" noMove="1" noResize="1" noEditPoints="1" noAdjustHandles="1" noChangeArrowheads="1" noChangeShapeType="1" noTextEdit="1"/>
+          </p:cNvSpPr>
+          <p:nvPr>
+            <p:extLst>
+              <p:ext uri="{386F3935-93C4-4BCD-93E2-E3B085C9AB24}">
+                <p16:designElem xmlns:p16="http://schemas.microsoft.com/office/powerpoint/2015/main" val="1"/>
+              </p:ext>
+            </p:extLst>
+          </p:nvPr>
+        </p:nvSpPr>
+        <p:spPr>
+          <a:xfrm>
+            <a:off x="0" y="0"/>
+            <a:ext cx="12192000" cy="6858000"/>
+          </a:xfrm>
+          <a:prstGeom prst="rect">
+            <a:avLst/>
+          </a:prstGeom>
+          <a:ln>
+            <a:noFill/>
+          </a:ln>
+        </p:spPr>
+        <p:style>
+          <a:lnRef idx="2">
+            <a:schemeClr val="accent1">
+              <a:shade val="50000"/>
+            </a:schemeClr>
+          </a:lnRef>
+          <a:fillRef idx="1">
+            <a:schemeClr val="accent1"/>
+          </a:fillRef>
+          <a:effectRef idx="0">
+            <a:schemeClr val="accent1"/>
+          </a:effectRef>
+          <a:fontRef idx="minor">
+            <a:schemeClr val="lt1"/>
+          </a:fontRef>
+        </p:style>
+        <p:txBody>
+          <a:bodyPr rtlCol="0" anchor="ctr"/>
+          <a:lstStyle/>
+          <a:p>
+            <a:pPr algn="ctr"/>
+            <a:endParaRPr lang="en-US"/>
+          </a:p>
+        </p:txBody>
+      </p:sp>
+      <p:sp>
+        <p:nvSpPr>
+          <p:cNvPr id="10" name="Rectangle 7">
+            <a:extLst>
+              <a:ext uri="{FF2B5EF4-FFF2-40B4-BE49-F238E27FC236}">
+                <a16:creationId xmlns:a16="http://schemas.microsoft.com/office/drawing/2014/main" id="{255D0BF7-94F4-4437-A2B2-87BAFF86D541}"/>
+              </a:ext>
+              <a:ext uri="{C183D7F6-B498-43B3-948B-1728B52AA6E4}">
+                <adec:decorative xmlns:adec="http://schemas.microsoft.com/office/drawing/2017/decorative" val="1"/>
+              </a:ext>
+            </a:extLst>
+          </p:cNvPr>
+          <p:cNvSpPr>
+            <a:spLocks noGrp="1" noRot="1" noChangeAspect="1" noMove="1" noResize="1" noEditPoints="1" noAdjustHandles="1" noChangeArrowheads="1" noChangeShapeType="1" noTextEdit="1"/>
+          </p:cNvSpPr>
+          <p:nvPr>
+            <p:extLst>
+              <p:ext uri="{386F3935-93C4-4BCD-93E2-E3B085C9AB24}">
+                <p16:designElem xmlns:p16="http://schemas.microsoft.com/office/powerpoint/2015/main" val="1"/>
+              </p:ext>
+            </p:extLst>
+          </p:nvPr>
+        </p:nvSpPr>
+        <p:spPr>
+          <a:xfrm>
+            <a:off x="0" y="0"/>
+            <a:ext cx="4654296" cy="6858000"/>
+          </a:xfrm>
+          <a:prstGeom prst="rect">
+            <a:avLst/>
+          </a:prstGeom>
+          <a:solidFill>
+            <a:schemeClr val="bg2">
+              <a:lumMod val="90000"/>
+              <a:lumOff val="10000"/>
+              <a:alpha val="90000"/>
+            </a:schemeClr>
+          </a:solidFill>
+          <a:ln>
+            <a:noFill/>
+          </a:ln>
+          <a:effectLst>
+            <a:outerShdw blurRad="50800" dist="38100" algn="l" rotWithShape="0">
+              <a:prstClr val="black">
+                <a:alpha val="40000"/>
+              </a:prstClr>
+            </a:outerShdw>
+          </a:effectLst>
+        </p:spPr>
+        <p:style>
+          <a:lnRef idx="2">
+            <a:schemeClr val="accent1">
+              <a:shade val="50000"/>
+            </a:schemeClr>
+          </a:lnRef>
+          <a:fillRef idx="1">
+            <a:schemeClr val="accent1"/>
+          </a:fillRef>
+          <a:effectRef idx="0">
+            <a:schemeClr val="accent1"/>
+          </a:effectRef>
+          <a:fontRef idx="minor">
+            <a:schemeClr val="lt1"/>
+          </a:fontRef>
+        </p:style>
+        <p:txBody>
+          <a:bodyPr rtlCol="0" anchor="ctr"/>
+          <a:lstStyle/>
+          <a:p>
+            <a:pPr algn="ctr"/>
+            <a:endParaRPr lang="en-US"/>
+          </a:p>
+        </p:txBody>
+      </p:sp>
+      <p:graphicFrame>
+        <p:nvGraphicFramePr>
+          <p:cNvPr id="9" name="Table 10">
+            <a:extLst>
+              <a:ext uri="{FF2B5EF4-FFF2-40B4-BE49-F238E27FC236}">
+                <a16:creationId xmlns:a16="http://schemas.microsoft.com/office/drawing/2014/main" id="{92AE1A0C-0F89-1FD7-5281-7991B653608D}"/>
+              </a:ext>
+            </a:extLst>
+          </p:cNvPr>
+          <p:cNvGraphicFramePr>
+            <a:graphicFrameLocks noGrp="1"/>
+          </p:cNvGraphicFramePr>
+          <p:nvPr>
+            <p:extLst>
+              <p:ext uri="{D42A27DB-BD31-4B8C-83A1-F6EECF244321}">
+                <p14:modId xmlns:p14="http://schemas.microsoft.com/office/powerpoint/2010/main" val="810241295"/>
+              </p:ext>
+            </p:extLst>
+          </p:nvPr>
+        </p:nvGraphicFramePr>
+        <p:xfrm>
+          <a:off x="1587991" y="880110"/>
+          <a:ext cx="9362660" cy="5298897"/>
+        </p:xfrm>
+        <a:graphic>
+          <a:graphicData uri="http://schemas.openxmlformats.org/drawingml/2006/table">
+            <a:tbl>
+              <a:tblPr firstRow="1" bandRow="1">
+                <a:tableStyleId>{5C22544A-7EE6-4342-B048-85BDC9FD1C3A}</a:tableStyleId>
+              </a:tblPr>
+              <a:tblGrid>
+                <a:gridCol w="2340665">
+                  <a:extLst>
+                    <a:ext uri="{9D8B030D-6E8A-4147-A177-3AD203B41FA5}">
+                      <a16:colId xmlns:a16="http://schemas.microsoft.com/office/drawing/2014/main" val="1198423160"/>
+                    </a:ext>
+                  </a:extLst>
+                </a:gridCol>
+                <a:gridCol w="2340665">
+                  <a:extLst>
+                    <a:ext uri="{9D8B030D-6E8A-4147-A177-3AD203B41FA5}">
+                      <a16:colId xmlns:a16="http://schemas.microsoft.com/office/drawing/2014/main" val="2986914511"/>
+                    </a:ext>
+                  </a:extLst>
+                </a:gridCol>
+                <a:gridCol w="2340665">
+                  <a:extLst>
+                    <a:ext uri="{9D8B030D-6E8A-4147-A177-3AD203B41FA5}">
+                      <a16:colId xmlns:a16="http://schemas.microsoft.com/office/drawing/2014/main" val="3262790631"/>
+                    </a:ext>
+                  </a:extLst>
+                </a:gridCol>
+                <a:gridCol w="2340665">
+                  <a:extLst>
+                    <a:ext uri="{9D8B030D-6E8A-4147-A177-3AD203B41FA5}">
+                      <a16:colId xmlns:a16="http://schemas.microsoft.com/office/drawing/2014/main" val="1664188810"/>
+                    </a:ext>
+                  </a:extLst>
+                </a:gridCol>
+              </a:tblGrid>
+              <a:tr h="448467">
+                <a:tc>
+                  <a:txBody>
+                    <a:bodyPr/>
+                    <a:lstStyle/>
+                    <a:p>
+                      <a:pPr algn="ctr"/>
+                      <a:endParaRPr lang="en-US" dirty="0">
+                        <a:solidFill>
+                          <a:schemeClr val="bg1"/>
+                        </a:solidFill>
+                      </a:endParaRPr>
+                    </a:p>
+                  </a:txBody>
+                  <a:tcPr/>
+                </a:tc>
+                <a:tc>
+                  <a:txBody>
+                    <a:bodyPr/>
+                    <a:lstStyle/>
+                    <a:p>
+                      <a:pPr algn="ctr"/>
+                      <a:endParaRPr lang="en-US" dirty="0">
+                        <a:solidFill>
+                          <a:schemeClr val="bg1"/>
+                        </a:solidFill>
+                      </a:endParaRPr>
+                    </a:p>
+                  </a:txBody>
+                  <a:tcPr/>
+                </a:tc>
+                <a:tc>
+                  <a:txBody>
+                    <a:bodyPr/>
+                    <a:lstStyle/>
+                    <a:p>
+                      <a:pPr algn="ctr"/>
+                      <a:endParaRPr lang="en-US" dirty="0">
+                        <a:solidFill>
+                          <a:schemeClr val="bg1"/>
+                        </a:solidFill>
+                      </a:endParaRPr>
+                    </a:p>
+                  </a:txBody>
+                  <a:tcPr/>
+                </a:tc>
+                <a:tc>
+                  <a:txBody>
+                    <a:bodyPr/>
+                    <a:lstStyle/>
+                    <a:p>
+                      <a:pPr algn="ctr"/>
+                      <a:endParaRPr lang="en-US" dirty="0">
+                        <a:solidFill>
+                          <a:schemeClr val="bg1"/>
+                        </a:solidFill>
+                      </a:endParaRPr>
+                    </a:p>
+                  </a:txBody>
+                  <a:tcPr/>
+                </a:tc>
+                <a:extLst>
+                  <a:ext uri="{0D108BD9-81ED-4DB2-BD59-A6C34878D82A}">
+                    <a16:rowId xmlns:a16="http://schemas.microsoft.com/office/drawing/2014/main" val="2009616362"/>
+                  </a:ext>
+                </a:extLst>
+              </a:tr>
+              <a:tr h="448467">
+                <a:tc>
+                  <a:txBody>
+                    <a:bodyPr/>
+                    <a:lstStyle/>
+                    <a:p>
+                      <a:pPr algn="ctr"/>
+                      <a:endParaRPr lang="en-US" dirty="0">
+                        <a:solidFill>
+                          <a:schemeClr val="bg1"/>
+                        </a:solidFill>
+                      </a:endParaRPr>
+                    </a:p>
+                  </a:txBody>
+                  <a:tcPr/>
+                </a:tc>
+                <a:tc>
+                  <a:txBody>
+                    <a:bodyPr/>
+                    <a:lstStyle/>
+                    <a:p>
+                      <a:pPr algn="ctr"/>
+                      <a:endParaRPr lang="en-US" dirty="0">
+                        <a:solidFill>
+                          <a:schemeClr val="bg1"/>
+                        </a:solidFill>
+                      </a:endParaRPr>
+                    </a:p>
+                  </a:txBody>
+                  <a:tcPr/>
+                </a:tc>
+                <a:tc>
+                  <a:txBody>
+                    <a:bodyPr/>
+                    <a:lstStyle/>
+                    <a:p>
+                      <a:pPr algn="ctr"/>
+                      <a:endParaRPr lang="en-US" dirty="0">
+                        <a:solidFill>
+                          <a:schemeClr val="bg1"/>
+                        </a:solidFill>
+                      </a:endParaRPr>
+                    </a:p>
+                  </a:txBody>
+                  <a:tcPr/>
+                </a:tc>
+                <a:tc>
+                  <a:txBody>
+                    <a:bodyPr/>
+                    <a:lstStyle/>
+                    <a:p>
+                      <a:pPr algn="ctr"/>
+                      <a:endParaRPr lang="en-US" dirty="0">
+                        <a:solidFill>
+                          <a:schemeClr val="bg1"/>
+                        </a:solidFill>
+                      </a:endParaRPr>
+                    </a:p>
+                  </a:txBody>
+                  <a:tcPr/>
+                </a:tc>
+                <a:extLst>
+                  <a:ext uri="{0D108BD9-81ED-4DB2-BD59-A6C34878D82A}">
+                    <a16:rowId xmlns:a16="http://schemas.microsoft.com/office/drawing/2014/main" val="3416111183"/>
+                  </a:ext>
+                </a:extLst>
+              </a:tr>
+              <a:tr h="179395">
+                <a:tc>
+                  <a:txBody>
+                    <a:bodyPr/>
+                    <a:lstStyle/>
+                    <a:p>
+                      <a:pPr algn="ctr"/>
+                      <a:endParaRPr lang="en-US" dirty="0">
+                        <a:solidFill>
+                          <a:schemeClr val="bg1"/>
+                        </a:solidFill>
+                      </a:endParaRPr>
+                    </a:p>
+                  </a:txBody>
+                  <a:tcPr/>
+                </a:tc>
+                <a:tc>
+                  <a:txBody>
+                    <a:bodyPr/>
+                    <a:lstStyle/>
+                    <a:p>
+                      <a:pPr marL="0" marR="0" lvl="0" indent="0" algn="ctr" defTabSz="457200" rtl="0" eaLnBrk="1" fontAlgn="auto" latinLnBrk="0" hangingPunct="1">
+                        <a:lnSpc>
+                          <a:spcPct val="100000"/>
+                        </a:lnSpc>
+                        <a:spcBef>
+                          <a:spcPts val="0"/>
+                        </a:spcBef>
+                        <a:spcAft>
+                          <a:spcPts val="0"/>
+                        </a:spcAft>
+                        <a:buClrTx/>
+                        <a:buSzTx/>
+                        <a:buFontTx/>
+                        <a:buNone/>
+                        <a:tabLst/>
+                        <a:defRPr/>
+                      </a:pPr>
+                      <a:endParaRPr lang="en-US" dirty="0">
+                        <a:solidFill>
+                          <a:schemeClr val="bg1"/>
+                        </a:solidFill>
+                      </a:endParaRPr>
+                    </a:p>
+                  </a:txBody>
+                  <a:tcPr/>
+                </a:tc>
+                <a:tc>
+                  <a:txBody>
+                    <a:bodyPr/>
+                    <a:lstStyle/>
+                    <a:p>
+                      <a:pPr algn="ctr"/>
+                      <a:endParaRPr lang="en-US" dirty="0">
+                        <a:solidFill>
+                          <a:schemeClr val="bg1"/>
+                        </a:solidFill>
+                      </a:endParaRPr>
+                    </a:p>
+                  </a:txBody>
+                  <a:tcPr/>
+                </a:tc>
+                <a:tc>
+                  <a:txBody>
+                    <a:bodyPr/>
+                    <a:lstStyle/>
+                    <a:p>
+                      <a:pPr algn="ctr"/>
+                      <a:endParaRPr lang="en-US" dirty="0">
+                        <a:solidFill>
+                          <a:schemeClr val="bg1"/>
+                        </a:solidFill>
+                      </a:endParaRPr>
+                    </a:p>
+                  </a:txBody>
+                  <a:tcPr/>
+                </a:tc>
+                <a:extLst>
+                  <a:ext uri="{0D108BD9-81ED-4DB2-BD59-A6C34878D82A}">
+                    <a16:rowId xmlns:a16="http://schemas.microsoft.com/office/drawing/2014/main" val="2424280642"/>
+                  </a:ext>
+                </a:extLst>
+              </a:tr>
+              <a:tr h="448467">
+                <a:tc>
+                  <a:txBody>
+                    <a:bodyPr/>
+                    <a:lstStyle/>
+                    <a:p>
+                      <a:pPr algn="ctr"/>
+                      <a:endParaRPr lang="en-US" dirty="0">
+                        <a:solidFill>
+                          <a:schemeClr val="bg1"/>
+                        </a:solidFill>
+                      </a:endParaRPr>
+                    </a:p>
+                  </a:txBody>
+                  <a:tcPr/>
+                </a:tc>
+                <a:tc>
+                  <a:txBody>
+                    <a:bodyPr/>
+                    <a:lstStyle/>
+                    <a:p>
+                      <a:pPr algn="ctr"/>
+                      <a:endParaRPr lang="en-US" dirty="0">
+                        <a:solidFill>
+                          <a:schemeClr val="bg1"/>
+                        </a:solidFill>
+                      </a:endParaRPr>
+                    </a:p>
+                  </a:txBody>
+                  <a:tcPr/>
+                </a:tc>
+                <a:tc>
+                  <a:txBody>
+                    <a:bodyPr/>
+                    <a:lstStyle/>
+                    <a:p>
+                      <a:pPr algn="ctr"/>
+                      <a:endParaRPr lang="en-US" dirty="0">
+                        <a:solidFill>
+                          <a:schemeClr val="bg1"/>
+                        </a:solidFill>
+                      </a:endParaRPr>
+                    </a:p>
+                  </a:txBody>
+                  <a:tcPr/>
+                </a:tc>
+                <a:tc>
+                  <a:txBody>
+                    <a:bodyPr/>
+                    <a:lstStyle/>
+                    <a:p>
+                      <a:pPr algn="ctr"/>
+                      <a:endParaRPr lang="en-US" dirty="0">
+                        <a:solidFill>
+                          <a:schemeClr val="bg1"/>
+                        </a:solidFill>
+                      </a:endParaRPr>
+                    </a:p>
+                  </a:txBody>
+                  <a:tcPr/>
+                </a:tc>
+                <a:extLst>
+                  <a:ext uri="{0D108BD9-81ED-4DB2-BD59-A6C34878D82A}">
+                    <a16:rowId xmlns:a16="http://schemas.microsoft.com/office/drawing/2014/main" val="3628490987"/>
+                  </a:ext>
+                </a:extLst>
+              </a:tr>
+              <a:tr h="448467">
+                <a:tc>
+                  <a:txBody>
+                    <a:bodyPr/>
+                    <a:lstStyle/>
+                    <a:p>
+                      <a:pPr algn="ctr"/>
+                      <a:endParaRPr lang="en-US" dirty="0">
+                        <a:solidFill>
+                          <a:schemeClr val="bg1"/>
+                        </a:solidFill>
+                      </a:endParaRPr>
+                    </a:p>
+                  </a:txBody>
+                  <a:tcPr/>
+                </a:tc>
+                <a:tc>
+                  <a:txBody>
+                    <a:bodyPr/>
+                    <a:lstStyle/>
+                    <a:p>
+                      <a:pPr algn="ctr"/>
+                      <a:endParaRPr lang="en-US" dirty="0">
+                        <a:solidFill>
+                          <a:schemeClr val="bg1"/>
+                        </a:solidFill>
+                      </a:endParaRPr>
+                    </a:p>
+                  </a:txBody>
+                  <a:tcPr/>
+                </a:tc>
+                <a:tc>
+                  <a:txBody>
+                    <a:bodyPr/>
+                    <a:lstStyle/>
+                    <a:p>
+                      <a:pPr algn="ctr"/>
+                      <a:endParaRPr lang="en-US" dirty="0">
+                        <a:solidFill>
+                          <a:schemeClr val="bg1"/>
+                        </a:solidFill>
+                      </a:endParaRPr>
+                    </a:p>
+                  </a:txBody>
+                  <a:tcPr/>
+                </a:tc>
+                <a:tc>
+                  <a:txBody>
+                    <a:bodyPr/>
+                    <a:lstStyle/>
+                    <a:p>
+                      <a:pPr algn="ctr"/>
+                      <a:endParaRPr lang="en-US" dirty="0">
+                        <a:solidFill>
+                          <a:schemeClr val="bg1"/>
+                        </a:solidFill>
+                      </a:endParaRPr>
+                    </a:p>
+                  </a:txBody>
+                  <a:tcPr/>
+                </a:tc>
+                <a:extLst>
+                  <a:ext uri="{0D108BD9-81ED-4DB2-BD59-A6C34878D82A}">
+                    <a16:rowId xmlns:a16="http://schemas.microsoft.com/office/drawing/2014/main" val="869746675"/>
+                  </a:ext>
+                </a:extLst>
+              </a:tr>
+              <a:tr h="448467">
+                <a:tc>
+                  <a:txBody>
+                    <a:bodyPr/>
+                    <a:lstStyle/>
+                    <a:p>
+                      <a:pPr algn="ctr"/>
+                      <a:endParaRPr lang="en-US" dirty="0">
+                        <a:solidFill>
+                          <a:schemeClr val="bg1"/>
+                        </a:solidFill>
+                      </a:endParaRPr>
+                    </a:p>
+                  </a:txBody>
+                  <a:tcPr/>
+                </a:tc>
+                <a:tc>
+                  <a:txBody>
+                    <a:bodyPr/>
+                    <a:lstStyle/>
+                    <a:p>
+                      <a:pPr algn="ctr"/>
+                      <a:endParaRPr lang="en-US" dirty="0">
+                        <a:solidFill>
+                          <a:schemeClr val="bg1"/>
+                        </a:solidFill>
+                      </a:endParaRPr>
+                    </a:p>
+                  </a:txBody>
+                  <a:tcPr/>
+                </a:tc>
+                <a:tc>
+                  <a:txBody>
+                    <a:bodyPr/>
+                    <a:lstStyle/>
+                    <a:p>
+                      <a:pPr algn="ctr"/>
+                      <a:endParaRPr lang="en-US" dirty="0">
+                        <a:solidFill>
+                          <a:schemeClr val="bg1"/>
+                        </a:solidFill>
+                      </a:endParaRPr>
+                    </a:p>
+                  </a:txBody>
+                  <a:tcPr/>
+                </a:tc>
+                <a:tc>
+                  <a:txBody>
+                    <a:bodyPr/>
+                    <a:lstStyle/>
+                    <a:p>
+                      <a:pPr algn="ctr"/>
+                      <a:endParaRPr lang="en-US" dirty="0">
+                        <a:solidFill>
+                          <a:schemeClr val="bg1"/>
+                        </a:solidFill>
+                      </a:endParaRPr>
+                    </a:p>
+                  </a:txBody>
+                  <a:tcPr/>
+                </a:tc>
+                <a:extLst>
+                  <a:ext uri="{0D108BD9-81ED-4DB2-BD59-A6C34878D82A}">
+                    <a16:rowId xmlns:a16="http://schemas.microsoft.com/office/drawing/2014/main" val="1891970372"/>
+                  </a:ext>
+                </a:extLst>
+              </a:tr>
+              <a:tr h="448467">
+                <a:tc>
+                  <a:txBody>
+                    <a:bodyPr/>
+                    <a:lstStyle/>
+                    <a:p>
+                      <a:pPr algn="ctr"/>
+                      <a:endParaRPr lang="en-US" dirty="0">
+                        <a:solidFill>
+                          <a:schemeClr val="bg1"/>
+                        </a:solidFill>
+                      </a:endParaRPr>
+                    </a:p>
+                  </a:txBody>
+                  <a:tcPr/>
+                </a:tc>
+                <a:tc>
+                  <a:txBody>
+                    <a:bodyPr/>
+                    <a:lstStyle/>
+                    <a:p>
+                      <a:pPr algn="ctr"/>
+                      <a:endParaRPr lang="en-US" dirty="0">
+                        <a:solidFill>
+                          <a:schemeClr val="bg1"/>
+                        </a:solidFill>
+                      </a:endParaRPr>
+                    </a:p>
+                  </a:txBody>
+                  <a:tcPr/>
+                </a:tc>
+                <a:tc>
+                  <a:txBody>
+                    <a:bodyPr/>
+                    <a:lstStyle/>
+                    <a:p>
+                      <a:pPr algn="ctr"/>
+                      <a:endParaRPr lang="en-US" dirty="0">
+                        <a:solidFill>
+                          <a:schemeClr val="bg1"/>
+                        </a:solidFill>
+                      </a:endParaRPr>
+                    </a:p>
+                  </a:txBody>
+                  <a:tcPr/>
+                </a:tc>
+                <a:tc>
+                  <a:txBody>
+                    <a:bodyPr/>
+                    <a:lstStyle/>
+                    <a:p>
+                      <a:pPr algn="ctr"/>
+                      <a:endParaRPr lang="en-US" dirty="0">
+                        <a:solidFill>
+                          <a:schemeClr val="bg1"/>
+                        </a:solidFill>
+                      </a:endParaRPr>
+                    </a:p>
+                  </a:txBody>
+                  <a:tcPr/>
+                </a:tc>
+                <a:extLst>
+                  <a:ext uri="{0D108BD9-81ED-4DB2-BD59-A6C34878D82A}">
+                    <a16:rowId xmlns:a16="http://schemas.microsoft.com/office/drawing/2014/main" val="1002181391"/>
+                  </a:ext>
+                </a:extLst>
+              </a:tr>
+              <a:tr h="448467">
+                <a:tc>
+                  <a:txBody>
+                    <a:bodyPr/>
+                    <a:lstStyle/>
+                    <a:p>
+                      <a:pPr algn="ctr"/>
+                      <a:endParaRPr lang="en-US">
+                        <a:solidFill>
+                          <a:schemeClr val="bg1"/>
+                        </a:solidFill>
+                      </a:endParaRPr>
+                    </a:p>
+                  </a:txBody>
+                  <a:tcPr/>
+                </a:tc>
+                <a:tc>
+                  <a:txBody>
+                    <a:bodyPr/>
+                    <a:lstStyle/>
+                    <a:p>
+                      <a:pPr algn="ctr"/>
+                      <a:endParaRPr lang="en-US">
+                        <a:solidFill>
+                          <a:schemeClr val="bg1"/>
+                        </a:solidFill>
+                      </a:endParaRPr>
+                    </a:p>
+                  </a:txBody>
+                  <a:tcPr/>
+                </a:tc>
+                <a:tc>
+                  <a:txBody>
+                    <a:bodyPr/>
+                    <a:lstStyle/>
+                    <a:p>
+                      <a:pPr marL="0" marR="0" lvl="0" indent="0" algn="ctr" defTabSz="457200" rtl="0" eaLnBrk="1" fontAlgn="auto" latinLnBrk="0" hangingPunct="1">
+                        <a:lnSpc>
+                          <a:spcPct val="100000"/>
+                        </a:lnSpc>
+                        <a:spcBef>
+                          <a:spcPts val="0"/>
+                        </a:spcBef>
+                        <a:spcAft>
+                          <a:spcPts val="0"/>
+                        </a:spcAft>
+                        <a:buClrTx/>
+                        <a:buSzTx/>
+                        <a:buFontTx/>
+                        <a:buNone/>
+                        <a:tabLst/>
+                        <a:defRPr/>
+                      </a:pPr>
+                      <a:endParaRPr lang="en-US" dirty="0">
+                        <a:solidFill>
+                          <a:schemeClr val="bg1"/>
+                        </a:solidFill>
+                      </a:endParaRPr>
+                    </a:p>
+                  </a:txBody>
+                  <a:tcPr/>
+                </a:tc>
+                <a:tc>
+                  <a:txBody>
+                    <a:bodyPr/>
+                    <a:lstStyle/>
+                    <a:p>
+                      <a:pPr algn="ctr"/>
+                      <a:endParaRPr lang="en-US" dirty="0">
+                        <a:solidFill>
+                          <a:schemeClr val="bg1"/>
+                        </a:solidFill>
+                      </a:endParaRPr>
+                    </a:p>
+                  </a:txBody>
+                  <a:tcPr/>
+                </a:tc>
+                <a:extLst>
+                  <a:ext uri="{0D108BD9-81ED-4DB2-BD59-A6C34878D82A}">
+                    <a16:rowId xmlns:a16="http://schemas.microsoft.com/office/drawing/2014/main" val="1345442870"/>
+                  </a:ext>
+                </a:extLst>
+              </a:tr>
+              <a:tr h="448467">
+                <a:tc>
+                  <a:txBody>
+                    <a:bodyPr/>
+                    <a:lstStyle/>
+                    <a:p>
+                      <a:pPr algn="ctr"/>
+                      <a:endParaRPr lang="en-US">
+                        <a:solidFill>
+                          <a:schemeClr val="bg1"/>
+                        </a:solidFill>
+                      </a:endParaRPr>
+                    </a:p>
+                  </a:txBody>
+                  <a:tcPr/>
+                </a:tc>
+                <a:tc>
+                  <a:txBody>
+                    <a:bodyPr/>
+                    <a:lstStyle/>
+                    <a:p>
+                      <a:pPr algn="ctr"/>
+                      <a:endParaRPr lang="en-US">
+                        <a:solidFill>
+                          <a:schemeClr val="bg1"/>
+                        </a:solidFill>
+                      </a:endParaRPr>
+                    </a:p>
+                  </a:txBody>
+                  <a:tcPr/>
+                </a:tc>
+                <a:tc>
+                  <a:txBody>
+                    <a:bodyPr/>
+                    <a:lstStyle/>
+                    <a:p>
+                      <a:pPr marL="0" marR="0" lvl="0" indent="0" algn="ctr" defTabSz="457200" rtl="0" eaLnBrk="1" fontAlgn="auto" latinLnBrk="0" hangingPunct="1">
+                        <a:lnSpc>
+                          <a:spcPct val="100000"/>
+                        </a:lnSpc>
+                        <a:spcBef>
+                          <a:spcPts val="0"/>
+                        </a:spcBef>
+                        <a:spcAft>
+                          <a:spcPts val="0"/>
+                        </a:spcAft>
+                        <a:buClrTx/>
+                        <a:buSzTx/>
+                        <a:buFontTx/>
+                        <a:buNone/>
+                        <a:tabLst/>
+                        <a:defRPr/>
+                      </a:pPr>
+                      <a:endParaRPr lang="en-US" dirty="0">
+                        <a:solidFill>
+                          <a:schemeClr val="bg1"/>
+                        </a:solidFill>
+                      </a:endParaRPr>
+                    </a:p>
+                  </a:txBody>
+                  <a:tcPr/>
+                </a:tc>
+                <a:tc>
+                  <a:txBody>
+                    <a:bodyPr/>
+                    <a:lstStyle/>
+                    <a:p>
+                      <a:pPr algn="ctr"/>
+                      <a:endParaRPr lang="en-US" dirty="0">
+                        <a:solidFill>
+                          <a:schemeClr val="bg1"/>
+                        </a:solidFill>
+                      </a:endParaRPr>
+                    </a:p>
+                  </a:txBody>
+                  <a:tcPr/>
+                </a:tc>
+                <a:extLst>
+                  <a:ext uri="{0D108BD9-81ED-4DB2-BD59-A6C34878D82A}">
+                    <a16:rowId xmlns:a16="http://schemas.microsoft.com/office/drawing/2014/main" val="3279897707"/>
+                  </a:ext>
+                </a:extLst>
+              </a:tr>
+              <a:tr h="448467">
+                <a:tc>
+                  <a:txBody>
+                    <a:bodyPr/>
+                    <a:lstStyle/>
+                    <a:p>
+                      <a:pPr algn="ctr"/>
+                      <a:endParaRPr lang="en-US">
+                        <a:solidFill>
+                          <a:schemeClr val="bg1"/>
+                        </a:solidFill>
+                      </a:endParaRPr>
+                    </a:p>
+                  </a:txBody>
+                  <a:tcPr/>
+                </a:tc>
+                <a:tc>
+                  <a:txBody>
+                    <a:bodyPr/>
+                    <a:lstStyle/>
+                    <a:p>
+                      <a:pPr algn="ctr"/>
+                      <a:endParaRPr lang="en-US">
+                        <a:solidFill>
+                          <a:schemeClr val="bg1"/>
+                        </a:solidFill>
+                      </a:endParaRPr>
+                    </a:p>
+                  </a:txBody>
+                  <a:tcPr/>
+                </a:tc>
+                <a:tc>
+                  <a:txBody>
+                    <a:bodyPr/>
+                    <a:lstStyle/>
+                    <a:p>
+                      <a:pPr marL="0" marR="0" lvl="0" indent="0" algn="ctr" defTabSz="457200" rtl="0" eaLnBrk="1" fontAlgn="auto" latinLnBrk="0" hangingPunct="1">
+                        <a:lnSpc>
+                          <a:spcPct val="100000"/>
+                        </a:lnSpc>
+                        <a:spcBef>
+                          <a:spcPts val="0"/>
+                        </a:spcBef>
+                        <a:spcAft>
+                          <a:spcPts val="0"/>
+                        </a:spcAft>
+                        <a:buClrTx/>
+                        <a:buSzTx/>
+                        <a:buFontTx/>
+                        <a:buNone/>
+                        <a:tabLst/>
+                        <a:defRPr/>
+                      </a:pPr>
+                      <a:endParaRPr lang="en-US" dirty="0">
+                        <a:solidFill>
+                          <a:schemeClr val="bg1"/>
+                        </a:solidFill>
+                      </a:endParaRPr>
+                    </a:p>
+                  </a:txBody>
+                  <a:tcPr/>
+                </a:tc>
+                <a:tc>
+                  <a:txBody>
+                    <a:bodyPr/>
+                    <a:lstStyle/>
+                    <a:p>
+                      <a:pPr algn="ctr"/>
+                      <a:endParaRPr lang="en-US" dirty="0">
+                        <a:solidFill>
+                          <a:schemeClr val="bg1"/>
+                        </a:solidFill>
+                      </a:endParaRPr>
+                    </a:p>
+                  </a:txBody>
+                  <a:tcPr/>
+                </a:tc>
+                <a:extLst>
+                  <a:ext uri="{0D108BD9-81ED-4DB2-BD59-A6C34878D82A}">
+                    <a16:rowId xmlns:a16="http://schemas.microsoft.com/office/drawing/2014/main" val="2830118390"/>
+                  </a:ext>
+                </a:extLst>
+              </a:tr>
+              <a:tr h="448467">
+                <a:tc>
+                  <a:txBody>
+                    <a:bodyPr/>
+                    <a:lstStyle/>
+                    <a:p>
+                      <a:pPr algn="ctr"/>
+                      <a:endParaRPr lang="en-US">
+                        <a:solidFill>
+                          <a:schemeClr val="bg1"/>
+                        </a:solidFill>
+                      </a:endParaRPr>
+                    </a:p>
+                  </a:txBody>
+                  <a:tcPr/>
+                </a:tc>
+                <a:tc>
+                  <a:txBody>
+                    <a:bodyPr/>
+                    <a:lstStyle/>
+                    <a:p>
+                      <a:pPr algn="ctr"/>
+                      <a:endParaRPr lang="en-US">
+                        <a:solidFill>
+                          <a:schemeClr val="bg1"/>
+                        </a:solidFill>
+                      </a:endParaRPr>
+                    </a:p>
+                  </a:txBody>
+                  <a:tcPr/>
+                </a:tc>
+                <a:tc>
+                  <a:txBody>
+                    <a:bodyPr/>
+                    <a:lstStyle/>
+                    <a:p>
+                      <a:pPr marL="0" marR="0" lvl="0" indent="0" algn="ctr" defTabSz="457200" rtl="0" eaLnBrk="1" fontAlgn="auto" latinLnBrk="0" hangingPunct="1">
+                        <a:lnSpc>
+                          <a:spcPct val="100000"/>
+                        </a:lnSpc>
+                        <a:spcBef>
+                          <a:spcPts val="0"/>
+                        </a:spcBef>
+                        <a:spcAft>
+                          <a:spcPts val="0"/>
+                        </a:spcAft>
+                        <a:buClrTx/>
+                        <a:buSzTx/>
+                        <a:buFontTx/>
+                        <a:buNone/>
+                        <a:tabLst/>
+                        <a:defRPr/>
+                      </a:pPr>
+                      <a:endParaRPr lang="en-US" dirty="0">
+                        <a:solidFill>
+                          <a:schemeClr val="bg1"/>
+                        </a:solidFill>
+                      </a:endParaRPr>
+                    </a:p>
+                  </a:txBody>
+                  <a:tcPr/>
+                </a:tc>
+                <a:tc>
+                  <a:txBody>
+                    <a:bodyPr/>
+                    <a:lstStyle/>
+                    <a:p>
+                      <a:pPr algn="ctr"/>
+                      <a:endParaRPr lang="en-US" dirty="0">
+                        <a:solidFill>
+                          <a:schemeClr val="bg1"/>
+                        </a:solidFill>
+                      </a:endParaRPr>
+                    </a:p>
+                  </a:txBody>
+                  <a:tcPr/>
+                </a:tc>
+                <a:extLst>
+                  <a:ext uri="{0D108BD9-81ED-4DB2-BD59-A6C34878D82A}">
+                    <a16:rowId xmlns:a16="http://schemas.microsoft.com/office/drawing/2014/main" val="2535821609"/>
+                  </a:ext>
+                </a:extLst>
+              </a:tr>
+              <a:tr h="448467">
+                <a:tc>
+                  <a:txBody>
+                    <a:bodyPr/>
+                    <a:lstStyle/>
+                    <a:p>
+                      <a:pPr algn="ctr"/>
+                      <a:endParaRPr lang="en-US">
+                        <a:solidFill>
+                          <a:schemeClr val="bg1"/>
+                        </a:solidFill>
+                      </a:endParaRPr>
+                    </a:p>
+                  </a:txBody>
+                  <a:tcPr/>
+                </a:tc>
+                <a:tc>
+                  <a:txBody>
+                    <a:bodyPr/>
+                    <a:lstStyle/>
+                    <a:p>
+                      <a:pPr algn="ctr"/>
+                      <a:endParaRPr lang="en-US">
+                        <a:solidFill>
+                          <a:schemeClr val="bg1"/>
+                        </a:solidFill>
+                      </a:endParaRPr>
+                    </a:p>
+                  </a:txBody>
+                  <a:tcPr/>
+                </a:tc>
+                <a:tc>
+                  <a:txBody>
+                    <a:bodyPr/>
+                    <a:lstStyle/>
+                    <a:p>
+                      <a:pPr marL="0" marR="0" lvl="0" indent="0" algn="ctr" defTabSz="457200" rtl="0" eaLnBrk="1" fontAlgn="auto" latinLnBrk="0" hangingPunct="1">
+                        <a:lnSpc>
+                          <a:spcPct val="100000"/>
+                        </a:lnSpc>
+                        <a:spcBef>
+                          <a:spcPts val="0"/>
+                        </a:spcBef>
+                        <a:spcAft>
+                          <a:spcPts val="0"/>
+                        </a:spcAft>
+                        <a:buClrTx/>
+                        <a:buSzTx/>
+                        <a:buFontTx/>
+                        <a:buNone/>
+                        <a:tabLst/>
+                        <a:defRPr/>
+                      </a:pPr>
+                      <a:endParaRPr lang="en-US" dirty="0">
+                        <a:solidFill>
+                          <a:schemeClr val="bg1"/>
+                        </a:solidFill>
+                      </a:endParaRPr>
+                    </a:p>
+                  </a:txBody>
+                  <a:tcPr/>
+                </a:tc>
+                <a:tc>
+                  <a:txBody>
+                    <a:bodyPr/>
+                    <a:lstStyle/>
+                    <a:p>
+                      <a:pPr algn="ctr"/>
+                      <a:endParaRPr lang="en-US" dirty="0">
+                        <a:solidFill>
+                          <a:schemeClr val="bg1"/>
+                        </a:solidFill>
+                      </a:endParaRPr>
+                    </a:p>
+                  </a:txBody>
+                  <a:tcPr/>
+                </a:tc>
+                <a:extLst>
+                  <a:ext uri="{0D108BD9-81ED-4DB2-BD59-A6C34878D82A}">
+                    <a16:rowId xmlns:a16="http://schemas.microsoft.com/office/drawing/2014/main" val="2233224264"/>
+                  </a:ext>
+                </a:extLst>
+              </a:tr>
+            </a:tbl>
+          </a:graphicData>
+        </a:graphic>
+      </p:graphicFrame>
+      <p:sp>
+        <p:nvSpPr>
+          <p:cNvPr id="11" name="Title 1">
+            <a:extLst>
+              <a:ext uri="{FF2B5EF4-FFF2-40B4-BE49-F238E27FC236}">
+                <a16:creationId xmlns:a16="http://schemas.microsoft.com/office/drawing/2014/main" id="{4AAE4539-EB48-2E6F-9A72-4FD54F0EB71F}"/>
+              </a:ext>
+            </a:extLst>
+          </p:cNvPr>
+          <p:cNvSpPr>
+            <a:spLocks noGrp="1"/>
+          </p:cNvSpPr>
+          <p:nvPr>
+            <p:ph type="title"/>
+          </p:nvPr>
+        </p:nvSpPr>
+        <p:spPr>
+          <a:xfrm>
+            <a:off x="913795" y="96520"/>
+            <a:ext cx="10353762" cy="687070"/>
+          </a:xfrm>
+        </p:spPr>
+        <p:txBody>
+          <a:bodyPr>
+            <a:normAutofit fontScale="90000"/>
+          </a:bodyPr>
+          <a:lstStyle/>
+          <a:p>
+            <a:r>
+              <a:rPr lang="en-US" dirty="0">
+                <a:solidFill>
+                  <a:schemeClr val="bg2">
+                    <a:lumMod val="10000"/>
+                    <a:lumOff val="90000"/>
+                  </a:schemeClr>
+                </a:solidFill>
+              </a:rPr>
+              <a:t>Metric Results</a:t>
+            </a:r>
+          </a:p>
+        </p:txBody>
+      </p:sp>
+    </p:spTree>
+    <p:extLst>
+      <p:ext uri="{BB962C8B-B14F-4D97-AF65-F5344CB8AC3E}">
+        <p14:creationId xmlns:p14="http://schemas.microsoft.com/office/powerpoint/2010/main" val="676463735"/>
+      </p:ext>
+    </p:extLst>
+  </p:cSld>
+  <p:clrMapOvr>
+    <a:masterClrMapping/>
+  </p:clrMapOvr>
+</p:sld>
+</file>
+
+<file path=ppt/slides/slide12.xml><?xml version="1.0" encoding="utf-8"?>
+<p:sld xmlns:a="http://schemas.openxmlformats.org/drawingml/2006/main" xmlns:r="http://schemas.openxmlformats.org/officeDocument/2006/relationships" xmlns:p="http://schemas.openxmlformats.org/presentationml/2006/main">
+  <p:cSld>
     <p:spTree>
       <p:nvGrpSpPr>
         <p:cNvPr id="1" name=""/>
@@ -10036,7 +11641,7 @@
 </p:sld>
 </file>
 
-<file path=ppt/slides/slide12.xml><?xml version="1.0" encoding="utf-8"?>
+<file path=ppt/slides/slide13.xml><?xml version="1.0" encoding="utf-8"?>
 <p:sld xmlns:a="http://schemas.openxmlformats.org/drawingml/2006/main" xmlns:r="http://schemas.openxmlformats.org/officeDocument/2006/relationships" xmlns:p="http://schemas.openxmlformats.org/presentationml/2006/main">
   <p:cSld>
     <p:spTree>
@@ -10774,12 +12379,12 @@
                 <a:spcPts val="0"/>
               </a:spcAft>
             </a:pPr>
-            <a:endParaRPr lang="en-US" sz="2400">
+            <a:endParaRPr lang="en-US" sz="2400" dirty="0">
               <a:solidFill>
                 <a:srgbClr val="0070C0"/>
               </a:solidFill>
               <a:effectLst/>
-              <a:latin typeface="Arial" panose="020B0604020202020204" pitchFamily="34" charset="0"/>
+              <a:latin typeface="+mj-lt"/>
               <a:ea typeface="Calibri" panose="020F0502020204030204" pitchFamily="34" charset="0"/>
               <a:cs typeface="Times New Roman" panose="02020603050405020304" pitchFamily="18" charset="0"/>
             </a:endParaRPr>
@@ -10797,12 +12402,12 @@
               </a:spcAft>
             </a:pPr>
             <a:r>
-              <a:rPr lang="en-US" sz="2400">
+              <a:rPr lang="en-US" sz="2400" dirty="0">
                 <a:solidFill>
                   <a:schemeClr val="tx2"/>
                 </a:solidFill>
                 <a:effectLst/>
-                <a:latin typeface="Arial" panose="020B0604020202020204" pitchFamily="34" charset="0"/>
+                <a:latin typeface="+mj-lt"/>
                 <a:ea typeface="Calibri" panose="020F0502020204030204" pitchFamily="34" charset="0"/>
                 <a:cs typeface="Times New Roman" panose="02020603050405020304" pitchFamily="18" charset="0"/>
               </a:rPr>
@@ -10821,12 +12426,11 @@
                 <a:spcPts val="0"/>
               </a:spcAft>
             </a:pPr>
-            <a:endParaRPr lang="en-US" sz="2400">
+            <a:endParaRPr lang="en-US" sz="2400" dirty="0">
               <a:solidFill>
                 <a:srgbClr val="0070C0"/>
               </a:solidFill>
               <a:effectLst/>
-              <a:latin typeface="Arial" panose="020B0604020202020204" pitchFamily="34" charset="0"/>
               <a:ea typeface="Calibri" panose="020F0502020204030204" pitchFamily="34" charset="0"/>
               <a:cs typeface="Times New Roman" panose="02020603050405020304" pitchFamily="18" charset="0"/>
             </a:endParaRPr>
@@ -10844,12 +12448,11 @@
               </a:spcAft>
             </a:pPr>
             <a:r>
-              <a:rPr lang="en-US" sz="2400">
+              <a:rPr lang="en-US" sz="2400" dirty="0">
                 <a:solidFill>
                   <a:srgbClr val="0070C0"/>
                 </a:solidFill>
                 <a:effectLst/>
-                <a:latin typeface="Arial" panose="020B0604020202020204" pitchFamily="34" charset="0"/>
                 <a:ea typeface="Calibri" panose="020F0502020204030204" pitchFamily="34" charset="0"/>
                 <a:cs typeface="Times New Roman" panose="02020603050405020304" pitchFamily="18" charset="0"/>
               </a:rPr>
@@ -10868,9 +12471,8 @@
                 <a:spcPts val="0"/>
               </a:spcAft>
             </a:pPr>
-            <a:endParaRPr lang="en-US" sz="2400">
+            <a:endParaRPr lang="en-US" sz="2400" dirty="0">
               <a:effectLst/>
-              <a:latin typeface="Calibri" panose="020F0502020204030204" pitchFamily="34" charset="0"/>
               <a:ea typeface="Calibri" panose="020F0502020204030204" pitchFamily="34" charset="0"/>
               <a:cs typeface="Times New Roman" panose="02020603050405020304" pitchFamily="18" charset="0"/>
             </a:endParaRPr>
@@ -10888,12 +12490,11 @@
               </a:spcAft>
             </a:pPr>
             <a:r>
-              <a:rPr lang="en-US" sz="2400">
+              <a:rPr lang="en-US" sz="2400" dirty="0">
                 <a:solidFill>
                   <a:srgbClr val="0070C0"/>
                 </a:solidFill>
                 <a:effectLst/>
-                <a:latin typeface="Arial" panose="020B0604020202020204" pitchFamily="34" charset="0"/>
                 <a:ea typeface="Calibri" panose="020F0502020204030204" pitchFamily="34" charset="0"/>
                 <a:cs typeface="Times New Roman" panose="02020603050405020304" pitchFamily="18" charset="0"/>
               </a:rPr>
@@ -10912,9 +12513,8 @@
                 <a:spcPts val="0"/>
               </a:spcAft>
             </a:pPr>
-            <a:endParaRPr lang="en-US" sz="2400">
+            <a:endParaRPr lang="en-US" sz="2400" dirty="0">
               <a:effectLst/>
-              <a:latin typeface="Calibri" panose="020F0502020204030204" pitchFamily="34" charset="0"/>
               <a:ea typeface="Calibri" panose="020F0502020204030204" pitchFamily="34" charset="0"/>
               <a:cs typeface="Times New Roman" panose="02020603050405020304" pitchFamily="18" charset="0"/>
             </a:endParaRPr>
@@ -10932,12 +12532,11 @@
               </a:spcAft>
             </a:pPr>
             <a:r>
-              <a:rPr lang="en-US" sz="2400">
+              <a:rPr lang="en-US" sz="2400" dirty="0">
                 <a:solidFill>
                   <a:srgbClr val="0070C0"/>
                 </a:solidFill>
                 <a:effectLst/>
-                <a:latin typeface="Arial" panose="020B0604020202020204" pitchFamily="34" charset="0"/>
                 <a:ea typeface="Calibri" panose="020F0502020204030204" pitchFamily="34" charset="0"/>
                 <a:cs typeface="Times New Roman" panose="02020603050405020304" pitchFamily="18" charset="0"/>
               </a:rPr>
@@ -10956,9 +12555,8 @@
                 <a:spcPts val="0"/>
               </a:spcAft>
             </a:pPr>
-            <a:endParaRPr lang="en-US" sz="2400">
+            <a:endParaRPr lang="en-US" sz="2400" dirty="0">
               <a:effectLst/>
-              <a:latin typeface="Calibri" panose="020F0502020204030204" pitchFamily="34" charset="0"/>
               <a:ea typeface="Calibri" panose="020F0502020204030204" pitchFamily="34" charset="0"/>
               <a:cs typeface="Times New Roman" panose="02020603050405020304" pitchFamily="18" charset="0"/>
             </a:endParaRPr>
@@ -10976,12 +12574,11 @@
               </a:spcAft>
             </a:pPr>
             <a:r>
-              <a:rPr lang="en-US" sz="2400">
+              <a:rPr lang="en-US" sz="2400" dirty="0">
                 <a:solidFill>
                   <a:srgbClr val="0070C0"/>
                 </a:solidFill>
                 <a:effectLst/>
-                <a:latin typeface="Arial" panose="020B0604020202020204" pitchFamily="34" charset="0"/>
                 <a:ea typeface="Calibri" panose="020F0502020204030204" pitchFamily="34" charset="0"/>
                 <a:cs typeface="Times New Roman" panose="02020603050405020304" pitchFamily="18" charset="0"/>
               </a:rPr>
@@ -10989,7 +12586,6 @@
             </a:r>
             <a:endParaRPr lang="en-US" sz="2400" dirty="0">
               <a:effectLst/>
-              <a:latin typeface="Calibri" panose="020F0502020204030204" pitchFamily="34" charset="0"/>
               <a:ea typeface="Calibri" panose="020F0502020204030204" pitchFamily="34" charset="0"/>
               <a:cs typeface="Times New Roman" panose="02020603050405020304" pitchFamily="18" charset="0"/>
             </a:endParaRPr>
@@ -11177,7 +12773,6 @@
                   <a:schemeClr val="tx2"/>
                 </a:solidFill>
                 <a:effectLst/>
-                <a:latin typeface="Arial" panose="020B0604020202020204" pitchFamily="34" charset="0"/>
                 <a:ea typeface="Calibri" panose="020F0502020204030204" pitchFamily="34" charset="0"/>
                 <a:cs typeface="Times New Roman" panose="02020603050405020304" pitchFamily="18" charset="0"/>
               </a:rPr>
@@ -11201,7 +12796,6 @@
                 <a:srgbClr val="0070C0"/>
               </a:solidFill>
               <a:effectLst/>
-              <a:latin typeface="Arial" panose="020B0604020202020204" pitchFamily="34" charset="0"/>
               <a:ea typeface="Calibri" panose="020F0502020204030204" pitchFamily="34" charset="0"/>
               <a:cs typeface="Times New Roman" panose="02020603050405020304" pitchFamily="18" charset="0"/>
             </a:endParaRPr>
@@ -11217,7 +12811,6 @@
                   <a:srgbClr val="0070C0"/>
                 </a:solidFill>
                 <a:effectLst/>
-                <a:latin typeface="-apple-system"/>
               </a:rPr>
               <a:t>API connections </a:t>
             </a:r>
@@ -11233,7 +12826,6 @@
                   <a:srgbClr val="0070C0"/>
                 </a:solidFill>
                 <a:effectLst/>
-                <a:latin typeface="-apple-system"/>
               </a:rPr>
               <a:t>Machine Learning Module</a:t>
             </a:r>
@@ -11249,7 +12841,6 @@
                   <a:srgbClr val="0070C0"/>
                 </a:solidFill>
                 <a:effectLst/>
-                <a:latin typeface="-apple-system"/>
               </a:rPr>
               <a:t>Trends</a:t>
             </a:r>
@@ -11541,14 +13132,14 @@
           <p:nvPr>
             <p:extLst>
               <p:ext uri="{D42A27DB-BD31-4B8C-83A1-F6EECF244321}">
-                <p14:modId xmlns:p14="http://schemas.microsoft.com/office/powerpoint/2010/main" val="2295787648"/>
+                <p14:modId xmlns:p14="http://schemas.microsoft.com/office/powerpoint/2010/main" val="265871333"/>
               </p:ext>
             </p:extLst>
           </p:nvPr>
         </p:nvGraphicFramePr>
         <p:xfrm>
-          <a:off x="1780296" y="1132840"/>
-          <a:ext cx="8620760" cy="4592320"/>
+          <a:off x="1454641" y="783590"/>
+          <a:ext cx="9362660" cy="5298897"/>
         </p:xfrm>
         <a:graphic>
           <a:graphicData uri="http://schemas.openxmlformats.org/drawingml/2006/table">
@@ -11557,28 +13148,28 @@
                 <a:tableStyleId>{5C22544A-7EE6-4342-B048-85BDC9FD1C3A}</a:tableStyleId>
               </a:tblPr>
               <a:tblGrid>
-                <a:gridCol w="2155190">
+                <a:gridCol w="2340665">
                   <a:extLst>
                     <a:ext uri="{9D8B030D-6E8A-4147-A177-3AD203B41FA5}">
                       <a16:colId xmlns:a16="http://schemas.microsoft.com/office/drawing/2014/main" val="1198423160"/>
                     </a:ext>
                   </a:extLst>
                 </a:gridCol>
-                <a:gridCol w="2155190">
+                <a:gridCol w="2340665">
                   <a:extLst>
                     <a:ext uri="{9D8B030D-6E8A-4147-A177-3AD203B41FA5}">
                       <a16:colId xmlns:a16="http://schemas.microsoft.com/office/drawing/2014/main" val="2986914511"/>
                     </a:ext>
                   </a:extLst>
                 </a:gridCol>
-                <a:gridCol w="2155190">
+                <a:gridCol w="2340665">
                   <a:extLst>
                     <a:ext uri="{9D8B030D-6E8A-4147-A177-3AD203B41FA5}">
                       <a16:colId xmlns:a16="http://schemas.microsoft.com/office/drawing/2014/main" val="3262790631"/>
                     </a:ext>
                   </a:extLst>
                 </a:gridCol>
-                <a:gridCol w="2155190">
+                <a:gridCol w="2340665">
                   <a:extLst>
                     <a:ext uri="{9D8B030D-6E8A-4147-A177-3AD203B41FA5}">
                       <a16:colId xmlns:a16="http://schemas.microsoft.com/office/drawing/2014/main" val="1664188810"/>
@@ -11586,7 +13177,7 @@
                   </a:extLst>
                 </a:gridCol>
               </a:tblGrid>
-              <a:tr h="494030">
+              <a:tr h="448467">
                 <a:tc>
                   <a:txBody>
                     <a:bodyPr/>
@@ -11665,7 +13256,7 @@
                   </a:ext>
                 </a:extLst>
               </a:tr>
-              <a:tr h="494030">
+              <a:tr h="448467">
                 <a:tc>
                   <a:txBody>
                     <a:bodyPr/>
@@ -11774,7 +13365,7 @@
                   </a:ext>
                 </a:extLst>
               </a:tr>
-              <a:tr h="494030">
+              <a:tr h="179395">
                 <a:tc>
                   <a:txBody>
                     <a:bodyPr/>
@@ -11782,12 +13373,20 @@
                     <a:p>
                       <a:pPr algn="ctr"/>
                       <a:r>
+                        <a:rPr lang="en-US" dirty="0">
+                          <a:solidFill>
+                            <a:schemeClr val="bg1"/>
+                          </a:solidFill>
+                        </a:rPr>
+                        <a:t>Google </a:t>
+                      </a:r>
+                      <a:r>
                         <a:rPr lang="en-US" dirty="0" err="1">
                           <a:solidFill>
                             <a:schemeClr val="bg1"/>
                           </a:solidFill>
                         </a:rPr>
-                        <a:t>Colaboratory</a:t>
+                        <a:t>Colab</a:t>
                       </a:r>
                       <a:endParaRPr lang="en-US" dirty="0">
                         <a:solidFill>
@@ -11803,15 +13402,36 @@
                     <a:bodyPr/>
                     <a:lstStyle/>
                     <a:p>
-                      <a:pPr algn="ctr"/>
+                      <a:pPr marL="0" marR="0" lvl="0" indent="0" algn="ctr" defTabSz="457200" rtl="0" eaLnBrk="1" fontAlgn="auto" latinLnBrk="0" hangingPunct="1">
+                        <a:lnSpc>
+                          <a:spcPct val="100000"/>
+                        </a:lnSpc>
+                        <a:spcBef>
+                          <a:spcPts val="0"/>
+                        </a:spcBef>
+                        <a:spcAft>
+                          <a:spcPts val="0"/>
+                        </a:spcAft>
+                        <a:buClrTx/>
+                        <a:buSzTx/>
+                        <a:buFontTx/>
+                        <a:buNone/>
+                        <a:tabLst/>
+                        <a:defRPr/>
+                      </a:pPr>
                       <a:r>
-                        <a:rPr lang="en-US" dirty="0">
+                        <a:rPr lang="en-US" dirty="0" err="1">
                           <a:solidFill>
                             <a:schemeClr val="bg1"/>
                           </a:solidFill>
                         </a:rPr>
-                        <a:t>Pandas</a:t>
+                        <a:t>Javascript</a:t>
                       </a:r>
+                      <a:endParaRPr lang="en-US" dirty="0">
+                        <a:solidFill>
+                          <a:schemeClr val="bg1"/>
+                        </a:solidFill>
+                      </a:endParaRPr>
                     </a:p>
                   </a:txBody>
                   <a:tcPr/>
@@ -11867,7 +13487,7 @@
                   </a:ext>
                 </a:extLst>
               </a:tr>
-              <a:tr h="494030">
+              <a:tr h="448467">
                 <a:tc>
                   <a:txBody>
                     <a:bodyPr/>
@@ -11963,7 +13583,7 @@
                   </a:ext>
                 </a:extLst>
               </a:tr>
-              <a:tr h="494030">
+              <a:tr h="448467">
                 <a:tc>
                   <a:txBody>
                     <a:bodyPr/>
@@ -12033,11 +13653,14 @@
                     <a:lstStyle/>
                     <a:p>
                       <a:pPr algn="ctr"/>
-                      <a:endParaRPr lang="en-US">
-                        <a:solidFill>
-                          <a:schemeClr val="bg1"/>
-                        </a:solidFill>
-                      </a:endParaRPr>
+                      <a:r>
+                        <a:rPr lang="en-US" dirty="0">
+                          <a:solidFill>
+                            <a:schemeClr val="bg1"/>
+                          </a:solidFill>
+                        </a:rPr>
+                        <a:t>Coinbase API</a:t>
+                      </a:r>
                     </a:p>
                   </a:txBody>
                   <a:tcPr/>
@@ -12048,25 +13671,7 @@
                   </a:ext>
                 </a:extLst>
               </a:tr>
-              <a:tr h="494030">
-                <a:tc>
-                  <a:txBody>
-                    <a:bodyPr/>
-                    <a:lstStyle/>
-                    <a:p>
-                      <a:pPr algn="ctr"/>
-                      <a:r>
-                        <a:rPr lang="en-US" dirty="0">
-                          <a:solidFill>
-                            <a:schemeClr val="bg1"/>
-                          </a:solidFill>
-                        </a:rPr>
-                        <a:t>ERD</a:t>
-                      </a:r>
-                    </a:p>
-                  </a:txBody>
-                  <a:tcPr/>
-                </a:tc>
+              <a:tr h="448467">
                 <a:tc>
                   <a:txBody>
                     <a:bodyPr/>
@@ -12079,8 +13684,23 @@
                             <a:schemeClr val="bg1"/>
                           </a:solidFill>
                         </a:rPr>
-                        <a:t>Javascript</a:t>
+                        <a:t>QuickDBD</a:t>
                       </a:r>
+                      <a:endParaRPr lang="en-US" dirty="0">
+                        <a:solidFill>
+                          <a:schemeClr val="bg1"/>
+                        </a:solidFill>
+                      </a:endParaRPr>
+                    </a:p>
+                  </a:txBody>
+                  <a:tcPr/>
+                </a:tc>
+                <a:tc>
+                  <a:txBody>
+                    <a:bodyPr/>
+                    <a:lstStyle/>
+                    <a:p>
+                      <a:pPr algn="ctr"/>
                       <a:endParaRPr lang="en-US" dirty="0">
                         <a:solidFill>
                           <a:schemeClr val="bg1"/>
@@ -12123,11 +13743,14 @@
                     <a:lstStyle/>
                     <a:p>
                       <a:pPr algn="ctr"/>
-                      <a:endParaRPr lang="en-US">
-                        <a:solidFill>
-                          <a:schemeClr val="bg1"/>
-                        </a:solidFill>
-                      </a:endParaRPr>
+                      <a:r>
+                        <a:rPr lang="en-US" dirty="0">
+                          <a:solidFill>
+                            <a:schemeClr val="bg1"/>
+                          </a:solidFill>
+                        </a:rPr>
+                        <a:t>Kraken API</a:t>
+                      </a:r>
                     </a:p>
                   </a:txBody>
                   <a:tcPr/>
@@ -12138,14 +13761,14 @@
                   </a:ext>
                 </a:extLst>
               </a:tr>
-              <a:tr h="494030">
+              <a:tr h="448467">
                 <a:tc>
                   <a:txBody>
                     <a:bodyPr/>
                     <a:lstStyle/>
                     <a:p>
                       <a:pPr algn="ctr"/>
-                      <a:endParaRPr lang="en-US">
+                      <a:endParaRPr lang="en-US" dirty="0">
                         <a:solidFill>
                           <a:schemeClr val="bg1"/>
                         </a:solidFill>
@@ -12160,14 +13783,6 @@
                     <a:lstStyle/>
                     <a:p>
                       <a:pPr algn="ctr"/>
-                      <a:r>
-                        <a:rPr lang="en-US" dirty="0" err="1">
-                          <a:solidFill>
-                            <a:schemeClr val="bg1"/>
-                          </a:solidFill>
-                        </a:rPr>
-                        <a:t>Keras</a:t>
-                      </a:r>
                       <a:endParaRPr lang="en-US" dirty="0">
                         <a:solidFill>
                           <a:schemeClr val="bg1"/>
@@ -12201,11 +13816,22 @@
                     <a:lstStyle/>
                     <a:p>
                       <a:pPr algn="ctr"/>
-                      <a:endParaRPr lang="en-US">
-                        <a:solidFill>
-                          <a:schemeClr val="bg1"/>
-                        </a:solidFill>
-                      </a:endParaRPr>
+                      <a:r>
+                        <a:rPr lang="en-US" dirty="0" err="1">
+                          <a:solidFill>
+                            <a:schemeClr val="bg1"/>
+                          </a:solidFill>
+                        </a:rPr>
+                        <a:t>Coindesk</a:t>
+                      </a:r>
+                      <a:r>
+                        <a:rPr lang="en-US" dirty="0">
+                          <a:solidFill>
+                            <a:schemeClr val="bg1"/>
+                          </a:solidFill>
+                        </a:rPr>
+                        <a:t> API</a:t>
+                      </a:r>
                     </a:p>
                   </a:txBody>
                   <a:tcPr/>
@@ -12216,7 +13842,7 @@
                   </a:ext>
                 </a:extLst>
               </a:tr>
-              <a:tr h="494030">
+              <a:tr h="448467">
                 <a:tc>
                   <a:txBody>
                     <a:bodyPr/>
@@ -12279,7 +13905,7 @@
                           <a:ea typeface="+mn-ea"/>
                           <a:cs typeface="+mn-cs"/>
                         </a:rPr>
-                        <a:t> Long Short-Term Memory (LSTM)</a:t>
+                        <a:t> Requests</a:t>
                       </a:r>
                       <a:endParaRPr lang="en-US" dirty="0">
                         <a:solidFill>
@@ -12311,7 +13937,7 @@
                   </a:ext>
                 </a:extLst>
               </a:tr>
-              <a:tr h="494030">
+              <a:tr h="448467">
                 <a:tc>
                   <a:txBody>
                     <a:bodyPr/>
@@ -12397,6 +14023,274 @@
                   </a:ext>
                 </a:extLst>
               </a:tr>
+              <a:tr h="448467">
+                <a:tc>
+                  <a:txBody>
+                    <a:bodyPr/>
+                    <a:lstStyle/>
+                    <a:p>
+                      <a:pPr algn="ctr"/>
+                      <a:endParaRPr lang="en-US">
+                        <a:solidFill>
+                          <a:schemeClr val="bg1"/>
+                        </a:solidFill>
+                      </a:endParaRPr>
+                    </a:p>
+                  </a:txBody>
+                  <a:tcPr/>
+                </a:tc>
+                <a:tc>
+                  <a:txBody>
+                    <a:bodyPr/>
+                    <a:lstStyle/>
+                    <a:p>
+                      <a:pPr algn="ctr"/>
+                      <a:endParaRPr lang="en-US">
+                        <a:solidFill>
+                          <a:schemeClr val="bg1"/>
+                        </a:solidFill>
+                      </a:endParaRPr>
+                    </a:p>
+                  </a:txBody>
+                  <a:tcPr/>
+                </a:tc>
+                <a:tc>
+                  <a:txBody>
+                    <a:bodyPr/>
+                    <a:lstStyle/>
+                    <a:p>
+                      <a:pPr marL="0" marR="0" lvl="0" indent="0" algn="ctr" defTabSz="457200" rtl="0" eaLnBrk="1" fontAlgn="auto" latinLnBrk="0" hangingPunct="1">
+                        <a:lnSpc>
+                          <a:spcPct val="100000"/>
+                        </a:lnSpc>
+                        <a:spcBef>
+                          <a:spcPts val="0"/>
+                        </a:spcBef>
+                        <a:spcAft>
+                          <a:spcPts val="0"/>
+                        </a:spcAft>
+                        <a:buClrTx/>
+                        <a:buSzTx/>
+                        <a:buFontTx/>
+                        <a:buNone/>
+                        <a:tabLst/>
+                        <a:defRPr/>
+                      </a:pPr>
+                      <a:r>
+                        <a:rPr lang="en-US" dirty="0">
+                          <a:solidFill>
+                            <a:schemeClr val="bg1"/>
+                          </a:solidFill>
+                        </a:rPr>
+                        <a:t>Pandas</a:t>
+                      </a:r>
+                    </a:p>
+                  </a:txBody>
+                  <a:tcPr/>
+                </a:tc>
+                <a:tc>
+                  <a:txBody>
+                    <a:bodyPr/>
+                    <a:lstStyle/>
+                    <a:p>
+                      <a:pPr algn="ctr"/>
+                      <a:endParaRPr lang="en-US" dirty="0">
+                        <a:solidFill>
+                          <a:schemeClr val="bg1"/>
+                        </a:solidFill>
+                      </a:endParaRPr>
+                    </a:p>
+                  </a:txBody>
+                  <a:tcPr/>
+                </a:tc>
+                <a:extLst>
+                  <a:ext uri="{0D108BD9-81ED-4DB2-BD59-A6C34878D82A}">
+                    <a16:rowId xmlns:a16="http://schemas.microsoft.com/office/drawing/2014/main" val="2830118390"/>
+                  </a:ext>
+                </a:extLst>
+              </a:tr>
+              <a:tr h="448467">
+                <a:tc>
+                  <a:txBody>
+                    <a:bodyPr/>
+                    <a:lstStyle/>
+                    <a:p>
+                      <a:pPr algn="ctr"/>
+                      <a:endParaRPr lang="en-US">
+                        <a:solidFill>
+                          <a:schemeClr val="bg1"/>
+                        </a:solidFill>
+                      </a:endParaRPr>
+                    </a:p>
+                  </a:txBody>
+                  <a:tcPr/>
+                </a:tc>
+                <a:tc>
+                  <a:txBody>
+                    <a:bodyPr/>
+                    <a:lstStyle/>
+                    <a:p>
+                      <a:pPr algn="ctr"/>
+                      <a:endParaRPr lang="en-US">
+                        <a:solidFill>
+                          <a:schemeClr val="bg1"/>
+                        </a:solidFill>
+                      </a:endParaRPr>
+                    </a:p>
+                  </a:txBody>
+                  <a:tcPr/>
+                </a:tc>
+                <a:tc>
+                  <a:txBody>
+                    <a:bodyPr/>
+                    <a:lstStyle/>
+                    <a:p>
+                      <a:pPr marL="0" marR="0" lvl="0" indent="0" algn="ctr" defTabSz="457200" rtl="0" eaLnBrk="1" fontAlgn="auto" latinLnBrk="0" hangingPunct="1">
+                        <a:lnSpc>
+                          <a:spcPct val="100000"/>
+                        </a:lnSpc>
+                        <a:spcBef>
+                          <a:spcPts val="0"/>
+                        </a:spcBef>
+                        <a:spcAft>
+                          <a:spcPts val="0"/>
+                        </a:spcAft>
+                        <a:buClrTx/>
+                        <a:buSzTx/>
+                        <a:buFontTx/>
+                        <a:buNone/>
+                        <a:tabLst/>
+                        <a:defRPr/>
+                      </a:pPr>
+                      <a:r>
+                        <a:rPr lang="en-US" dirty="0" err="1">
+                          <a:solidFill>
+                            <a:schemeClr val="bg1"/>
+                          </a:solidFill>
+                        </a:rPr>
+                        <a:t>Keras</a:t>
+                      </a:r>
+                      <a:endParaRPr lang="en-US" dirty="0">
+                        <a:solidFill>
+                          <a:schemeClr val="bg1"/>
+                        </a:solidFill>
+                      </a:endParaRPr>
+                    </a:p>
+                  </a:txBody>
+                  <a:tcPr/>
+                </a:tc>
+                <a:tc>
+                  <a:txBody>
+                    <a:bodyPr/>
+                    <a:lstStyle/>
+                    <a:p>
+                      <a:pPr algn="ctr"/>
+                      <a:endParaRPr lang="en-US" dirty="0">
+                        <a:solidFill>
+                          <a:schemeClr val="bg1"/>
+                        </a:solidFill>
+                      </a:endParaRPr>
+                    </a:p>
+                  </a:txBody>
+                  <a:tcPr/>
+                </a:tc>
+                <a:extLst>
+                  <a:ext uri="{0D108BD9-81ED-4DB2-BD59-A6C34878D82A}">
+                    <a16:rowId xmlns:a16="http://schemas.microsoft.com/office/drawing/2014/main" val="2535821609"/>
+                  </a:ext>
+                </a:extLst>
+              </a:tr>
+              <a:tr h="448467">
+                <a:tc>
+                  <a:txBody>
+                    <a:bodyPr/>
+                    <a:lstStyle/>
+                    <a:p>
+                      <a:pPr algn="ctr"/>
+                      <a:endParaRPr lang="en-US">
+                        <a:solidFill>
+                          <a:schemeClr val="bg1"/>
+                        </a:solidFill>
+                      </a:endParaRPr>
+                    </a:p>
+                  </a:txBody>
+                  <a:tcPr/>
+                </a:tc>
+                <a:tc>
+                  <a:txBody>
+                    <a:bodyPr/>
+                    <a:lstStyle/>
+                    <a:p>
+                      <a:pPr algn="ctr"/>
+                      <a:endParaRPr lang="en-US">
+                        <a:solidFill>
+                          <a:schemeClr val="bg1"/>
+                        </a:solidFill>
+                      </a:endParaRPr>
+                    </a:p>
+                  </a:txBody>
+                  <a:tcPr/>
+                </a:tc>
+                <a:tc>
+                  <a:txBody>
+                    <a:bodyPr/>
+                    <a:lstStyle/>
+                    <a:p>
+                      <a:pPr marL="0" marR="0" lvl="0" indent="0" algn="ctr" defTabSz="457200" rtl="0" eaLnBrk="1" fontAlgn="auto" latinLnBrk="0" hangingPunct="1">
+                        <a:lnSpc>
+                          <a:spcPct val="100000"/>
+                        </a:lnSpc>
+                        <a:spcBef>
+                          <a:spcPts val="0"/>
+                        </a:spcBef>
+                        <a:spcAft>
+                          <a:spcPts val="0"/>
+                        </a:spcAft>
+                        <a:buClrTx/>
+                        <a:buSzTx/>
+                        <a:buFontTx/>
+                        <a:buNone/>
+                        <a:tabLst/>
+                        <a:defRPr/>
+                      </a:pPr>
+                      <a:r>
+                        <a:rPr lang="en-US" dirty="0" err="1">
+                          <a:solidFill>
+                            <a:schemeClr val="bg1"/>
+                          </a:solidFill>
+                        </a:rPr>
+                        <a:t>DateTime</a:t>
+                      </a:r>
+                      <a:endParaRPr lang="en-US" dirty="0">
+                        <a:solidFill>
+                          <a:schemeClr val="bg1"/>
+                        </a:solidFill>
+                      </a:endParaRPr>
+                    </a:p>
+                  </a:txBody>
+                  <a:tcPr/>
+                </a:tc>
+                <a:tc>
+                  <a:txBody>
+                    <a:bodyPr/>
+                    <a:lstStyle/>
+                    <a:p>
+                      <a:pPr algn="ctr"/>
+                      <a:endParaRPr lang="en-US" dirty="0">
+                        <a:solidFill>
+                          <a:schemeClr val="bg1"/>
+                        </a:solidFill>
+                      </a:endParaRPr>
+                    </a:p>
+                  </a:txBody>
+                  <a:tcPr/>
+                </a:tc>
+                <a:extLst>
+                  <a:ext uri="{0D108BD9-81ED-4DB2-BD59-A6C34878D82A}">
+                    <a16:rowId xmlns:a16="http://schemas.microsoft.com/office/drawing/2014/main" val="2233224264"/>
+                  </a:ext>
+                </a:extLst>
+              </a:tr>
             </a:tbl>
           </a:graphicData>
         </a:graphic>
@@ -12420,11 +14314,13 @@
         <p:spPr>
           <a:xfrm>
             <a:off x="913795" y="96520"/>
-            <a:ext cx="10353762" cy="970450"/>
+            <a:ext cx="10353762" cy="687070"/>
           </a:xfrm>
         </p:spPr>
         <p:txBody>
-          <a:bodyPr/>
+          <a:bodyPr>
+            <a:normAutofit fontScale="90000"/>
+          </a:bodyPr>
           <a:lstStyle/>
           <a:p>
             <a:r>

--- a/The Omniscient Crypto Oracle.pptx
+++ b/The Omniscient Crypto Oracle.pptx
@@ -9776,12 +9776,54 @@
           </a:p>
         </p:txBody>
       </p:sp>
+      <p:sp>
+        <p:nvSpPr>
+          <p:cNvPr id="11" name="Title 1">
+            <a:extLst>
+              <a:ext uri="{FF2B5EF4-FFF2-40B4-BE49-F238E27FC236}">
+                <a16:creationId xmlns:a16="http://schemas.microsoft.com/office/drawing/2014/main" id="{4AAE4539-EB48-2E6F-9A72-4FD54F0EB71F}"/>
+              </a:ext>
+            </a:extLst>
+          </p:cNvPr>
+          <p:cNvSpPr>
+            <a:spLocks noGrp="1"/>
+          </p:cNvSpPr>
+          <p:nvPr>
+            <p:ph type="title"/>
+          </p:nvPr>
+        </p:nvSpPr>
+        <p:spPr>
+          <a:xfrm>
+            <a:off x="913795" y="96520"/>
+            <a:ext cx="10353762" cy="687070"/>
+          </a:xfrm>
+        </p:spPr>
+        <p:txBody>
+          <a:bodyPr>
+            <a:normAutofit fontScale="90000"/>
+          </a:bodyPr>
+          <a:lstStyle/>
+          <a:p>
+            <a:r>
+              <a:rPr lang="en-US" dirty="0">
+                <a:solidFill>
+                  <a:schemeClr val="bg2">
+                    <a:lumMod val="10000"/>
+                    <a:lumOff val="90000"/>
+                  </a:schemeClr>
+                </a:solidFill>
+              </a:rPr>
+              <a:t>Metric Results</a:t>
+            </a:r>
+          </a:p>
+        </p:txBody>
+      </p:sp>
       <p:graphicFrame>
         <p:nvGraphicFramePr>
-          <p:cNvPr id="9" name="Table 10">
+          <p:cNvPr id="2" name="Table 2">
             <a:extLst>
               <a:ext uri="{FF2B5EF4-FFF2-40B4-BE49-F238E27FC236}">
-                <a16:creationId xmlns:a16="http://schemas.microsoft.com/office/drawing/2014/main" id="{92AE1A0C-0F89-1FD7-5281-7991B653608D}"/>
+                <a16:creationId xmlns:a16="http://schemas.microsoft.com/office/drawing/2014/main" id="{53D23664-1D5A-FBA4-BC48-A28E09DD5B3D}"/>
               </a:ext>
             </a:extLst>
           </p:cNvPr>
@@ -9791,14 +9833,14 @@
           <p:nvPr>
             <p:extLst>
               <p:ext uri="{D42A27DB-BD31-4B8C-83A1-F6EECF244321}">
-                <p14:modId xmlns:p14="http://schemas.microsoft.com/office/powerpoint/2010/main" val="810241295"/>
+                <p14:modId xmlns:p14="http://schemas.microsoft.com/office/powerpoint/2010/main" val="2201376156"/>
               </p:ext>
             </p:extLst>
           </p:nvPr>
         </p:nvGraphicFramePr>
         <p:xfrm>
-          <a:off x="1587991" y="880110"/>
-          <a:ext cx="9362660" cy="5298897"/>
+          <a:off x="264306" y="1135283"/>
+          <a:ext cx="11652740" cy="4966638"/>
         </p:xfrm>
         <a:graphic>
           <a:graphicData uri="http://schemas.openxmlformats.org/drawingml/2006/table">
@@ -9807,42 +9849,190 @@
                 <a:tableStyleId>{5C22544A-7EE6-4342-B048-85BDC9FD1C3A}</a:tableStyleId>
               </a:tblPr>
               <a:tblGrid>
-                <a:gridCol w="2340665">
+                <a:gridCol w="1664676">
                   <a:extLst>
                     <a:ext uri="{9D8B030D-6E8A-4147-A177-3AD203B41FA5}">
-                      <a16:colId xmlns:a16="http://schemas.microsoft.com/office/drawing/2014/main" val="1198423160"/>
+                      <a16:colId xmlns:a16="http://schemas.microsoft.com/office/drawing/2014/main" val="153193842"/>
                     </a:ext>
                   </a:extLst>
                 </a:gridCol>
-                <a:gridCol w="2340665">
+                <a:gridCol w="2602523">
                   <a:extLst>
                     <a:ext uri="{9D8B030D-6E8A-4147-A177-3AD203B41FA5}">
-                      <a16:colId xmlns:a16="http://schemas.microsoft.com/office/drawing/2014/main" val="2986914511"/>
+                      <a16:colId xmlns:a16="http://schemas.microsoft.com/office/drawing/2014/main" val="2945434334"/>
                     </a:ext>
                   </a:extLst>
                 </a:gridCol>
-                <a:gridCol w="2340665">
+                <a:gridCol w="2428956">
                   <a:extLst>
                     <a:ext uri="{9D8B030D-6E8A-4147-A177-3AD203B41FA5}">
-                      <a16:colId xmlns:a16="http://schemas.microsoft.com/office/drawing/2014/main" val="3262790631"/>
+                      <a16:colId xmlns:a16="http://schemas.microsoft.com/office/drawing/2014/main" val="2828018521"/>
                     </a:ext>
                   </a:extLst>
                 </a:gridCol>
-                <a:gridCol w="2340665">
+                <a:gridCol w="2359143">
                   <a:extLst>
                     <a:ext uri="{9D8B030D-6E8A-4147-A177-3AD203B41FA5}">
-                      <a16:colId xmlns:a16="http://schemas.microsoft.com/office/drawing/2014/main" val="1664188810"/>
+                      <a16:colId xmlns:a16="http://schemas.microsoft.com/office/drawing/2014/main" val="3574522233"/>
+                    </a:ext>
+                  </a:extLst>
+                </a:gridCol>
+                <a:gridCol w="2597442">
+                  <a:extLst>
+                    <a:ext uri="{9D8B030D-6E8A-4147-A177-3AD203B41FA5}">
+                      <a16:colId xmlns:a16="http://schemas.microsoft.com/office/drawing/2014/main" val="4042072306"/>
                     </a:ext>
                   </a:extLst>
                 </a:gridCol>
               </a:tblGrid>
-              <a:tr h="448467">
+              <a:tr h="904533">
                 <a:tc>
                   <a:txBody>
                     <a:bodyPr/>
                     <a:lstStyle/>
                     <a:p>
                       <a:pPr algn="ctr"/>
+                      <a:r>
+                        <a:rPr lang="en-US" sz="2200" dirty="0">
+                          <a:solidFill>
+                            <a:schemeClr val="bg1"/>
+                          </a:solidFill>
+                        </a:rPr>
+                        <a:t>Metric/</a:t>
+                      </a:r>
+                    </a:p>
+                    <a:p>
+                      <a:pPr algn="ctr"/>
+                      <a:r>
+                        <a:rPr lang="en-US" sz="2200" dirty="0" err="1">
+                          <a:solidFill>
+                            <a:schemeClr val="bg1"/>
+                          </a:solidFill>
+                        </a:rPr>
+                        <a:t>Cryptocoin</a:t>
+                      </a:r>
+                      <a:endParaRPr lang="en-US" sz="2200" dirty="0">
+                        <a:solidFill>
+                          <a:schemeClr val="bg1"/>
+                        </a:solidFill>
+                      </a:endParaRPr>
+                    </a:p>
+                  </a:txBody>
+                  <a:tcPr/>
+                </a:tc>
+                <a:tc>
+                  <a:txBody>
+                    <a:bodyPr/>
+                    <a:lstStyle/>
+                    <a:p>
+                      <a:r>
+                        <a:rPr lang="en-US" sz="2400" dirty="0">
+                          <a:solidFill>
+                            <a:schemeClr val="bg1"/>
+                          </a:solidFill>
+                        </a:rPr>
+                        <a:t>MSE – Mean Squared Error</a:t>
+                      </a:r>
+                    </a:p>
+                  </a:txBody>
+                  <a:tcPr/>
+                </a:tc>
+                <a:tc>
+                  <a:txBody>
+                    <a:bodyPr/>
+                    <a:lstStyle/>
+                    <a:p>
+                      <a:r>
+                        <a:rPr lang="en-US" sz="2400" dirty="0">
+                          <a:solidFill>
+                            <a:schemeClr val="bg1"/>
+                          </a:solidFill>
+                        </a:rPr>
+                        <a:t>MAE – Mean Absolute Error</a:t>
+                      </a:r>
+                    </a:p>
+                  </a:txBody>
+                  <a:tcPr/>
+                </a:tc>
+                <a:tc>
+                  <a:txBody>
+                    <a:bodyPr/>
+                    <a:lstStyle/>
+                    <a:p>
+                      <a:r>
+                        <a:rPr lang="en-US" sz="2400" dirty="0">
+                          <a:solidFill>
+                            <a:schemeClr val="bg1"/>
+                          </a:solidFill>
+                        </a:rPr>
+                        <a:t>Coefficient of Determination</a:t>
+                      </a:r>
+                    </a:p>
+                  </a:txBody>
+                  <a:tcPr/>
+                </a:tc>
+                <a:tc>
+                  <a:txBody>
+                    <a:bodyPr/>
+                    <a:lstStyle/>
+                    <a:p>
+                      <a:r>
+                        <a:rPr lang="en-US" sz="2400" dirty="0">
+                          <a:solidFill>
+                            <a:schemeClr val="bg1"/>
+                          </a:solidFill>
+                        </a:rPr>
+                        <a:t>RMSE from MSE</a:t>
+                      </a:r>
+                    </a:p>
+                  </a:txBody>
+                  <a:tcPr/>
+                </a:tc>
+                <a:extLst>
+                  <a:ext uri="{0D108BD9-81ED-4DB2-BD59-A6C34878D82A}">
+                    <a16:rowId xmlns:a16="http://schemas.microsoft.com/office/drawing/2014/main" val="1697505377"/>
+                  </a:ext>
+                </a:extLst>
+              </a:tr>
+              <a:tr h="812421">
+                <a:tc>
+                  <a:txBody>
+                    <a:bodyPr/>
+                    <a:lstStyle/>
+                    <a:p>
+                      <a:pPr algn="ctr"/>
+                      <a:r>
+                        <a:rPr lang="en-US" sz="2200" dirty="0">
+                          <a:solidFill>
+                            <a:schemeClr val="bg1"/>
+                          </a:solidFill>
+                        </a:rPr>
+                        <a:t>Bitcoin</a:t>
+                      </a:r>
+                    </a:p>
+                    <a:p>
+                      <a:pPr algn="ctr"/>
+                      <a:r>
+                        <a:rPr lang="en-US" sz="2200" dirty="0">
+                          <a:solidFill>
+                            <a:schemeClr val="bg1"/>
+                          </a:solidFill>
+                        </a:rPr>
+                        <a:t>(BTC)</a:t>
+                      </a:r>
+                    </a:p>
+                  </a:txBody>
+                  <a:tcPr/>
+                </a:tc>
+                <a:tc>
+                  <a:txBody>
+                    <a:bodyPr/>
+                    <a:lstStyle/>
+                    <a:p>
+                      <a:r>
+                        <a:rPr lang="en-US" dirty="0"/>
+                        <a:t>0.0033186599612236023</a:t>
+                      </a:r>
                       <a:endParaRPr lang="en-US" dirty="0">
                         <a:solidFill>
                           <a:schemeClr val="bg1"/>
@@ -9857,7 +10047,10 @@
                     <a:bodyPr/>
                     <a:lstStyle/>
                     <a:p>
-                      <a:pPr algn="ctr"/>
+                      <a:r>
+                        <a:rPr lang="en-US" dirty="0"/>
+                        <a:t>0.04206134844135157</a:t>
+                      </a:r>
                       <a:endParaRPr lang="en-US" dirty="0">
                         <a:solidFill>
                           <a:schemeClr val="bg1"/>
@@ -9872,7 +10065,10 @@
                     <a:bodyPr/>
                     <a:lstStyle/>
                     <a:p>
-                      <a:pPr algn="ctr"/>
+                      <a:r>
+                        <a:rPr lang="en-US" dirty="0"/>
+                        <a:t>0.9307371227625145</a:t>
+                      </a:r>
                       <a:endParaRPr lang="en-US" dirty="0">
                         <a:solidFill>
                           <a:schemeClr val="bg1"/>
@@ -9887,7 +10083,10 @@
                     <a:bodyPr/>
                     <a:lstStyle/>
                     <a:p>
-                      <a:pPr algn="ctr"/>
+                      <a:r>
+                        <a:rPr lang="en-US" dirty="0"/>
+                        <a:t>0.057607811633697756</a:t>
+                      </a:r>
                       <a:endParaRPr lang="en-US" dirty="0">
                         <a:solidFill>
                           <a:schemeClr val="bg1"/>
@@ -9899,17 +10098,45 @@
                 </a:tc>
                 <a:extLst>
                   <a:ext uri="{0D108BD9-81ED-4DB2-BD59-A6C34878D82A}">
-                    <a16:rowId xmlns:a16="http://schemas.microsoft.com/office/drawing/2014/main" val="2009616362"/>
+                    <a16:rowId xmlns:a16="http://schemas.microsoft.com/office/drawing/2014/main" val="2418841996"/>
                   </a:ext>
                 </a:extLst>
               </a:tr>
-              <a:tr h="448467">
+              <a:tr h="812421">
                 <a:tc>
                   <a:txBody>
                     <a:bodyPr/>
                     <a:lstStyle/>
                     <a:p>
                       <a:pPr algn="ctr"/>
+                      <a:r>
+                        <a:rPr lang="en-US" sz="2200" dirty="0">
+                          <a:solidFill>
+                            <a:schemeClr val="bg1"/>
+                          </a:solidFill>
+                        </a:rPr>
+                        <a:t>Dogecoin</a:t>
+                      </a:r>
+                    </a:p>
+                    <a:p>
+                      <a:pPr algn="ctr"/>
+                      <a:r>
+                        <a:rPr lang="en-US" sz="2200" dirty="0">
+                          <a:solidFill>
+                            <a:schemeClr val="bg1"/>
+                          </a:solidFill>
+                        </a:rPr>
+                        <a:t>(Doge)</a:t>
+                      </a:r>
+                    </a:p>
+                  </a:txBody>
+                  <a:tcPr/>
+                </a:tc>
+                <a:tc>
+                  <a:txBody>
+                    <a:bodyPr/>
+                    <a:lstStyle/>
+                    <a:p>
                       <a:endParaRPr lang="en-US" dirty="0">
                         <a:solidFill>
                           <a:schemeClr val="bg1"/>
@@ -9924,7 +10151,6 @@
                     <a:bodyPr/>
                     <a:lstStyle/>
                     <a:p>
-                      <a:pPr algn="ctr"/>
                       <a:endParaRPr lang="en-US" dirty="0">
                         <a:solidFill>
                           <a:schemeClr val="bg1"/>
@@ -9939,7 +10165,84 @@
                     <a:bodyPr/>
                     <a:lstStyle/>
                     <a:p>
+                      <a:endParaRPr lang="en-US">
+                        <a:solidFill>
+                          <a:schemeClr val="bg1"/>
+                        </a:solidFill>
+                      </a:endParaRPr>
+                    </a:p>
+                  </a:txBody>
+                  <a:tcPr/>
+                </a:tc>
+                <a:tc>
+                  <a:txBody>
+                    <a:bodyPr/>
+                    <a:lstStyle/>
+                    <a:p>
+                      <a:endParaRPr lang="en-US" dirty="0">
+                        <a:solidFill>
+                          <a:schemeClr val="bg1"/>
+                        </a:solidFill>
+                      </a:endParaRPr>
+                    </a:p>
+                  </a:txBody>
+                  <a:tcPr/>
+                </a:tc>
+                <a:extLst>
+                  <a:ext uri="{0D108BD9-81ED-4DB2-BD59-A6C34878D82A}">
+                    <a16:rowId xmlns:a16="http://schemas.microsoft.com/office/drawing/2014/main" val="66660427"/>
+                  </a:ext>
+                </a:extLst>
+              </a:tr>
+              <a:tr h="812421">
+                <a:tc>
+                  <a:txBody>
+                    <a:bodyPr/>
+                    <a:lstStyle/>
+                    <a:p>
                       <a:pPr algn="ctr"/>
+                      <a:r>
+                        <a:rPr lang="en-US" sz="2200" dirty="0">
+                          <a:solidFill>
+                            <a:schemeClr val="bg1"/>
+                          </a:solidFill>
+                        </a:rPr>
+                        <a:t>Ethereum</a:t>
+                      </a:r>
+                    </a:p>
+                    <a:p>
+                      <a:pPr algn="ctr"/>
+                      <a:r>
+                        <a:rPr lang="en-US" sz="2200" dirty="0">
+                          <a:solidFill>
+                            <a:schemeClr val="bg1"/>
+                          </a:solidFill>
+                        </a:rPr>
+                        <a:t>(ETH)</a:t>
+                      </a:r>
+                    </a:p>
+                  </a:txBody>
+                  <a:tcPr/>
+                </a:tc>
+                <a:tc>
+                  <a:txBody>
+                    <a:bodyPr/>
+                    <a:lstStyle/>
+                    <a:p>
+                      <a:endParaRPr lang="en-US">
+                        <a:solidFill>
+                          <a:schemeClr val="bg1"/>
+                        </a:solidFill>
+                      </a:endParaRPr>
+                    </a:p>
+                  </a:txBody>
+                  <a:tcPr/>
+                </a:tc>
+                <a:tc>
+                  <a:txBody>
+                    <a:bodyPr/>
+                    <a:lstStyle/>
+                    <a:p>
                       <a:endParaRPr lang="en-US" dirty="0">
                         <a:solidFill>
                           <a:schemeClr val="bg1"/>
@@ -9954,7 +10257,20 @@
                     <a:bodyPr/>
                     <a:lstStyle/>
                     <a:p>
-                      <a:pPr algn="ctr"/>
+                      <a:endParaRPr lang="en-US">
+                        <a:solidFill>
+                          <a:schemeClr val="bg1"/>
+                        </a:solidFill>
+                      </a:endParaRPr>
+                    </a:p>
+                  </a:txBody>
+                  <a:tcPr/>
+                </a:tc>
+                <a:tc>
+                  <a:txBody>
+                    <a:bodyPr/>
+                    <a:lstStyle/>
+                    <a:p>
                       <a:endParaRPr lang="en-US" dirty="0">
                         <a:solidFill>
                           <a:schemeClr val="bg1"/>
@@ -9966,17 +10282,45 @@
                 </a:tc>
                 <a:extLst>
                   <a:ext uri="{0D108BD9-81ED-4DB2-BD59-A6C34878D82A}">
-                    <a16:rowId xmlns:a16="http://schemas.microsoft.com/office/drawing/2014/main" val="3416111183"/>
+                    <a16:rowId xmlns:a16="http://schemas.microsoft.com/office/drawing/2014/main" val="278246535"/>
                   </a:ext>
                 </a:extLst>
               </a:tr>
-              <a:tr h="179395">
+              <a:tr h="812421">
                 <a:tc>
                   <a:txBody>
                     <a:bodyPr/>
                     <a:lstStyle/>
                     <a:p>
                       <a:pPr algn="ctr"/>
+                      <a:r>
+                        <a:rPr lang="en-US" sz="2200" dirty="0">
+                          <a:solidFill>
+                            <a:schemeClr val="bg1"/>
+                          </a:solidFill>
+                        </a:rPr>
+                        <a:t>Litecoin</a:t>
+                      </a:r>
+                    </a:p>
+                    <a:p>
+                      <a:pPr algn="ctr"/>
+                      <a:r>
+                        <a:rPr lang="en-US" sz="2200" dirty="0">
+                          <a:solidFill>
+                            <a:schemeClr val="bg1"/>
+                          </a:solidFill>
+                        </a:rPr>
+                        <a:t>(LTC)</a:t>
+                      </a:r>
+                    </a:p>
+                  </a:txBody>
+                  <a:tcPr/>
+                </a:tc>
+                <a:tc>
+                  <a:txBody>
+                    <a:bodyPr/>
+                    <a:lstStyle/>
+                    <a:p>
                       <a:endParaRPr lang="en-US" dirty="0">
                         <a:solidFill>
                           <a:schemeClr val="bg1"/>
@@ -9991,23 +10335,6 @@
                     <a:bodyPr/>
                     <a:lstStyle/>
                     <a:p>
-                      <a:pPr marL="0" marR="0" lvl="0" indent="0" algn="ctr" defTabSz="457200" rtl="0" eaLnBrk="1" fontAlgn="auto" latinLnBrk="0" hangingPunct="1">
-                        <a:lnSpc>
-                          <a:spcPct val="100000"/>
-                        </a:lnSpc>
-                        <a:spcBef>
-                          <a:spcPts val="0"/>
-                        </a:spcBef>
-                        <a:spcAft>
-                          <a:spcPts val="0"/>
-                        </a:spcAft>
-                        <a:buClrTx/>
-                        <a:buSzTx/>
-                        <a:buFontTx/>
-                        <a:buNone/>
-                        <a:tabLst/>
-                        <a:defRPr/>
-                      </a:pPr>
                       <a:endParaRPr lang="en-US" dirty="0">
                         <a:solidFill>
                           <a:schemeClr val="bg1"/>
@@ -10022,312 +10349,6 @@
                     <a:bodyPr/>
                     <a:lstStyle/>
                     <a:p>
-                      <a:pPr algn="ctr"/>
-                      <a:endParaRPr lang="en-US" dirty="0">
-                        <a:solidFill>
-                          <a:schemeClr val="bg1"/>
-                        </a:solidFill>
-                      </a:endParaRPr>
-                    </a:p>
-                  </a:txBody>
-                  <a:tcPr/>
-                </a:tc>
-                <a:tc>
-                  <a:txBody>
-                    <a:bodyPr/>
-                    <a:lstStyle/>
-                    <a:p>
-                      <a:pPr algn="ctr"/>
-                      <a:endParaRPr lang="en-US" dirty="0">
-                        <a:solidFill>
-                          <a:schemeClr val="bg1"/>
-                        </a:solidFill>
-                      </a:endParaRPr>
-                    </a:p>
-                  </a:txBody>
-                  <a:tcPr/>
-                </a:tc>
-                <a:extLst>
-                  <a:ext uri="{0D108BD9-81ED-4DB2-BD59-A6C34878D82A}">
-                    <a16:rowId xmlns:a16="http://schemas.microsoft.com/office/drawing/2014/main" val="2424280642"/>
-                  </a:ext>
-                </a:extLst>
-              </a:tr>
-              <a:tr h="448467">
-                <a:tc>
-                  <a:txBody>
-                    <a:bodyPr/>
-                    <a:lstStyle/>
-                    <a:p>
-                      <a:pPr algn="ctr"/>
-                      <a:endParaRPr lang="en-US" dirty="0">
-                        <a:solidFill>
-                          <a:schemeClr val="bg1"/>
-                        </a:solidFill>
-                      </a:endParaRPr>
-                    </a:p>
-                  </a:txBody>
-                  <a:tcPr/>
-                </a:tc>
-                <a:tc>
-                  <a:txBody>
-                    <a:bodyPr/>
-                    <a:lstStyle/>
-                    <a:p>
-                      <a:pPr algn="ctr"/>
-                      <a:endParaRPr lang="en-US" dirty="0">
-                        <a:solidFill>
-                          <a:schemeClr val="bg1"/>
-                        </a:solidFill>
-                      </a:endParaRPr>
-                    </a:p>
-                  </a:txBody>
-                  <a:tcPr/>
-                </a:tc>
-                <a:tc>
-                  <a:txBody>
-                    <a:bodyPr/>
-                    <a:lstStyle/>
-                    <a:p>
-                      <a:pPr algn="ctr"/>
-                      <a:endParaRPr lang="en-US" dirty="0">
-                        <a:solidFill>
-                          <a:schemeClr val="bg1"/>
-                        </a:solidFill>
-                      </a:endParaRPr>
-                    </a:p>
-                  </a:txBody>
-                  <a:tcPr/>
-                </a:tc>
-                <a:tc>
-                  <a:txBody>
-                    <a:bodyPr/>
-                    <a:lstStyle/>
-                    <a:p>
-                      <a:pPr algn="ctr"/>
-                      <a:endParaRPr lang="en-US" dirty="0">
-                        <a:solidFill>
-                          <a:schemeClr val="bg1"/>
-                        </a:solidFill>
-                      </a:endParaRPr>
-                    </a:p>
-                  </a:txBody>
-                  <a:tcPr/>
-                </a:tc>
-                <a:extLst>
-                  <a:ext uri="{0D108BD9-81ED-4DB2-BD59-A6C34878D82A}">
-                    <a16:rowId xmlns:a16="http://schemas.microsoft.com/office/drawing/2014/main" val="3628490987"/>
-                  </a:ext>
-                </a:extLst>
-              </a:tr>
-              <a:tr h="448467">
-                <a:tc>
-                  <a:txBody>
-                    <a:bodyPr/>
-                    <a:lstStyle/>
-                    <a:p>
-                      <a:pPr algn="ctr"/>
-                      <a:endParaRPr lang="en-US" dirty="0">
-                        <a:solidFill>
-                          <a:schemeClr val="bg1"/>
-                        </a:solidFill>
-                      </a:endParaRPr>
-                    </a:p>
-                  </a:txBody>
-                  <a:tcPr/>
-                </a:tc>
-                <a:tc>
-                  <a:txBody>
-                    <a:bodyPr/>
-                    <a:lstStyle/>
-                    <a:p>
-                      <a:pPr algn="ctr"/>
-                      <a:endParaRPr lang="en-US" dirty="0">
-                        <a:solidFill>
-                          <a:schemeClr val="bg1"/>
-                        </a:solidFill>
-                      </a:endParaRPr>
-                    </a:p>
-                  </a:txBody>
-                  <a:tcPr/>
-                </a:tc>
-                <a:tc>
-                  <a:txBody>
-                    <a:bodyPr/>
-                    <a:lstStyle/>
-                    <a:p>
-                      <a:pPr algn="ctr"/>
-                      <a:endParaRPr lang="en-US" dirty="0">
-                        <a:solidFill>
-                          <a:schemeClr val="bg1"/>
-                        </a:solidFill>
-                      </a:endParaRPr>
-                    </a:p>
-                  </a:txBody>
-                  <a:tcPr/>
-                </a:tc>
-                <a:tc>
-                  <a:txBody>
-                    <a:bodyPr/>
-                    <a:lstStyle/>
-                    <a:p>
-                      <a:pPr algn="ctr"/>
-                      <a:endParaRPr lang="en-US" dirty="0">
-                        <a:solidFill>
-                          <a:schemeClr val="bg1"/>
-                        </a:solidFill>
-                      </a:endParaRPr>
-                    </a:p>
-                  </a:txBody>
-                  <a:tcPr/>
-                </a:tc>
-                <a:extLst>
-                  <a:ext uri="{0D108BD9-81ED-4DB2-BD59-A6C34878D82A}">
-                    <a16:rowId xmlns:a16="http://schemas.microsoft.com/office/drawing/2014/main" val="869746675"/>
-                  </a:ext>
-                </a:extLst>
-              </a:tr>
-              <a:tr h="448467">
-                <a:tc>
-                  <a:txBody>
-                    <a:bodyPr/>
-                    <a:lstStyle/>
-                    <a:p>
-                      <a:pPr algn="ctr"/>
-                      <a:endParaRPr lang="en-US" dirty="0">
-                        <a:solidFill>
-                          <a:schemeClr val="bg1"/>
-                        </a:solidFill>
-                      </a:endParaRPr>
-                    </a:p>
-                  </a:txBody>
-                  <a:tcPr/>
-                </a:tc>
-                <a:tc>
-                  <a:txBody>
-                    <a:bodyPr/>
-                    <a:lstStyle/>
-                    <a:p>
-                      <a:pPr algn="ctr"/>
-                      <a:endParaRPr lang="en-US" dirty="0">
-                        <a:solidFill>
-                          <a:schemeClr val="bg1"/>
-                        </a:solidFill>
-                      </a:endParaRPr>
-                    </a:p>
-                  </a:txBody>
-                  <a:tcPr/>
-                </a:tc>
-                <a:tc>
-                  <a:txBody>
-                    <a:bodyPr/>
-                    <a:lstStyle/>
-                    <a:p>
-                      <a:pPr algn="ctr"/>
-                      <a:endParaRPr lang="en-US" dirty="0">
-                        <a:solidFill>
-                          <a:schemeClr val="bg1"/>
-                        </a:solidFill>
-                      </a:endParaRPr>
-                    </a:p>
-                  </a:txBody>
-                  <a:tcPr/>
-                </a:tc>
-                <a:tc>
-                  <a:txBody>
-                    <a:bodyPr/>
-                    <a:lstStyle/>
-                    <a:p>
-                      <a:pPr algn="ctr"/>
-                      <a:endParaRPr lang="en-US" dirty="0">
-                        <a:solidFill>
-                          <a:schemeClr val="bg1"/>
-                        </a:solidFill>
-                      </a:endParaRPr>
-                    </a:p>
-                  </a:txBody>
-                  <a:tcPr/>
-                </a:tc>
-                <a:extLst>
-                  <a:ext uri="{0D108BD9-81ED-4DB2-BD59-A6C34878D82A}">
-                    <a16:rowId xmlns:a16="http://schemas.microsoft.com/office/drawing/2014/main" val="1891970372"/>
-                  </a:ext>
-                </a:extLst>
-              </a:tr>
-              <a:tr h="448467">
-                <a:tc>
-                  <a:txBody>
-                    <a:bodyPr/>
-                    <a:lstStyle/>
-                    <a:p>
-                      <a:pPr algn="ctr"/>
-                      <a:endParaRPr lang="en-US" dirty="0">
-                        <a:solidFill>
-                          <a:schemeClr val="bg1"/>
-                        </a:solidFill>
-                      </a:endParaRPr>
-                    </a:p>
-                  </a:txBody>
-                  <a:tcPr/>
-                </a:tc>
-                <a:tc>
-                  <a:txBody>
-                    <a:bodyPr/>
-                    <a:lstStyle/>
-                    <a:p>
-                      <a:pPr algn="ctr"/>
-                      <a:endParaRPr lang="en-US" dirty="0">
-                        <a:solidFill>
-                          <a:schemeClr val="bg1"/>
-                        </a:solidFill>
-                      </a:endParaRPr>
-                    </a:p>
-                  </a:txBody>
-                  <a:tcPr/>
-                </a:tc>
-                <a:tc>
-                  <a:txBody>
-                    <a:bodyPr/>
-                    <a:lstStyle/>
-                    <a:p>
-                      <a:pPr algn="ctr"/>
-                      <a:endParaRPr lang="en-US" dirty="0">
-                        <a:solidFill>
-                          <a:schemeClr val="bg1"/>
-                        </a:solidFill>
-                      </a:endParaRPr>
-                    </a:p>
-                  </a:txBody>
-                  <a:tcPr/>
-                </a:tc>
-                <a:tc>
-                  <a:txBody>
-                    <a:bodyPr/>
-                    <a:lstStyle/>
-                    <a:p>
-                      <a:pPr algn="ctr"/>
-                      <a:endParaRPr lang="en-US" dirty="0">
-                        <a:solidFill>
-                          <a:schemeClr val="bg1"/>
-                        </a:solidFill>
-                      </a:endParaRPr>
-                    </a:p>
-                  </a:txBody>
-                  <a:tcPr/>
-                </a:tc>
-                <a:extLst>
-                  <a:ext uri="{0D108BD9-81ED-4DB2-BD59-A6C34878D82A}">
-                    <a16:rowId xmlns:a16="http://schemas.microsoft.com/office/drawing/2014/main" val="1002181391"/>
-                  </a:ext>
-                </a:extLst>
-              </a:tr>
-              <a:tr h="448467">
-                <a:tc>
-                  <a:txBody>
-                    <a:bodyPr/>
-                    <a:lstStyle/>
-                    <a:p>
-                      <a:pPr algn="ctr"/>
                       <a:endParaRPr lang="en-US">
                         <a:solidFill>
                           <a:schemeClr val="bg1"/>
@@ -10342,7 +10363,56 @@
                     <a:bodyPr/>
                     <a:lstStyle/>
                     <a:p>
+                      <a:endParaRPr lang="en-US">
+                        <a:solidFill>
+                          <a:schemeClr val="bg1"/>
+                        </a:solidFill>
+                      </a:endParaRPr>
+                    </a:p>
+                  </a:txBody>
+                  <a:tcPr/>
+                </a:tc>
+                <a:extLst>
+                  <a:ext uri="{0D108BD9-81ED-4DB2-BD59-A6C34878D82A}">
+                    <a16:rowId xmlns:a16="http://schemas.microsoft.com/office/drawing/2014/main" val="1855517686"/>
+                  </a:ext>
+                </a:extLst>
+              </a:tr>
+              <a:tr h="812421">
+                <a:tc>
+                  <a:txBody>
+                    <a:bodyPr/>
+                    <a:lstStyle/>
+                    <a:p>
                       <a:pPr algn="ctr"/>
+                      <a:r>
+                        <a:rPr lang="en-US" sz="2200" dirty="0">
+                          <a:solidFill>
+                            <a:schemeClr val="bg1"/>
+                          </a:solidFill>
+                        </a:rPr>
+                        <a:t>Ripple</a:t>
+                      </a:r>
+                    </a:p>
+                    <a:p>
+                      <a:pPr algn="ctr"/>
+                      <a:r>
+                        <a:rPr lang="en-US" sz="2200" dirty="0">
+                          <a:solidFill>
+                            <a:schemeClr val="bg1"/>
+                          </a:solidFill>
+                        </a:rPr>
+                        <a:t>(XRP)</a:t>
+                      </a:r>
+                    </a:p>
+                  </a:txBody>
+                  <a:tcPr/>
+                </a:tc>
+                <a:tc>
+                  <a:txBody>
+                    <a:bodyPr/>
+                    <a:lstStyle/>
+                    <a:p>
                       <a:endParaRPr lang="en-US">
                         <a:solidFill>
                           <a:schemeClr val="bg1"/>
@@ -10357,60 +10427,6 @@
                     <a:bodyPr/>
                     <a:lstStyle/>
                     <a:p>
-                      <a:pPr marL="0" marR="0" lvl="0" indent="0" algn="ctr" defTabSz="457200" rtl="0" eaLnBrk="1" fontAlgn="auto" latinLnBrk="0" hangingPunct="1">
-                        <a:lnSpc>
-                          <a:spcPct val="100000"/>
-                        </a:lnSpc>
-                        <a:spcBef>
-                          <a:spcPts val="0"/>
-                        </a:spcBef>
-                        <a:spcAft>
-                          <a:spcPts val="0"/>
-                        </a:spcAft>
-                        <a:buClrTx/>
-                        <a:buSzTx/>
-                        <a:buFontTx/>
-                        <a:buNone/>
-                        <a:tabLst/>
-                        <a:defRPr/>
-                      </a:pPr>
-                      <a:endParaRPr lang="en-US" dirty="0">
-                        <a:solidFill>
-                          <a:schemeClr val="bg1"/>
-                        </a:solidFill>
-                      </a:endParaRPr>
-                    </a:p>
-                  </a:txBody>
-                  <a:tcPr/>
-                </a:tc>
-                <a:tc>
-                  <a:txBody>
-                    <a:bodyPr/>
-                    <a:lstStyle/>
-                    <a:p>
-                      <a:pPr algn="ctr"/>
-                      <a:endParaRPr lang="en-US" dirty="0">
-                        <a:solidFill>
-                          <a:schemeClr val="bg1"/>
-                        </a:solidFill>
-                      </a:endParaRPr>
-                    </a:p>
-                  </a:txBody>
-                  <a:tcPr/>
-                </a:tc>
-                <a:extLst>
-                  <a:ext uri="{0D108BD9-81ED-4DB2-BD59-A6C34878D82A}">
-                    <a16:rowId xmlns:a16="http://schemas.microsoft.com/office/drawing/2014/main" val="1345442870"/>
-                  </a:ext>
-                </a:extLst>
-              </a:tr>
-              <a:tr h="448467">
-                <a:tc>
-                  <a:txBody>
-                    <a:bodyPr/>
-                    <a:lstStyle/>
-                    <a:p>
-                      <a:pPr algn="ctr"/>
                       <a:endParaRPr lang="en-US">
                         <a:solidFill>
                           <a:schemeClr val="bg1"/>
@@ -10425,7 +10441,6 @@
                     <a:bodyPr/>
                     <a:lstStyle/>
                     <a:p>
-                      <a:pPr algn="ctr"/>
                       <a:endParaRPr lang="en-US">
                         <a:solidFill>
                           <a:schemeClr val="bg1"/>
@@ -10440,38 +10455,6 @@
                     <a:bodyPr/>
                     <a:lstStyle/>
                     <a:p>
-                      <a:pPr marL="0" marR="0" lvl="0" indent="0" algn="ctr" defTabSz="457200" rtl="0" eaLnBrk="1" fontAlgn="auto" latinLnBrk="0" hangingPunct="1">
-                        <a:lnSpc>
-                          <a:spcPct val="100000"/>
-                        </a:lnSpc>
-                        <a:spcBef>
-                          <a:spcPts val="0"/>
-                        </a:spcBef>
-                        <a:spcAft>
-                          <a:spcPts val="0"/>
-                        </a:spcAft>
-                        <a:buClrTx/>
-                        <a:buSzTx/>
-                        <a:buFontTx/>
-                        <a:buNone/>
-                        <a:tabLst/>
-                        <a:defRPr/>
-                      </a:pPr>
-                      <a:endParaRPr lang="en-US" dirty="0">
-                        <a:solidFill>
-                          <a:schemeClr val="bg1"/>
-                        </a:solidFill>
-                      </a:endParaRPr>
-                    </a:p>
-                  </a:txBody>
-                  <a:tcPr/>
-                </a:tc>
-                <a:tc>
-                  <a:txBody>
-                    <a:bodyPr/>
-                    <a:lstStyle/>
-                    <a:p>
-                      <a:pPr algn="ctr"/>
                       <a:endParaRPr lang="en-US" dirty="0">
                         <a:solidFill>
                           <a:schemeClr val="bg1"/>
@@ -10483,256 +10466,7 @@
                 </a:tc>
                 <a:extLst>
                   <a:ext uri="{0D108BD9-81ED-4DB2-BD59-A6C34878D82A}">
-                    <a16:rowId xmlns:a16="http://schemas.microsoft.com/office/drawing/2014/main" val="3279897707"/>
-                  </a:ext>
-                </a:extLst>
-              </a:tr>
-              <a:tr h="448467">
-                <a:tc>
-                  <a:txBody>
-                    <a:bodyPr/>
-                    <a:lstStyle/>
-                    <a:p>
-                      <a:pPr algn="ctr"/>
-                      <a:endParaRPr lang="en-US">
-                        <a:solidFill>
-                          <a:schemeClr val="bg1"/>
-                        </a:solidFill>
-                      </a:endParaRPr>
-                    </a:p>
-                  </a:txBody>
-                  <a:tcPr/>
-                </a:tc>
-                <a:tc>
-                  <a:txBody>
-                    <a:bodyPr/>
-                    <a:lstStyle/>
-                    <a:p>
-                      <a:pPr algn="ctr"/>
-                      <a:endParaRPr lang="en-US">
-                        <a:solidFill>
-                          <a:schemeClr val="bg1"/>
-                        </a:solidFill>
-                      </a:endParaRPr>
-                    </a:p>
-                  </a:txBody>
-                  <a:tcPr/>
-                </a:tc>
-                <a:tc>
-                  <a:txBody>
-                    <a:bodyPr/>
-                    <a:lstStyle/>
-                    <a:p>
-                      <a:pPr marL="0" marR="0" lvl="0" indent="0" algn="ctr" defTabSz="457200" rtl="0" eaLnBrk="1" fontAlgn="auto" latinLnBrk="0" hangingPunct="1">
-                        <a:lnSpc>
-                          <a:spcPct val="100000"/>
-                        </a:lnSpc>
-                        <a:spcBef>
-                          <a:spcPts val="0"/>
-                        </a:spcBef>
-                        <a:spcAft>
-                          <a:spcPts val="0"/>
-                        </a:spcAft>
-                        <a:buClrTx/>
-                        <a:buSzTx/>
-                        <a:buFontTx/>
-                        <a:buNone/>
-                        <a:tabLst/>
-                        <a:defRPr/>
-                      </a:pPr>
-                      <a:endParaRPr lang="en-US" dirty="0">
-                        <a:solidFill>
-                          <a:schemeClr val="bg1"/>
-                        </a:solidFill>
-                      </a:endParaRPr>
-                    </a:p>
-                  </a:txBody>
-                  <a:tcPr/>
-                </a:tc>
-                <a:tc>
-                  <a:txBody>
-                    <a:bodyPr/>
-                    <a:lstStyle/>
-                    <a:p>
-                      <a:pPr algn="ctr"/>
-                      <a:endParaRPr lang="en-US" dirty="0">
-                        <a:solidFill>
-                          <a:schemeClr val="bg1"/>
-                        </a:solidFill>
-                      </a:endParaRPr>
-                    </a:p>
-                  </a:txBody>
-                  <a:tcPr/>
-                </a:tc>
-                <a:extLst>
-                  <a:ext uri="{0D108BD9-81ED-4DB2-BD59-A6C34878D82A}">
-                    <a16:rowId xmlns:a16="http://schemas.microsoft.com/office/drawing/2014/main" val="2830118390"/>
-                  </a:ext>
-                </a:extLst>
-              </a:tr>
-              <a:tr h="448467">
-                <a:tc>
-                  <a:txBody>
-                    <a:bodyPr/>
-                    <a:lstStyle/>
-                    <a:p>
-                      <a:pPr algn="ctr"/>
-                      <a:endParaRPr lang="en-US">
-                        <a:solidFill>
-                          <a:schemeClr val="bg1"/>
-                        </a:solidFill>
-                      </a:endParaRPr>
-                    </a:p>
-                  </a:txBody>
-                  <a:tcPr/>
-                </a:tc>
-                <a:tc>
-                  <a:txBody>
-                    <a:bodyPr/>
-                    <a:lstStyle/>
-                    <a:p>
-                      <a:pPr algn="ctr"/>
-                      <a:endParaRPr lang="en-US">
-                        <a:solidFill>
-                          <a:schemeClr val="bg1"/>
-                        </a:solidFill>
-                      </a:endParaRPr>
-                    </a:p>
-                  </a:txBody>
-                  <a:tcPr/>
-                </a:tc>
-                <a:tc>
-                  <a:txBody>
-                    <a:bodyPr/>
-                    <a:lstStyle/>
-                    <a:p>
-                      <a:pPr marL="0" marR="0" lvl="0" indent="0" algn="ctr" defTabSz="457200" rtl="0" eaLnBrk="1" fontAlgn="auto" latinLnBrk="0" hangingPunct="1">
-                        <a:lnSpc>
-                          <a:spcPct val="100000"/>
-                        </a:lnSpc>
-                        <a:spcBef>
-                          <a:spcPts val="0"/>
-                        </a:spcBef>
-                        <a:spcAft>
-                          <a:spcPts val="0"/>
-                        </a:spcAft>
-                        <a:buClrTx/>
-                        <a:buSzTx/>
-                        <a:buFontTx/>
-                        <a:buNone/>
-                        <a:tabLst/>
-                        <a:defRPr/>
-                      </a:pPr>
-                      <a:endParaRPr lang="en-US" dirty="0">
-                        <a:solidFill>
-                          <a:schemeClr val="bg1"/>
-                        </a:solidFill>
-                      </a:endParaRPr>
-                    </a:p>
-                  </a:txBody>
-                  <a:tcPr/>
-                </a:tc>
-                <a:tc>
-                  <a:txBody>
-                    <a:bodyPr/>
-                    <a:lstStyle/>
-                    <a:p>
-                      <a:pPr algn="ctr"/>
-                      <a:endParaRPr lang="en-US" dirty="0">
-                        <a:solidFill>
-                          <a:schemeClr val="bg1"/>
-                        </a:solidFill>
-                      </a:endParaRPr>
-                    </a:p>
-                  </a:txBody>
-                  <a:tcPr/>
-                </a:tc>
-                <a:extLst>
-                  <a:ext uri="{0D108BD9-81ED-4DB2-BD59-A6C34878D82A}">
-                    <a16:rowId xmlns:a16="http://schemas.microsoft.com/office/drawing/2014/main" val="2535821609"/>
-                  </a:ext>
-                </a:extLst>
-              </a:tr>
-              <a:tr h="448467">
-                <a:tc>
-                  <a:txBody>
-                    <a:bodyPr/>
-                    <a:lstStyle/>
-                    <a:p>
-                      <a:pPr algn="ctr"/>
-                      <a:endParaRPr lang="en-US">
-                        <a:solidFill>
-                          <a:schemeClr val="bg1"/>
-                        </a:solidFill>
-                      </a:endParaRPr>
-                    </a:p>
-                  </a:txBody>
-                  <a:tcPr/>
-                </a:tc>
-                <a:tc>
-                  <a:txBody>
-                    <a:bodyPr/>
-                    <a:lstStyle/>
-                    <a:p>
-                      <a:pPr algn="ctr"/>
-                      <a:endParaRPr lang="en-US">
-                        <a:solidFill>
-                          <a:schemeClr val="bg1"/>
-                        </a:solidFill>
-                      </a:endParaRPr>
-                    </a:p>
-                  </a:txBody>
-                  <a:tcPr/>
-                </a:tc>
-                <a:tc>
-                  <a:txBody>
-                    <a:bodyPr/>
-                    <a:lstStyle/>
-                    <a:p>
-                      <a:pPr marL="0" marR="0" lvl="0" indent="0" algn="ctr" defTabSz="457200" rtl="0" eaLnBrk="1" fontAlgn="auto" latinLnBrk="0" hangingPunct="1">
-                        <a:lnSpc>
-                          <a:spcPct val="100000"/>
-                        </a:lnSpc>
-                        <a:spcBef>
-                          <a:spcPts val="0"/>
-                        </a:spcBef>
-                        <a:spcAft>
-                          <a:spcPts val="0"/>
-                        </a:spcAft>
-                        <a:buClrTx/>
-                        <a:buSzTx/>
-                        <a:buFontTx/>
-                        <a:buNone/>
-                        <a:tabLst/>
-                        <a:defRPr/>
-                      </a:pPr>
-                      <a:endParaRPr lang="en-US" dirty="0">
-                        <a:solidFill>
-                          <a:schemeClr val="bg1"/>
-                        </a:solidFill>
-                      </a:endParaRPr>
-                    </a:p>
-                  </a:txBody>
-                  <a:tcPr/>
-                </a:tc>
-                <a:tc>
-                  <a:txBody>
-                    <a:bodyPr/>
-                    <a:lstStyle/>
-                    <a:p>
-                      <a:pPr algn="ctr"/>
-                      <a:endParaRPr lang="en-US" dirty="0">
-                        <a:solidFill>
-                          <a:schemeClr val="bg1"/>
-                        </a:solidFill>
-                      </a:endParaRPr>
-                    </a:p>
-                  </a:txBody>
-                  <a:tcPr/>
-                </a:tc>
-                <a:extLst>
-                  <a:ext uri="{0D108BD9-81ED-4DB2-BD59-A6C34878D82A}">
-                    <a16:rowId xmlns:a16="http://schemas.microsoft.com/office/drawing/2014/main" val="2233224264"/>
+                    <a16:rowId xmlns:a16="http://schemas.microsoft.com/office/drawing/2014/main" val="845978339"/>
                   </a:ext>
                 </a:extLst>
               </a:tr>
@@ -10740,48 +10474,6 @@
           </a:graphicData>
         </a:graphic>
       </p:graphicFrame>
-      <p:sp>
-        <p:nvSpPr>
-          <p:cNvPr id="11" name="Title 1">
-            <a:extLst>
-              <a:ext uri="{FF2B5EF4-FFF2-40B4-BE49-F238E27FC236}">
-                <a16:creationId xmlns:a16="http://schemas.microsoft.com/office/drawing/2014/main" id="{4AAE4539-EB48-2E6F-9A72-4FD54F0EB71F}"/>
-              </a:ext>
-            </a:extLst>
-          </p:cNvPr>
-          <p:cNvSpPr>
-            <a:spLocks noGrp="1"/>
-          </p:cNvSpPr>
-          <p:nvPr>
-            <p:ph type="title"/>
-          </p:nvPr>
-        </p:nvSpPr>
-        <p:spPr>
-          <a:xfrm>
-            <a:off x="913795" y="96520"/>
-            <a:ext cx="10353762" cy="687070"/>
-          </a:xfrm>
-        </p:spPr>
-        <p:txBody>
-          <a:bodyPr>
-            <a:normAutofit fontScale="90000"/>
-          </a:bodyPr>
-          <a:lstStyle/>
-          <a:p>
-            <a:r>
-              <a:rPr lang="en-US" dirty="0">
-                <a:solidFill>
-                  <a:schemeClr val="bg2">
-                    <a:lumMod val="10000"/>
-                    <a:lumOff val="90000"/>
-                  </a:schemeClr>
-                </a:solidFill>
-              </a:rPr>
-              <a:t>Metric Results</a:t>
-            </a:r>
-          </a:p>
-        </p:txBody>
-      </p:sp>
     </p:spTree>
     <p:extLst>
       <p:ext uri="{BB962C8B-B14F-4D97-AF65-F5344CB8AC3E}">
@@ -14443,13 +14135,13 @@
         </p:nvSpPr>
         <p:spPr>
           <a:xfrm>
-            <a:off x="1722126" y="3048000"/>
-            <a:ext cx="5943594" cy="3394363"/>
+            <a:off x="1722126" y="3429000"/>
+            <a:ext cx="5943594" cy="3013363"/>
           </a:xfrm>
         </p:spPr>
         <p:txBody>
           <a:bodyPr vert="horz" lIns="91440" tIns="45720" rIns="91440" bIns="45720" rtlCol="0" anchor="ctr">
-            <a:normAutofit/>
+            <a:normAutofit lnSpcReduction="10000"/>
           </a:bodyPr>
           <a:lstStyle/>
           <a:p>

--- a/The Omniscient Crypto Oracle.pptx
+++ b/The Omniscient Crypto Oracle.pptx
@@ -5,7 +5,7 @@
     <p:sldMasterId id="2147483954" r:id="rId1"/>
   </p:sldMasterIdLst>
   <p:notesMasterIdLst>
-    <p:notesMasterId r:id="rId15"/>
+    <p:notesMasterId r:id="rId16"/>
   </p:notesMasterIdLst>
   <p:sldIdLst>
     <p:sldId id="256" r:id="rId2"/>
@@ -21,6 +21,7 @@
     <p:sldId id="268" r:id="rId12"/>
     <p:sldId id="265" r:id="rId13"/>
     <p:sldId id="267" r:id="rId14"/>
+    <p:sldId id="269" r:id="rId15"/>
   </p:sldIdLst>
   <p:sldSz cx="12192000" cy="6858000"/>
   <p:notesSz cx="6858000" cy="9144000"/>
@@ -1087,6 +1088,411 @@
               <a:t>Tyler</a:t>
             </a:r>
           </a:p>
+          <a:p>
+            <a:pPr marL="342900" marR="0" lvl="0" indent="-342900" algn="l" defTabSz="914400" rtl="0" eaLnBrk="0" fontAlgn="base" latinLnBrk="0" hangingPunct="0">
+              <a:lnSpc>
+                <a:spcPct val="100000"/>
+              </a:lnSpc>
+              <a:spcBef>
+                <a:spcPct val="0"/>
+              </a:spcBef>
+              <a:spcAft>
+                <a:spcPct val="0"/>
+              </a:spcAft>
+              <a:buClrTx/>
+              <a:buSzTx/>
+              <a:buFont typeface="Arial" panose="020B0604020202020204" pitchFamily="34" charset="0"/>
+              <a:buChar char="•"/>
+              <a:tabLst/>
+            </a:pPr>
+            <a:r>
+              <a:rPr lang="en-US" altLang="en-US" sz="1200" dirty="0">
+                <a:solidFill>
+                  <a:schemeClr val="tx2">
+                    <a:lumMod val="90000"/>
+                  </a:schemeClr>
+                </a:solidFill>
+              </a:rPr>
+              <a:t>Add additional Cryptocurrencies</a:t>
+            </a:r>
+          </a:p>
+          <a:p>
+            <a:pPr marL="342900" marR="0" lvl="0" indent="-342900" algn="l" defTabSz="914400" rtl="0" eaLnBrk="0" fontAlgn="base" latinLnBrk="0" hangingPunct="0">
+              <a:lnSpc>
+                <a:spcPct val="100000"/>
+              </a:lnSpc>
+              <a:spcBef>
+                <a:spcPct val="0"/>
+              </a:spcBef>
+              <a:spcAft>
+                <a:spcPct val="0"/>
+              </a:spcAft>
+              <a:buClrTx/>
+              <a:buSzTx/>
+              <a:buFont typeface="Arial" panose="020B0604020202020204" pitchFamily="34" charset="0"/>
+              <a:buChar char="•"/>
+              <a:tabLst/>
+            </a:pPr>
+            <a:r>
+              <a:rPr kumimoji="0" lang="en-US" altLang="en-US" sz="1200" b="0" i="0" u="none" strike="noStrike" cap="none" normalizeH="0" baseline="0" dirty="0">
+                <a:ln>
+                  <a:noFill/>
+                </a:ln>
+                <a:solidFill>
+                  <a:schemeClr val="tx2">
+                    <a:lumMod val="90000"/>
+                  </a:schemeClr>
+                </a:solidFill>
+                <a:effectLst/>
+              </a:rPr>
+              <a:t>Link prediction model to AP</a:t>
+            </a:r>
+            <a:r>
+              <a:rPr lang="en-US" altLang="en-US" sz="1200" dirty="0">
+                <a:solidFill>
+                  <a:schemeClr val="tx2">
+                    <a:lumMod val="90000"/>
+                  </a:schemeClr>
+                </a:solidFill>
+              </a:rPr>
+              <a:t>I for real time info</a:t>
+            </a:r>
+          </a:p>
+          <a:p>
+            <a:pPr marL="342900" marR="0" lvl="0" indent="-342900" algn="l" defTabSz="914400" rtl="0" eaLnBrk="0" fontAlgn="base" latinLnBrk="0" hangingPunct="0">
+              <a:lnSpc>
+                <a:spcPct val="100000"/>
+              </a:lnSpc>
+              <a:spcBef>
+                <a:spcPct val="0"/>
+              </a:spcBef>
+              <a:spcAft>
+                <a:spcPct val="0"/>
+              </a:spcAft>
+              <a:buClrTx/>
+              <a:buSzTx/>
+              <a:buFont typeface="Arial" panose="020B0604020202020204" pitchFamily="34" charset="0"/>
+              <a:buChar char="•"/>
+              <a:tabLst/>
+            </a:pPr>
+            <a:r>
+              <a:rPr kumimoji="0" lang="en-US" altLang="en-US" sz="1200" b="0" i="0" u="none" strike="noStrike" cap="none" normalizeH="0" baseline="0" dirty="0">
+                <a:ln>
+                  <a:noFill/>
+                </a:ln>
+                <a:solidFill>
+                  <a:schemeClr val="tx2">
+                    <a:lumMod val="90000"/>
+                  </a:schemeClr>
+                </a:solidFill>
+                <a:effectLst/>
+              </a:rPr>
+              <a:t>Add a date input field for future predictions</a:t>
+            </a:r>
+          </a:p>
+          <a:p>
+            <a:pPr marL="342900" marR="0" lvl="0" indent="-342900" algn="l" defTabSz="914400" rtl="0" eaLnBrk="0" fontAlgn="base" latinLnBrk="0" hangingPunct="0">
+              <a:lnSpc>
+                <a:spcPct val="100000"/>
+              </a:lnSpc>
+              <a:spcBef>
+                <a:spcPct val="0"/>
+              </a:spcBef>
+              <a:spcAft>
+                <a:spcPct val="0"/>
+              </a:spcAft>
+              <a:buClrTx/>
+              <a:buSzTx/>
+              <a:buFont typeface="Arial" panose="020B0604020202020204" pitchFamily="34" charset="0"/>
+              <a:buChar char="•"/>
+              <a:tabLst/>
+            </a:pPr>
+            <a:r>
+              <a:rPr kumimoji="0" lang="en-US" altLang="en-US" sz="1200" b="0" i="0" u="none" strike="noStrike" cap="none" normalizeH="0" baseline="0" dirty="0">
+                <a:ln>
+                  <a:noFill/>
+                </a:ln>
+                <a:solidFill>
+                  <a:schemeClr val="tx2">
+                    <a:lumMod val="90000"/>
+                  </a:schemeClr>
+                </a:solidFill>
+                <a:effectLst/>
+              </a:rPr>
+              <a:t>Separate validation set</a:t>
+            </a:r>
+          </a:p>
+          <a:p>
+            <a:pPr marL="342900" marR="0" lvl="0" indent="-342900" algn="l" defTabSz="914400" rtl="0" eaLnBrk="0" fontAlgn="base" latinLnBrk="0" hangingPunct="0">
+              <a:lnSpc>
+                <a:spcPct val="100000"/>
+              </a:lnSpc>
+              <a:spcBef>
+                <a:spcPct val="0"/>
+              </a:spcBef>
+              <a:spcAft>
+                <a:spcPct val="0"/>
+              </a:spcAft>
+              <a:buClrTx/>
+              <a:buSzTx/>
+              <a:buFont typeface="Arial" panose="020B0604020202020204" pitchFamily="34" charset="0"/>
+              <a:buChar char="•"/>
+              <a:tabLst/>
+            </a:pPr>
+            <a:r>
+              <a:rPr lang="en-US" altLang="en-US" sz="1200" dirty="0">
+                <a:solidFill>
+                  <a:schemeClr val="tx2">
+                    <a:lumMod val="90000"/>
+                  </a:schemeClr>
+                </a:solidFill>
+              </a:rPr>
+              <a:t>Use Dropout to prevent overfitting</a:t>
+            </a:r>
+          </a:p>
+          <a:p>
+            <a:pPr marL="342900" marR="0" lvl="0" indent="-342900" algn="l" defTabSz="914400" rtl="0" eaLnBrk="0" fontAlgn="base" latinLnBrk="0" hangingPunct="0">
+              <a:lnSpc>
+                <a:spcPct val="100000"/>
+              </a:lnSpc>
+              <a:spcBef>
+                <a:spcPct val="0"/>
+              </a:spcBef>
+              <a:spcAft>
+                <a:spcPct val="0"/>
+              </a:spcAft>
+              <a:buClrTx/>
+              <a:buSzTx/>
+              <a:buFont typeface="Arial" panose="020B0604020202020204" pitchFamily="34" charset="0"/>
+              <a:buChar char="•"/>
+              <a:tabLst/>
+            </a:pPr>
+            <a:r>
+              <a:rPr kumimoji="0" lang="en-US" altLang="en-US" sz="1200" b="0" i="0" u="none" strike="noStrike" cap="none" normalizeH="0" baseline="0" dirty="0">
+                <a:ln>
+                  <a:noFill/>
+                </a:ln>
+                <a:solidFill>
+                  <a:schemeClr val="tx2">
+                    <a:lumMod val="90000"/>
+                  </a:schemeClr>
+                </a:solidFill>
+                <a:effectLst/>
+              </a:rPr>
+              <a:t>Use Early Stopping to prevent overfitting</a:t>
+            </a:r>
+            <a:endParaRPr lang="en-US" altLang="en-US" sz="1200" dirty="0">
+              <a:solidFill>
+                <a:schemeClr val="tx2">
+                  <a:lumMod val="90000"/>
+                </a:schemeClr>
+              </a:solidFill>
+            </a:endParaRPr>
+          </a:p>
+          <a:p>
+            <a:pPr marL="342900" marR="0" lvl="0" indent="-342900" algn="l" defTabSz="914400" rtl="0" eaLnBrk="0" fontAlgn="base" latinLnBrk="0" hangingPunct="0">
+              <a:lnSpc>
+                <a:spcPct val="100000"/>
+              </a:lnSpc>
+              <a:spcBef>
+                <a:spcPct val="0"/>
+              </a:spcBef>
+              <a:spcAft>
+                <a:spcPct val="0"/>
+              </a:spcAft>
+              <a:buClrTx/>
+              <a:buSzTx/>
+              <a:buFont typeface="Arial" panose="020B0604020202020204" pitchFamily="34" charset="0"/>
+              <a:buChar char="•"/>
+              <a:tabLst/>
+            </a:pPr>
+            <a:r>
+              <a:rPr lang="en-US" altLang="en-US" sz="1200" dirty="0">
+                <a:solidFill>
+                  <a:schemeClr val="tx2">
+                    <a:lumMod val="90000"/>
+                  </a:schemeClr>
+                </a:solidFill>
+              </a:rPr>
+              <a:t>More features – technical indicators</a:t>
+            </a:r>
+          </a:p>
+          <a:p>
+            <a:pPr marL="342900" marR="0" lvl="0" indent="-342900" algn="l" defTabSz="914400" rtl="0" eaLnBrk="0" fontAlgn="base" latinLnBrk="0" hangingPunct="0">
+              <a:lnSpc>
+                <a:spcPct val="100000"/>
+              </a:lnSpc>
+              <a:spcBef>
+                <a:spcPct val="0"/>
+              </a:spcBef>
+              <a:spcAft>
+                <a:spcPct val="0"/>
+              </a:spcAft>
+              <a:buClrTx/>
+              <a:buSzTx/>
+              <a:buFont typeface="Arial" panose="020B0604020202020204" pitchFamily="34" charset="0"/>
+              <a:buChar char="•"/>
+              <a:tabLst/>
+            </a:pPr>
+            <a:r>
+              <a:rPr kumimoji="0" lang="en-US" altLang="en-US" sz="1200" b="0" i="0" u="none" strike="noStrike" cap="none" normalizeH="0" baseline="0" dirty="0">
+                <a:ln>
+                  <a:noFill/>
+                </a:ln>
+                <a:solidFill>
+                  <a:schemeClr val="tx2">
+                    <a:lumMod val="90000"/>
+                  </a:schemeClr>
+                </a:solidFill>
+                <a:effectLst/>
+              </a:rPr>
+              <a:t>Use other RNN, CNN Models</a:t>
+            </a:r>
+          </a:p>
+          <a:p>
+            <a:pPr marL="342900" marR="0" lvl="0" indent="-342900" algn="l" defTabSz="914400" rtl="0" eaLnBrk="0" fontAlgn="base" latinLnBrk="0" hangingPunct="0">
+              <a:lnSpc>
+                <a:spcPct val="100000"/>
+              </a:lnSpc>
+              <a:spcBef>
+                <a:spcPct val="0"/>
+              </a:spcBef>
+              <a:spcAft>
+                <a:spcPct val="0"/>
+              </a:spcAft>
+              <a:buClrTx/>
+              <a:buSzTx/>
+              <a:buFont typeface="Arial" panose="020B0604020202020204" pitchFamily="34" charset="0"/>
+              <a:buChar char="•"/>
+              <a:tabLst/>
+            </a:pPr>
+            <a:r>
+              <a:rPr lang="en-US" altLang="en-US" sz="1200" dirty="0">
+                <a:solidFill>
+                  <a:schemeClr val="tx2">
+                    <a:lumMod val="90000"/>
+                  </a:schemeClr>
+                </a:solidFill>
+              </a:rPr>
+              <a:t>Try ensemble methods like Random Forest</a:t>
+            </a:r>
+          </a:p>
+          <a:p>
+            <a:pPr marL="342900" marR="0" lvl="0" indent="-342900" algn="l" defTabSz="914400" rtl="0" eaLnBrk="0" fontAlgn="base" latinLnBrk="0" hangingPunct="0">
+              <a:lnSpc>
+                <a:spcPct val="100000"/>
+              </a:lnSpc>
+              <a:spcBef>
+                <a:spcPct val="0"/>
+              </a:spcBef>
+              <a:spcAft>
+                <a:spcPct val="0"/>
+              </a:spcAft>
+              <a:buClrTx/>
+              <a:buSzTx/>
+              <a:buFont typeface="Arial" panose="020B0604020202020204" pitchFamily="34" charset="0"/>
+              <a:buChar char="•"/>
+              <a:tabLst/>
+            </a:pPr>
+            <a:r>
+              <a:rPr kumimoji="0" lang="en-US" altLang="en-US" sz="1200" b="0" i="0" u="none" strike="noStrike" cap="none" normalizeH="0" baseline="0" dirty="0">
+                <a:ln>
+                  <a:noFill/>
+                </a:ln>
+                <a:solidFill>
+                  <a:schemeClr val="tx2">
+                    <a:lumMod val="90000"/>
+                  </a:schemeClr>
+                </a:solidFill>
+                <a:effectLst/>
+              </a:rPr>
+              <a:t>Optimize hyperparameters – learning rate, batch si</a:t>
+            </a:r>
+            <a:r>
+              <a:rPr lang="en-US" altLang="en-US" sz="1200" dirty="0">
+                <a:solidFill>
+                  <a:schemeClr val="tx2">
+                    <a:lumMod val="90000"/>
+                  </a:schemeClr>
+                </a:solidFill>
+              </a:rPr>
+              <a:t>ze, # of epochs</a:t>
+            </a:r>
+          </a:p>
+          <a:p>
+            <a:pPr marL="342900" marR="0" lvl="0" indent="-342900" algn="l" defTabSz="914400" rtl="0" eaLnBrk="0" fontAlgn="base" latinLnBrk="0" hangingPunct="0">
+              <a:lnSpc>
+                <a:spcPct val="100000"/>
+              </a:lnSpc>
+              <a:spcBef>
+                <a:spcPct val="0"/>
+              </a:spcBef>
+              <a:spcAft>
+                <a:spcPct val="0"/>
+              </a:spcAft>
+              <a:buClrTx/>
+              <a:buSzTx/>
+              <a:buFont typeface="Arial" panose="020B0604020202020204" pitchFamily="34" charset="0"/>
+              <a:buChar char="•"/>
+              <a:tabLst/>
+            </a:pPr>
+            <a:r>
+              <a:rPr kumimoji="0" lang="en-US" altLang="en-US" sz="1200" b="0" i="0" u="none" strike="noStrike" cap="none" normalizeH="0" baseline="0" dirty="0">
+                <a:ln>
+                  <a:noFill/>
+                </a:ln>
+                <a:solidFill>
+                  <a:schemeClr val="tx2">
+                    <a:lumMod val="90000"/>
+                  </a:schemeClr>
+                </a:solidFill>
+                <a:effectLst/>
+              </a:rPr>
+              <a:t>Try using Loss Function Mean Absolute Percentage Error (MAPE) to evaluate model</a:t>
+            </a:r>
+          </a:p>
+          <a:p>
+            <a:pPr marL="342900" marR="0" lvl="0" indent="-342900" algn="l" defTabSz="914400" rtl="0" eaLnBrk="0" fontAlgn="base" latinLnBrk="0" hangingPunct="0">
+              <a:lnSpc>
+                <a:spcPct val="100000"/>
+              </a:lnSpc>
+              <a:spcBef>
+                <a:spcPct val="0"/>
+              </a:spcBef>
+              <a:spcAft>
+                <a:spcPct val="0"/>
+              </a:spcAft>
+              <a:buClrTx/>
+              <a:buSzTx/>
+              <a:buFont typeface="Arial" panose="020B0604020202020204" pitchFamily="34" charset="0"/>
+              <a:buChar char="•"/>
+              <a:tabLst/>
+            </a:pPr>
+            <a:r>
+              <a:rPr lang="en-US" altLang="en-US" sz="1200" dirty="0">
+                <a:solidFill>
+                  <a:schemeClr val="tx2">
+                    <a:lumMod val="90000"/>
+                  </a:schemeClr>
+                </a:solidFill>
+              </a:rPr>
+              <a:t>Try different activation functions like Sigmoid or Tanh</a:t>
+            </a:r>
+            <a:endParaRPr kumimoji="0" lang="en-US" altLang="en-US" sz="1200" b="0" i="0" u="none" strike="noStrike" cap="none" normalizeH="0" baseline="0" dirty="0">
+              <a:ln>
+                <a:noFill/>
+              </a:ln>
+              <a:solidFill>
+                <a:schemeClr val="tx2">
+                  <a:lumMod val="90000"/>
+                </a:schemeClr>
+              </a:solidFill>
+              <a:effectLst/>
+            </a:endParaRPr>
+          </a:p>
+          <a:p>
+            <a:endParaRPr lang="en-US" dirty="0"/>
+          </a:p>
         </p:txBody>
       </p:sp>
       <p:sp>
@@ -1116,6 +1522,93 @@
     <p:extLst>
       <p:ext uri="{BB962C8B-B14F-4D97-AF65-F5344CB8AC3E}">
         <p14:creationId xmlns:p14="http://schemas.microsoft.com/office/powerpoint/2010/main" val="2902554581"/>
+      </p:ext>
+    </p:extLst>
+  </p:cSld>
+  <p:clrMapOvr>
+    <a:masterClrMapping/>
+  </p:clrMapOvr>
+</p:notes>
+</file>
+
+<file path=ppt/notesSlides/notesSlide14.xml><?xml version="1.0" encoding="utf-8"?>
+<p:notes xmlns:a="http://schemas.openxmlformats.org/drawingml/2006/main" xmlns:r="http://schemas.openxmlformats.org/officeDocument/2006/relationships" xmlns:p="http://schemas.openxmlformats.org/presentationml/2006/main">
+  <p:cSld>
+    <p:spTree>
+      <p:nvGrpSpPr>
+        <p:cNvPr id="1" name=""/>
+        <p:cNvGrpSpPr/>
+        <p:nvPr/>
+      </p:nvGrpSpPr>
+      <p:grpSpPr>
+        <a:xfrm>
+          <a:off x="0" y="0"/>
+          <a:ext cx="0" cy="0"/>
+          <a:chOff x="0" y="0"/>
+          <a:chExt cx="0" cy="0"/>
+        </a:xfrm>
+      </p:grpSpPr>
+      <p:sp>
+        <p:nvSpPr>
+          <p:cNvPr id="2" name="Slide Image Placeholder 1"/>
+          <p:cNvSpPr>
+            <a:spLocks noGrp="1" noRot="1" noChangeAspect="1"/>
+          </p:cNvSpPr>
+          <p:nvPr>
+            <p:ph type="sldImg"/>
+          </p:nvPr>
+        </p:nvSpPr>
+        <p:spPr/>
+      </p:sp>
+      <p:sp>
+        <p:nvSpPr>
+          <p:cNvPr id="3" name="Notes Placeholder 2"/>
+          <p:cNvSpPr>
+            <a:spLocks noGrp="1"/>
+          </p:cNvSpPr>
+          <p:nvPr>
+            <p:ph type="body" idx="1"/>
+          </p:nvPr>
+        </p:nvSpPr>
+        <p:spPr/>
+        <p:txBody>
+          <a:bodyPr/>
+          <a:lstStyle/>
+          <a:p>
+            <a:r>
+              <a:rPr lang="en-US" dirty="0"/>
+              <a:t>Tyler</a:t>
+            </a:r>
+          </a:p>
+        </p:txBody>
+      </p:sp>
+      <p:sp>
+        <p:nvSpPr>
+          <p:cNvPr id="4" name="Slide Number Placeholder 3"/>
+          <p:cNvSpPr>
+            <a:spLocks noGrp="1"/>
+          </p:cNvSpPr>
+          <p:nvPr>
+            <p:ph type="sldNum" sz="quarter" idx="5"/>
+          </p:nvPr>
+        </p:nvSpPr>
+        <p:spPr/>
+        <p:txBody>
+          <a:bodyPr/>
+          <a:lstStyle/>
+          <a:p>
+            <a:fld id="{2952150E-5FD0-4979-B16F-63AB93BFA1A6}" type="slidenum">
+              <a:rPr lang="en-US" smtClean="0"/>
+              <a:t>14</a:t>
+            </a:fld>
+            <a:endParaRPr lang="en-US"/>
+          </a:p>
+        </p:txBody>
+      </p:sp>
+    </p:spTree>
+    <p:extLst>
+      <p:ext uri="{BB962C8B-B14F-4D97-AF65-F5344CB8AC3E}">
+        <p14:creationId xmlns:p14="http://schemas.microsoft.com/office/powerpoint/2010/main" val="1626511650"/>
       </p:ext>
     </p:extLst>
   </p:cSld>
@@ -9159,8 +9652,8 @@
         </p:nvSpPr>
         <p:spPr>
           <a:xfrm>
-            <a:off x="6025020" y="212353"/>
-            <a:ext cx="5882640" cy="6080370"/>
+            <a:off x="5292300" y="212353"/>
+            <a:ext cx="6615360" cy="6080370"/>
           </a:xfrm>
         </p:spPr>
         <p:txBody>
@@ -9181,6 +9674,20 @@
               </a:spcAft>
             </a:pPr>
             <a:r>
+              <a:rPr lang="en-US" sz="3600" dirty="0">
+                <a:solidFill>
+                  <a:schemeClr val="tx2">
+                    <a:lumMod val="90000"/>
+                  </a:schemeClr>
+                </a:solidFill>
+                <a:effectLst/>
+                <a:latin typeface="+mj-lt"/>
+                <a:ea typeface="Calibri" panose="020F0502020204030204" pitchFamily="34" charset="0"/>
+                <a:cs typeface="Times New Roman" panose="02020603050405020304" pitchFamily="18" charset="0"/>
+              </a:rPr>
+              <a:t>Machine Learning</a:t>
+            </a:r>
+            <a:r>
               <a:rPr lang="en-US" sz="3000" dirty="0">
                 <a:solidFill>
                   <a:schemeClr val="tx2">
@@ -9192,7 +9699,7 @@
                 <a:ea typeface="Calibri" panose="020F0502020204030204" pitchFamily="34" charset="0"/>
                 <a:cs typeface="Times New Roman" panose="02020603050405020304" pitchFamily="18" charset="0"/>
               </a:rPr>
-              <a:t>Machine Learning:</a:t>
+              <a:t>:</a:t>
             </a:r>
           </a:p>
           <a:p>
@@ -9230,14 +9737,13 @@
               </a:spcAft>
             </a:pPr>
             <a:r>
-              <a:rPr lang="en-US" sz="2400" b="0" i="0" dirty="0">
+              <a:rPr lang="en-US" sz="2800" b="0" i="0" dirty="0">
                 <a:solidFill>
                   <a:srgbClr val="0070C0"/>
                 </a:solidFill>
                 <a:effectLst/>
-                <a:latin typeface="-apple-system"/>
-              </a:rPr>
-              <a:t>Long Short-Term Memory (LSTM) model</a:t>
+              </a:rPr>
+              <a:t>Long Short-Term Memory(LSTM) </a:t>
             </a:r>
           </a:p>
           <a:p>
@@ -9252,12 +9758,11 @@
                 <a:spcPts val="0"/>
               </a:spcAft>
             </a:pPr>
-            <a:endParaRPr lang="en-US" sz="2400" b="0" i="0" dirty="0">
+            <a:endParaRPr lang="en-US" sz="2800" b="0" i="0" dirty="0">
               <a:solidFill>
                 <a:srgbClr val="0070C0"/>
               </a:solidFill>
               <a:effectLst/>
-              <a:latin typeface="-apple-system"/>
             </a:endParaRPr>
           </a:p>
           <a:p>
@@ -9273,12 +9778,11 @@
               </a:spcAft>
             </a:pPr>
             <a:r>
-              <a:rPr lang="en-US" sz="2400" b="0" i="0" dirty="0">
+              <a:rPr lang="en-US" sz="2800" b="0" i="0" dirty="0">
                 <a:solidFill>
                   <a:srgbClr val="0070C0"/>
                 </a:solidFill>
                 <a:effectLst/>
-                <a:latin typeface="-apple-system"/>
               </a:rPr>
               <a:t>Metrics:</a:t>
             </a:r>
@@ -9296,12 +9800,11 @@
               </a:spcAft>
             </a:pPr>
             <a:r>
-              <a:rPr lang="en-US" sz="2400" b="0" i="0" dirty="0">
+              <a:rPr lang="en-US" sz="2800" b="0" i="0" dirty="0">
                 <a:solidFill>
                   <a:srgbClr val="0070C0"/>
                 </a:solidFill>
                 <a:effectLst/>
-                <a:latin typeface="-apple-system"/>
               </a:rPr>
               <a:t> </a:t>
             </a:r>
@@ -9319,22 +9822,20 @@
               </a:spcAft>
             </a:pPr>
             <a:r>
-              <a:rPr lang="en-US" sz="2400" dirty="0">
+              <a:rPr lang="en-US" sz="2800" dirty="0">
                 <a:solidFill>
                   <a:srgbClr val="0070C0"/>
                 </a:solidFill>
                 <a:effectLst/>
-                <a:latin typeface="-apple-system"/>
               </a:rPr>
               <a:t>	</a:t>
             </a:r>
             <a:r>
-              <a:rPr lang="en-US" sz="2400" b="0" i="0" dirty="0">
+              <a:rPr lang="en-US" sz="2800" b="0" i="0" dirty="0">
                 <a:solidFill>
                   <a:srgbClr val="0070C0"/>
                 </a:solidFill>
                 <a:effectLst/>
-                <a:latin typeface="-apple-system"/>
               </a:rPr>
               <a:t>Mean Squared Error (MSE)</a:t>
             </a:r>
@@ -9351,12 +9852,11 @@
                 <a:spcPts val="0"/>
               </a:spcAft>
             </a:pPr>
-            <a:endParaRPr lang="en-US" sz="2400" b="0" i="0" dirty="0">
+            <a:endParaRPr lang="en-US" sz="2800" b="0" i="0" dirty="0">
               <a:solidFill>
                 <a:srgbClr val="0070C0"/>
               </a:solidFill>
               <a:effectLst/>
-              <a:latin typeface="-apple-system"/>
             </a:endParaRPr>
           </a:p>
           <a:p>
@@ -9372,12 +9872,11 @@
               </a:spcAft>
             </a:pPr>
             <a:r>
-              <a:rPr lang="en-US" sz="2400" b="0" i="0" dirty="0">
+              <a:rPr lang="en-US" sz="2800" b="0" i="0" dirty="0">
                 <a:solidFill>
                   <a:srgbClr val="0070C0"/>
                 </a:solidFill>
                 <a:effectLst/>
-                <a:latin typeface="-apple-system"/>
               </a:rPr>
               <a:t>	Root Mean Squared Error (RMSE)</a:t>
             </a:r>
@@ -9394,12 +9893,11 @@
                 <a:spcPts val="0"/>
               </a:spcAft>
             </a:pPr>
-            <a:endParaRPr lang="en-US" sz="2400" dirty="0">
+            <a:endParaRPr lang="en-US" sz="2800" dirty="0">
               <a:solidFill>
                 <a:srgbClr val="0070C0"/>
               </a:solidFill>
               <a:effectLst/>
-              <a:latin typeface="-apple-system"/>
             </a:endParaRPr>
           </a:p>
           <a:p>
@@ -9415,42 +9913,38 @@
               </a:spcAft>
             </a:pPr>
             <a:r>
-              <a:rPr lang="en-US" sz="2400" b="0" i="0" dirty="0">
+              <a:rPr lang="en-US" sz="2800" b="0" i="0" dirty="0">
                 <a:solidFill>
                   <a:srgbClr val="0070C0"/>
                 </a:solidFill>
                 <a:effectLst/>
-                <a:latin typeface="-apple-system"/>
               </a:rPr>
               <a:t>	 </a:t>
             </a:r>
             <a:r>
-              <a:rPr lang="en-US" sz="2400" dirty="0">
+              <a:rPr lang="en-US" sz="2800" dirty="0">
                 <a:solidFill>
                   <a:srgbClr val="0070C0"/>
                 </a:solidFill>
                 <a:effectLst/>
-                <a:latin typeface="-apple-system"/>
               </a:rPr>
               <a:t>C</a:t>
             </a:r>
             <a:r>
-              <a:rPr lang="en-US" sz="2400" b="0" i="0" dirty="0">
+              <a:rPr lang="en-US" sz="2800" b="0" i="0" dirty="0">
                 <a:solidFill>
                   <a:srgbClr val="0070C0"/>
                 </a:solidFill>
                 <a:effectLst/>
-                <a:latin typeface="-apple-system"/>
               </a:rPr>
               <a:t>oefficient of determination (R^2)</a:t>
             </a:r>
             <a:r>
-              <a:rPr lang="en-US" sz="2400" dirty="0">
+              <a:rPr lang="en-US" sz="2800" dirty="0">
                 <a:solidFill>
                   <a:srgbClr val="0070C0"/>
                 </a:solidFill>
                 <a:effectLst/>
-                <a:latin typeface="Arial" panose="020B0604020202020204" pitchFamily="34" charset="0"/>
                 <a:ea typeface="Calibri" panose="020F0502020204030204" pitchFamily="34" charset="0"/>
                 <a:cs typeface="Times New Roman" panose="02020603050405020304" pitchFamily="18" charset="0"/>
               </a:rPr>
@@ -9469,12 +9963,11 @@
                 <a:spcPts val="0"/>
               </a:spcAft>
             </a:pPr>
-            <a:endParaRPr lang="en-US" sz="2400" dirty="0">
+            <a:endParaRPr lang="en-US" sz="2800" dirty="0">
               <a:solidFill>
                 <a:srgbClr val="0070C0"/>
               </a:solidFill>
               <a:effectLst/>
-              <a:latin typeface="Arial" panose="020B0604020202020204" pitchFamily="34" charset="0"/>
               <a:ea typeface="Calibri" panose="020F0502020204030204" pitchFamily="34" charset="0"/>
               <a:cs typeface="Times New Roman" panose="02020603050405020304" pitchFamily="18" charset="0"/>
             </a:endParaRPr>
@@ -9492,12 +9985,11 @@
               </a:spcAft>
             </a:pPr>
             <a:r>
-              <a:rPr lang="en-US" sz="2400" dirty="0">
+              <a:rPr lang="en-US" sz="2800" dirty="0">
                 <a:solidFill>
                   <a:srgbClr val="0070C0"/>
                 </a:solidFill>
                 <a:effectLst/>
-                <a:latin typeface="Arial" panose="020B0604020202020204" pitchFamily="34" charset="0"/>
                 <a:ea typeface="Calibri" panose="020F0502020204030204" pitchFamily="34" charset="0"/>
                 <a:cs typeface="Times New Roman" panose="02020603050405020304" pitchFamily="18" charset="0"/>
               </a:rPr>
@@ -9537,7 +10029,7 @@
         </p:blipFill>
         <p:spPr>
           <a:xfrm>
-            <a:off x="759600" y="731518"/>
+            <a:off x="341699" y="777237"/>
             <a:ext cx="4950601" cy="4950601"/>
           </a:xfrm>
           <a:prstGeom prst="rect">
@@ -10539,7 +11031,6 @@
                   </a:schemeClr>
                 </a:solidFill>
                 <a:effectLst/>
-                <a:latin typeface="Arial" panose="020B0604020202020204" pitchFamily="34" charset="0"/>
                 <a:ea typeface="Calibri" panose="020F0502020204030204" pitchFamily="34" charset="0"/>
               </a:rPr>
               <a:t>Pricing Trends by Weekday</a:t>
@@ -11366,7 +11857,7 @@
         </p:nvSpPr>
         <p:spPr>
           <a:xfrm>
-            <a:off x="913795" y="609600"/>
+            <a:off x="831162" y="46892"/>
             <a:ext cx="10353762" cy="970450"/>
           </a:xfrm>
           <a:prstGeom prst="rect">
@@ -11476,6 +11967,821 @@
                 <a:latin typeface="Arial" panose="020B0604020202020204" pitchFamily="34" charset="0"/>
                 <a:ea typeface="Calibri" panose="020F0502020204030204" pitchFamily="34" charset="0"/>
               </a:rPr>
+              <a:t>Future Enhancements</a:t>
+            </a:r>
+            <a:endParaRPr lang="en-US" dirty="0">
+              <a:solidFill>
+                <a:schemeClr val="bg2">
+                  <a:lumMod val="10000"/>
+                  <a:lumOff val="90000"/>
+                </a:schemeClr>
+              </a:solidFill>
+            </a:endParaRPr>
+          </a:p>
+        </p:txBody>
+      </p:sp>
+      <p:sp>
+        <p:nvSpPr>
+          <p:cNvPr id="6" name="Rectangle 2">
+            <a:extLst>
+              <a:ext uri="{FF2B5EF4-FFF2-40B4-BE49-F238E27FC236}">
+                <a16:creationId xmlns:a16="http://schemas.microsoft.com/office/drawing/2014/main" id="{3C0C2272-B21F-5B2A-EC75-56D812155395}"/>
+              </a:ext>
+            </a:extLst>
+          </p:cNvPr>
+          <p:cNvSpPr>
+            <a:spLocks noChangeArrowheads="1"/>
+          </p:cNvSpPr>
+          <p:nvPr/>
+        </p:nvSpPr>
+        <p:spPr bwMode="auto">
+          <a:xfrm>
+            <a:off x="913795" y="5758208"/>
+            <a:ext cx="65" cy="276999"/>
+          </a:xfrm>
+          <a:prstGeom prst="rect">
+            <a:avLst/>
+          </a:prstGeom>
+          <a:solidFill>
+            <a:srgbClr val="FFFFFF"/>
+          </a:solidFill>
+          <a:ln>
+            <a:noFill/>
+          </a:ln>
+          <a:effectLst/>
+          <a:extLst>
+            <a:ext uri="{91240B29-F687-4F45-9708-019B960494DF}">
+              <a14:hiddenLine xmlns:a14="http://schemas.microsoft.com/office/drawing/2010/main" w="9525">
+                <a:solidFill>
+                  <a:schemeClr val="tx1"/>
+                </a:solidFill>
+                <a:miter lim="800000"/>
+                <a:headEnd/>
+                <a:tailEnd/>
+              </a14:hiddenLine>
+            </a:ext>
+            <a:ext uri="{AF507438-7753-43E0-B8FC-AC1667EBCBE1}">
+              <a14:hiddenEffects xmlns:a14="http://schemas.microsoft.com/office/drawing/2010/main">
+                <a:effectLst>
+                  <a:outerShdw dist="35921" dir="2700000" algn="ctr" rotWithShape="0">
+                    <a:schemeClr val="bg2"/>
+                  </a:outerShdw>
+                </a:effectLst>
+              </a14:hiddenEffects>
+            </a:ext>
+          </a:extLst>
+        </p:spPr>
+        <p:txBody>
+          <a:bodyPr vert="horz" wrap="none" lIns="0" tIns="0" rIns="0" bIns="0" numCol="1" anchor="ctr" anchorCtr="0" compatLnSpc="1">
+            <a:prstTxWarp prst="textNoShape">
+              <a:avLst/>
+            </a:prstTxWarp>
+            <a:spAutoFit/>
+          </a:bodyPr>
+          <a:lstStyle/>
+          <a:p>
+            <a:pPr marL="0" marR="0" lvl="0" indent="0" algn="l" defTabSz="914400" rtl="0" eaLnBrk="0" fontAlgn="base" latinLnBrk="0" hangingPunct="0">
+              <a:lnSpc>
+                <a:spcPct val="100000"/>
+              </a:lnSpc>
+              <a:spcBef>
+                <a:spcPct val="0"/>
+              </a:spcBef>
+              <a:spcAft>
+                <a:spcPct val="0"/>
+              </a:spcAft>
+              <a:buClrTx/>
+              <a:buSzTx/>
+              <a:buFontTx/>
+              <a:buNone/>
+              <a:tabLst/>
+            </a:pPr>
+            <a:endParaRPr kumimoji="0" lang="en-US" altLang="en-US" sz="1800" b="0" i="0" u="none" strike="noStrike" cap="none" normalizeH="0" baseline="0" dirty="0">
+              <a:ln>
+                <a:noFill/>
+              </a:ln>
+              <a:solidFill>
+                <a:schemeClr val="tx1"/>
+              </a:solidFill>
+              <a:effectLst/>
+              <a:latin typeface="Arial" panose="020B0604020202020204" pitchFamily="34" charset="0"/>
+            </a:endParaRPr>
+          </a:p>
+        </p:txBody>
+      </p:sp>
+      <p:sp>
+        <p:nvSpPr>
+          <p:cNvPr id="7" name="Rectangle 3">
+            <a:extLst>
+              <a:ext uri="{FF2B5EF4-FFF2-40B4-BE49-F238E27FC236}">
+                <a16:creationId xmlns:a16="http://schemas.microsoft.com/office/drawing/2014/main" id="{E96210A1-7454-778D-6E16-DE1ECAA0AA15}"/>
+              </a:ext>
+            </a:extLst>
+          </p:cNvPr>
+          <p:cNvSpPr>
+            <a:spLocks noChangeArrowheads="1"/>
+          </p:cNvSpPr>
+          <p:nvPr/>
+        </p:nvSpPr>
+        <p:spPr bwMode="auto">
+          <a:xfrm>
+            <a:off x="222738" y="929918"/>
+            <a:ext cx="11570611" cy="5478423"/>
+          </a:xfrm>
+          <a:prstGeom prst="rect">
+            <a:avLst/>
+          </a:prstGeom>
+          <a:solidFill>
+            <a:schemeClr val="bg1"/>
+          </a:solidFill>
+          <a:ln>
+            <a:noFill/>
+          </a:ln>
+          <a:effectLst/>
+        </p:spPr>
+        <p:txBody>
+          <a:bodyPr vert="horz" wrap="square" lIns="0" tIns="0" rIns="0" bIns="0" numCol="1" anchor="ctr" anchorCtr="0" compatLnSpc="1">
+            <a:prstTxWarp prst="textNoShape">
+              <a:avLst/>
+            </a:prstTxWarp>
+            <a:spAutoFit/>
+          </a:bodyPr>
+          <a:lstStyle/>
+          <a:p>
+            <a:pPr marL="342900" marR="0" lvl="0" indent="-342900" algn="l" defTabSz="914400" rtl="0" eaLnBrk="0" fontAlgn="base" latinLnBrk="0" hangingPunct="0">
+              <a:lnSpc>
+                <a:spcPct val="100000"/>
+              </a:lnSpc>
+              <a:spcBef>
+                <a:spcPct val="0"/>
+              </a:spcBef>
+              <a:spcAft>
+                <a:spcPct val="0"/>
+              </a:spcAft>
+              <a:buClrTx/>
+              <a:buSzTx/>
+              <a:buFont typeface="Arial" panose="020B0604020202020204" pitchFamily="34" charset="0"/>
+              <a:buChar char="•"/>
+              <a:tabLst/>
+            </a:pPr>
+            <a:r>
+              <a:rPr lang="en-US" altLang="en-US" sz="2600" dirty="0">
+                <a:solidFill>
+                  <a:schemeClr val="tx2">
+                    <a:lumMod val="90000"/>
+                  </a:schemeClr>
+                </a:solidFill>
+              </a:rPr>
+              <a:t>Add additional Cryptocurrencies</a:t>
+            </a:r>
+          </a:p>
+          <a:p>
+            <a:pPr marL="342900" marR="0" lvl="0" indent="-342900" algn="l" defTabSz="914400" rtl="0" eaLnBrk="0" fontAlgn="base" latinLnBrk="0" hangingPunct="0">
+              <a:lnSpc>
+                <a:spcPct val="100000"/>
+              </a:lnSpc>
+              <a:spcBef>
+                <a:spcPct val="0"/>
+              </a:spcBef>
+              <a:spcAft>
+                <a:spcPct val="0"/>
+              </a:spcAft>
+              <a:buClrTx/>
+              <a:buSzTx/>
+              <a:buFont typeface="Arial" panose="020B0604020202020204" pitchFamily="34" charset="0"/>
+              <a:buChar char="•"/>
+              <a:tabLst/>
+            </a:pPr>
+            <a:r>
+              <a:rPr kumimoji="0" lang="en-US" altLang="en-US" sz="2600" b="0" i="0" u="none" strike="noStrike" cap="none" normalizeH="0" baseline="0" dirty="0">
+                <a:ln>
+                  <a:noFill/>
+                </a:ln>
+                <a:solidFill>
+                  <a:schemeClr val="tx2">
+                    <a:lumMod val="90000"/>
+                  </a:schemeClr>
+                </a:solidFill>
+                <a:effectLst/>
+              </a:rPr>
+              <a:t>Link prediction model to AP</a:t>
+            </a:r>
+            <a:r>
+              <a:rPr lang="en-US" altLang="en-US" sz="2600" dirty="0">
+                <a:solidFill>
+                  <a:schemeClr val="tx2">
+                    <a:lumMod val="90000"/>
+                  </a:schemeClr>
+                </a:solidFill>
+              </a:rPr>
+              <a:t>I for real time info</a:t>
+            </a:r>
+          </a:p>
+          <a:p>
+            <a:pPr marL="342900" marR="0" lvl="0" indent="-342900" algn="l" defTabSz="914400" rtl="0" eaLnBrk="0" fontAlgn="base" latinLnBrk="0" hangingPunct="0">
+              <a:lnSpc>
+                <a:spcPct val="100000"/>
+              </a:lnSpc>
+              <a:spcBef>
+                <a:spcPct val="0"/>
+              </a:spcBef>
+              <a:spcAft>
+                <a:spcPct val="0"/>
+              </a:spcAft>
+              <a:buClrTx/>
+              <a:buSzTx/>
+              <a:buFont typeface="Arial" panose="020B0604020202020204" pitchFamily="34" charset="0"/>
+              <a:buChar char="•"/>
+              <a:tabLst/>
+            </a:pPr>
+            <a:r>
+              <a:rPr kumimoji="0" lang="en-US" altLang="en-US" sz="2600" b="0" i="0" u="none" strike="noStrike" cap="none" normalizeH="0" baseline="0" dirty="0">
+                <a:ln>
+                  <a:noFill/>
+                </a:ln>
+                <a:solidFill>
+                  <a:schemeClr val="tx2">
+                    <a:lumMod val="90000"/>
+                  </a:schemeClr>
+                </a:solidFill>
+                <a:effectLst/>
+              </a:rPr>
+              <a:t>Add a date input field for future predictions</a:t>
+            </a:r>
+          </a:p>
+          <a:p>
+            <a:pPr marL="342900" marR="0" lvl="0" indent="-342900" algn="l" defTabSz="914400" rtl="0" eaLnBrk="0" fontAlgn="base" latinLnBrk="0" hangingPunct="0">
+              <a:lnSpc>
+                <a:spcPct val="100000"/>
+              </a:lnSpc>
+              <a:spcBef>
+                <a:spcPct val="0"/>
+              </a:spcBef>
+              <a:spcAft>
+                <a:spcPct val="0"/>
+              </a:spcAft>
+              <a:buClrTx/>
+              <a:buSzTx/>
+              <a:buFont typeface="Arial" panose="020B0604020202020204" pitchFamily="34" charset="0"/>
+              <a:buChar char="•"/>
+              <a:tabLst/>
+            </a:pPr>
+            <a:r>
+              <a:rPr kumimoji="0" lang="en-US" altLang="en-US" sz="2600" b="0" i="0" u="none" strike="noStrike" cap="none" normalizeH="0" baseline="0" dirty="0">
+                <a:ln>
+                  <a:noFill/>
+                </a:ln>
+                <a:solidFill>
+                  <a:schemeClr val="tx2">
+                    <a:lumMod val="90000"/>
+                  </a:schemeClr>
+                </a:solidFill>
+                <a:effectLst/>
+              </a:rPr>
+              <a:t>Separate validation set</a:t>
+            </a:r>
+          </a:p>
+          <a:p>
+            <a:pPr marL="342900" marR="0" lvl="0" indent="-342900" algn="l" defTabSz="914400" rtl="0" eaLnBrk="0" fontAlgn="base" latinLnBrk="0" hangingPunct="0">
+              <a:lnSpc>
+                <a:spcPct val="100000"/>
+              </a:lnSpc>
+              <a:spcBef>
+                <a:spcPct val="0"/>
+              </a:spcBef>
+              <a:spcAft>
+                <a:spcPct val="0"/>
+              </a:spcAft>
+              <a:buClrTx/>
+              <a:buSzTx/>
+              <a:buFont typeface="Arial" panose="020B0604020202020204" pitchFamily="34" charset="0"/>
+              <a:buChar char="•"/>
+              <a:tabLst/>
+            </a:pPr>
+            <a:r>
+              <a:rPr lang="en-US" altLang="en-US" sz="2600" dirty="0">
+                <a:solidFill>
+                  <a:schemeClr val="tx2">
+                    <a:lumMod val="90000"/>
+                  </a:schemeClr>
+                </a:solidFill>
+              </a:rPr>
+              <a:t>Use Dropout to prevent overfitting</a:t>
+            </a:r>
+          </a:p>
+          <a:p>
+            <a:pPr marL="342900" marR="0" lvl="0" indent="-342900" algn="l" defTabSz="914400" rtl="0" eaLnBrk="0" fontAlgn="base" latinLnBrk="0" hangingPunct="0">
+              <a:lnSpc>
+                <a:spcPct val="100000"/>
+              </a:lnSpc>
+              <a:spcBef>
+                <a:spcPct val="0"/>
+              </a:spcBef>
+              <a:spcAft>
+                <a:spcPct val="0"/>
+              </a:spcAft>
+              <a:buClrTx/>
+              <a:buSzTx/>
+              <a:buFont typeface="Arial" panose="020B0604020202020204" pitchFamily="34" charset="0"/>
+              <a:buChar char="•"/>
+              <a:tabLst/>
+            </a:pPr>
+            <a:r>
+              <a:rPr kumimoji="0" lang="en-US" altLang="en-US" sz="2600" b="0" i="0" u="none" strike="noStrike" cap="none" normalizeH="0" baseline="0" dirty="0">
+                <a:ln>
+                  <a:noFill/>
+                </a:ln>
+                <a:solidFill>
+                  <a:schemeClr val="tx2">
+                    <a:lumMod val="90000"/>
+                  </a:schemeClr>
+                </a:solidFill>
+                <a:effectLst/>
+              </a:rPr>
+              <a:t>Use Early Stopping to prevent overfitting</a:t>
+            </a:r>
+            <a:endParaRPr lang="en-US" altLang="en-US" sz="2600" dirty="0">
+              <a:solidFill>
+                <a:schemeClr val="tx2">
+                  <a:lumMod val="90000"/>
+                </a:schemeClr>
+              </a:solidFill>
+            </a:endParaRPr>
+          </a:p>
+          <a:p>
+            <a:pPr marL="342900" marR="0" lvl="0" indent="-342900" algn="l" defTabSz="914400" rtl="0" eaLnBrk="0" fontAlgn="base" latinLnBrk="0" hangingPunct="0">
+              <a:lnSpc>
+                <a:spcPct val="100000"/>
+              </a:lnSpc>
+              <a:spcBef>
+                <a:spcPct val="0"/>
+              </a:spcBef>
+              <a:spcAft>
+                <a:spcPct val="0"/>
+              </a:spcAft>
+              <a:buClrTx/>
+              <a:buSzTx/>
+              <a:buFont typeface="Arial" panose="020B0604020202020204" pitchFamily="34" charset="0"/>
+              <a:buChar char="•"/>
+              <a:tabLst/>
+            </a:pPr>
+            <a:r>
+              <a:rPr lang="en-US" altLang="en-US" sz="2600" dirty="0">
+                <a:solidFill>
+                  <a:schemeClr val="tx2">
+                    <a:lumMod val="90000"/>
+                  </a:schemeClr>
+                </a:solidFill>
+              </a:rPr>
+              <a:t>More features – technical indicators</a:t>
+            </a:r>
+          </a:p>
+          <a:p>
+            <a:pPr marL="342900" marR="0" lvl="0" indent="-342900" algn="l" defTabSz="914400" rtl="0" eaLnBrk="0" fontAlgn="base" latinLnBrk="0" hangingPunct="0">
+              <a:lnSpc>
+                <a:spcPct val="100000"/>
+              </a:lnSpc>
+              <a:spcBef>
+                <a:spcPct val="0"/>
+              </a:spcBef>
+              <a:spcAft>
+                <a:spcPct val="0"/>
+              </a:spcAft>
+              <a:buClrTx/>
+              <a:buSzTx/>
+              <a:buFont typeface="Arial" panose="020B0604020202020204" pitchFamily="34" charset="0"/>
+              <a:buChar char="•"/>
+              <a:tabLst/>
+            </a:pPr>
+            <a:r>
+              <a:rPr kumimoji="0" lang="en-US" altLang="en-US" sz="2600" b="0" i="0" u="none" strike="noStrike" cap="none" normalizeH="0" baseline="0" dirty="0">
+                <a:ln>
+                  <a:noFill/>
+                </a:ln>
+                <a:solidFill>
+                  <a:schemeClr val="tx2">
+                    <a:lumMod val="90000"/>
+                  </a:schemeClr>
+                </a:solidFill>
+                <a:effectLst/>
+              </a:rPr>
+              <a:t>Use other RNN, CNN Models</a:t>
+            </a:r>
+          </a:p>
+          <a:p>
+            <a:pPr marL="342900" marR="0" lvl="0" indent="-342900" algn="l" defTabSz="914400" rtl="0" eaLnBrk="0" fontAlgn="base" latinLnBrk="0" hangingPunct="0">
+              <a:lnSpc>
+                <a:spcPct val="100000"/>
+              </a:lnSpc>
+              <a:spcBef>
+                <a:spcPct val="0"/>
+              </a:spcBef>
+              <a:spcAft>
+                <a:spcPct val="0"/>
+              </a:spcAft>
+              <a:buClrTx/>
+              <a:buSzTx/>
+              <a:buFont typeface="Arial" panose="020B0604020202020204" pitchFamily="34" charset="0"/>
+              <a:buChar char="•"/>
+              <a:tabLst/>
+            </a:pPr>
+            <a:r>
+              <a:rPr lang="en-US" altLang="en-US" sz="2600" dirty="0">
+                <a:solidFill>
+                  <a:schemeClr val="tx2">
+                    <a:lumMod val="90000"/>
+                  </a:schemeClr>
+                </a:solidFill>
+              </a:rPr>
+              <a:t>Try ensemble methods like Random Forest</a:t>
+            </a:r>
+          </a:p>
+          <a:p>
+            <a:pPr marL="342900" marR="0" lvl="0" indent="-342900" algn="l" defTabSz="914400" rtl="0" eaLnBrk="0" fontAlgn="base" latinLnBrk="0" hangingPunct="0">
+              <a:lnSpc>
+                <a:spcPct val="100000"/>
+              </a:lnSpc>
+              <a:spcBef>
+                <a:spcPct val="0"/>
+              </a:spcBef>
+              <a:spcAft>
+                <a:spcPct val="0"/>
+              </a:spcAft>
+              <a:buClrTx/>
+              <a:buSzTx/>
+              <a:buFont typeface="Arial" panose="020B0604020202020204" pitchFamily="34" charset="0"/>
+              <a:buChar char="•"/>
+              <a:tabLst/>
+            </a:pPr>
+            <a:r>
+              <a:rPr kumimoji="0" lang="en-US" altLang="en-US" sz="2600" b="0" i="0" u="none" strike="noStrike" cap="none" normalizeH="0" baseline="0" dirty="0">
+                <a:ln>
+                  <a:noFill/>
+                </a:ln>
+                <a:solidFill>
+                  <a:schemeClr val="tx2">
+                    <a:lumMod val="90000"/>
+                  </a:schemeClr>
+                </a:solidFill>
+                <a:effectLst/>
+              </a:rPr>
+              <a:t>Optimize hyperparameters – learning rate, batch si</a:t>
+            </a:r>
+            <a:r>
+              <a:rPr lang="en-US" altLang="en-US" sz="2600" dirty="0">
+                <a:solidFill>
+                  <a:schemeClr val="tx2">
+                    <a:lumMod val="90000"/>
+                  </a:schemeClr>
+                </a:solidFill>
+              </a:rPr>
+              <a:t>ze, # of epochs</a:t>
+            </a:r>
+          </a:p>
+          <a:p>
+            <a:pPr marL="342900" marR="0" lvl="0" indent="-342900" algn="l" defTabSz="914400" rtl="0" eaLnBrk="0" fontAlgn="base" latinLnBrk="0" hangingPunct="0">
+              <a:lnSpc>
+                <a:spcPct val="100000"/>
+              </a:lnSpc>
+              <a:spcBef>
+                <a:spcPct val="0"/>
+              </a:spcBef>
+              <a:spcAft>
+                <a:spcPct val="0"/>
+              </a:spcAft>
+              <a:buClrTx/>
+              <a:buSzTx/>
+              <a:buFont typeface="Arial" panose="020B0604020202020204" pitchFamily="34" charset="0"/>
+              <a:buChar char="•"/>
+              <a:tabLst/>
+            </a:pPr>
+            <a:r>
+              <a:rPr kumimoji="0" lang="en-US" altLang="en-US" sz="2600" b="0" i="0" u="none" strike="noStrike" cap="none" normalizeH="0" baseline="0" dirty="0">
+                <a:ln>
+                  <a:noFill/>
+                </a:ln>
+                <a:solidFill>
+                  <a:schemeClr val="tx2">
+                    <a:lumMod val="90000"/>
+                  </a:schemeClr>
+                </a:solidFill>
+                <a:effectLst/>
+              </a:rPr>
+              <a:t>Try using Loss Function Mean Absolute Percentage Error (MAPE) to evaluate model</a:t>
+            </a:r>
+          </a:p>
+          <a:p>
+            <a:pPr marL="342900" marR="0" lvl="0" indent="-342900" algn="l" defTabSz="914400" rtl="0" eaLnBrk="0" fontAlgn="base" latinLnBrk="0" hangingPunct="0">
+              <a:lnSpc>
+                <a:spcPct val="100000"/>
+              </a:lnSpc>
+              <a:spcBef>
+                <a:spcPct val="0"/>
+              </a:spcBef>
+              <a:spcAft>
+                <a:spcPct val="0"/>
+              </a:spcAft>
+              <a:buClrTx/>
+              <a:buSzTx/>
+              <a:buFont typeface="Arial" panose="020B0604020202020204" pitchFamily="34" charset="0"/>
+              <a:buChar char="•"/>
+              <a:tabLst/>
+            </a:pPr>
+            <a:r>
+              <a:rPr lang="en-US" altLang="en-US" sz="2600" dirty="0">
+                <a:solidFill>
+                  <a:schemeClr val="tx2">
+                    <a:lumMod val="90000"/>
+                  </a:schemeClr>
+                </a:solidFill>
+              </a:rPr>
+              <a:t>Try different activation functions like Sigmoid or Tanh</a:t>
+            </a:r>
+            <a:endParaRPr kumimoji="0" lang="en-US" altLang="en-US" sz="2600" b="0" i="0" u="none" strike="noStrike" cap="none" normalizeH="0" baseline="0" dirty="0">
+              <a:ln>
+                <a:noFill/>
+              </a:ln>
+              <a:solidFill>
+                <a:schemeClr val="tx2">
+                  <a:lumMod val="90000"/>
+                </a:schemeClr>
+              </a:solidFill>
+              <a:effectLst/>
+            </a:endParaRPr>
+          </a:p>
+          <a:p>
+            <a:pPr marL="0" marR="0" lvl="0" indent="0" algn="l" defTabSz="914400" rtl="0" eaLnBrk="0" fontAlgn="base" latinLnBrk="0" hangingPunct="0">
+              <a:lnSpc>
+                <a:spcPct val="100000"/>
+              </a:lnSpc>
+              <a:spcBef>
+                <a:spcPct val="0"/>
+              </a:spcBef>
+              <a:spcAft>
+                <a:spcPct val="0"/>
+              </a:spcAft>
+              <a:buClrTx/>
+              <a:buSzTx/>
+              <a:buFontTx/>
+              <a:buNone/>
+              <a:tabLst/>
+            </a:pPr>
+            <a:endParaRPr kumimoji="0" lang="en-US" altLang="en-US" sz="1800" b="0" i="0" u="none" strike="noStrike" cap="none" normalizeH="0" baseline="0" dirty="0">
+              <a:ln>
+                <a:noFill/>
+              </a:ln>
+              <a:solidFill>
+                <a:schemeClr val="tx1"/>
+              </a:solidFill>
+              <a:effectLst/>
+              <a:latin typeface="Arial" panose="020B0604020202020204" pitchFamily="34" charset="0"/>
+            </a:endParaRPr>
+          </a:p>
+        </p:txBody>
+      </p:sp>
+      <p:pic>
+        <p:nvPicPr>
+          <p:cNvPr id="9" name="Picture 8" descr="Background pattern&#10;&#10;Description automatically generated">
+            <a:extLst>
+              <a:ext uri="{FF2B5EF4-FFF2-40B4-BE49-F238E27FC236}">
+                <a16:creationId xmlns:a16="http://schemas.microsoft.com/office/drawing/2014/main" id="{AFFEDF0A-EED9-F68D-EB16-87497A30F5EF}"/>
+              </a:ext>
+            </a:extLst>
+          </p:cNvPr>
+          <p:cNvPicPr>
+            <a:picLocks noChangeAspect="1"/>
+          </p:cNvPicPr>
+          <p:nvPr/>
+        </p:nvPicPr>
+        <p:blipFill>
+          <a:blip r:embed="rId3">
+            <a:extLst>
+              <a:ext uri="{28A0092B-C50C-407E-A947-70E740481C1C}">
+                <a14:useLocalDpi xmlns:a14="http://schemas.microsoft.com/office/drawing/2010/main" val="0"/>
+              </a:ext>
+              <a:ext uri="{837473B0-CC2E-450A-ABE3-18F120FF3D39}">
+                <a1611:picAttrSrcUrl xmlns:a1611="http://schemas.microsoft.com/office/drawing/2016/11/main" r:id="rId4"/>
+              </a:ext>
+            </a:extLst>
+          </a:blip>
+          <a:stretch>
+            <a:fillRect/>
+          </a:stretch>
+        </p:blipFill>
+        <p:spPr>
+          <a:xfrm>
+            <a:off x="8063772" y="1121325"/>
+            <a:ext cx="3121152" cy="2081784"/>
+          </a:xfrm>
+          <a:prstGeom prst="rect">
+            <a:avLst/>
+          </a:prstGeom>
+        </p:spPr>
+      </p:pic>
+      <p:sp>
+        <p:nvSpPr>
+          <p:cNvPr id="10" name="TextBox 9">
+            <a:extLst>
+              <a:ext uri="{FF2B5EF4-FFF2-40B4-BE49-F238E27FC236}">
+                <a16:creationId xmlns:a16="http://schemas.microsoft.com/office/drawing/2014/main" id="{44C281EF-5C34-BE1E-DF86-B505DEA5A92F}"/>
+              </a:ext>
+            </a:extLst>
+          </p:cNvPr>
+          <p:cNvSpPr txBox="1"/>
+          <p:nvPr/>
+        </p:nvSpPr>
+        <p:spPr>
+          <a:xfrm>
+            <a:off x="8063772" y="3203109"/>
+            <a:ext cx="3121152" cy="369332"/>
+          </a:xfrm>
+          <a:prstGeom prst="rect">
+            <a:avLst/>
+          </a:prstGeom>
+          <a:noFill/>
+        </p:spPr>
+        <p:txBody>
+          <a:bodyPr wrap="square" rtlCol="0">
+            <a:spAutoFit/>
+          </a:bodyPr>
+          <a:lstStyle/>
+          <a:p>
+            <a:r>
+              <a:rPr lang="en-US" sz="900">
+                <a:hlinkClick r:id="rId4" tooltip="https://technofaq.org/posts/2020/09/the-fashion-of-the-future-what-will-tech-bring-next/"/>
+              </a:rPr>
+              <a:t>This Photo</a:t>
+            </a:r>
+            <a:r>
+              <a:rPr lang="en-US" sz="900"/>
+              <a:t> by Unknown Author is licensed under </a:t>
+            </a:r>
+            <a:r>
+              <a:rPr lang="en-US" sz="900">
+                <a:hlinkClick r:id="rId5" tooltip="https://creativecommons.org/licenses/by-nc-sa/3.0/"/>
+              </a:rPr>
+              <a:t>CC BY-SA-NC</a:t>
+            </a:r>
+            <a:endParaRPr lang="en-US" sz="900"/>
+          </a:p>
+        </p:txBody>
+      </p:sp>
+    </p:spTree>
+    <p:extLst>
+      <p:ext uri="{BB962C8B-B14F-4D97-AF65-F5344CB8AC3E}">
+        <p14:creationId xmlns:p14="http://schemas.microsoft.com/office/powerpoint/2010/main" val="3026855493"/>
+      </p:ext>
+    </p:extLst>
+  </p:cSld>
+  <p:clrMapOvr>
+    <a:masterClrMapping/>
+  </p:clrMapOvr>
+</p:sld>
+</file>
+
+<file path=ppt/slides/slide14.xml><?xml version="1.0" encoding="utf-8"?>
+<p:sld xmlns:a="http://schemas.openxmlformats.org/drawingml/2006/main" xmlns:r="http://schemas.openxmlformats.org/officeDocument/2006/relationships" xmlns:p="http://schemas.openxmlformats.org/presentationml/2006/main">
+  <p:cSld>
+    <p:spTree>
+      <p:nvGrpSpPr>
+        <p:cNvPr id="1" name=""/>
+        <p:cNvGrpSpPr/>
+        <p:nvPr/>
+      </p:nvGrpSpPr>
+      <p:grpSpPr>
+        <a:xfrm>
+          <a:off x="0" y="0"/>
+          <a:ext cx="0" cy="0"/>
+          <a:chOff x="0" y="0"/>
+          <a:chExt cx="0" cy="0"/>
+        </a:xfrm>
+      </p:grpSpPr>
+      <p:sp>
+        <p:nvSpPr>
+          <p:cNvPr id="2" name="Title 1">
+            <a:extLst>
+              <a:ext uri="{FF2B5EF4-FFF2-40B4-BE49-F238E27FC236}">
+                <a16:creationId xmlns:a16="http://schemas.microsoft.com/office/drawing/2014/main" id="{F6FD8A51-5624-DE7A-1CF6-EEE978C474D5}"/>
+              </a:ext>
+            </a:extLst>
+          </p:cNvPr>
+          <p:cNvSpPr txBox="1">
+            <a:spLocks/>
+          </p:cNvSpPr>
+          <p:nvPr/>
+        </p:nvSpPr>
+        <p:spPr>
+          <a:xfrm>
+            <a:off x="913795" y="609600"/>
+            <a:ext cx="10353762" cy="970450"/>
+          </a:xfrm>
+          <a:prstGeom prst="rect">
+            <a:avLst/>
+          </a:prstGeom>
+        </p:spPr>
+        <p:txBody>
+          <a:bodyPr/>
+          <a:lstStyle>
+            <a:lvl1pPr algn="ctr" defTabSz="457200" rtl="0" eaLnBrk="1" latinLnBrk="0" hangingPunct="1">
+              <a:spcBef>
+                <a:spcPct val="0"/>
+              </a:spcBef>
+              <a:buNone/>
+              <a:defRPr sz="4000" kern="1200">
+                <a:ln>
+                  <a:solidFill>
+                    <a:schemeClr val="bg1">
+                      <a:lumMod val="75000"/>
+                      <a:lumOff val="25000"/>
+                      <a:alpha val="10000"/>
+                    </a:schemeClr>
+                  </a:solidFill>
+                </a:ln>
+                <a:solidFill>
+                  <a:schemeClr val="tx2"/>
+                </a:solidFill>
+                <a:effectLst>
+                  <a:outerShdw blurRad="9525" dist="25400" dir="14640000" algn="tl" rotWithShape="0">
+                    <a:schemeClr val="bg1">
+                      <a:alpha val="30000"/>
+                    </a:schemeClr>
+                  </a:outerShdw>
+                </a:effectLst>
+                <a:latin typeface="+mj-lt"/>
+                <a:ea typeface="+mj-ea"/>
+                <a:cs typeface="Trebuchet MS"/>
+              </a:defRPr>
+            </a:lvl1pPr>
+            <a:lvl2pPr eaLnBrk="1" hangingPunct="1">
+              <a:defRPr>
+                <a:solidFill>
+                  <a:schemeClr val="tx2"/>
+                </a:solidFill>
+              </a:defRPr>
+            </a:lvl2pPr>
+            <a:lvl3pPr eaLnBrk="1" hangingPunct="1">
+              <a:defRPr>
+                <a:solidFill>
+                  <a:schemeClr val="tx2"/>
+                </a:solidFill>
+              </a:defRPr>
+            </a:lvl3pPr>
+            <a:lvl4pPr eaLnBrk="1" hangingPunct="1">
+              <a:defRPr>
+                <a:solidFill>
+                  <a:schemeClr val="tx2"/>
+                </a:solidFill>
+              </a:defRPr>
+            </a:lvl4pPr>
+            <a:lvl5pPr eaLnBrk="1" hangingPunct="1">
+              <a:defRPr>
+                <a:solidFill>
+                  <a:schemeClr val="tx2"/>
+                </a:solidFill>
+              </a:defRPr>
+            </a:lvl5pPr>
+            <a:lvl6pPr eaLnBrk="1" hangingPunct="1">
+              <a:defRPr>
+                <a:solidFill>
+                  <a:schemeClr val="tx2"/>
+                </a:solidFill>
+              </a:defRPr>
+            </a:lvl6pPr>
+            <a:lvl7pPr eaLnBrk="1" hangingPunct="1">
+              <a:defRPr>
+                <a:solidFill>
+                  <a:schemeClr val="tx2"/>
+                </a:solidFill>
+              </a:defRPr>
+            </a:lvl7pPr>
+            <a:lvl8pPr eaLnBrk="1" hangingPunct="1">
+              <a:defRPr>
+                <a:solidFill>
+                  <a:schemeClr val="tx2"/>
+                </a:solidFill>
+              </a:defRPr>
+            </a:lvl8pPr>
+            <a:lvl9pPr eaLnBrk="1" hangingPunct="1">
+              <a:defRPr>
+                <a:solidFill>
+                  <a:schemeClr val="tx2"/>
+                </a:solidFill>
+              </a:defRPr>
+            </a:lvl9pPr>
+          </a:lstStyle>
+          <a:p>
+            <a:r>
+              <a:rPr lang="en-US" dirty="0">
+                <a:solidFill>
+                  <a:schemeClr val="bg2">
+                    <a:lumMod val="10000"/>
+                    <a:lumOff val="90000"/>
+                  </a:schemeClr>
+                </a:solidFill>
+                <a:effectLst/>
+                <a:latin typeface="Arial" panose="020B0604020202020204" pitchFamily="34" charset="0"/>
+                <a:ea typeface="Calibri" panose="020F0502020204030204" pitchFamily="34" charset="0"/>
+              </a:rPr>
               <a:t>Demonstration</a:t>
             </a:r>
             <a:endParaRPr lang="en-US" dirty="0">
@@ -11531,7 +12837,7 @@
     </p:spTree>
     <p:extLst>
       <p:ext uri="{BB962C8B-B14F-4D97-AF65-F5344CB8AC3E}">
-        <p14:creationId xmlns:p14="http://schemas.microsoft.com/office/powerpoint/2010/main" val="3026855493"/>
+        <p14:creationId xmlns:p14="http://schemas.microsoft.com/office/powerpoint/2010/main" val="2079342973"/>
       </p:ext>
     </p:extLst>
   </p:cSld>
@@ -11803,8 +13109,8 @@
         </p:nvSpPr>
         <p:spPr>
           <a:xfrm>
-            <a:off x="7857028" y="2885436"/>
-            <a:ext cx="4030172" cy="2633146"/>
+            <a:off x="7857028" y="1078523"/>
+            <a:ext cx="4030172" cy="4440059"/>
           </a:xfrm>
         </p:spPr>
         <p:txBody>
@@ -11819,9 +13125,12 @@
               </a:lnSpc>
             </a:pPr>
             <a:r>
+              <a:rPr lang="en-US" sz="4000" b="1" dirty="0"/>
+              <a:t>5 cryptocurrencies:</a:t>
+            </a:r>
+            <a:br>
               <a:rPr lang="en-US" sz="4000" dirty="0"/>
-              <a:t>5 cryptocurrencies:</a:t>
-            </a:r>
+            </a:br>
             <a:br>
               <a:rPr lang="en-US" sz="4000" dirty="0"/>
             </a:br>
@@ -12050,8 +13359,8 @@
         </p:nvSpPr>
         <p:spPr>
           <a:xfrm>
-            <a:off x="913795" y="1097280"/>
-            <a:ext cx="3256177" cy="4626863"/>
+            <a:off x="328246" y="1097280"/>
+            <a:ext cx="4360985" cy="4626863"/>
           </a:xfrm>
         </p:spPr>
         <p:txBody>
@@ -12094,7 +13403,7 @@
               </a:spcAft>
             </a:pPr>
             <a:r>
-              <a:rPr lang="en-US" sz="2400" dirty="0">
+              <a:rPr lang="en-US" sz="3600" dirty="0">
                 <a:solidFill>
                   <a:schemeClr val="tx2"/>
                 </a:solidFill>
@@ -12105,6 +13414,28 @@
               </a:rPr>
               <a:t>Purpose: </a:t>
             </a:r>
+          </a:p>
+          <a:p>
+            <a:pPr marL="457200" marR="0">
+              <a:lnSpc>
+                <a:spcPts val="1800"/>
+              </a:lnSpc>
+              <a:spcBef>
+                <a:spcPts val="0"/>
+              </a:spcBef>
+              <a:spcAft>
+                <a:spcPts val="0"/>
+              </a:spcAft>
+            </a:pPr>
+            <a:endParaRPr lang="en-US" sz="3600" dirty="0">
+              <a:solidFill>
+                <a:schemeClr val="tx2"/>
+              </a:solidFill>
+              <a:effectLst/>
+              <a:latin typeface="+mj-lt"/>
+              <a:ea typeface="Calibri" panose="020F0502020204030204" pitchFamily="34" charset="0"/>
+              <a:cs typeface="Times New Roman" panose="02020603050405020304" pitchFamily="18" charset="0"/>
+            </a:endParaRPr>
           </a:p>
           <a:p>
             <a:pPr marL="457200" marR="0" algn="l">
@@ -12140,7 +13471,7 @@
               </a:spcAft>
             </a:pPr>
             <a:r>
-              <a:rPr lang="en-US" sz="2400" dirty="0">
+              <a:rPr lang="en-US" sz="2800" dirty="0">
                 <a:solidFill>
                   <a:srgbClr val="0070C0"/>
                 </a:solidFill>
@@ -12163,7 +13494,7 @@
                 <a:spcPts val="0"/>
               </a:spcAft>
             </a:pPr>
-            <a:endParaRPr lang="en-US" sz="2400" dirty="0">
+            <a:endParaRPr lang="en-US" sz="2800" dirty="0">
               <a:effectLst/>
               <a:ea typeface="Calibri" panose="020F0502020204030204" pitchFamily="34" charset="0"/>
               <a:cs typeface="Times New Roman" panose="02020603050405020304" pitchFamily="18" charset="0"/>
@@ -12182,7 +13513,7 @@
               </a:spcAft>
             </a:pPr>
             <a:r>
-              <a:rPr lang="en-US" sz="2400" dirty="0">
+              <a:rPr lang="en-US" sz="2800" dirty="0">
                 <a:solidFill>
                   <a:srgbClr val="0070C0"/>
                 </a:solidFill>
@@ -12205,7 +13536,7 @@
                 <a:spcPts val="0"/>
               </a:spcAft>
             </a:pPr>
-            <a:endParaRPr lang="en-US" sz="2400" dirty="0">
+            <a:endParaRPr lang="en-US" sz="2800" dirty="0">
               <a:effectLst/>
               <a:ea typeface="Calibri" panose="020F0502020204030204" pitchFamily="34" charset="0"/>
               <a:cs typeface="Times New Roman" panose="02020603050405020304" pitchFamily="18" charset="0"/>
@@ -12224,7 +13555,7 @@
               </a:spcAft>
             </a:pPr>
             <a:r>
-              <a:rPr lang="en-US" sz="2400" dirty="0">
+              <a:rPr lang="en-US" sz="2800" dirty="0">
                 <a:solidFill>
                   <a:srgbClr val="0070C0"/>
                 </a:solidFill>
@@ -12247,7 +13578,7 @@
                 <a:spcPts val="0"/>
               </a:spcAft>
             </a:pPr>
-            <a:endParaRPr lang="en-US" sz="2400" dirty="0">
+            <a:endParaRPr lang="en-US" sz="2800" dirty="0">
               <a:effectLst/>
               <a:ea typeface="Calibri" panose="020F0502020204030204" pitchFamily="34" charset="0"/>
               <a:cs typeface="Times New Roman" panose="02020603050405020304" pitchFamily="18" charset="0"/>
@@ -12266,7 +13597,7 @@
               </a:spcAft>
             </a:pPr>
             <a:r>
-              <a:rPr lang="en-US" sz="2400" dirty="0">
+              <a:rPr lang="en-US" sz="2800" dirty="0">
                 <a:solidFill>
                   <a:srgbClr val="0070C0"/>
                 </a:solidFill>
@@ -12276,7 +13607,7 @@
               </a:rPr>
               <a:t>Are there any trends that may be relevant?</a:t>
             </a:r>
-            <a:endParaRPr lang="en-US" sz="2400" dirty="0">
+            <a:endParaRPr lang="en-US" sz="2800" dirty="0">
               <a:effectLst/>
               <a:ea typeface="Calibri" panose="020F0502020204030204" pitchFamily="34" charset="0"/>
               <a:cs typeface="Times New Roman" panose="02020603050405020304" pitchFamily="18" charset="0"/>
@@ -12438,8 +13769,8 @@
         </p:nvSpPr>
         <p:spPr>
           <a:xfrm>
-            <a:off x="7890668" y="366150"/>
-            <a:ext cx="3905092" cy="6080370"/>
+            <a:off x="7433320" y="366150"/>
+            <a:ext cx="4362440" cy="6080370"/>
           </a:xfrm>
         </p:spPr>
         <p:txBody>
@@ -12460,7 +13791,7 @@
               </a:spcAft>
             </a:pPr>
             <a:r>
-              <a:rPr lang="en-US" sz="3000" dirty="0">
+              <a:rPr lang="en-US" sz="3600" b="1" dirty="0">
                 <a:solidFill>
                   <a:schemeClr val="tx2"/>
                 </a:solidFill>
@@ -12498,7 +13829,7 @@
               <a:buChar char="•"/>
             </a:pPr>
             <a:r>
-              <a:rPr lang="en-US" sz="2400" b="0" i="0" dirty="0">
+              <a:rPr lang="en-US" sz="2800" b="0" i="0" dirty="0">
                 <a:solidFill>
                   <a:srgbClr val="0070C0"/>
                 </a:solidFill>
@@ -12513,7 +13844,7 @@
               <a:buChar char="•"/>
             </a:pPr>
             <a:r>
-              <a:rPr lang="en-US" sz="2400" b="0" i="0" dirty="0">
+              <a:rPr lang="en-US" sz="2800" b="0" i="0" dirty="0">
                 <a:solidFill>
                   <a:srgbClr val="0070C0"/>
                 </a:solidFill>
@@ -12528,7 +13859,7 @@
               <a:buChar char="•"/>
             </a:pPr>
             <a:r>
-              <a:rPr lang="en-US" sz="2400" b="0" i="0" dirty="0">
+              <a:rPr lang="en-US" sz="2800" b="0" i="0" dirty="0">
                 <a:solidFill>
                   <a:srgbClr val="0070C0"/>
                 </a:solidFill>
@@ -12570,7 +13901,7 @@
         </p:blipFill>
         <p:spPr>
           <a:xfrm>
-            <a:off x="941080" y="1447248"/>
+            <a:off x="633529" y="1528033"/>
             <a:ext cx="6492240" cy="3651885"/>
           </a:xfrm>
           <a:prstGeom prst="rect">
@@ -12824,14 +14155,14 @@
           <p:nvPr>
             <p:extLst>
               <p:ext uri="{D42A27DB-BD31-4B8C-83A1-F6EECF244321}">
-                <p14:modId xmlns:p14="http://schemas.microsoft.com/office/powerpoint/2010/main" val="265871333"/>
+                <p14:modId xmlns:p14="http://schemas.microsoft.com/office/powerpoint/2010/main" val="1305520546"/>
               </p:ext>
             </p:extLst>
           </p:nvPr>
         </p:nvGraphicFramePr>
         <p:xfrm>
-          <a:off x="1454641" y="783590"/>
-          <a:ext cx="9362660" cy="5298897"/>
+          <a:off x="1454641" y="1151740"/>
+          <a:ext cx="9362660" cy="5338110"/>
         </p:xfrm>
         <a:graphic>
           <a:graphicData uri="http://schemas.openxmlformats.org/drawingml/2006/table">
@@ -12877,7 +14208,7 @@
                     <a:p>
                       <a:pPr algn="ctr"/>
                       <a:r>
-                        <a:rPr lang="en-US" dirty="0">
+                        <a:rPr lang="en-US" sz="2400" dirty="0">
                           <a:solidFill>
                             <a:schemeClr val="bg1"/>
                           </a:solidFill>
@@ -12895,7 +14226,7 @@
                     <a:p>
                       <a:pPr algn="ctr"/>
                       <a:r>
-                        <a:rPr lang="en-US" dirty="0">
+                        <a:rPr lang="en-US" sz="2400" dirty="0">
                           <a:solidFill>
                             <a:schemeClr val="bg1"/>
                           </a:solidFill>
@@ -12913,7 +14244,7 @@
                     <a:p>
                       <a:pPr algn="ctr"/>
                       <a:r>
-                        <a:rPr lang="en-US" dirty="0">
+                        <a:rPr lang="en-US" sz="2400" dirty="0">
                           <a:solidFill>
                             <a:schemeClr val="bg1"/>
                           </a:solidFill>
@@ -12931,7 +14262,7 @@
                     <a:p>
                       <a:pPr algn="ctr"/>
                       <a:r>
-                        <a:rPr lang="en-US" dirty="0">
+                        <a:rPr lang="en-US" sz="2400" dirty="0">
                           <a:solidFill>
                             <a:schemeClr val="bg1"/>
                           </a:solidFill>
@@ -12956,7 +14287,7 @@
                     <a:p>
                       <a:pPr algn="ctr"/>
                       <a:r>
-                        <a:rPr lang="en-US" dirty="0">
+                        <a:rPr lang="en-US" sz="2000" dirty="0">
                           <a:solidFill>
                             <a:schemeClr val="bg1"/>
                           </a:solidFill>
@@ -12974,7 +14305,7 @@
                     <a:p>
                       <a:pPr algn="ctr"/>
                       <a:r>
-                        <a:rPr lang="en-US" dirty="0">
+                        <a:rPr lang="en-US" sz="2000" dirty="0">
                           <a:solidFill>
                             <a:schemeClr val="bg1"/>
                           </a:solidFill>
@@ -12992,7 +14323,7 @@
                     <a:p>
                       <a:pPr algn="ctr"/>
                       <a:r>
-                        <a:rPr lang="en-US" sz="1800" b="0" i="0" kern="1200" dirty="0">
+                        <a:rPr lang="en-US" sz="2000" b="0" i="0" kern="1200" dirty="0">
                           <a:solidFill>
                             <a:schemeClr val="dk1"/>
                           </a:solidFill>
@@ -13003,7 +14334,7 @@
                         </a:rPr>
                         <a:t>TensorFlow</a:t>
                       </a:r>
-                      <a:endParaRPr lang="en-US" dirty="0">
+                      <a:endParaRPr lang="en-US" sz="2000" dirty="0">
                         <a:solidFill>
                           <a:schemeClr val="bg1"/>
                         </a:solidFill>
@@ -13019,7 +14350,7 @@
                     <a:p>
                       <a:pPr algn="ctr"/>
                       <a:r>
-                        <a:rPr lang="en-US" sz="1800" b="0" i="0" kern="1200" dirty="0">
+                        <a:rPr lang="en-US" sz="2000" b="0" i="0" kern="1200" dirty="0">
                           <a:solidFill>
                             <a:schemeClr val="dk1"/>
                           </a:solidFill>
@@ -13031,7 +14362,7 @@
                         <a:t> </a:t>
                       </a:r>
                       <a:r>
-                        <a:rPr lang="en-US" sz="1800" b="0" i="0" kern="1200" dirty="0" err="1">
+                        <a:rPr lang="en-US" sz="2000" b="0" i="0" kern="1200" dirty="0" err="1">
                           <a:solidFill>
                             <a:schemeClr val="dk1"/>
                           </a:solidFill>
@@ -13042,7 +14373,7 @@
                         </a:rPr>
                         <a:t>Coinmetrics</a:t>
                       </a:r>
-                      <a:endParaRPr lang="en-US" dirty="0">
+                      <a:endParaRPr lang="en-US" sz="2000" dirty="0">
                         <a:solidFill>
                           <a:schemeClr val="bg1"/>
                         </a:solidFill>
@@ -13065,7 +14396,7 @@
                     <a:p>
                       <a:pPr algn="ctr"/>
                       <a:r>
-                        <a:rPr lang="en-US" dirty="0">
+                        <a:rPr lang="en-US" sz="2000" dirty="0">
                           <a:solidFill>
                             <a:schemeClr val="bg1"/>
                           </a:solidFill>
@@ -13073,14 +14404,14 @@
                         <a:t>Google </a:t>
                       </a:r>
                       <a:r>
-                        <a:rPr lang="en-US" dirty="0" err="1">
+                        <a:rPr lang="en-US" sz="2000" dirty="0" err="1">
                           <a:solidFill>
                             <a:schemeClr val="bg1"/>
                           </a:solidFill>
                         </a:rPr>
                         <a:t>Colab</a:t>
                       </a:r>
-                      <a:endParaRPr lang="en-US" dirty="0">
+                      <a:endParaRPr lang="en-US" sz="2000" dirty="0">
                         <a:solidFill>
                           <a:schemeClr val="bg1"/>
                         </a:solidFill>
@@ -13112,14 +14443,14 @@
                         <a:defRPr/>
                       </a:pPr>
                       <a:r>
-                        <a:rPr lang="en-US" dirty="0" err="1">
+                        <a:rPr lang="en-US" sz="2000" dirty="0" err="1">
                           <a:solidFill>
                             <a:schemeClr val="bg1"/>
                           </a:solidFill>
                         </a:rPr>
                         <a:t>Javascript</a:t>
                       </a:r>
-                      <a:endParaRPr lang="en-US" dirty="0">
+                      <a:endParaRPr lang="en-US" sz="2000" dirty="0">
                         <a:solidFill>
                           <a:schemeClr val="bg1"/>
                         </a:solidFill>
@@ -13135,7 +14466,7 @@
                     <a:p>
                       <a:pPr algn="ctr"/>
                       <a:r>
-                        <a:rPr lang="en-US" sz="1800" b="0" i="0" kern="1200" dirty="0">
+                        <a:rPr lang="en-US" sz="2000" b="0" i="0" kern="1200" dirty="0">
                           <a:solidFill>
                             <a:schemeClr val="dk1"/>
                           </a:solidFill>
@@ -13146,7 +14477,7 @@
                         </a:rPr>
                         <a:t>Matplotlib</a:t>
                       </a:r>
-                      <a:endParaRPr lang="en-US" dirty="0">
+                      <a:endParaRPr lang="en-US" sz="2000" dirty="0">
                         <a:solidFill>
                           <a:schemeClr val="bg1"/>
                         </a:solidFill>
@@ -13162,7 +14493,7 @@
                     <a:p>
                       <a:pPr algn="ctr"/>
                       <a:r>
-                        <a:rPr lang="en-US" dirty="0">
+                        <a:rPr lang="en-US" sz="2000" dirty="0">
                           <a:solidFill>
                             <a:schemeClr val="bg1"/>
                           </a:solidFill>
@@ -13187,7 +14518,7 @@
                     <a:p>
                       <a:pPr algn="ctr"/>
                       <a:r>
-                        <a:rPr lang="en-US" dirty="0" err="1">
+                        <a:rPr lang="en-US" sz="2000" dirty="0" err="1">
                           <a:solidFill>
                             <a:schemeClr val="bg1"/>
                           </a:solidFill>
@@ -13195,7 +14526,7 @@
                         <a:t>Jupyter</a:t>
                       </a:r>
                       <a:r>
-                        <a:rPr lang="en-US" dirty="0">
+                        <a:rPr lang="en-US" sz="2000" dirty="0">
                           <a:solidFill>
                             <a:schemeClr val="bg1"/>
                           </a:solidFill>
@@ -13213,7 +14544,7 @@
                     <a:p>
                       <a:pPr algn="ctr"/>
                       <a:r>
-                        <a:rPr lang="en-US" dirty="0">
+                        <a:rPr lang="en-US" sz="2000" dirty="0">
                           <a:solidFill>
                             <a:schemeClr val="bg1"/>
                           </a:solidFill>
@@ -13231,7 +14562,7 @@
                     <a:p>
                       <a:pPr algn="ctr"/>
                       <a:r>
-                        <a:rPr lang="en-US" sz="1800" b="0" i="0" kern="1200" dirty="0">
+                        <a:rPr lang="en-US" sz="2000" b="0" i="0" kern="1200" dirty="0">
                           <a:solidFill>
                             <a:schemeClr val="dk1"/>
                           </a:solidFill>
@@ -13242,7 +14573,7 @@
                         </a:rPr>
                         <a:t>glob</a:t>
                       </a:r>
-                      <a:endParaRPr lang="en-US" dirty="0">
+                      <a:endParaRPr lang="en-US" sz="2000" dirty="0">
                         <a:solidFill>
                           <a:schemeClr val="bg1"/>
                         </a:solidFill>
@@ -13258,7 +14589,7 @@
                     <a:p>
                       <a:pPr algn="ctr"/>
                       <a:r>
-                        <a:rPr lang="en-US" dirty="0">
+                        <a:rPr lang="en-US" sz="2000" dirty="0">
                           <a:solidFill>
                             <a:schemeClr val="bg1"/>
                           </a:solidFill>
@@ -13283,7 +14614,7 @@
                     <a:p>
                       <a:pPr algn="ctr"/>
                       <a:r>
-                        <a:rPr lang="en-US" dirty="0">
+                        <a:rPr lang="en-US" sz="2000" dirty="0">
                           <a:solidFill>
                             <a:schemeClr val="bg1"/>
                           </a:solidFill>
@@ -13301,7 +14632,7 @@
                     <a:p>
                       <a:pPr algn="ctr"/>
                       <a:r>
-                        <a:rPr lang="en-US" dirty="0">
+                        <a:rPr lang="en-US" sz="2000" dirty="0">
                           <a:solidFill>
                             <a:schemeClr val="bg1"/>
                           </a:solidFill>
@@ -13319,7 +14650,7 @@
                     <a:p>
                       <a:pPr algn="ctr"/>
                       <a:r>
-                        <a:rPr lang="en-US" sz="1800" b="0" i="0" kern="1200" dirty="0" err="1">
+                        <a:rPr lang="en-US" sz="2000" b="0" i="0" kern="1200" dirty="0" err="1">
                           <a:solidFill>
                             <a:schemeClr val="dk1"/>
                           </a:solidFill>
@@ -13330,7 +14661,7 @@
                         </a:rPr>
                         <a:t>Numpy</a:t>
                       </a:r>
-                      <a:endParaRPr lang="en-US" dirty="0">
+                      <a:endParaRPr lang="en-US" sz="2000" dirty="0">
                         <a:solidFill>
                           <a:schemeClr val="bg1"/>
                         </a:solidFill>
@@ -13346,7 +14677,7 @@
                     <a:p>
                       <a:pPr algn="ctr"/>
                       <a:r>
-                        <a:rPr lang="en-US" dirty="0">
+                        <a:rPr lang="en-US" sz="2000" dirty="0">
                           <a:solidFill>
                             <a:schemeClr val="bg1"/>
                           </a:solidFill>
@@ -13371,14 +14702,14 @@
                     <a:p>
                       <a:pPr algn="ctr"/>
                       <a:r>
-                        <a:rPr lang="en-US" dirty="0" err="1">
+                        <a:rPr lang="en-US" sz="2000" dirty="0" err="1">
                           <a:solidFill>
                             <a:schemeClr val="bg1"/>
                           </a:solidFill>
                         </a:rPr>
                         <a:t>QuickDBD</a:t>
                       </a:r>
-                      <a:endParaRPr lang="en-US" dirty="0">
+                      <a:endParaRPr lang="en-US" sz="2000" dirty="0">
                         <a:solidFill>
                           <a:schemeClr val="bg1"/>
                         </a:solidFill>
@@ -13393,7 +14724,7 @@
                     <a:lstStyle/>
                     <a:p>
                       <a:pPr algn="ctr"/>
-                      <a:endParaRPr lang="en-US" dirty="0">
+                      <a:endParaRPr lang="en-US" sz="2000" dirty="0">
                         <a:solidFill>
                           <a:schemeClr val="bg1"/>
                         </a:solidFill>
@@ -13409,7 +14740,7 @@
                     <a:p>
                       <a:pPr algn="ctr"/>
                       <a:r>
-                        <a:rPr lang="en-US" sz="1800" b="0" i="0" kern="1200" dirty="0">
+                        <a:rPr lang="en-US" sz="2000" b="0" i="0" kern="1200" dirty="0">
                           <a:solidFill>
                             <a:schemeClr val="dk1"/>
                           </a:solidFill>
@@ -13420,7 +14751,7 @@
                         </a:rPr>
                         <a:t>Scikit-learn</a:t>
                       </a:r>
-                      <a:endParaRPr lang="en-US" dirty="0">
+                      <a:endParaRPr lang="en-US" sz="2000" dirty="0">
                         <a:solidFill>
                           <a:schemeClr val="bg1"/>
                         </a:solidFill>
@@ -13436,7 +14767,7 @@
                     <a:p>
                       <a:pPr algn="ctr"/>
                       <a:r>
-                        <a:rPr lang="en-US" dirty="0">
+                        <a:rPr lang="en-US" sz="2000" dirty="0">
                           <a:solidFill>
                             <a:schemeClr val="bg1"/>
                           </a:solidFill>
@@ -13460,7 +14791,7 @@
                     <a:lstStyle/>
                     <a:p>
                       <a:pPr algn="ctr"/>
-                      <a:endParaRPr lang="en-US" dirty="0">
+                      <a:endParaRPr lang="en-US" sz="2000" dirty="0">
                         <a:solidFill>
                           <a:schemeClr val="bg1"/>
                         </a:solidFill>
@@ -13475,7 +14806,7 @@
                     <a:lstStyle/>
                     <a:p>
                       <a:pPr algn="ctr"/>
-                      <a:endParaRPr lang="en-US" dirty="0">
+                      <a:endParaRPr lang="en-US" sz="2000" dirty="0">
                         <a:solidFill>
                           <a:schemeClr val="bg1"/>
                         </a:solidFill>
@@ -13491,7 +14822,7 @@
                     <a:p>
                       <a:pPr algn="ctr"/>
                       <a:r>
-                        <a:rPr lang="en-US" dirty="0">
+                        <a:rPr lang="en-US" sz="2000" dirty="0">
                           <a:solidFill>
                             <a:schemeClr val="bg1"/>
                           </a:solidFill>
@@ -13509,7 +14840,7 @@
                     <a:p>
                       <a:pPr algn="ctr"/>
                       <a:r>
-                        <a:rPr lang="en-US" dirty="0" err="1">
+                        <a:rPr lang="en-US" sz="2000" dirty="0" err="1">
                           <a:solidFill>
                             <a:schemeClr val="bg1"/>
                           </a:solidFill>
@@ -13517,7 +14848,7 @@
                         <a:t>Coindesk</a:t>
                       </a:r>
                       <a:r>
-                        <a:rPr lang="en-US" dirty="0">
+                        <a:rPr lang="en-US" sz="2000" dirty="0">
                           <a:solidFill>
                             <a:schemeClr val="bg1"/>
                           </a:solidFill>
@@ -13541,7 +14872,7 @@
                     <a:lstStyle/>
                     <a:p>
                       <a:pPr algn="ctr"/>
-                      <a:endParaRPr lang="en-US">
+                      <a:endParaRPr lang="en-US" sz="2000">
                         <a:solidFill>
                           <a:schemeClr val="bg1"/>
                         </a:solidFill>
@@ -13556,7 +14887,7 @@
                     <a:lstStyle/>
                     <a:p>
                       <a:pPr algn="ctr"/>
-                      <a:endParaRPr lang="en-US">
+                      <a:endParaRPr lang="en-US" sz="2000">
                         <a:solidFill>
                           <a:schemeClr val="bg1"/>
                         </a:solidFill>
@@ -13588,7 +14919,7 @@
                         <a:defRPr/>
                       </a:pPr>
                       <a:r>
-                        <a:rPr lang="en-US" sz="1800" b="0" i="0" kern="1200" dirty="0">
+                        <a:rPr lang="en-US" sz="2000" b="0" i="0" kern="1200" dirty="0">
                           <a:solidFill>
                             <a:schemeClr val="dk1"/>
                           </a:solidFill>
@@ -13599,7 +14930,7 @@
                         </a:rPr>
                         <a:t> Requests</a:t>
                       </a:r>
-                      <a:endParaRPr lang="en-US" dirty="0">
+                      <a:endParaRPr lang="en-US" sz="2000" dirty="0">
                         <a:solidFill>
                           <a:schemeClr val="bg1"/>
                         </a:solidFill>
@@ -13614,7 +14945,7 @@
                     <a:lstStyle/>
                     <a:p>
                       <a:pPr algn="ctr"/>
-                      <a:endParaRPr lang="en-US" dirty="0">
+                      <a:endParaRPr lang="en-US" sz="2000" dirty="0">
                         <a:solidFill>
                           <a:schemeClr val="bg1"/>
                         </a:solidFill>
@@ -13636,7 +14967,7 @@
                     <a:lstStyle/>
                     <a:p>
                       <a:pPr algn="ctr"/>
-                      <a:endParaRPr lang="en-US">
+                      <a:endParaRPr lang="en-US" sz="2000">
                         <a:solidFill>
                           <a:schemeClr val="bg1"/>
                         </a:solidFill>
@@ -13651,7 +14982,7 @@
                     <a:lstStyle/>
                     <a:p>
                       <a:pPr algn="ctr"/>
-                      <a:endParaRPr lang="en-US">
+                      <a:endParaRPr lang="en-US" sz="2000">
                         <a:solidFill>
                           <a:schemeClr val="bg1"/>
                         </a:solidFill>
@@ -13683,7 +15014,7 @@
                         <a:defRPr/>
                       </a:pPr>
                       <a:r>
-                        <a:rPr lang="en-US" dirty="0">
+                        <a:rPr lang="en-US" sz="2000" dirty="0">
                           <a:solidFill>
                             <a:schemeClr val="bg1"/>
                           </a:solidFill>
@@ -13700,7 +15031,7 @@
                     <a:lstStyle/>
                     <a:p>
                       <a:pPr algn="ctr"/>
-                      <a:endParaRPr lang="en-US" dirty="0">
+                      <a:endParaRPr lang="en-US" sz="2000" dirty="0">
                         <a:solidFill>
                           <a:schemeClr val="bg1"/>
                         </a:solidFill>
@@ -13722,7 +15053,7 @@
                     <a:lstStyle/>
                     <a:p>
                       <a:pPr algn="ctr"/>
-                      <a:endParaRPr lang="en-US">
+                      <a:endParaRPr lang="en-US" sz="2000" dirty="0">
                         <a:solidFill>
                           <a:schemeClr val="bg1"/>
                         </a:solidFill>
@@ -13737,7 +15068,7 @@
                     <a:lstStyle/>
                     <a:p>
                       <a:pPr algn="ctr"/>
-                      <a:endParaRPr lang="en-US">
+                      <a:endParaRPr lang="en-US" sz="2000">
                         <a:solidFill>
                           <a:schemeClr val="bg1"/>
                         </a:solidFill>
@@ -13769,7 +15100,7 @@
                         <a:defRPr/>
                       </a:pPr>
                       <a:r>
-                        <a:rPr lang="en-US" dirty="0">
+                        <a:rPr lang="en-US" sz="2000" dirty="0">
                           <a:solidFill>
                             <a:schemeClr val="bg1"/>
                           </a:solidFill>
@@ -13786,7 +15117,7 @@
                     <a:lstStyle/>
                     <a:p>
                       <a:pPr algn="ctr"/>
-                      <a:endParaRPr lang="en-US" dirty="0">
+                      <a:endParaRPr lang="en-US" sz="2000" dirty="0">
                         <a:solidFill>
                           <a:schemeClr val="bg1"/>
                         </a:solidFill>
@@ -13808,7 +15139,7 @@
                     <a:lstStyle/>
                     <a:p>
                       <a:pPr algn="ctr"/>
-                      <a:endParaRPr lang="en-US">
+                      <a:endParaRPr lang="en-US" sz="2000">
                         <a:solidFill>
                           <a:schemeClr val="bg1"/>
                         </a:solidFill>
@@ -13823,7 +15154,7 @@
                     <a:lstStyle/>
                     <a:p>
                       <a:pPr algn="ctr"/>
-                      <a:endParaRPr lang="en-US">
+                      <a:endParaRPr lang="en-US" sz="2000">
                         <a:solidFill>
                           <a:schemeClr val="bg1"/>
                         </a:solidFill>
@@ -13855,14 +15186,14 @@
                         <a:defRPr/>
                       </a:pPr>
                       <a:r>
-                        <a:rPr lang="en-US" dirty="0" err="1">
+                        <a:rPr lang="en-US" sz="2000" dirty="0" err="1">
                           <a:solidFill>
                             <a:schemeClr val="bg1"/>
                           </a:solidFill>
                         </a:rPr>
                         <a:t>Keras</a:t>
                       </a:r>
-                      <a:endParaRPr lang="en-US" dirty="0">
+                      <a:endParaRPr lang="en-US" sz="2000" dirty="0">
                         <a:solidFill>
                           <a:schemeClr val="bg1"/>
                         </a:solidFill>
@@ -13877,7 +15208,7 @@
                     <a:lstStyle/>
                     <a:p>
                       <a:pPr algn="ctr"/>
-                      <a:endParaRPr lang="en-US" dirty="0">
+                      <a:endParaRPr lang="en-US" sz="2000" dirty="0">
                         <a:solidFill>
                           <a:schemeClr val="bg1"/>
                         </a:solidFill>
@@ -13899,7 +15230,7 @@
                     <a:lstStyle/>
                     <a:p>
                       <a:pPr algn="ctr"/>
-                      <a:endParaRPr lang="en-US">
+                      <a:endParaRPr lang="en-US" sz="2000">
                         <a:solidFill>
                           <a:schemeClr val="bg1"/>
                         </a:solidFill>
@@ -13914,7 +15245,7 @@
                     <a:lstStyle/>
                     <a:p>
                       <a:pPr algn="ctr"/>
-                      <a:endParaRPr lang="en-US">
+                      <a:endParaRPr lang="en-US" sz="2000">
                         <a:solidFill>
                           <a:schemeClr val="bg1"/>
                         </a:solidFill>
@@ -13946,14 +15277,14 @@
                         <a:defRPr/>
                       </a:pPr>
                       <a:r>
-                        <a:rPr lang="en-US" dirty="0" err="1">
+                        <a:rPr lang="en-US" sz="2000" dirty="0" err="1">
                           <a:solidFill>
                             <a:schemeClr val="bg1"/>
                           </a:solidFill>
                         </a:rPr>
                         <a:t>DateTime</a:t>
                       </a:r>
-                      <a:endParaRPr lang="en-US" dirty="0">
+                      <a:endParaRPr lang="en-US" sz="2000" dirty="0">
                         <a:solidFill>
                           <a:schemeClr val="bg1"/>
                         </a:solidFill>
@@ -13968,7 +15299,7 @@
                     <a:lstStyle/>
                     <a:p>
                       <a:pPr algn="ctr"/>
-                      <a:endParaRPr lang="en-US" dirty="0">
+                      <a:endParaRPr lang="en-US" sz="2000" dirty="0">
                         <a:solidFill>
                           <a:schemeClr val="bg1"/>
                         </a:solidFill>
@@ -14141,7 +15472,7 @@
         </p:spPr>
         <p:txBody>
           <a:bodyPr vert="horz" lIns="91440" tIns="45720" rIns="91440" bIns="45720" rtlCol="0" anchor="ctr">
-            <a:normAutofit lnSpcReduction="10000"/>
+            <a:normAutofit fontScale="92500" lnSpcReduction="20000"/>
           </a:bodyPr>
           <a:lstStyle/>
           <a:p>
@@ -14150,34 +15481,31 @@
               <a:buChar char="•"/>
             </a:pPr>
             <a:r>
-              <a:rPr lang="en-US" sz="2000" b="0" i="0" dirty="0">
+              <a:rPr lang="en-US" sz="2400" b="0" i="0" dirty="0">
                 <a:solidFill>
                   <a:srgbClr val="0070C0"/>
                 </a:solidFill>
                 <a:effectLst/>
-                <a:latin typeface="-apple-system"/>
               </a:rPr>
               <a:t>Convert  csv to </a:t>
             </a:r>
             <a:r>
-              <a:rPr lang="en-US" sz="2000" b="0" i="0" dirty="0" err="1">
+              <a:rPr lang="en-US" sz="2400" b="0" i="0" dirty="0" err="1">
                 <a:solidFill>
                   <a:srgbClr val="0070C0"/>
                 </a:solidFill>
                 <a:effectLst/>
-                <a:latin typeface="-apple-system"/>
               </a:rPr>
               <a:t>DataFrame</a:t>
             </a:r>
             <a:r>
-              <a:rPr lang="en-US" sz="2000" b="0" i="0" dirty="0">
+              <a:rPr lang="en-US" sz="2400" b="0" i="0" dirty="0">
                 <a:solidFill>
                   <a:srgbClr val="0070C0"/>
                 </a:solidFill>
                 <a:effectLst/>
-                <a:latin typeface="-apple-system"/>
-              </a:rPr>
-              <a:t> using Glob</a:t>
+              </a:rPr>
+              <a:t> using glob</a:t>
             </a:r>
           </a:p>
           <a:p>
@@ -14186,31 +15514,28 @@
               <a:buChar char="•"/>
             </a:pPr>
             <a:r>
-              <a:rPr lang="en-US" dirty="0">
+              <a:rPr lang="en-US" sz="2400" dirty="0">
                 <a:solidFill>
                   <a:srgbClr val="0070C0"/>
                 </a:solidFill>
                 <a:effectLst/>
-                <a:latin typeface="-apple-system"/>
               </a:rPr>
               <a:t>Combine into single </a:t>
             </a:r>
             <a:r>
-              <a:rPr lang="en-US" dirty="0" err="1">
+              <a:rPr lang="en-US" sz="2400" dirty="0" err="1">
                 <a:solidFill>
                   <a:srgbClr val="0070C0"/>
                 </a:solidFill>
                 <a:effectLst/>
-                <a:latin typeface="-apple-system"/>
               </a:rPr>
               <a:t>DataFrame</a:t>
             </a:r>
-            <a:endParaRPr lang="en-US" dirty="0">
+            <a:endParaRPr lang="en-US" sz="2400" dirty="0">
               <a:solidFill>
                 <a:srgbClr val="0070C0"/>
               </a:solidFill>
               <a:effectLst/>
-              <a:latin typeface="-apple-system"/>
             </a:endParaRPr>
           </a:p>
           <a:p>
@@ -14219,31 +15544,28 @@
               <a:buChar char="•"/>
             </a:pPr>
             <a:r>
-              <a:rPr lang="en-US" dirty="0">
+              <a:rPr lang="en-US" sz="2400" dirty="0">
                 <a:solidFill>
                   <a:srgbClr val="0070C0"/>
                 </a:solidFill>
                 <a:effectLst/>
-                <a:latin typeface="-apple-system"/>
               </a:rPr>
               <a:t>Convert </a:t>
             </a:r>
             <a:r>
-              <a:rPr lang="en-US" dirty="0" err="1">
+              <a:rPr lang="en-US" sz="2400" dirty="0" err="1">
                 <a:solidFill>
                   <a:srgbClr val="0070C0"/>
                 </a:solidFill>
                 <a:effectLst/>
-                <a:latin typeface="-apple-system"/>
               </a:rPr>
               <a:t>DataTypes</a:t>
             </a:r>
-            <a:endParaRPr lang="en-US" dirty="0">
+            <a:endParaRPr lang="en-US" sz="2400" dirty="0">
               <a:solidFill>
                 <a:srgbClr val="0070C0"/>
               </a:solidFill>
               <a:effectLst/>
-              <a:latin typeface="-apple-system"/>
             </a:endParaRPr>
           </a:p>
           <a:p>
@@ -14252,12 +15574,11 @@
               <a:buChar char="•"/>
             </a:pPr>
             <a:r>
-              <a:rPr lang="en-US" dirty="0">
+              <a:rPr lang="en-US" sz="2400" dirty="0">
                 <a:solidFill>
                   <a:srgbClr val="0070C0"/>
                 </a:solidFill>
                 <a:effectLst/>
-                <a:latin typeface="-apple-system"/>
               </a:rPr>
               <a:t>Drop Nan &amp; Duplicates</a:t>
             </a:r>
@@ -14268,12 +15589,11 @@
               <a:buChar char="•"/>
             </a:pPr>
             <a:r>
-              <a:rPr lang="en-US" dirty="0">
+              <a:rPr lang="en-US" sz="2400" dirty="0">
                 <a:solidFill>
                   <a:srgbClr val="0070C0"/>
                 </a:solidFill>
                 <a:effectLst/>
-                <a:latin typeface="-apple-system"/>
               </a:rPr>
               <a:t>Export to CSV</a:t>
             </a:r>
@@ -14284,32 +15604,29 @@
               <a:buChar char="•"/>
             </a:pPr>
             <a:r>
-              <a:rPr lang="en-US" dirty="0">
+              <a:rPr lang="en-US" sz="2400" dirty="0">
                 <a:solidFill>
                   <a:srgbClr val="0070C0"/>
                 </a:solidFill>
                 <a:effectLst/>
-                <a:latin typeface="-apple-system"/>
               </a:rPr>
               <a:t>Create new </a:t>
             </a:r>
             <a:r>
-              <a:rPr lang="en-US" dirty="0" err="1">
+              <a:rPr lang="en-US" sz="2400" dirty="0" err="1">
                 <a:solidFill>
                   <a:srgbClr val="0070C0"/>
                 </a:solidFill>
                 <a:effectLst/>
-                <a:latin typeface="-apple-system"/>
               </a:rPr>
               <a:t>DataFrame</a:t>
             </a:r>
             <a:r>
-              <a:rPr lang="en-US" dirty="0">
+              <a:rPr lang="en-US" sz="2400" dirty="0">
                 <a:solidFill>
                   <a:srgbClr val="0070C0"/>
                 </a:solidFill>
                 <a:effectLst/>
-                <a:latin typeface="-apple-system"/>
               </a:rPr>
               <a:t> w/ selected columns</a:t>
             </a:r>
@@ -14320,21 +15637,19 @@
               <a:buChar char="•"/>
             </a:pPr>
             <a:r>
-              <a:rPr lang="en-US" dirty="0">
+              <a:rPr lang="en-US" sz="2400" dirty="0">
                 <a:solidFill>
                   <a:srgbClr val="0070C0"/>
                 </a:solidFill>
                 <a:effectLst/>
-                <a:latin typeface="-apple-system"/>
               </a:rPr>
               <a:t>Calculate % change</a:t>
             </a:r>
-            <a:endParaRPr lang="en-US" sz="2000" b="0" i="0" dirty="0">
+            <a:endParaRPr lang="en-US" sz="2400" b="0" i="0" dirty="0">
               <a:solidFill>
                 <a:srgbClr val="0070C0"/>
               </a:solidFill>
               <a:effectLst/>
-              <a:latin typeface="-apple-system"/>
             </a:endParaRPr>
           </a:p>
           <a:p>
@@ -14452,8 +15767,8 @@
         </p:nvSpPr>
         <p:spPr>
           <a:xfrm>
-            <a:off x="913795" y="1097280"/>
-            <a:ext cx="3256177" cy="4626863"/>
+            <a:off x="539263" y="1097280"/>
+            <a:ext cx="3172903" cy="4626863"/>
           </a:xfrm>
         </p:spPr>
         <p:txBody>
@@ -14462,20 +15777,20 @@
           </a:bodyPr>
           <a:lstStyle/>
           <a:p>
-            <a:r>
-              <a:rPr lang="en-US" sz="2600" dirty="0"/>
+            <a:pPr algn="l"/>
+            <a:r>
+              <a:rPr lang="en-US" sz="3600" dirty="0"/>
               <a:t>Market Type:</a:t>
             </a:r>
           </a:p>
           <a:p>
             <a:pPr algn="l"/>
             <a:r>
-              <a:rPr lang="en-US" dirty="0">
+              <a:rPr lang="en-US" sz="2800" dirty="0">
                 <a:solidFill>
                   <a:srgbClr val="0070C0"/>
                 </a:solidFill>
                 <a:effectLst/>
-                <a:latin typeface="Arial" panose="020B0604020202020204" pitchFamily="34" charset="0"/>
                 <a:ea typeface="Calibri" panose="020F0502020204030204" pitchFamily="34" charset="0"/>
               </a:rPr>
               <a:t>Bull</a:t>
@@ -14484,12 +15799,11 @@
           <a:p>
             <a:pPr algn="l"/>
             <a:r>
-              <a:rPr lang="en-US" dirty="0">
+              <a:rPr lang="en-US" sz="2800" dirty="0">
                 <a:solidFill>
                   <a:srgbClr val="0070C0"/>
                 </a:solidFill>
                 <a:effectLst/>
-                <a:latin typeface="Arial" panose="020B0604020202020204" pitchFamily="34" charset="0"/>
                 <a:ea typeface="Calibri" panose="020F0502020204030204" pitchFamily="34" charset="0"/>
               </a:rPr>
               <a:t>Bear</a:t>
@@ -14498,17 +15812,16 @@
           <a:p>
             <a:pPr algn="l"/>
             <a:r>
-              <a:rPr lang="en-US" dirty="0">
+              <a:rPr lang="en-US" sz="2800" dirty="0">
                 <a:solidFill>
                   <a:srgbClr val="0070C0"/>
                 </a:solidFill>
                 <a:effectLst/>
-                <a:latin typeface="Arial" panose="020B0604020202020204" pitchFamily="34" charset="0"/>
                 <a:ea typeface="Calibri" panose="020F0502020204030204" pitchFamily="34" charset="0"/>
               </a:rPr>
               <a:t>Neutral</a:t>
             </a:r>
-            <a:endParaRPr lang="en-US" dirty="0"/>
+            <a:endParaRPr lang="en-US" sz="2800" dirty="0"/>
           </a:p>
         </p:txBody>
       </p:sp>
@@ -14659,7 +15972,6 @@
                   </a:schemeClr>
                 </a:solidFill>
                 <a:effectLst/>
-                <a:latin typeface="Arial" panose="020B0604020202020204" pitchFamily="34" charset="0"/>
                 <a:ea typeface="Calibri" panose="020F0502020204030204" pitchFamily="34" charset="0"/>
               </a:rPr>
               <a:t>Defining Code for Market Type</a:t>
@@ -14697,7 +16009,7 @@
           <a:lstStyle/>
           <a:p>
             <a:r>
-              <a:rPr lang="en-US" dirty="0"/>
+              <a:rPr lang="en-US" sz="3400" dirty="0"/>
               <a:t>Bear</a:t>
             </a:r>
           </a:p>
@@ -14728,21 +16040,21 @@
           <a:p>
             <a:pPr algn="l"/>
             <a:r>
-              <a:rPr lang="en-US" sz="2000" dirty="0"/>
-              <a:t>Bitcoin     by over:</a:t>
+              <a:rPr lang="en-US" sz="2800" dirty="0"/>
+              <a:t>Bitcoin      by over:</a:t>
             </a:r>
           </a:p>
           <a:p>
             <a:pPr algn="l"/>
             <a:r>
-              <a:rPr lang="en-US" sz="2000" dirty="0"/>
+              <a:rPr lang="en-US" sz="2800" dirty="0"/>
               <a:t>	40% - 3 months</a:t>
             </a:r>
           </a:p>
           <a:p>
             <a:pPr algn="l"/>
             <a:r>
-              <a:rPr lang="en-US" sz="2000" dirty="0"/>
+              <a:rPr lang="en-US" sz="2800" dirty="0"/>
               <a:t>	60% - 6 months</a:t>
             </a:r>
           </a:p>
@@ -14774,7 +16086,7 @@
           <a:lstStyle/>
           <a:p>
             <a:r>
-              <a:rPr lang="en-US" dirty="0"/>
+              <a:rPr lang="en-US" sz="3400" dirty="0"/>
               <a:t>Bull</a:t>
             </a:r>
           </a:p>
@@ -14803,21 +16115,21 @@
           <a:p>
             <a:pPr algn="l"/>
             <a:r>
-              <a:rPr lang="en-US" sz="2000" dirty="0"/>
+              <a:rPr lang="en-US" sz="2800" dirty="0"/>
               <a:t>Bitcoin     by over:</a:t>
             </a:r>
           </a:p>
           <a:p>
             <a:pPr algn="l"/>
             <a:r>
-              <a:rPr lang="en-US" sz="2000" dirty="0"/>
+              <a:rPr lang="en-US" sz="2800" dirty="0"/>
               <a:t>	70% - 3 months</a:t>
             </a:r>
           </a:p>
           <a:p>
             <a:pPr algn="l"/>
             <a:r>
-              <a:rPr lang="en-US" sz="2000" dirty="0"/>
+              <a:rPr lang="en-US" sz="2800" dirty="0"/>
               <a:t>	150% - 6 months</a:t>
             </a:r>
           </a:p>
@@ -14848,7 +16160,7 @@
           <a:lstStyle/>
           <a:p>
             <a:r>
-              <a:rPr lang="en-US" dirty="0"/>
+              <a:rPr lang="en-US" sz="3400" dirty="0"/>
               <a:t>Neutral</a:t>
             </a:r>
           </a:p>
@@ -14877,37 +16189,39 @@
           </a:xfrm>
         </p:spPr>
         <p:txBody>
-          <a:bodyPr/>
+          <a:bodyPr>
+            <a:normAutofit fontScale="92500" lnSpcReduction="20000"/>
+          </a:bodyPr>
           <a:lstStyle/>
           <a:p>
             <a:pPr algn="l"/>
             <a:r>
-              <a:rPr lang="en-US" sz="2000" dirty="0"/>
+              <a:rPr lang="en-US" sz="2800" dirty="0"/>
               <a:t>Bitcoin stayed within</a:t>
             </a:r>
           </a:p>
           <a:p>
             <a:pPr algn="l"/>
             <a:r>
-              <a:rPr lang="en-US" sz="2000" dirty="0"/>
+              <a:rPr lang="en-US" sz="2800" dirty="0"/>
               <a:t>	70% range - 3 months</a:t>
             </a:r>
           </a:p>
           <a:p>
             <a:pPr algn="l"/>
-            <a:endParaRPr lang="en-US" sz="2000" dirty="0"/>
+            <a:endParaRPr lang="en-US" sz="2800" dirty="0"/>
           </a:p>
           <a:p>
             <a:pPr algn="l"/>
             <a:r>
-              <a:rPr lang="en-US" sz="2000" dirty="0"/>
+              <a:rPr lang="en-US" sz="2800" dirty="0"/>
               <a:t>Bitcoin neither increased/decreased more than:</a:t>
             </a:r>
           </a:p>
           <a:p>
             <a:pPr algn="l"/>
             <a:r>
-              <a:rPr lang="en-US" sz="2000" dirty="0"/>
+              <a:rPr lang="en-US" sz="2800" dirty="0"/>
               <a:t>	150% - 6 months</a:t>
             </a:r>
           </a:p>
@@ -14930,8 +16244,8 @@
         </p:nvSpPr>
         <p:spPr>
           <a:xfrm>
-            <a:off x="1828800" y="2571750"/>
-            <a:ext cx="228600" cy="323850"/>
+            <a:off x="2131471" y="2733675"/>
+            <a:ext cx="432816" cy="323850"/>
           </a:xfrm>
           <a:prstGeom prst="downArrow">
             <a:avLst/>
@@ -14976,7 +16290,7 @@
         </p:nvSpPr>
         <p:spPr>
           <a:xfrm>
-            <a:off x="5364480" y="2571750"/>
+            <a:off x="5716172" y="2606187"/>
             <a:ext cx="198120" cy="323850"/>
           </a:xfrm>
           <a:prstGeom prst="upArrow">
@@ -15023,7 +16337,7 @@
         <p:spPr>
           <a:xfrm>
             <a:off x="792480" y="4937760"/>
-            <a:ext cx="6766560" cy="923330"/>
+            <a:ext cx="6766560" cy="1200329"/>
           </a:xfrm>
           <a:prstGeom prst="rect">
             <a:avLst/>
@@ -15037,7 +16351,7 @@
           <a:lstStyle/>
           <a:p>
             <a:r>
-              <a:rPr lang="en-US" b="0" i="0" dirty="0">
+              <a:rPr lang="en-US" sz="2400" b="0" i="0" dirty="0">
                 <a:solidFill>
                   <a:schemeClr val="tx2"/>
                 </a:solidFill>
@@ -15046,7 +16360,7 @@
               </a:rPr>
               <a:t>If selected crypto only shows trend, but Bitcoin does not, then it may indicate project growth or failure but not a true bull market / bear market.</a:t>
             </a:r>
-            <a:endParaRPr lang="en-US" dirty="0">
+            <a:endParaRPr lang="en-US" sz="2400" dirty="0">
               <a:solidFill>
                 <a:schemeClr val="tx2"/>
               </a:solidFill>

--- a/The Omniscient Crypto Oracle.pptx
+++ b/The Omniscient Crypto Oracle.pptx
@@ -20,8 +20,8 @@
     <p:sldId id="264" r:id="rId11"/>
     <p:sldId id="268" r:id="rId12"/>
     <p:sldId id="265" r:id="rId13"/>
-    <p:sldId id="267" r:id="rId14"/>
-    <p:sldId id="269" r:id="rId15"/>
+    <p:sldId id="269" r:id="rId14"/>
+    <p:sldId id="267" r:id="rId15"/>
   </p:sldIdLst>
   <p:sldSz cx="12192000" cy="6858000"/>
   <p:notesSz cx="6858000" cy="9144000"/>
@@ -646,27 +646,7 @@
                 <a:effectLst/>
                 <a:latin typeface="-apple-system"/>
               </a:rPr>
-              <a:t>: The LSTM model is built using the </a:t>
-            </a:r>
-            <a:r>
-              <a:rPr lang="en-US" b="0" i="0" dirty="0" err="1">
-                <a:solidFill>
-                  <a:srgbClr val="24292F"/>
-                </a:solidFill>
-                <a:effectLst/>
-                <a:latin typeface="-apple-system"/>
-              </a:rPr>
-              <a:t>Keras</a:t>
-            </a:r>
-            <a:r>
-              <a:rPr lang="en-US" b="0" i="0" dirty="0">
-                <a:solidFill>
-                  <a:srgbClr val="24292F"/>
-                </a:solidFill>
-                <a:effectLst/>
-                <a:latin typeface="-apple-system"/>
-              </a:rPr>
-              <a:t> library in Python. The model architecture includes several LSTM layers followed by a Dense layer. The model is trained on the training data.</a:t>
+              <a:t>: The LSTM model is built using the Keras library in Python. The model architecture includes several LSTM layers followed by a Dense layer. The model is trained on the training data.</a:t>
             </a:r>
           </a:p>
           <a:p>
@@ -1521,7 +1501,7 @@
     </p:spTree>
     <p:extLst>
       <p:ext uri="{BB962C8B-B14F-4D97-AF65-F5344CB8AC3E}">
-        <p14:creationId xmlns:p14="http://schemas.microsoft.com/office/powerpoint/2010/main" val="2902554581"/>
+        <p14:creationId xmlns:p14="http://schemas.microsoft.com/office/powerpoint/2010/main" val="3925664732"/>
       </p:ext>
     </p:extLst>
   </p:cSld>
@@ -1608,7 +1588,7 @@
     </p:spTree>
     <p:extLst>
       <p:ext uri="{BB962C8B-B14F-4D97-AF65-F5344CB8AC3E}">
-        <p14:creationId xmlns:p14="http://schemas.microsoft.com/office/powerpoint/2010/main" val="1626511650"/>
+        <p14:creationId xmlns:p14="http://schemas.microsoft.com/office/powerpoint/2010/main" val="2902554581"/>
       </p:ext>
     </p:extLst>
   </p:cSld>
@@ -2276,7 +2256,7 @@
           <a:p>
             <a:r>
               <a:rPr lang="en-US" dirty="0"/>
-              <a:t>David</a:t>
+              <a:t>Aaron</a:t>
             </a:r>
           </a:p>
           <a:p>
@@ -9020,13 +9000,14 @@
         </p:nvSpPr>
         <p:spPr>
           <a:xfrm>
-            <a:off x="5369441" y="1233378"/>
+            <a:off x="5741616" y="2048347"/>
             <a:ext cx="5441285" cy="1675335"/>
           </a:xfrm>
+          <a:noFill/>
         </p:spPr>
         <p:txBody>
           <a:bodyPr>
-            <a:normAutofit/>
+            <a:normAutofit fontScale="90000"/>
           </a:bodyPr>
           <a:lstStyle/>
           <a:p>
@@ -9036,12 +9017,44 @@
               </a:lnSpc>
             </a:pPr>
             <a:r>
-              <a:rPr lang="en-US" b="1" i="0" dirty="0">
-                <a:effectLst/>
+              <a:rPr lang="en-US" sz="6000" b="1" i="0" dirty="0">
+                <a:ln w="22225">
+                  <a:solidFill>
+                    <a:srgbClr val="00B050"/>
+                  </a:solidFill>
+                  <a:prstDash val="solid"/>
+                </a:ln>
+                <a:solidFill>
+                  <a:srgbClr val="92D050"/>
+                </a:solidFill>
+                <a:effectLst>
+                  <a:outerShdw blurRad="50800" dist="38100" dir="16200000" rotWithShape="0">
+                    <a:prstClr val="black">
+                      <a:alpha val="40000"/>
+                    </a:prstClr>
+                  </a:outerShdw>
+                </a:effectLst>
               </a:rPr>
               <a:t>The Omniscient Crypto Oracle</a:t>
             </a:r>
-            <a:endParaRPr lang="en-US" dirty="0"/>
+            <a:endParaRPr lang="en-US" sz="6000" b="1" dirty="0">
+              <a:ln w="22225">
+                <a:solidFill>
+                  <a:srgbClr val="00B050"/>
+                </a:solidFill>
+                <a:prstDash val="solid"/>
+              </a:ln>
+              <a:solidFill>
+                <a:srgbClr val="92D050"/>
+              </a:solidFill>
+              <a:effectLst>
+                <a:outerShdw blurRad="50800" dist="38100" dir="16200000" rotWithShape="0">
+                  <a:prstClr val="black">
+                    <a:alpha val="40000"/>
+                  </a:prstClr>
+                </a:outerShdw>
+              </a:effectLst>
+            </a:endParaRPr>
           </a:p>
         </p:txBody>
       </p:sp>
@@ -9063,7 +9076,7 @@
         </p:nvSpPr>
         <p:spPr>
           <a:xfrm>
-            <a:off x="5369440" y="3079698"/>
+            <a:off x="5741615" y="3968689"/>
             <a:ext cx="5441286" cy="592661"/>
           </a:xfrm>
         </p:spPr>
@@ -9080,7 +9093,7 @@
                 </a:solidFill>
                 <a:latin typeface="+mj-lt"/>
               </a:rPr>
-              <a:t>Crypto Data and Predictor</a:t>
+              <a:t>Crypto Price Predictor</a:t>
             </a:r>
           </a:p>
         </p:txBody>
@@ -9112,7 +9125,7 @@
         </p:blipFill>
         <p:spPr>
           <a:xfrm>
-            <a:off x="1009099" y="938965"/>
+            <a:off x="1359619" y="897665"/>
             <a:ext cx="3551912" cy="2733394"/>
           </a:xfrm>
           <a:prstGeom prst="rect">
@@ -9136,7 +9149,7 @@
         </p:nvSpPr>
         <p:spPr>
           <a:xfrm>
-            <a:off x="-71846" y="3997136"/>
+            <a:off x="300329" y="3968689"/>
             <a:ext cx="5441286" cy="1675335"/>
           </a:xfrm>
           <a:prstGeom prst="rect">
@@ -9516,15 +9529,34 @@
           </a:lstStyle>
           <a:p>
             <a:r>
-              <a:rPr lang="en-US" dirty="0">
+              <a:rPr lang="en-US" sz="2800" b="0" i="0" dirty="0">
+                <a:solidFill>
+                  <a:srgbClr val="00B050"/>
+                </a:solidFill>
+                <a:effectLst/>
+              </a:rPr>
+              <a:t>T</a:t>
+            </a:r>
+            <a:r>
+              <a:rPr lang="en-US" b="0" i="0" dirty="0">
                 <a:solidFill>
                   <a:schemeClr val="tx2"/>
                 </a:solidFill>
-              </a:rPr>
-              <a:t>Team:</a:t>
-            </a:r>
-          </a:p>
-          <a:p>
+                <a:effectLst/>
+              </a:rPr>
+              <a:t>yler Fallon</a:t>
+            </a:r>
+          </a:p>
+          <a:p>
+            <a:r>
+              <a:rPr lang="en-US" sz="2800" b="0" i="0" dirty="0">
+                <a:solidFill>
+                  <a:srgbClr val="00B050"/>
+                </a:solidFill>
+                <a:effectLst/>
+              </a:rPr>
+              <a:t>A</a:t>
+            </a:r>
             <a:r>
               <a:rPr lang="en-US" b="0" i="0" dirty="0">
                 <a:solidFill>
@@ -9532,10 +9564,19 @@
                 </a:solidFill>
                 <a:effectLst/>
               </a:rPr>
-              <a:t>Tyler Fallon</a:t>
-            </a:r>
-          </a:p>
-          <a:p>
+              <a:t>aron Horneman</a:t>
+            </a:r>
+          </a:p>
+          <a:p>
+            <a:r>
+              <a:rPr lang="en-US" sz="2800" b="0" i="0" dirty="0">
+                <a:solidFill>
+                  <a:srgbClr val="00B050"/>
+                </a:solidFill>
+                <a:effectLst/>
+              </a:rPr>
+              <a:t>B</a:t>
+            </a:r>
             <a:r>
               <a:rPr lang="en-US" b="0" i="0" dirty="0">
                 <a:solidFill>
@@ -9543,44 +9584,27 @@
                 </a:solidFill>
                 <a:effectLst/>
               </a:rPr>
-              <a:t>Aaron </a:t>
-            </a:r>
-            <a:r>
-              <a:rPr lang="en-US" b="0" i="0" dirty="0" err="1">
+              <a:t>obbi Colhour</a:t>
+            </a:r>
+          </a:p>
+          <a:p>
+            <a:r>
+              <a:rPr lang="en-US" sz="2800" b="0" i="0" dirty="0">
+                <a:solidFill>
+                  <a:srgbClr val="00B050"/>
+                </a:solidFill>
+                <a:effectLst/>
+              </a:rPr>
+              <a:t>D</a:t>
+            </a:r>
+            <a:r>
+              <a:rPr lang="en-US" b="0" i="0" dirty="0">
                 <a:solidFill>
                   <a:schemeClr val="tx2"/>
                 </a:solidFill>
                 <a:effectLst/>
               </a:rPr>
-              <a:t>Horneman</a:t>
-            </a:r>
-            <a:endParaRPr lang="en-US" b="0" i="0" dirty="0">
-              <a:solidFill>
-                <a:schemeClr val="tx2"/>
-              </a:solidFill>
-              <a:effectLst/>
-            </a:endParaRPr>
-          </a:p>
-          <a:p>
-            <a:r>
-              <a:rPr lang="en-US" b="0" i="0" dirty="0">
-                <a:solidFill>
-                  <a:schemeClr val="tx2"/>
-                </a:solidFill>
-                <a:effectLst/>
-              </a:rPr>
-              <a:t>Bobbi Colhour</a:t>
-            </a:r>
-          </a:p>
-          <a:p>
-            <a:r>
-              <a:rPr lang="en-US" b="0" i="0" dirty="0">
-                <a:solidFill>
-                  <a:schemeClr val="tx2"/>
-                </a:solidFill>
-                <a:effectLst/>
-              </a:rPr>
-              <a:t>David Oliver</a:t>
+              <a:t>avid Oliver</a:t>
             </a:r>
           </a:p>
         </p:txBody>
@@ -9652,8 +9676,8 @@
         </p:nvSpPr>
         <p:spPr>
           <a:xfrm>
-            <a:off x="5292300" y="212353"/>
-            <a:ext cx="6615360" cy="6080370"/>
+            <a:off x="5627914" y="212353"/>
+            <a:ext cx="6279746" cy="6080370"/>
           </a:xfrm>
         </p:spPr>
         <p:txBody>
@@ -9661,6 +9685,57 @@
             <a:normAutofit/>
           </a:bodyPr>
           <a:lstStyle/>
+          <a:p>
+            <a:pPr marL="457200" marR="0">
+              <a:lnSpc>
+                <a:spcPts val="1800"/>
+              </a:lnSpc>
+              <a:spcBef>
+                <a:spcPts val="0"/>
+              </a:spcBef>
+              <a:spcAft>
+                <a:spcPts val="0"/>
+              </a:spcAft>
+            </a:pPr>
+            <a:r>
+              <a:rPr lang="en-US" sz="3000" b="1" dirty="0">
+                <a:solidFill>
+                  <a:schemeClr val="tx2">
+                    <a:lumMod val="90000"/>
+                  </a:schemeClr>
+                </a:solidFill>
+                <a:effectLst/>
+                <a:latin typeface="+mj-lt"/>
+                <a:ea typeface="Calibri" panose="020F0502020204030204" pitchFamily="34" charset="0"/>
+                <a:cs typeface="Times New Roman" panose="02020603050405020304" pitchFamily="18" charset="0"/>
+              </a:rPr>
+              <a:t>Deep Machine Learning</a:t>
+            </a:r>
+          </a:p>
+          <a:p>
+            <a:pPr marL="457200" marR="0">
+              <a:lnSpc>
+                <a:spcPts val="1800"/>
+              </a:lnSpc>
+              <a:spcBef>
+                <a:spcPts val="0"/>
+              </a:spcBef>
+              <a:spcAft>
+                <a:spcPts val="0"/>
+              </a:spcAft>
+            </a:pPr>
+            <a:endParaRPr lang="en-US" sz="3000" b="1" dirty="0">
+              <a:solidFill>
+                <a:schemeClr val="tx2">
+                  <a:lumMod val="90000"/>
+                </a:schemeClr>
+              </a:solidFill>
+              <a:effectLst/>
+              <a:latin typeface="+mj-lt"/>
+              <a:ea typeface="Calibri" panose="020F0502020204030204" pitchFamily="34" charset="0"/>
+              <a:cs typeface="Times New Roman" panose="02020603050405020304" pitchFamily="18" charset="0"/>
+            </a:endParaRPr>
+          </a:p>
           <a:p>
             <a:pPr marL="457200" marR="0" algn="l">
               <a:lnSpc>
@@ -9673,33 +9748,35 @@
                 <a:spcPts val="0"/>
               </a:spcAft>
             </a:pPr>
-            <a:r>
-              <a:rPr lang="en-US" sz="3600" dirty="0">
-                <a:solidFill>
-                  <a:schemeClr val="tx2">
-                    <a:lumMod val="90000"/>
-                  </a:schemeClr>
-                </a:solidFill>
+            <a:endParaRPr lang="en-US" sz="2400" b="1" dirty="0">
+              <a:effectLst/>
+              <a:latin typeface="+mj-lt"/>
+              <a:ea typeface="Calibri" panose="020F0502020204030204" pitchFamily="34" charset="0"/>
+              <a:cs typeface="Times New Roman" panose="02020603050405020304" pitchFamily="18" charset="0"/>
+            </a:endParaRPr>
+          </a:p>
+          <a:p>
+            <a:pPr marL="800100" marR="0" indent="-342900" algn="l">
+              <a:lnSpc>
+                <a:spcPts val="1800"/>
+              </a:lnSpc>
+              <a:spcBef>
+                <a:spcPts val="0"/>
+              </a:spcBef>
+              <a:spcAft>
+                <a:spcPts val="0"/>
+              </a:spcAft>
+              <a:buFont typeface="Arial" panose="020B0604020202020204" pitchFamily="34" charset="0"/>
+              <a:buChar char="•"/>
+            </a:pPr>
+            <a:r>
+              <a:rPr lang="en-US" sz="2400" dirty="0">
                 <a:effectLst/>
-                <a:latin typeface="+mj-lt"/>
+                <a:latin typeface="Calisto MT" panose="02040603050505030304" pitchFamily="18" charset="0"/>
                 <a:ea typeface="Calibri" panose="020F0502020204030204" pitchFamily="34" charset="0"/>
                 <a:cs typeface="Times New Roman" panose="02020603050405020304" pitchFamily="18" charset="0"/>
               </a:rPr>
-              <a:t>Machine Learning</a:t>
-            </a:r>
-            <a:r>
-              <a:rPr lang="en-US" sz="3000" dirty="0">
-                <a:solidFill>
-                  <a:schemeClr val="tx2">
-                    <a:lumMod val="90000"/>
-                  </a:schemeClr>
-                </a:solidFill>
-                <a:effectLst/>
-                <a:latin typeface="Arial" panose="020B0604020202020204" pitchFamily="34" charset="0"/>
-                <a:ea typeface="Calibri" panose="020F0502020204030204" pitchFamily="34" charset="0"/>
-                <a:cs typeface="Times New Roman" panose="02020603050405020304" pitchFamily="18" charset="0"/>
-              </a:rPr>
-              <a:t>:</a:t>
+              <a:t>Time Series</a:t>
             </a:r>
           </a:p>
           <a:p>
@@ -9714,15 +9791,139 @@
                 <a:spcPts val="0"/>
               </a:spcAft>
             </a:pPr>
-            <a:endParaRPr lang="en-US" sz="3000" dirty="0">
-              <a:solidFill>
-                <a:srgbClr val="0070C0"/>
-              </a:solidFill>
+            <a:endParaRPr lang="en-US" sz="2400" dirty="0">
               <a:effectLst/>
-              <a:latin typeface="Arial" panose="020B0604020202020204" pitchFamily="34" charset="0"/>
+              <a:latin typeface="Calisto MT" panose="02040603050505030304" pitchFamily="18" charset="0"/>
               <a:ea typeface="Calibri" panose="020F0502020204030204" pitchFamily="34" charset="0"/>
               <a:cs typeface="Times New Roman" panose="02020603050405020304" pitchFamily="18" charset="0"/>
             </a:endParaRPr>
+          </a:p>
+          <a:p>
+            <a:pPr marL="800100" marR="0" indent="-342900" algn="l">
+              <a:lnSpc>
+                <a:spcPts val="1800"/>
+              </a:lnSpc>
+              <a:spcBef>
+                <a:spcPts val="0"/>
+              </a:spcBef>
+              <a:spcAft>
+                <a:spcPts val="0"/>
+              </a:spcAft>
+              <a:buFont typeface="Arial" panose="020B0604020202020204" pitchFamily="34" charset="0"/>
+              <a:buChar char="•"/>
+            </a:pPr>
+            <a:endParaRPr lang="en-US" sz="2400" dirty="0">
+              <a:effectLst/>
+              <a:latin typeface="Calisto MT" panose="02040603050505030304" pitchFamily="18" charset="0"/>
+              <a:ea typeface="Calibri" panose="020F0502020204030204" pitchFamily="34" charset="0"/>
+              <a:cs typeface="Times New Roman" panose="02020603050405020304" pitchFamily="18" charset="0"/>
+            </a:endParaRPr>
+          </a:p>
+          <a:p>
+            <a:pPr marL="800100" marR="0" indent="-342900" algn="l">
+              <a:lnSpc>
+                <a:spcPts val="1800"/>
+              </a:lnSpc>
+              <a:spcBef>
+                <a:spcPts val="0"/>
+              </a:spcBef>
+              <a:spcAft>
+                <a:spcPts val="0"/>
+              </a:spcAft>
+              <a:buFont typeface="Arial" panose="020B0604020202020204" pitchFamily="34" charset="0"/>
+              <a:buChar char="•"/>
+            </a:pPr>
+            <a:r>
+              <a:rPr lang="en-US" sz="2400" dirty="0">
+                <a:effectLst/>
+                <a:latin typeface="Calisto MT" panose="02040603050505030304" pitchFamily="18" charset="0"/>
+                <a:ea typeface="Calibri" panose="020F0502020204030204" pitchFamily="34" charset="0"/>
+                <a:cs typeface="Times New Roman" panose="02020603050405020304" pitchFamily="18" charset="0"/>
+              </a:rPr>
+              <a:t>Library: </a:t>
+            </a:r>
+            <a:r>
+              <a:rPr lang="en-US" sz="2400" b="0" i="1" dirty="0">
+                <a:solidFill>
+                  <a:srgbClr val="0070C0"/>
+                </a:solidFill>
+                <a:effectLst/>
+                <a:latin typeface="Calisto MT" panose="02040603050505030304" pitchFamily="18" charset="0"/>
+              </a:rPr>
+              <a:t>TensorFlow / Keras</a:t>
+            </a:r>
+          </a:p>
+          <a:p>
+            <a:pPr marL="800100" marR="0" indent="-342900" algn="l">
+              <a:lnSpc>
+                <a:spcPts val="1800"/>
+              </a:lnSpc>
+              <a:spcBef>
+                <a:spcPts val="0"/>
+              </a:spcBef>
+              <a:spcAft>
+                <a:spcPts val="0"/>
+              </a:spcAft>
+              <a:buFont typeface="Arial" panose="020B0604020202020204" pitchFamily="34" charset="0"/>
+              <a:buChar char="•"/>
+            </a:pPr>
+            <a:endParaRPr lang="en-US" sz="2400" dirty="0">
+              <a:effectLst/>
+              <a:latin typeface="Calisto MT" panose="02040603050505030304" pitchFamily="18" charset="0"/>
+              <a:ea typeface="Calibri" panose="020F0502020204030204" pitchFamily="34" charset="0"/>
+              <a:cs typeface="Times New Roman" panose="02020603050405020304" pitchFamily="18" charset="0"/>
+            </a:endParaRPr>
+          </a:p>
+          <a:p>
+            <a:pPr marL="800100" marR="0" indent="-342900" algn="l">
+              <a:lnSpc>
+                <a:spcPts val="1800"/>
+              </a:lnSpc>
+              <a:spcBef>
+                <a:spcPts val="0"/>
+              </a:spcBef>
+              <a:spcAft>
+                <a:spcPts val="0"/>
+              </a:spcAft>
+              <a:buFont typeface="Arial" panose="020B0604020202020204" pitchFamily="34" charset="0"/>
+              <a:buChar char="•"/>
+            </a:pPr>
+            <a:endParaRPr lang="en-US" sz="2400" b="0" i="0" dirty="0">
+              <a:effectLst/>
+              <a:latin typeface="Calisto MT" panose="02040603050505030304" pitchFamily="18" charset="0"/>
+            </a:endParaRPr>
+          </a:p>
+          <a:p>
+            <a:pPr marL="800100" marR="0" indent="-342900" algn="l">
+              <a:lnSpc>
+                <a:spcPts val="1800"/>
+              </a:lnSpc>
+              <a:spcBef>
+                <a:spcPts val="0"/>
+              </a:spcBef>
+              <a:spcAft>
+                <a:spcPts val="0"/>
+              </a:spcAft>
+              <a:buFont typeface="Arial" panose="020B0604020202020204" pitchFamily="34" charset="0"/>
+              <a:buChar char="•"/>
+            </a:pPr>
+            <a:r>
+              <a:rPr lang="en-US" sz="2400" b="0" i="0" dirty="0">
+                <a:effectLst/>
+                <a:latin typeface="Calisto MT" panose="02040603050505030304" pitchFamily="18" charset="0"/>
+              </a:rPr>
+              <a:t>Model: </a:t>
+            </a:r>
+            <a:r>
+              <a:rPr lang="en-US" sz="2400" b="0" i="1" dirty="0">
+                <a:solidFill>
+                  <a:srgbClr val="0070C0"/>
+                </a:solidFill>
+                <a:effectLst/>
+                <a:latin typeface="Calisto MT" panose="02040603050505030304" pitchFamily="18" charset="0"/>
+              </a:rPr>
+              <a:t>Long Short-Term Memory (LSTM)</a:t>
+            </a:r>
           </a:p>
           <a:p>
             <a:pPr marL="457200" marR="0" algn="l">
@@ -9736,15 +9937,13 @@
                 <a:spcPts val="0"/>
               </a:spcAft>
             </a:pPr>
-            <a:r>
-              <a:rPr lang="en-US" sz="2800" b="0" i="0" dirty="0">
-                <a:solidFill>
-                  <a:srgbClr val="0070C0"/>
-                </a:solidFill>
-                <a:effectLst/>
-              </a:rPr>
-              <a:t>Long Short-Term Memory(LSTM) </a:t>
-            </a:r>
+            <a:endParaRPr lang="en-US" sz="2400" b="0" i="1" dirty="0">
+              <a:solidFill>
+                <a:srgbClr val="0070C0"/>
+              </a:solidFill>
+              <a:effectLst/>
+              <a:latin typeface="Calisto MT" panose="02040603050505030304" pitchFamily="18" charset="0"/>
+            </a:endParaRPr>
           </a:p>
           <a:p>
             <a:pPr marL="457200" marR="0" algn="l">
@@ -9758,12 +9957,35 @@
                 <a:spcPts val="0"/>
               </a:spcAft>
             </a:pPr>
-            <a:endParaRPr lang="en-US" sz="2800" b="0" i="0" dirty="0">
+            <a:endParaRPr lang="en-US" sz="2400" b="0" i="0" dirty="0">
               <a:solidFill>
                 <a:srgbClr val="0070C0"/>
               </a:solidFill>
               <a:effectLst/>
+              <a:latin typeface="Calisto MT" panose="02040603050505030304" pitchFamily="18" charset="0"/>
             </a:endParaRPr>
+          </a:p>
+          <a:p>
+            <a:pPr marL="800100" marR="0" indent="-342900" algn="l">
+              <a:lnSpc>
+                <a:spcPts val="1800"/>
+              </a:lnSpc>
+              <a:spcBef>
+                <a:spcPts val="0"/>
+              </a:spcBef>
+              <a:spcAft>
+                <a:spcPts val="0"/>
+              </a:spcAft>
+              <a:buFont typeface="Arial" panose="020B0604020202020204" pitchFamily="34" charset="0"/>
+              <a:buChar char="•"/>
+            </a:pPr>
+            <a:r>
+              <a:rPr lang="en-US" sz="2400" b="0" i="0" dirty="0">
+                <a:effectLst/>
+                <a:latin typeface="Calisto MT" panose="02040603050505030304" pitchFamily="18" charset="0"/>
+              </a:rPr>
+              <a:t>Loss Metrics:</a:t>
+            </a:r>
           </a:p>
           <a:p>
             <a:pPr marL="457200" marR="0" algn="l">
@@ -9778,13 +10000,39 @@
               </a:spcAft>
             </a:pPr>
             <a:r>
-              <a:rPr lang="en-US" sz="2800" b="0" i="0" dirty="0">
+              <a:rPr lang="en-US" sz="2400" b="0" i="0" dirty="0">
                 <a:solidFill>
                   <a:srgbClr val="0070C0"/>
                 </a:solidFill>
                 <a:effectLst/>
-              </a:rPr>
-              <a:t>Metrics:</a:t>
+                <a:latin typeface="Calisto MT" panose="02040603050505030304" pitchFamily="18" charset="0"/>
+              </a:rPr>
+              <a:t> </a:t>
+            </a:r>
+          </a:p>
+          <a:p>
+            <a:pPr marL="1257300" lvl="1" indent="-342900">
+              <a:lnSpc>
+                <a:spcPts val="1800"/>
+              </a:lnSpc>
+              <a:spcBef>
+                <a:spcPts val="0"/>
+              </a:spcBef>
+              <a:spcAft>
+                <a:spcPts val="0"/>
+              </a:spcAft>
+              <a:buFont typeface="Arial" panose="020B0604020202020204" pitchFamily="34" charset="0"/>
+              <a:buChar char="•"/>
+            </a:pPr>
+            <a:r>
+              <a:rPr lang="en-US" sz="2200" b="0" i="1" dirty="0">
+                <a:solidFill>
+                  <a:srgbClr val="0070C0"/>
+                </a:solidFill>
+                <a:effectLst/>
+                <a:latin typeface="Calisto MT" panose="02040603050505030304" pitchFamily="18" charset="0"/>
+              </a:rPr>
+              <a:t>Mean Squared Error (MSE)</a:t>
             </a:r>
           </a:p>
           <a:p>
@@ -9799,14 +10047,37 @@
                 <a:spcPts val="0"/>
               </a:spcAft>
             </a:pPr>
-            <a:r>
-              <a:rPr lang="en-US" sz="2800" b="0" i="0" dirty="0">
+            <a:endParaRPr lang="en-US" sz="2400" b="0" i="1" dirty="0">
+              <a:solidFill>
+                <a:srgbClr val="0070C0"/>
+              </a:solidFill>
+              <a:effectLst/>
+              <a:latin typeface="Calisto MT" panose="02040603050505030304" pitchFamily="18" charset="0"/>
+            </a:endParaRPr>
+          </a:p>
+          <a:p>
+            <a:pPr marL="1257300" lvl="1" indent="-342900">
+              <a:lnSpc>
+                <a:spcPts val="1800"/>
+              </a:lnSpc>
+              <a:spcBef>
+                <a:spcPts val="0"/>
+              </a:spcBef>
+              <a:spcAft>
+                <a:spcPts val="0"/>
+              </a:spcAft>
+              <a:buFont typeface="Arial" panose="020B0604020202020204" pitchFamily="34" charset="0"/>
+              <a:buChar char="•"/>
+            </a:pPr>
+            <a:r>
+              <a:rPr lang="en-US" sz="2200" b="0" i="1" dirty="0">
                 <a:solidFill>
                   <a:srgbClr val="0070C0"/>
                 </a:solidFill>
                 <a:effectLst/>
-              </a:rPr>
-              <a:t> </a:t>
+                <a:latin typeface="Calisto MT" panose="02040603050505030304" pitchFamily="18" charset="0"/>
+              </a:rPr>
+              <a:t>Root Mean Squared Error (RMSE)</a:t>
             </a:r>
           </a:p>
           <a:p>
@@ -9821,23 +10092,79 @@
                 <a:spcPts val="0"/>
               </a:spcAft>
             </a:pPr>
-            <a:r>
-              <a:rPr lang="en-US" sz="2800" dirty="0">
+            <a:endParaRPr lang="en-US" sz="2400" i="1" dirty="0">
+              <a:solidFill>
+                <a:srgbClr val="0070C0"/>
+              </a:solidFill>
+              <a:effectLst/>
+              <a:latin typeface="Calisto MT" panose="02040603050505030304" pitchFamily="18" charset="0"/>
+            </a:endParaRPr>
+          </a:p>
+          <a:p>
+            <a:pPr marL="1257300" lvl="1" indent="-342900">
+              <a:lnSpc>
+                <a:spcPts val="1800"/>
+              </a:lnSpc>
+              <a:spcBef>
+                <a:spcPts val="0"/>
+              </a:spcBef>
+              <a:spcAft>
+                <a:spcPts val="0"/>
+              </a:spcAft>
+              <a:buFont typeface="Arial" panose="020B0604020202020204" pitchFamily="34" charset="0"/>
+              <a:buChar char="•"/>
+            </a:pPr>
+            <a:r>
+              <a:rPr lang="en-US" sz="2200" i="1" dirty="0">
                 <a:solidFill>
                   <a:srgbClr val="0070C0"/>
                 </a:solidFill>
                 <a:effectLst/>
-              </a:rPr>
-              <a:t>	</a:t>
-            </a:r>
-            <a:r>
-              <a:rPr lang="en-US" sz="2800" b="0" i="0" dirty="0">
+                <a:latin typeface="Calisto MT" panose="02040603050505030304" pitchFamily="18" charset="0"/>
+              </a:rPr>
+              <a:t>C</a:t>
+            </a:r>
+            <a:r>
+              <a:rPr lang="en-US" sz="2200" b="0" i="1" dirty="0">
                 <a:solidFill>
                   <a:srgbClr val="0070C0"/>
                 </a:solidFill>
                 <a:effectLst/>
-              </a:rPr>
-              <a:t>Mean Squared Error (MSE)</a:t>
+                <a:latin typeface="Calisto MT" panose="02040603050505030304" pitchFamily="18" charset="0"/>
+              </a:rPr>
+              <a:t>oefficient of Determination (R</a:t>
+            </a:r>
+            <a:r>
+              <a:rPr lang="en-US" sz="2200" b="0" i="1" baseline="30000" dirty="0">
+                <a:solidFill>
+                  <a:srgbClr val="0070C0"/>
+                </a:solidFill>
+                <a:effectLst/>
+                <a:latin typeface="Calisto MT" panose="02040603050505030304" pitchFamily="18" charset="0"/>
+              </a:rPr>
+              <a:t>2</a:t>
+            </a:r>
+            <a:r>
+              <a:rPr lang="en-US" sz="2200" b="0" i="1" dirty="0">
+                <a:solidFill>
+                  <a:srgbClr val="0070C0"/>
+                </a:solidFill>
+                <a:effectLst/>
+                <a:latin typeface="Calisto MT" panose="02040603050505030304" pitchFamily="18" charset="0"/>
+              </a:rPr>
+              <a:t>)</a:t>
+            </a:r>
+            <a:r>
+              <a:rPr lang="en-US" sz="2200" i="1" dirty="0">
+                <a:solidFill>
+                  <a:srgbClr val="0070C0"/>
+                </a:solidFill>
+                <a:effectLst/>
+                <a:latin typeface="Calisto MT" panose="02040603050505030304" pitchFamily="18" charset="0"/>
+                <a:ea typeface="Calibri" panose="020F0502020204030204" pitchFamily="34" charset="0"/>
+                <a:cs typeface="Times New Roman" panose="02020603050405020304" pitchFamily="18" charset="0"/>
+              </a:rPr>
+              <a:t> </a:t>
             </a:r>
           </a:p>
           <a:p>
@@ -9852,149 +10179,15 @@
                 <a:spcPts val="0"/>
               </a:spcAft>
             </a:pPr>
-            <a:endParaRPr lang="en-US" sz="2800" b="0" i="0" dirty="0">
+            <a:endParaRPr lang="en-US" sz="2400" dirty="0">
               <a:solidFill>
                 <a:srgbClr val="0070C0"/>
               </a:solidFill>
               <a:effectLst/>
-            </a:endParaRPr>
-          </a:p>
-          <a:p>
-            <a:pPr marL="457200" marR="0" algn="l">
-              <a:lnSpc>
-                <a:spcPts val="1800"/>
-              </a:lnSpc>
-              <a:spcBef>
-                <a:spcPts val="0"/>
-              </a:spcBef>
-              <a:spcAft>
-                <a:spcPts val="0"/>
-              </a:spcAft>
-            </a:pPr>
-            <a:r>
-              <a:rPr lang="en-US" sz="2800" b="0" i="0" dirty="0">
-                <a:solidFill>
-                  <a:srgbClr val="0070C0"/>
-                </a:solidFill>
-                <a:effectLst/>
-              </a:rPr>
-              <a:t>	Root Mean Squared Error (RMSE)</a:t>
-            </a:r>
-          </a:p>
-          <a:p>
-            <a:pPr marL="457200" marR="0" algn="l">
-              <a:lnSpc>
-                <a:spcPts val="1800"/>
-              </a:lnSpc>
-              <a:spcBef>
-                <a:spcPts val="0"/>
-              </a:spcBef>
-              <a:spcAft>
-                <a:spcPts val="0"/>
-              </a:spcAft>
-            </a:pPr>
-            <a:endParaRPr lang="en-US" sz="2800" dirty="0">
-              <a:solidFill>
-                <a:srgbClr val="0070C0"/>
-              </a:solidFill>
-              <a:effectLst/>
-            </a:endParaRPr>
-          </a:p>
-          <a:p>
-            <a:pPr marL="457200" marR="0" algn="l">
-              <a:lnSpc>
-                <a:spcPts val="1800"/>
-              </a:lnSpc>
-              <a:spcBef>
-                <a:spcPts val="0"/>
-              </a:spcBef>
-              <a:spcAft>
-                <a:spcPts val="0"/>
-              </a:spcAft>
-            </a:pPr>
-            <a:r>
-              <a:rPr lang="en-US" sz="2800" b="0" i="0" dirty="0">
-                <a:solidFill>
-                  <a:srgbClr val="0070C0"/>
-                </a:solidFill>
-                <a:effectLst/>
-              </a:rPr>
-              <a:t>	 </a:t>
-            </a:r>
-            <a:r>
-              <a:rPr lang="en-US" sz="2800" dirty="0">
-                <a:solidFill>
-                  <a:srgbClr val="0070C0"/>
-                </a:solidFill>
-                <a:effectLst/>
-              </a:rPr>
-              <a:t>C</a:t>
-            </a:r>
-            <a:r>
-              <a:rPr lang="en-US" sz="2800" b="0" i="0" dirty="0">
-                <a:solidFill>
-                  <a:srgbClr val="0070C0"/>
-                </a:solidFill>
-                <a:effectLst/>
-              </a:rPr>
-              <a:t>oefficient of determination (R^2)</a:t>
-            </a:r>
-            <a:r>
-              <a:rPr lang="en-US" sz="2800" dirty="0">
-                <a:solidFill>
-                  <a:srgbClr val="0070C0"/>
-                </a:solidFill>
-                <a:effectLst/>
-                <a:ea typeface="Calibri" panose="020F0502020204030204" pitchFamily="34" charset="0"/>
-                <a:cs typeface="Times New Roman" panose="02020603050405020304" pitchFamily="18" charset="0"/>
-              </a:rPr>
-              <a:t> </a:t>
-            </a:r>
-          </a:p>
-          <a:p>
-            <a:pPr marL="457200" marR="0" algn="l">
-              <a:lnSpc>
-                <a:spcPts val="1800"/>
-              </a:lnSpc>
-              <a:spcBef>
-                <a:spcPts val="0"/>
-              </a:spcBef>
-              <a:spcAft>
-                <a:spcPts val="0"/>
-              </a:spcAft>
-            </a:pPr>
-            <a:endParaRPr lang="en-US" sz="2800" dirty="0">
-              <a:solidFill>
-                <a:srgbClr val="0070C0"/>
-              </a:solidFill>
-              <a:effectLst/>
+              <a:latin typeface="Calisto MT" panose="02040603050505030304" pitchFamily="18" charset="0"/>
               <a:ea typeface="Calibri" panose="020F0502020204030204" pitchFamily="34" charset="0"/>
               <a:cs typeface="Times New Roman" panose="02020603050405020304" pitchFamily="18" charset="0"/>
             </a:endParaRPr>
-          </a:p>
-          <a:p>
-            <a:pPr marL="457200" marR="0" algn="l">
-              <a:lnSpc>
-                <a:spcPts val="1800"/>
-              </a:lnSpc>
-              <a:spcBef>
-                <a:spcPts val="0"/>
-              </a:spcBef>
-              <a:spcAft>
-                <a:spcPts val="0"/>
-              </a:spcAft>
-            </a:pPr>
-            <a:r>
-              <a:rPr lang="en-US" sz="2800" dirty="0">
-                <a:solidFill>
-                  <a:srgbClr val="0070C0"/>
-                </a:solidFill>
-                <a:effectLst/>
-                <a:ea typeface="Calibri" panose="020F0502020204030204" pitchFamily="34" charset="0"/>
-                <a:cs typeface="Times New Roman" panose="02020603050405020304" pitchFamily="18" charset="0"/>
-              </a:rPr>
-              <a:t>Model Prediction - Training</a:t>
-            </a:r>
           </a:p>
         </p:txBody>
       </p:sp>
@@ -10029,7 +10222,7 @@
         </p:blipFill>
         <p:spPr>
           <a:xfrm>
-            <a:off x="341699" y="777237"/>
+            <a:off x="759600" y="731518"/>
             <a:ext cx="4950601" cy="4950601"/>
           </a:xfrm>
           <a:prstGeom prst="rect">
@@ -10286,7 +10479,7 @@
         </p:nvSpPr>
         <p:spPr>
           <a:xfrm>
-            <a:off x="913795" y="96520"/>
+            <a:off x="913795" y="224107"/>
             <a:ext cx="10353762" cy="687070"/>
           </a:xfrm>
         </p:spPr>
@@ -10297,7 +10490,7 @@
           <a:lstStyle/>
           <a:p>
             <a:r>
-              <a:rPr lang="en-US" dirty="0">
+              <a:rPr lang="en-US" b="1" dirty="0">
                 <a:solidFill>
                   <a:schemeClr val="bg2">
                     <a:lumMod val="10000"/>
@@ -10305,7 +10498,7 @@
                   </a:schemeClr>
                 </a:solidFill>
               </a:rPr>
-              <a:t>Metric Results</a:t>
+              <a:t>Model Metric Evaluations</a:t>
             </a:r>
           </a:p>
         </p:txBody>
@@ -10325,14 +10518,14 @@
           <p:nvPr>
             <p:extLst>
               <p:ext uri="{D42A27DB-BD31-4B8C-83A1-F6EECF244321}">
-                <p14:modId xmlns:p14="http://schemas.microsoft.com/office/powerpoint/2010/main" val="2201376156"/>
+                <p14:modId xmlns:p14="http://schemas.microsoft.com/office/powerpoint/2010/main" val="320203431"/>
               </p:ext>
             </p:extLst>
           </p:nvPr>
         </p:nvGraphicFramePr>
         <p:xfrm>
           <a:off x="264306" y="1135283"/>
-          <a:ext cx="11652740" cy="4966638"/>
+          <a:ext cx="11652740" cy="5003123"/>
         </p:xfrm>
         <a:graphic>
           <a:graphicData uri="http://schemas.openxmlformats.org/drawingml/2006/table">
@@ -10384,25 +10577,6 @@
                     <a:lstStyle/>
                     <a:p>
                       <a:pPr algn="ctr"/>
-                      <a:r>
-                        <a:rPr lang="en-US" sz="2200" dirty="0">
-                          <a:solidFill>
-                            <a:schemeClr val="bg1"/>
-                          </a:solidFill>
-                        </a:rPr>
-                        <a:t>Metric/</a:t>
-                      </a:r>
-                    </a:p>
-                    <a:p>
-                      <a:pPr algn="ctr"/>
-                      <a:r>
-                        <a:rPr lang="en-US" sz="2200" dirty="0" err="1">
-                          <a:solidFill>
-                            <a:schemeClr val="bg1"/>
-                          </a:solidFill>
-                        </a:rPr>
-                        <a:t>Cryptocoin</a:t>
-                      </a:r>
                       <a:endParaRPr lang="en-US" sz="2200" dirty="0">
                         <a:solidFill>
                           <a:schemeClr val="bg1"/>
@@ -10417,14 +10591,28 @@
                     <a:bodyPr/>
                     <a:lstStyle/>
                     <a:p>
+                      <a:pPr algn="ctr"/>
                       <a:r>
                         <a:rPr lang="en-US" sz="2400" dirty="0">
                           <a:solidFill>
-                            <a:schemeClr val="bg1"/>
+                            <a:srgbClr val="800000"/>
                           </a:solidFill>
                         </a:rPr>
-                        <a:t>MSE – Mean Squared Error</a:t>
+                        <a:t>MSE – </a:t>
                       </a:r>
+                      <a:r>
+                        <a:rPr lang="en-US" sz="2000" dirty="0">
+                          <a:solidFill>
+                            <a:srgbClr val="800000"/>
+                          </a:solidFill>
+                        </a:rPr>
+                        <a:t>Mean Squared Error</a:t>
+                      </a:r>
+                      <a:endParaRPr lang="en-US" sz="2400" dirty="0">
+                        <a:solidFill>
+                          <a:srgbClr val="800000"/>
+                        </a:solidFill>
+                      </a:endParaRPr>
                     </a:p>
                   </a:txBody>
                   <a:tcPr/>
@@ -10434,14 +10622,28 @@
                     <a:bodyPr/>
                     <a:lstStyle/>
                     <a:p>
+                      <a:pPr algn="ctr"/>
                       <a:r>
                         <a:rPr lang="en-US" sz="2400" dirty="0">
                           <a:solidFill>
-                            <a:schemeClr val="bg1"/>
+                            <a:srgbClr val="800000"/>
                           </a:solidFill>
                         </a:rPr>
-                        <a:t>MAE – Mean Absolute Error</a:t>
+                        <a:t>MAE – </a:t>
                       </a:r>
+                      <a:r>
+                        <a:rPr lang="en-US" sz="2000" dirty="0">
+                          <a:solidFill>
+                            <a:srgbClr val="800000"/>
+                          </a:solidFill>
+                        </a:rPr>
+                        <a:t>Mean Absolute Error</a:t>
+                      </a:r>
+                      <a:endParaRPr lang="en-US" sz="2400" dirty="0">
+                        <a:solidFill>
+                          <a:srgbClr val="800000"/>
+                        </a:solidFill>
+                      </a:endParaRPr>
                     </a:p>
                   </a:txBody>
                   <a:tcPr/>
@@ -10451,14 +10653,52 @@
                     <a:bodyPr/>
                     <a:lstStyle/>
                     <a:p>
+                      <a:pPr algn="ctr"/>
                       <a:r>
                         <a:rPr lang="en-US" sz="2400" dirty="0">
                           <a:solidFill>
-                            <a:schemeClr val="bg1"/>
+                            <a:srgbClr val="800000"/>
+                          </a:solidFill>
+                        </a:rPr>
+                        <a:t>R</a:t>
+                      </a:r>
+                      <a:r>
+                        <a:rPr lang="en-US" sz="2400" baseline="30000" dirty="0">
+                          <a:solidFill>
+                            <a:srgbClr val="800000"/>
+                          </a:solidFill>
+                        </a:rPr>
+                        <a:t>2 </a:t>
+                      </a:r>
+                      <a:r>
+                        <a:rPr lang="en-US" sz="2400" dirty="0">
+                          <a:solidFill>
+                            <a:srgbClr val="800000"/>
+                          </a:solidFill>
+                        </a:rPr>
+                        <a:t>– </a:t>
+                      </a:r>
+                      <a:r>
+                        <a:rPr lang="en-US" sz="2400" baseline="30000" dirty="0">
+                          <a:solidFill>
+                            <a:srgbClr val="800000"/>
+                          </a:solidFill>
+                        </a:rPr>
+                        <a:t> </a:t>
+                      </a:r>
+                      <a:r>
+                        <a:rPr lang="en-US" sz="2000" dirty="0">
+                          <a:solidFill>
+                            <a:srgbClr val="800000"/>
                           </a:solidFill>
                         </a:rPr>
                         <a:t>Coefficient of Determination</a:t>
                       </a:r>
+                      <a:endParaRPr lang="en-US" sz="2400" dirty="0">
+                        <a:solidFill>
+                          <a:srgbClr val="800000"/>
+                        </a:solidFill>
+                      </a:endParaRPr>
                     </a:p>
                   </a:txBody>
                   <a:tcPr/>
@@ -10468,14 +10708,28 @@
                     <a:bodyPr/>
                     <a:lstStyle/>
                     <a:p>
+                      <a:pPr algn="ctr"/>
                       <a:r>
                         <a:rPr lang="en-US" sz="2400" dirty="0">
                           <a:solidFill>
-                            <a:schemeClr val="bg1"/>
+                            <a:srgbClr val="800000"/>
                           </a:solidFill>
                         </a:rPr>
-                        <a:t>RMSE from MSE</a:t>
+                        <a:t>RMSE – </a:t>
                       </a:r>
+                      <a:r>
+                        <a:rPr lang="en-US" sz="2000" dirty="0">
+                          <a:solidFill>
+                            <a:srgbClr val="800000"/>
+                          </a:solidFill>
+                        </a:rPr>
+                        <a:t>Root Mean Squared Error</a:t>
+                      </a:r>
+                      <a:endParaRPr lang="en-US" sz="2400" dirty="0">
+                        <a:solidFill>
+                          <a:srgbClr val="800000"/>
+                        </a:solidFill>
+                      </a:endParaRPr>
                     </a:p>
                   </a:txBody>
                   <a:tcPr/>
@@ -10496,7 +10750,7 @@
                       <a:r>
                         <a:rPr lang="en-US" sz="2200" dirty="0">
                           <a:solidFill>
-                            <a:schemeClr val="bg1"/>
+                            <a:srgbClr val="00642D"/>
                           </a:solidFill>
                         </a:rPr>
                         <a:t>Bitcoin</a:t>
@@ -10507,7 +10761,7 @@
                       <a:r>
                         <a:rPr lang="en-US" sz="2200" dirty="0">
                           <a:solidFill>
-                            <a:schemeClr val="bg1"/>
+                            <a:srgbClr val="00642D"/>
                           </a:solidFill>
                         </a:rPr>
                         <a:t>(BTC)</a:t>
@@ -10521,11 +10775,12 @@
                     <a:bodyPr/>
                     <a:lstStyle/>
                     <a:p>
+                      <a:pPr algn="ctr"/>
                       <a:r>
-                        <a:rPr lang="en-US" dirty="0"/>
-                        <a:t>0.0033186599612236023</a:t>
+                        <a:rPr lang="en-US" sz="2800" b="0" dirty="0"/>
+                        <a:t>0.0033</a:t>
                       </a:r>
-                      <a:endParaRPr lang="en-US" dirty="0">
+                      <a:endParaRPr lang="en-US" sz="2800" b="0" dirty="0">
                         <a:solidFill>
                           <a:schemeClr val="bg1"/>
                         </a:solidFill>
@@ -10539,11 +10794,12 @@
                     <a:bodyPr/>
                     <a:lstStyle/>
                     <a:p>
+                      <a:pPr algn="ctr"/>
                       <a:r>
-                        <a:rPr lang="en-US" dirty="0"/>
-                        <a:t>0.04206134844135157</a:t>
+                        <a:rPr lang="en-US" sz="2800" b="0" dirty="0"/>
+                        <a:t>0.0421</a:t>
                       </a:r>
-                      <a:endParaRPr lang="en-US" dirty="0">
+                      <a:endParaRPr lang="en-US" sz="2800" b="0" dirty="0">
                         <a:solidFill>
                           <a:schemeClr val="bg1"/>
                         </a:solidFill>
@@ -10557,11 +10813,12 @@
                     <a:bodyPr/>
                     <a:lstStyle/>
                     <a:p>
+                      <a:pPr algn="ctr"/>
                       <a:r>
-                        <a:rPr lang="en-US" dirty="0"/>
-                        <a:t>0.9307371227625145</a:t>
+                        <a:rPr lang="en-US" sz="2800" b="0" dirty="0"/>
+                        <a:t>0.9307</a:t>
                       </a:r>
-                      <a:endParaRPr lang="en-US" dirty="0">
+                      <a:endParaRPr lang="en-US" sz="2800" b="0" dirty="0">
                         <a:solidFill>
                           <a:schemeClr val="bg1"/>
                         </a:solidFill>
@@ -10575,11 +10832,12 @@
                     <a:bodyPr/>
                     <a:lstStyle/>
                     <a:p>
+                      <a:pPr algn="ctr"/>
                       <a:r>
-                        <a:rPr lang="en-US" dirty="0"/>
-                        <a:t>0.057607811633697756</a:t>
+                        <a:rPr lang="en-US" sz="2800" b="0" dirty="0"/>
+                        <a:t>0.0576</a:t>
                       </a:r>
-                      <a:endParaRPr lang="en-US" dirty="0">
+                      <a:endParaRPr lang="en-US" sz="2800" b="0" dirty="0">
                         <a:solidFill>
                           <a:schemeClr val="bg1"/>
                         </a:solidFill>
@@ -10594,7 +10852,7 @@
                   </a:ext>
                 </a:extLst>
               </a:tr>
-              <a:tr h="812421">
+              <a:tr h="848906">
                 <a:tc>
                   <a:txBody>
                     <a:bodyPr/>
@@ -10604,7 +10862,7 @@
                       <a:r>
                         <a:rPr lang="en-US" sz="2200" dirty="0">
                           <a:solidFill>
-                            <a:schemeClr val="bg1"/>
+                            <a:srgbClr val="00642D"/>
                           </a:solidFill>
                         </a:rPr>
                         <a:t>Dogecoin</a:t>
@@ -10615,7 +10873,7 @@
                       <a:r>
                         <a:rPr lang="en-US" sz="2200" dirty="0">
                           <a:solidFill>
-                            <a:schemeClr val="bg1"/>
+                            <a:srgbClr val="00642D"/>
                           </a:solidFill>
                         </a:rPr>
                         <a:t>(Doge)</a:t>
@@ -10629,7 +10887,12 @@
                     <a:bodyPr/>
                     <a:lstStyle/>
                     <a:p>
-                      <a:endParaRPr lang="en-US" dirty="0">
+                      <a:pPr algn="ctr"/>
+                      <a:r>
+                        <a:rPr lang="en-US" sz="2800" b="0" dirty="0"/>
+                        <a:t>0.0034</a:t>
+                      </a:r>
+                      <a:endParaRPr lang="en-US" sz="2800" b="0" dirty="0">
                         <a:solidFill>
                           <a:schemeClr val="bg1"/>
                         </a:solidFill>
@@ -10643,7 +10906,12 @@
                     <a:bodyPr/>
                     <a:lstStyle/>
                     <a:p>
-                      <a:endParaRPr lang="en-US" dirty="0">
+                      <a:pPr algn="ctr"/>
+                      <a:r>
+                        <a:rPr lang="en-US" sz="2800" b="0" dirty="0"/>
+                        <a:t>0.0444</a:t>
+                      </a:r>
+                      <a:endParaRPr lang="en-US" sz="2800" b="0" dirty="0">
                         <a:solidFill>
                           <a:schemeClr val="bg1"/>
                         </a:solidFill>
@@ -10657,7 +10925,12 @@
                     <a:bodyPr/>
                     <a:lstStyle/>
                     <a:p>
-                      <a:endParaRPr lang="en-US">
+                      <a:pPr algn="ctr"/>
+                      <a:r>
+                        <a:rPr lang="en-US" sz="2800" b="0" dirty="0"/>
+                        <a:t>0.7298</a:t>
+                      </a:r>
+                      <a:endParaRPr lang="en-US" sz="2800" b="0" dirty="0">
                         <a:solidFill>
                           <a:schemeClr val="bg1"/>
                         </a:solidFill>
@@ -10671,7 +10944,12 @@
                     <a:bodyPr/>
                     <a:lstStyle/>
                     <a:p>
-                      <a:endParaRPr lang="en-US" dirty="0">
+                      <a:pPr algn="ctr"/>
+                      <a:r>
+                        <a:rPr lang="en-US" sz="2800" b="0" dirty="0"/>
+                        <a:t>0.0586</a:t>
+                      </a:r>
+                      <a:endParaRPr lang="en-US" sz="2800" b="0" dirty="0">
                         <a:solidFill>
                           <a:schemeClr val="bg1"/>
                         </a:solidFill>
@@ -10696,7 +10974,7 @@
                       <a:r>
                         <a:rPr lang="en-US" sz="2200" dirty="0">
                           <a:solidFill>
-                            <a:schemeClr val="bg1"/>
+                            <a:srgbClr val="00642D"/>
                           </a:solidFill>
                         </a:rPr>
                         <a:t>Ethereum</a:t>
@@ -10707,7 +10985,7 @@
                       <a:r>
                         <a:rPr lang="en-US" sz="2200" dirty="0">
                           <a:solidFill>
-                            <a:schemeClr val="bg1"/>
+                            <a:srgbClr val="00642D"/>
                           </a:solidFill>
                         </a:rPr>
                         <a:t>(ETH)</a:t>
@@ -10721,7 +10999,12 @@
                     <a:bodyPr/>
                     <a:lstStyle/>
                     <a:p>
-                      <a:endParaRPr lang="en-US">
+                      <a:pPr algn="ctr"/>
+                      <a:r>
+                        <a:rPr lang="en-US" sz="2800" b="0" dirty="0"/>
+                        <a:t>0.0023</a:t>
+                      </a:r>
+                      <a:endParaRPr lang="en-US" sz="2800" b="0" dirty="0">
                         <a:solidFill>
                           <a:schemeClr val="bg1"/>
                         </a:solidFill>
@@ -10735,7 +11018,12 @@
                     <a:bodyPr/>
                     <a:lstStyle/>
                     <a:p>
-                      <a:endParaRPr lang="en-US" dirty="0">
+                      <a:pPr algn="ctr"/>
+                      <a:r>
+                        <a:rPr lang="en-US" sz="2800" b="0" dirty="0"/>
+                        <a:t>0.0342</a:t>
+                      </a:r>
+                      <a:endParaRPr lang="en-US" sz="2800" b="0" dirty="0">
                         <a:solidFill>
                           <a:schemeClr val="bg1"/>
                         </a:solidFill>
@@ -10749,7 +11037,12 @@
                     <a:bodyPr/>
                     <a:lstStyle/>
                     <a:p>
-                      <a:endParaRPr lang="en-US">
+                      <a:pPr algn="ctr"/>
+                      <a:r>
+                        <a:rPr lang="en-US" sz="2800" b="0" dirty="0"/>
+                        <a:t>0.9532</a:t>
+                      </a:r>
+                      <a:endParaRPr lang="en-US" sz="2800" b="0" dirty="0">
                         <a:solidFill>
                           <a:schemeClr val="bg1"/>
                         </a:solidFill>
@@ -10763,7 +11056,12 @@
                     <a:bodyPr/>
                     <a:lstStyle/>
                     <a:p>
-                      <a:endParaRPr lang="en-US" dirty="0">
+                      <a:pPr algn="ctr"/>
+                      <a:r>
+                        <a:rPr lang="en-US" sz="2800" b="0" dirty="0"/>
+                        <a:t>0.0483</a:t>
+                      </a:r>
+                      <a:endParaRPr lang="en-US" sz="2800" b="0" dirty="0">
                         <a:solidFill>
                           <a:schemeClr val="bg1"/>
                         </a:solidFill>
@@ -10788,7 +11086,7 @@
                       <a:r>
                         <a:rPr lang="en-US" sz="2200" dirty="0">
                           <a:solidFill>
-                            <a:schemeClr val="bg1"/>
+                            <a:srgbClr val="00642D"/>
                           </a:solidFill>
                         </a:rPr>
                         <a:t>Litecoin</a:t>
@@ -10799,7 +11097,7 @@
                       <a:r>
                         <a:rPr lang="en-US" sz="2200" dirty="0">
                           <a:solidFill>
-                            <a:schemeClr val="bg1"/>
+                            <a:srgbClr val="00642D"/>
                           </a:solidFill>
                         </a:rPr>
                         <a:t>(LTC)</a:t>
@@ -10813,7 +11111,12 @@
                     <a:bodyPr/>
                     <a:lstStyle/>
                     <a:p>
-                      <a:endParaRPr lang="en-US" dirty="0">
+                      <a:pPr algn="ctr"/>
+                      <a:r>
+                        <a:rPr lang="en-US" sz="2800" b="0" dirty="0"/>
+                        <a:t>0.0006</a:t>
+                      </a:r>
+                      <a:endParaRPr lang="en-US" sz="2800" b="0" dirty="0">
                         <a:solidFill>
                           <a:schemeClr val="bg1"/>
                         </a:solidFill>
@@ -10827,7 +11130,12 @@
                     <a:bodyPr/>
                     <a:lstStyle/>
                     <a:p>
-                      <a:endParaRPr lang="en-US" dirty="0">
+                      <a:pPr algn="ctr"/>
+                      <a:r>
+                        <a:rPr lang="en-US" sz="2800" b="0" dirty="0"/>
+                        <a:t>0.0135</a:t>
+                      </a:r>
+                      <a:endParaRPr lang="en-US" sz="2800" b="0" dirty="0">
                         <a:solidFill>
                           <a:schemeClr val="bg1"/>
                         </a:solidFill>
@@ -10841,7 +11149,12 @@
                     <a:bodyPr/>
                     <a:lstStyle/>
                     <a:p>
-                      <a:endParaRPr lang="en-US">
+                      <a:pPr algn="ctr"/>
+                      <a:r>
+                        <a:rPr lang="en-US" sz="2800" b="0" dirty="0"/>
+                        <a:t>0.9795</a:t>
+                      </a:r>
+                      <a:endParaRPr lang="en-US" sz="2800" b="0" dirty="0">
                         <a:solidFill>
                           <a:schemeClr val="bg1"/>
                         </a:solidFill>
@@ -10855,7 +11168,12 @@
                     <a:bodyPr/>
                     <a:lstStyle/>
                     <a:p>
-                      <a:endParaRPr lang="en-US">
+                      <a:pPr algn="ctr"/>
+                      <a:r>
+                        <a:rPr lang="en-US" sz="2800" b="0" dirty="0"/>
+                        <a:t>0.0244</a:t>
+                      </a:r>
+                      <a:endParaRPr lang="en-US" sz="2800" b="0" dirty="0">
                         <a:solidFill>
                           <a:schemeClr val="bg1"/>
                         </a:solidFill>
@@ -10880,7 +11198,7 @@
                       <a:r>
                         <a:rPr lang="en-US" sz="2200" dirty="0">
                           <a:solidFill>
-                            <a:schemeClr val="bg1"/>
+                            <a:srgbClr val="00642D"/>
                           </a:solidFill>
                         </a:rPr>
                         <a:t>Ripple</a:t>
@@ -10891,7 +11209,7 @@
                       <a:r>
                         <a:rPr lang="en-US" sz="2200" dirty="0">
                           <a:solidFill>
-                            <a:schemeClr val="bg1"/>
+                            <a:srgbClr val="00642D"/>
                           </a:solidFill>
                         </a:rPr>
                         <a:t>(XRP)</a:t>
@@ -10905,7 +11223,12 @@
                     <a:bodyPr/>
                     <a:lstStyle/>
                     <a:p>
-                      <a:endParaRPr lang="en-US">
+                      <a:pPr algn="ctr"/>
+                      <a:r>
+                        <a:rPr lang="en-US" sz="2800" b="0" dirty="0"/>
+                        <a:t>0.0002</a:t>
+                      </a:r>
+                      <a:endParaRPr lang="en-US" sz="2800" b="0" dirty="0">
                         <a:solidFill>
                           <a:schemeClr val="bg1"/>
                         </a:solidFill>
@@ -10919,7 +11242,12 @@
                     <a:bodyPr/>
                     <a:lstStyle/>
                     <a:p>
-                      <a:endParaRPr lang="en-US">
+                      <a:pPr algn="ctr"/>
+                      <a:r>
+                        <a:rPr lang="en-US" sz="2800" b="0" dirty="0"/>
+                        <a:t>0.0079</a:t>
+                      </a:r>
+                      <a:endParaRPr lang="en-US" sz="2800" b="0" dirty="0">
                         <a:solidFill>
                           <a:schemeClr val="bg1"/>
                         </a:solidFill>
@@ -10933,7 +11261,12 @@
                     <a:bodyPr/>
                     <a:lstStyle/>
                     <a:p>
-                      <a:endParaRPr lang="en-US">
+                      <a:pPr algn="ctr"/>
+                      <a:r>
+                        <a:rPr lang="en-US" sz="2800" b="0" dirty="0"/>
+                        <a:t>0.9855</a:t>
+                      </a:r>
+                      <a:endParaRPr lang="en-US" sz="2800" b="0" dirty="0">
                         <a:solidFill>
                           <a:schemeClr val="bg1"/>
                         </a:solidFill>
@@ -10947,7 +11280,12 @@
                     <a:bodyPr/>
                     <a:lstStyle/>
                     <a:p>
-                      <a:endParaRPr lang="en-US" dirty="0">
+                      <a:pPr algn="ctr"/>
+                      <a:r>
+                        <a:rPr lang="en-US" sz="2800" b="0" dirty="0"/>
+                        <a:t>0.0126</a:t>
+                      </a:r>
+                      <a:endParaRPr lang="en-US" sz="2800" b="0" dirty="0">
                         <a:solidFill>
                           <a:schemeClr val="bg1"/>
                         </a:solidFill>
@@ -11023,7 +11361,7 @@
           <a:lstStyle/>
           <a:p>
             <a:r>
-              <a:rPr lang="en-US" sz="4000" dirty="0">
+              <a:rPr lang="en-US" sz="4000" b="1" dirty="0">
                 <a:solidFill>
                   <a:schemeClr val="bg2">
                     <a:lumMod val="10000"/>
@@ -11031,17 +11369,19 @@
                   </a:schemeClr>
                 </a:solidFill>
                 <a:effectLst/>
+                <a:latin typeface="Calisto MT" panose="02040603050505030304" pitchFamily="18" charset="0"/>
                 <a:ea typeface="Calibri" panose="020F0502020204030204" pitchFamily="34" charset="0"/>
               </a:rPr>
               <a:t>Pricing Trends by Weekday</a:t>
             </a:r>
-            <a:endParaRPr lang="en-US" dirty="0">
+            <a:endParaRPr lang="en-US" b="1" dirty="0">
               <a:solidFill>
                 <a:schemeClr val="bg2">
                   <a:lumMod val="10000"/>
                   <a:lumOff val="90000"/>
                 </a:schemeClr>
               </a:solidFill>
+              <a:latin typeface="Calisto MT" panose="02040603050505030304" pitchFamily="18" charset="0"/>
             </a:endParaRPr>
           </a:p>
         </p:txBody>
@@ -11064,8 +11404,8 @@
         </p:nvSpPr>
         <p:spPr>
           <a:xfrm>
-            <a:off x="654716" y="1178390"/>
-            <a:ext cx="2548952" cy="4815840"/>
+            <a:off x="315686" y="1178390"/>
+            <a:ext cx="2887982" cy="4815840"/>
           </a:xfrm>
         </p:spPr>
         <p:txBody>
@@ -11083,7 +11423,7 @@
           <a:p>
             <a:r>
               <a:rPr lang="en-US" dirty="0"/>
-              <a:t>Dogecoin (Doge)</a:t>
+              <a:t>Dogecoin (DOGE)</a:t>
             </a:r>
           </a:p>
           <a:p>
@@ -11091,12 +11431,8 @@
           </a:p>
           <a:p>
             <a:r>
-              <a:rPr lang="en-US" dirty="0" err="1"/>
-              <a:t>Etherium</a:t>
-            </a:r>
-            <a:r>
               <a:rPr lang="en-US" dirty="0"/>
-              <a:t> (ETH)</a:t>
+              <a:t>Ethereum (ETH)</a:t>
             </a:r>
           </a:p>
           <a:p>
@@ -11149,7 +11485,11 @@
           <a:p>
             <a:pPr algn="l"/>
             <a:r>
-              <a:rPr lang="en-US" sz="2400" dirty="0"/>
+              <a:rPr lang="en-US" sz="2400" b="1" dirty="0">
+                <a:solidFill>
+                  <a:srgbClr val="FFC000"/>
+                </a:solidFill>
+              </a:rPr>
               <a:t>Low: </a:t>
             </a:r>
           </a:p>
@@ -11623,8 +11963,12 @@
           <a:p>
             <a:pPr algn="l"/>
             <a:r>
-              <a:rPr lang="en-US" sz="2400" dirty="0"/>
-              <a:t>High</a:t>
+              <a:rPr lang="en-US" sz="2400" b="1" dirty="0">
+                <a:solidFill>
+                  <a:srgbClr val="669900"/>
+                </a:solidFill>
+              </a:rPr>
+              <a:t>High:</a:t>
             </a:r>
           </a:p>
           <a:p>
@@ -11692,7 +12036,7 @@
                   <a:srgbClr val="0070C0"/>
                 </a:solidFill>
               </a:rPr>
-              <a:t>Sun, Wed &amp; Sat</a:t>
+              <a:t>Sun, Wed, &amp; Sat</a:t>
             </a:r>
           </a:p>
           <a:p>
@@ -11792,22 +12136,22 @@
           <a:lstStyle/>
           <a:p>
             <a:r>
-              <a:rPr lang="en-US" sz="900">
+              <a:rPr lang="en-US" sz="900" dirty="0">
                 <a:hlinkClick r:id="rId4" tooltip="https://freepngimg.com/png/26073-stock-market-graph-up-photos"/>
               </a:rPr>
               <a:t>This Photo</a:t>
             </a:r>
             <a:r>
-              <a:rPr lang="en-US" sz="900"/>
+              <a:rPr lang="en-US" sz="900" dirty="0"/>
               <a:t> by Unknown Author is licensed under </a:t>
             </a:r>
             <a:r>
-              <a:rPr lang="en-US" sz="900">
+              <a:rPr lang="en-US" sz="900" dirty="0">
                 <a:hlinkClick r:id="rId5" tooltip="https://creativecommons.org/licenses/by-nc/3.0/"/>
               </a:rPr>
               <a:t>CC BY-NC</a:t>
             </a:r>
-            <a:endParaRPr lang="en-US" sz="900"/>
+            <a:endParaRPr lang="en-US" sz="900" dirty="0"/>
           </a:p>
         </p:txBody>
       </p:sp>
@@ -11843,268 +12187,68 @@
       </p:grpSpPr>
       <p:sp>
         <p:nvSpPr>
-          <p:cNvPr id="2" name="Title 1">
+          <p:cNvPr id="9" name="Title 8">
             <a:extLst>
               <a:ext uri="{FF2B5EF4-FFF2-40B4-BE49-F238E27FC236}">
-                <a16:creationId xmlns:a16="http://schemas.microsoft.com/office/drawing/2014/main" id="{F6FD8A51-5624-DE7A-1CF6-EEE978C474D5}"/>
+                <a16:creationId xmlns:a16="http://schemas.microsoft.com/office/drawing/2014/main" id="{904A0E28-65CE-AE4C-B8C3-32619B528FB1}"/>
               </a:ext>
             </a:extLst>
           </p:cNvPr>
-          <p:cNvSpPr txBox="1">
-            <a:spLocks/>
-          </p:cNvSpPr>
-          <p:nvPr/>
+          <p:cNvSpPr>
+            <a:spLocks noGrp="1"/>
+          </p:cNvSpPr>
+          <p:nvPr>
+            <p:ph type="title"/>
+          </p:nvPr>
         </p:nvSpPr>
         <p:spPr>
           <a:xfrm>
-            <a:off x="831162" y="46892"/>
-            <a:ext cx="10353762" cy="970450"/>
+            <a:off x="1124192" y="350520"/>
+            <a:ext cx="6663448" cy="926199"/>
           </a:xfrm>
-          <a:prstGeom prst="rect">
-            <a:avLst/>
-          </a:prstGeom>
         </p:spPr>
         <p:txBody>
-          <a:bodyPr/>
-          <a:lstStyle>
-            <a:lvl1pPr algn="ctr" defTabSz="457200" rtl="0" eaLnBrk="1" latinLnBrk="0" hangingPunct="1">
-              <a:spcBef>
-                <a:spcPct val="0"/>
-              </a:spcBef>
-              <a:buNone/>
-              <a:defRPr sz="4000" kern="1200">
-                <a:ln>
-                  <a:solidFill>
-                    <a:schemeClr val="bg1">
-                      <a:lumMod val="75000"/>
-                      <a:lumOff val="25000"/>
-                      <a:alpha val="10000"/>
-                    </a:schemeClr>
-                  </a:solidFill>
-                </a:ln>
-                <a:solidFill>
-                  <a:schemeClr val="tx2"/>
-                </a:solidFill>
-                <a:effectLst>
-                  <a:outerShdw blurRad="9525" dist="25400" dir="14640000" algn="tl" rotWithShape="0">
-                    <a:schemeClr val="bg1">
-                      <a:alpha val="30000"/>
-                    </a:schemeClr>
-                  </a:outerShdw>
-                </a:effectLst>
-                <a:latin typeface="+mj-lt"/>
-                <a:ea typeface="+mj-ea"/>
-                <a:cs typeface="Trebuchet MS"/>
-              </a:defRPr>
-            </a:lvl1pPr>
-            <a:lvl2pPr eaLnBrk="1" hangingPunct="1">
-              <a:defRPr>
-                <a:solidFill>
-                  <a:schemeClr val="tx2"/>
-                </a:solidFill>
-              </a:defRPr>
-            </a:lvl2pPr>
-            <a:lvl3pPr eaLnBrk="1" hangingPunct="1">
-              <a:defRPr>
-                <a:solidFill>
-                  <a:schemeClr val="tx2"/>
-                </a:solidFill>
-              </a:defRPr>
-            </a:lvl3pPr>
-            <a:lvl4pPr eaLnBrk="1" hangingPunct="1">
-              <a:defRPr>
-                <a:solidFill>
-                  <a:schemeClr val="tx2"/>
-                </a:solidFill>
-              </a:defRPr>
-            </a:lvl4pPr>
-            <a:lvl5pPr eaLnBrk="1" hangingPunct="1">
-              <a:defRPr>
-                <a:solidFill>
-                  <a:schemeClr val="tx2"/>
-                </a:solidFill>
-              </a:defRPr>
-            </a:lvl5pPr>
-            <a:lvl6pPr eaLnBrk="1" hangingPunct="1">
-              <a:defRPr>
-                <a:solidFill>
-                  <a:schemeClr val="tx2"/>
-                </a:solidFill>
-              </a:defRPr>
-            </a:lvl6pPr>
-            <a:lvl7pPr eaLnBrk="1" hangingPunct="1">
-              <a:defRPr>
-                <a:solidFill>
-                  <a:schemeClr val="tx2"/>
-                </a:solidFill>
-              </a:defRPr>
-            </a:lvl7pPr>
-            <a:lvl8pPr eaLnBrk="1" hangingPunct="1">
-              <a:defRPr>
-                <a:solidFill>
-                  <a:schemeClr val="tx2"/>
-                </a:solidFill>
-              </a:defRPr>
-            </a:lvl8pPr>
-            <a:lvl9pPr eaLnBrk="1" hangingPunct="1">
-              <a:defRPr>
-                <a:solidFill>
-                  <a:schemeClr val="tx2"/>
-                </a:solidFill>
-              </a:defRPr>
-            </a:lvl9pPr>
-          </a:lstStyle>
-          <a:p>
-            <a:r>
-              <a:rPr lang="en-US" dirty="0">
-                <a:solidFill>
-                  <a:schemeClr val="bg2">
-                    <a:lumMod val="10000"/>
-                    <a:lumOff val="90000"/>
-                  </a:schemeClr>
-                </a:solidFill>
-                <a:effectLst/>
-                <a:latin typeface="Arial" panose="020B0604020202020204" pitchFamily="34" charset="0"/>
-                <a:ea typeface="Calibri" panose="020F0502020204030204" pitchFamily="34" charset="0"/>
+          <a:bodyPr>
+            <a:normAutofit/>
+          </a:bodyPr>
+          <a:lstStyle/>
+          <a:p>
+            <a:r>
+              <a:rPr lang="en-US" sz="4800" b="1" dirty="0">
+                <a:solidFill>
+                  <a:srgbClr val="A365D1"/>
+                </a:solidFill>
               </a:rPr>
               <a:t>Future Enhancements</a:t>
             </a:r>
-            <a:endParaRPr lang="en-US" dirty="0">
-              <a:solidFill>
-                <a:schemeClr val="bg2">
-                  <a:lumMod val="10000"/>
-                  <a:lumOff val="90000"/>
-                </a:schemeClr>
-              </a:solidFill>
-            </a:endParaRPr>
-          </a:p>
-        </p:txBody>
-      </p:sp>
-      <p:sp>
-        <p:nvSpPr>
-          <p:cNvPr id="6" name="Rectangle 2">
+          </a:p>
+        </p:txBody>
+      </p:sp>
+      <p:sp>
+        <p:nvSpPr>
+          <p:cNvPr id="11" name="Text Placeholder 10">
             <a:extLst>
               <a:ext uri="{FF2B5EF4-FFF2-40B4-BE49-F238E27FC236}">
-                <a16:creationId xmlns:a16="http://schemas.microsoft.com/office/drawing/2014/main" id="{3C0C2272-B21F-5B2A-EC75-56D812155395}"/>
+                <a16:creationId xmlns:a16="http://schemas.microsoft.com/office/drawing/2014/main" id="{196B1E9E-7AA7-6C00-4E84-4A04A352E78F}"/>
               </a:ext>
             </a:extLst>
           </p:cNvPr>
           <p:cNvSpPr>
-            <a:spLocks noChangeArrowheads="1"/>
-          </p:cNvSpPr>
-          <p:nvPr/>
-        </p:nvSpPr>
-        <p:spPr bwMode="auto">
+            <a:spLocks noGrp="1"/>
+          </p:cNvSpPr>
+          <p:nvPr>
+            <p:ph type="body" sz="half" idx="2"/>
+          </p:nvPr>
+        </p:nvSpPr>
+        <p:spPr>
           <a:xfrm>
-            <a:off x="913795" y="5758208"/>
-            <a:ext cx="65" cy="276999"/>
+            <a:off x="852835" y="1413879"/>
+            <a:ext cx="7605365" cy="4834521"/>
           </a:xfrm>
-          <a:prstGeom prst="rect">
-            <a:avLst/>
-          </a:prstGeom>
-          <a:solidFill>
-            <a:srgbClr val="FFFFFF"/>
-          </a:solidFill>
-          <a:ln>
-            <a:noFill/>
-          </a:ln>
-          <a:effectLst/>
-          <a:extLst>
-            <a:ext uri="{91240B29-F687-4F45-9708-019B960494DF}">
-              <a14:hiddenLine xmlns:a14="http://schemas.microsoft.com/office/drawing/2010/main" w="9525">
-                <a:solidFill>
-                  <a:schemeClr val="tx1"/>
-                </a:solidFill>
-                <a:miter lim="800000"/>
-                <a:headEnd/>
-                <a:tailEnd/>
-              </a14:hiddenLine>
-            </a:ext>
-            <a:ext uri="{AF507438-7753-43E0-B8FC-AC1667EBCBE1}">
-              <a14:hiddenEffects xmlns:a14="http://schemas.microsoft.com/office/drawing/2010/main">
-                <a:effectLst>
-                  <a:outerShdw dist="35921" dir="2700000" algn="ctr" rotWithShape="0">
-                    <a:schemeClr val="bg2"/>
-                  </a:outerShdw>
-                </a:effectLst>
-              </a14:hiddenEffects>
-            </a:ext>
-          </a:extLst>
         </p:spPr>
         <p:txBody>
-          <a:bodyPr vert="horz" wrap="none" lIns="0" tIns="0" rIns="0" bIns="0" numCol="1" anchor="ctr" anchorCtr="0" compatLnSpc="1">
-            <a:prstTxWarp prst="textNoShape">
-              <a:avLst/>
-            </a:prstTxWarp>
-            <a:spAutoFit/>
-          </a:bodyPr>
-          <a:lstStyle/>
-          <a:p>
-            <a:pPr marL="0" marR="0" lvl="0" indent="0" algn="l" defTabSz="914400" rtl="0" eaLnBrk="0" fontAlgn="base" latinLnBrk="0" hangingPunct="0">
-              <a:lnSpc>
-                <a:spcPct val="100000"/>
-              </a:lnSpc>
-              <a:spcBef>
-                <a:spcPct val="0"/>
-              </a:spcBef>
-              <a:spcAft>
-                <a:spcPct val="0"/>
-              </a:spcAft>
-              <a:buClrTx/>
-              <a:buSzTx/>
-              <a:buFontTx/>
-              <a:buNone/>
-              <a:tabLst/>
-            </a:pPr>
-            <a:endParaRPr kumimoji="0" lang="en-US" altLang="en-US" sz="1800" b="0" i="0" u="none" strike="noStrike" cap="none" normalizeH="0" baseline="0" dirty="0">
-              <a:ln>
-                <a:noFill/>
-              </a:ln>
-              <a:solidFill>
-                <a:schemeClr val="tx1"/>
-              </a:solidFill>
-              <a:effectLst/>
-              <a:latin typeface="Arial" panose="020B0604020202020204" pitchFamily="34" charset="0"/>
-            </a:endParaRPr>
-          </a:p>
-        </p:txBody>
-      </p:sp>
-      <p:sp>
-        <p:nvSpPr>
-          <p:cNvPr id="7" name="Rectangle 3">
-            <a:extLst>
-              <a:ext uri="{FF2B5EF4-FFF2-40B4-BE49-F238E27FC236}">
-                <a16:creationId xmlns:a16="http://schemas.microsoft.com/office/drawing/2014/main" id="{E96210A1-7454-778D-6E16-DE1ECAA0AA15}"/>
-              </a:ext>
-            </a:extLst>
-          </p:cNvPr>
-          <p:cNvSpPr>
-            <a:spLocks noChangeArrowheads="1"/>
-          </p:cNvSpPr>
-          <p:nvPr/>
-        </p:nvSpPr>
-        <p:spPr bwMode="auto">
-          <a:xfrm>
-            <a:off x="222738" y="929918"/>
-            <a:ext cx="11570611" cy="5478423"/>
-          </a:xfrm>
-          <a:prstGeom prst="rect">
-            <a:avLst/>
-          </a:prstGeom>
-          <a:solidFill>
-            <a:schemeClr val="bg1"/>
-          </a:solidFill>
-          <a:ln>
-            <a:noFill/>
-          </a:ln>
-          <a:effectLst/>
-        </p:spPr>
-        <p:txBody>
-          <a:bodyPr vert="horz" wrap="square" lIns="0" tIns="0" rIns="0" bIns="0" numCol="1" anchor="ctr" anchorCtr="0" compatLnSpc="1">
-            <a:prstTxWarp prst="textNoShape">
-              <a:avLst/>
-            </a:prstTxWarp>
-            <a:spAutoFit/>
+          <a:bodyPr>
+            <a:normAutofit/>
           </a:bodyPr>
           <a:lstStyle/>
           <a:p>
@@ -12125,7 +12269,7 @@
               <a:tabLst/>
             </a:pPr>
             <a:r>
-              <a:rPr lang="en-US" altLang="en-US" sz="2600" dirty="0">
+              <a:rPr lang="en-US" altLang="en-US" sz="2400" dirty="0">
                 <a:solidFill>
                   <a:schemeClr val="tx2">
                     <a:lumMod val="90000"/>
@@ -12153,7 +12297,7 @@
               <a:tabLst/>
             </a:pPr>
             <a:r>
-              <a:rPr kumimoji="0" lang="en-US" altLang="en-US" sz="2600" b="0" i="0" u="none" strike="noStrike" cap="none" normalizeH="0" baseline="0" dirty="0">
+              <a:rPr kumimoji="0" lang="en-US" altLang="en-US" sz="2400" b="0" i="0" u="none" strike="noStrike" cap="none" normalizeH="0" baseline="0" dirty="0">
                 <a:ln>
                   <a:noFill/>
                 </a:ln>
@@ -12167,7 +12311,7 @@
               <a:t>Link prediction model to AP</a:t>
             </a:r>
             <a:r>
-              <a:rPr lang="en-US" altLang="en-US" sz="2600" dirty="0">
+              <a:rPr lang="en-US" altLang="en-US" sz="2400" dirty="0">
                 <a:solidFill>
                   <a:schemeClr val="tx2">
                     <a:lumMod val="90000"/>
@@ -12195,7 +12339,7 @@
               <a:tabLst/>
             </a:pPr>
             <a:r>
-              <a:rPr kumimoji="0" lang="en-US" altLang="en-US" sz="2600" b="0" i="0" u="none" strike="noStrike" cap="none" normalizeH="0" baseline="0" dirty="0">
+              <a:rPr kumimoji="0" lang="en-US" altLang="en-US" sz="2400" b="0" i="0" u="none" strike="noStrike" cap="none" normalizeH="0" baseline="0" dirty="0">
                 <a:ln>
                   <a:noFill/>
                 </a:ln>
@@ -12227,7 +12371,7 @@
               <a:tabLst/>
             </a:pPr>
             <a:r>
-              <a:rPr kumimoji="0" lang="en-US" altLang="en-US" sz="2600" b="0" i="0" u="none" strike="noStrike" cap="none" normalizeH="0" baseline="0" dirty="0">
+              <a:rPr kumimoji="0" lang="en-US" altLang="en-US" sz="2400" b="0" i="0" u="none" strike="noStrike" cap="none" normalizeH="0" baseline="0" dirty="0">
                 <a:ln>
                   <a:noFill/>
                 </a:ln>
@@ -12259,14 +12403,14 @@
               <a:tabLst/>
             </a:pPr>
             <a:r>
-              <a:rPr lang="en-US" altLang="en-US" sz="2600" dirty="0">
+              <a:rPr lang="en-US" altLang="en-US" sz="2400" dirty="0">
                 <a:solidFill>
                   <a:schemeClr val="tx2">
                     <a:lumMod val="90000"/>
                   </a:schemeClr>
                 </a:solidFill>
               </a:rPr>
-              <a:t>Use Dropout to prevent overfitting</a:t>
+              <a:t>Use Dropout &amp; Early Stopping in Keras</a:t>
             </a:r>
           </a:p>
           <a:p>
@@ -12287,26 +12431,15 @@
               <a:tabLst/>
             </a:pPr>
             <a:r>
-              <a:rPr kumimoji="0" lang="en-US" altLang="en-US" sz="2600" b="0" i="0" u="none" strike="noStrike" cap="none" normalizeH="0" baseline="0" dirty="0">
-                <a:ln>
-                  <a:noFill/>
-                </a:ln>
+              <a:rPr lang="en-US" altLang="en-US" sz="2400" dirty="0">
                 <a:solidFill>
                   <a:schemeClr val="tx2">
                     <a:lumMod val="90000"/>
                   </a:schemeClr>
                 </a:solidFill>
-                <a:effectLst/>
-              </a:rPr>
-              <a:t>Use Early Stopping to prevent overfitting</a:t>
-            </a:r>
-            <a:endParaRPr lang="en-US" altLang="en-US" sz="2600" dirty="0">
-              <a:solidFill>
-                <a:schemeClr val="tx2">
-                  <a:lumMod val="90000"/>
-                </a:schemeClr>
-              </a:solidFill>
-            </a:endParaRPr>
+              </a:rPr>
+              <a:t>More features – technical indicators</a:t>
+            </a:r>
           </a:p>
           <a:p>
             <a:pPr marL="342900" marR="0" lvl="0" indent="-342900" algn="l" defTabSz="914400" rtl="0" eaLnBrk="0" fontAlgn="base" latinLnBrk="0" hangingPunct="0">
@@ -12326,14 +12459,18 @@
               <a:tabLst/>
             </a:pPr>
             <a:r>
-              <a:rPr lang="en-US" altLang="en-US" sz="2600" dirty="0">
+              <a:rPr kumimoji="0" lang="en-US" altLang="en-US" sz="2400" b="0" i="0" u="none" strike="noStrike" cap="none" normalizeH="0" baseline="0" dirty="0">
+                <a:ln>
+                  <a:noFill/>
+                </a:ln>
                 <a:solidFill>
                   <a:schemeClr val="tx2">
                     <a:lumMod val="90000"/>
                   </a:schemeClr>
                 </a:solidFill>
-              </a:rPr>
-              <a:t>More features – technical indicators</a:t>
+                <a:effectLst/>
+              </a:rPr>
+              <a:t>Use other models (RNN, CNN, Random Forest)</a:t>
             </a:r>
           </a:p>
           <a:p>
@@ -12354,7 +12491,7 @@
               <a:tabLst/>
             </a:pPr>
             <a:r>
-              <a:rPr kumimoji="0" lang="en-US" altLang="en-US" sz="2600" b="0" i="0" u="none" strike="noStrike" cap="none" normalizeH="0" baseline="0" dirty="0">
+              <a:rPr kumimoji="0" lang="en-US" altLang="en-US" sz="2400" b="0" i="0" u="none" strike="noStrike" cap="none" normalizeH="0" baseline="0" dirty="0">
                 <a:ln>
                   <a:noFill/>
                 </a:ln>
@@ -12365,7 +12502,17 @@
                 </a:solidFill>
                 <a:effectLst/>
               </a:rPr>
-              <a:t>Use other RNN, CNN Models</a:t>
+              <a:t>Optimize hyperparameters – learning rate, batch si</a:t>
+            </a:r>
+            <a:r>
+              <a:rPr lang="en-US" altLang="en-US" sz="2400" dirty="0">
+                <a:solidFill>
+                  <a:schemeClr val="tx2">
+                    <a:lumMod val="90000"/>
+                  </a:schemeClr>
+                </a:solidFill>
+              </a:rPr>
+              <a:t>ze, # of epochs</a:t>
             </a:r>
           </a:p>
           <a:p>
@@ -12386,14 +12533,18 @@
               <a:tabLst/>
             </a:pPr>
             <a:r>
-              <a:rPr lang="en-US" altLang="en-US" sz="2600" dirty="0">
+              <a:rPr kumimoji="0" lang="en-US" altLang="en-US" sz="2400" b="0" i="0" u="none" strike="noStrike" cap="none" normalizeH="0" baseline="0" dirty="0">
+                <a:ln>
+                  <a:noFill/>
+                </a:ln>
                 <a:solidFill>
                   <a:schemeClr val="tx2">
                     <a:lumMod val="90000"/>
                   </a:schemeClr>
                 </a:solidFill>
-              </a:rPr>
-              <a:t>Try ensemble methods like Random Forest</a:t>
+                <a:effectLst/>
+              </a:rPr>
+              <a:t>Different Loss Function (Mean Absolute Percentage Error)</a:t>
             </a:r>
           </a:p>
           <a:p>
@@ -12414,90 +12565,16 @@
               <a:tabLst/>
             </a:pPr>
             <a:r>
-              <a:rPr kumimoji="0" lang="en-US" altLang="en-US" sz="2600" b="0" i="0" u="none" strike="noStrike" cap="none" normalizeH="0" baseline="0" dirty="0">
-                <a:ln>
-                  <a:noFill/>
-                </a:ln>
+              <a:rPr lang="en-US" altLang="en-US" sz="2400" dirty="0">
                 <a:solidFill>
                   <a:schemeClr val="tx2">
                     <a:lumMod val="90000"/>
                   </a:schemeClr>
                 </a:solidFill>
-                <a:effectLst/>
-              </a:rPr>
-              <a:t>Optimize hyperparameters – learning rate, batch si</a:t>
-            </a:r>
-            <a:r>
-              <a:rPr lang="en-US" altLang="en-US" sz="2600" dirty="0">
-                <a:solidFill>
-                  <a:schemeClr val="tx2">
-                    <a:lumMod val="90000"/>
-                  </a:schemeClr>
-                </a:solidFill>
-              </a:rPr>
-              <a:t>ze, # of epochs</a:t>
-            </a:r>
-          </a:p>
-          <a:p>
-            <a:pPr marL="342900" marR="0" lvl="0" indent="-342900" algn="l" defTabSz="914400" rtl="0" eaLnBrk="0" fontAlgn="base" latinLnBrk="0" hangingPunct="0">
-              <a:lnSpc>
-                <a:spcPct val="100000"/>
-              </a:lnSpc>
-              <a:spcBef>
-                <a:spcPct val="0"/>
-              </a:spcBef>
-              <a:spcAft>
-                <a:spcPct val="0"/>
-              </a:spcAft>
-              <a:buClrTx/>
-              <a:buSzTx/>
-              <a:buFont typeface="Arial" panose="020B0604020202020204" pitchFamily="34" charset="0"/>
-              <a:buChar char="•"/>
-              <a:tabLst/>
-            </a:pPr>
-            <a:r>
-              <a:rPr kumimoji="0" lang="en-US" altLang="en-US" sz="2600" b="0" i="0" u="none" strike="noStrike" cap="none" normalizeH="0" baseline="0" dirty="0">
-                <a:ln>
-                  <a:noFill/>
-                </a:ln>
-                <a:solidFill>
-                  <a:schemeClr val="tx2">
-                    <a:lumMod val="90000"/>
-                  </a:schemeClr>
-                </a:solidFill>
-                <a:effectLst/>
-              </a:rPr>
-              <a:t>Try using Loss Function Mean Absolute Percentage Error (MAPE) to evaluate model</a:t>
-            </a:r>
-          </a:p>
-          <a:p>
-            <a:pPr marL="342900" marR="0" lvl="0" indent="-342900" algn="l" defTabSz="914400" rtl="0" eaLnBrk="0" fontAlgn="base" latinLnBrk="0" hangingPunct="0">
-              <a:lnSpc>
-                <a:spcPct val="100000"/>
-              </a:lnSpc>
-              <a:spcBef>
-                <a:spcPct val="0"/>
-              </a:spcBef>
-              <a:spcAft>
-                <a:spcPct val="0"/>
-              </a:spcAft>
-              <a:buClrTx/>
-              <a:buSzTx/>
-              <a:buFont typeface="Arial" panose="020B0604020202020204" pitchFamily="34" charset="0"/>
-              <a:buChar char="•"/>
-              <a:tabLst/>
-            </a:pPr>
-            <a:r>
-              <a:rPr lang="en-US" altLang="en-US" sz="2600" dirty="0">
-                <a:solidFill>
-                  <a:schemeClr val="tx2">
-                    <a:lumMod val="90000"/>
-                  </a:schemeClr>
-                </a:solidFill>
-              </a:rPr>
-              <a:t>Try different activation functions like Sigmoid or Tanh</a:t>
-            </a:r>
-            <a:endParaRPr kumimoji="0" lang="en-US" altLang="en-US" sz="2600" b="0" i="0" u="none" strike="noStrike" cap="none" normalizeH="0" baseline="0" dirty="0">
+              </a:rPr>
+              <a:t>Try different activation functions (Sigmoid or Tanh)</a:t>
+            </a:r>
+            <a:endParaRPr kumimoji="0" lang="en-US" altLang="en-US" sz="2400" b="0" i="0" u="none" strike="noStrike" cap="none" normalizeH="0" baseline="0" dirty="0">
               <a:ln>
                 <a:noFill/>
               </a:ln>
@@ -12510,46 +12587,21 @@
             </a:endParaRPr>
           </a:p>
           <a:p>
-            <a:pPr marL="0" marR="0" lvl="0" indent="0" algn="l" defTabSz="914400" rtl="0" eaLnBrk="0" fontAlgn="base" latinLnBrk="0" hangingPunct="0">
-              <a:lnSpc>
-                <a:spcPct val="100000"/>
-              </a:lnSpc>
-              <a:spcBef>
-                <a:spcPct val="0"/>
-              </a:spcBef>
-              <a:spcAft>
-                <a:spcPct val="0"/>
-              </a:spcAft>
-              <a:buClrTx/>
-              <a:buSzTx/>
-              <a:buFontTx/>
-              <a:buNone/>
-              <a:tabLst/>
-            </a:pPr>
-            <a:endParaRPr kumimoji="0" lang="en-US" altLang="en-US" sz="1800" b="0" i="0" u="none" strike="noStrike" cap="none" normalizeH="0" baseline="0" dirty="0">
-              <a:ln>
-                <a:noFill/>
-              </a:ln>
-              <a:solidFill>
-                <a:schemeClr val="tx1"/>
-              </a:solidFill>
-              <a:effectLst/>
-              <a:latin typeface="Arial" panose="020B0604020202020204" pitchFamily="34" charset="0"/>
-            </a:endParaRPr>
+            <a:endParaRPr lang="en-US" dirty="0"/>
           </a:p>
         </p:txBody>
       </p:sp>
       <p:pic>
         <p:nvPicPr>
-          <p:cNvPr id="9" name="Picture 8" descr="Background pattern&#10;&#10;Description automatically generated">
+          <p:cNvPr id="1026" name="Picture 2" descr="Neural-Network Hardware Drives the Latest Machine-Learning Craze |  Electronic Design">
             <a:extLst>
               <a:ext uri="{FF2B5EF4-FFF2-40B4-BE49-F238E27FC236}">
-                <a16:creationId xmlns:a16="http://schemas.microsoft.com/office/drawing/2014/main" id="{AFFEDF0A-EED9-F68D-EB16-87497A30F5EF}"/>
+                <a16:creationId xmlns:a16="http://schemas.microsoft.com/office/drawing/2014/main" id="{7856C69F-B2E6-4F8A-7B41-633E5ABCFD42}"/>
               </a:ext>
             </a:extLst>
           </p:cNvPr>
           <p:cNvPicPr>
-            <a:picLocks noChangeAspect="1"/>
+            <a:picLocks noChangeAspect="1" noChangeArrowheads="1"/>
           </p:cNvPicPr>
           <p:nvPr/>
         </p:nvPicPr>
@@ -12559,31 +12611,39 @@
               <a:ext uri="{28A0092B-C50C-407E-A947-70E740481C1C}">
                 <a14:useLocalDpi xmlns:a14="http://schemas.microsoft.com/office/drawing/2010/main" val="0"/>
               </a:ext>
-              <a:ext uri="{837473B0-CC2E-450A-ABE3-18F120FF3D39}">
-                <a1611:picAttrSrcUrl xmlns:a1611="http://schemas.microsoft.com/office/drawing/2016/11/main" r:id="rId4"/>
-              </a:ext>
             </a:extLst>
           </a:blip>
+          <a:srcRect/>
           <a:stretch>
             <a:fillRect/>
           </a:stretch>
         </p:blipFill>
-        <p:spPr>
+        <p:spPr bwMode="auto">
           <a:xfrm>
-            <a:off x="8063772" y="1121325"/>
-            <a:ext cx="3121152" cy="2081784"/>
+            <a:off x="7631430" y="1099185"/>
+            <a:ext cx="3971034" cy="2207895"/>
           </a:xfrm>
           <a:prstGeom prst="rect">
             <a:avLst/>
           </a:prstGeom>
+          <a:noFill/>
+          <a:extLst>
+            <a:ext uri="{909E8E84-426E-40DD-AFC4-6F175D3DCCD1}">
+              <a14:hiddenFill xmlns:a14="http://schemas.microsoft.com/office/drawing/2010/main">
+                <a:solidFill>
+                  <a:srgbClr val="FFFFFF"/>
+                </a:solidFill>
+              </a14:hiddenFill>
+            </a:ext>
+          </a:extLst>
         </p:spPr>
       </p:pic>
       <p:sp>
         <p:nvSpPr>
-          <p:cNvPr id="10" name="TextBox 9">
+          <p:cNvPr id="12" name="TextBox 11">
             <a:extLst>
               <a:ext uri="{FF2B5EF4-FFF2-40B4-BE49-F238E27FC236}">
-                <a16:creationId xmlns:a16="http://schemas.microsoft.com/office/drawing/2014/main" id="{44C281EF-5C34-BE1E-DF86-B505DEA5A92F}"/>
+                <a16:creationId xmlns:a16="http://schemas.microsoft.com/office/drawing/2014/main" id="{143F6494-0D23-3898-74DD-96818005C846}"/>
               </a:ext>
             </a:extLst>
           </p:cNvPr>
@@ -12592,8 +12652,8 @@
         </p:nvSpPr>
         <p:spPr>
           <a:xfrm>
-            <a:off x="8063772" y="3203109"/>
-            <a:ext cx="3121152" cy="369332"/>
+            <a:off x="7998821" y="3328824"/>
+            <a:ext cx="3236252" cy="369332"/>
           </a:xfrm>
           <a:prstGeom prst="rect">
             <a:avLst/>
@@ -12607,29 +12667,29 @@
           <a:lstStyle/>
           <a:p>
             <a:r>
-              <a:rPr lang="en-US" sz="900">
+              <a:rPr lang="en-US" sz="900" dirty="0">
                 <a:hlinkClick r:id="rId4" tooltip="https://technofaq.org/posts/2020/09/the-fashion-of-the-future-what-will-tech-bring-next/"/>
               </a:rPr>
               <a:t>This Photo</a:t>
             </a:r>
             <a:r>
-              <a:rPr lang="en-US" sz="900"/>
+              <a:rPr lang="en-US" sz="900" dirty="0"/>
               <a:t> by Unknown Author is licensed under </a:t>
             </a:r>
             <a:r>
-              <a:rPr lang="en-US" sz="900">
+              <a:rPr lang="en-US" sz="900" dirty="0">
                 <a:hlinkClick r:id="rId5" tooltip="https://creativecommons.org/licenses/by-nc-sa/3.0/"/>
               </a:rPr>
               <a:t>CC BY-SA-NC</a:t>
             </a:r>
-            <a:endParaRPr lang="en-US" sz="900"/>
+            <a:endParaRPr lang="en-US" sz="900" dirty="0"/>
           </a:p>
         </p:txBody>
       </p:sp>
     </p:spTree>
     <p:extLst>
       <p:ext uri="{BB962C8B-B14F-4D97-AF65-F5344CB8AC3E}">
-        <p14:creationId xmlns:p14="http://schemas.microsoft.com/office/powerpoint/2010/main" val="3026855493"/>
+        <p14:creationId xmlns:p14="http://schemas.microsoft.com/office/powerpoint/2010/main" val="2760630526"/>
       </p:ext>
     </p:extLst>
   </p:cSld>
@@ -12837,7 +12897,7 @@
     </p:spTree>
     <p:extLst>
       <p:ext uri="{BB962C8B-B14F-4D97-AF65-F5344CB8AC3E}">
-        <p14:creationId xmlns:p14="http://schemas.microsoft.com/office/powerpoint/2010/main" val="2079342973"/>
+        <p14:creationId xmlns:p14="http://schemas.microsoft.com/office/powerpoint/2010/main" val="3026855493"/>
       </p:ext>
     </p:extLst>
   </p:cSld>
@@ -12902,7 +12962,7 @@
         <p:spPr>
           <a:xfrm>
             <a:off x="913795" y="1097280"/>
-            <a:ext cx="3256177" cy="4626863"/>
+            <a:ext cx="3841085" cy="4626863"/>
           </a:xfrm>
         </p:spPr>
         <p:txBody>
@@ -12912,14 +12972,20 @@
           <a:lstStyle/>
           <a:p>
             <a:r>
-              <a:rPr lang="en-US" sz="2600" dirty="0"/>
+              <a:rPr lang="en-US" sz="3200" b="1" dirty="0"/>
               <a:t>Cryptocurrency</a:t>
             </a:r>
           </a:p>
           <a:p>
-            <a:pPr algn="l"/>
-            <a:r>
-              <a:rPr lang="en-US" dirty="0">
+            <a:endParaRPr lang="en-US" sz="3200" b="1" dirty="0"/>
+          </a:p>
+          <a:p>
+            <a:pPr marL="342900" indent="-342900" algn="l">
+              <a:buFont typeface="Arial" panose="020B0604020202020204" pitchFamily="34" charset="0"/>
+              <a:buChar char="•"/>
+            </a:pPr>
+            <a:r>
+              <a:rPr lang="en-US" sz="2400" dirty="0">
                 <a:solidFill>
                   <a:srgbClr val="0070C0"/>
                 </a:solidFill>
@@ -12928,9 +12994,12 @@
             </a:r>
           </a:p>
           <a:p>
-            <a:pPr algn="l"/>
-            <a:r>
-              <a:rPr lang="en-US" dirty="0">
+            <a:pPr marL="342900" indent="-342900" algn="l">
+              <a:buFont typeface="Arial" panose="020B0604020202020204" pitchFamily="34" charset="0"/>
+              <a:buChar char="•"/>
+            </a:pPr>
+            <a:r>
+              <a:rPr lang="en-US" sz="2400" dirty="0">
                 <a:solidFill>
                   <a:srgbClr val="0070C0"/>
                 </a:solidFill>
@@ -12939,14 +13008,17 @@
             </a:r>
           </a:p>
           <a:p>
-            <a:pPr algn="l"/>
-            <a:r>
-              <a:rPr lang="en-US" dirty="0">
+            <a:pPr marL="342900" indent="-342900" algn="l">
+              <a:buFont typeface="Arial" panose="020B0604020202020204" pitchFamily="34" charset="0"/>
+              <a:buChar char="•"/>
+            </a:pPr>
+            <a:r>
+              <a:rPr lang="en-US" sz="2400" dirty="0">
                 <a:solidFill>
                   <a:srgbClr val="0070C0"/>
                 </a:solidFill>
               </a:rPr>
-              <a:t>Hard to understand </a:t>
+              <a:t>Volatile &amp; Hard to Predict</a:t>
             </a:r>
           </a:p>
           <a:p>
@@ -13109,8 +13181,8 @@
         </p:nvSpPr>
         <p:spPr>
           <a:xfrm>
-            <a:off x="7857028" y="1078523"/>
-            <a:ext cx="4030172" cy="4440059"/>
+            <a:off x="7239000" y="2885436"/>
+            <a:ext cx="4648200" cy="2633146"/>
           </a:xfrm>
         </p:spPr>
         <p:txBody>
@@ -13125,8 +13197,12 @@
               </a:lnSpc>
             </a:pPr>
             <a:r>
-              <a:rPr lang="en-US" sz="4000" b="1" dirty="0"/>
-              <a:t>5 cryptocurrencies:</a:t>
+              <a:rPr lang="en-US" sz="4900" b="1" dirty="0">
+                <a:solidFill>
+                  <a:srgbClr val="669900"/>
+                </a:solidFill>
+              </a:rPr>
+              <a:t>Five Cryptocurrencies:</a:t>
             </a:r>
             <a:br>
               <a:rPr lang="en-US" sz="4000" dirty="0"/>
@@ -13203,7 +13279,7 @@
         </p:blipFill>
         <p:spPr>
           <a:xfrm>
-            <a:off x="1380489" y="1438360"/>
+            <a:off x="908049" y="1103298"/>
             <a:ext cx="5562032" cy="3835314"/>
           </a:xfrm>
           <a:prstGeom prst="rect">
@@ -13225,7 +13301,7 @@
         </p:nvSpPr>
         <p:spPr>
           <a:xfrm>
-            <a:off x="1380489" y="5319612"/>
+            <a:off x="1146382" y="4938612"/>
             <a:ext cx="2542683" cy="200055"/>
           </a:xfrm>
           <a:prstGeom prst="rect">
@@ -13359,8 +13435,8 @@
         </p:nvSpPr>
         <p:spPr>
           <a:xfrm>
-            <a:off x="328246" y="1097280"/>
-            <a:ext cx="4360985" cy="4626863"/>
+            <a:off x="913795" y="1097280"/>
+            <a:ext cx="3256177" cy="4626863"/>
           </a:xfrm>
         </p:spPr>
         <p:txBody>
@@ -13403,7 +13479,7 @@
               </a:spcAft>
             </a:pPr>
             <a:r>
-              <a:rPr lang="en-US" sz="3600" dirty="0">
+              <a:rPr lang="en-US" sz="4000" b="1" dirty="0">
                 <a:solidFill>
                   <a:schemeClr val="tx2"/>
                 </a:solidFill>
@@ -13412,7 +13488,7 @@
                 <a:ea typeface="Calibri" panose="020F0502020204030204" pitchFamily="34" charset="0"/>
                 <a:cs typeface="Times New Roman" panose="02020603050405020304" pitchFamily="18" charset="0"/>
               </a:rPr>
-              <a:t>Purpose: </a:t>
+              <a:t>Purpose:</a:t>
             </a:r>
           </a:p>
           <a:p>
@@ -13427,59 +13503,17 @@
                 <a:spcPts val="0"/>
               </a:spcAft>
             </a:pPr>
-            <a:endParaRPr lang="en-US" sz="3600" dirty="0">
-              <a:solidFill>
-                <a:schemeClr val="tx2"/>
-              </a:solidFill>
-              <a:effectLst/>
-              <a:latin typeface="+mj-lt"/>
-              <a:ea typeface="Calibri" panose="020F0502020204030204" pitchFamily="34" charset="0"/>
-              <a:cs typeface="Times New Roman" panose="02020603050405020304" pitchFamily="18" charset="0"/>
-            </a:endParaRPr>
-          </a:p>
-          <a:p>
-            <a:pPr marL="457200" marR="0" algn="l">
-              <a:lnSpc>
-                <a:spcPts val="1800"/>
-              </a:lnSpc>
-              <a:spcBef>
-                <a:spcPts val="0"/>
-              </a:spcBef>
-              <a:spcAft>
-                <a:spcPts val="0"/>
-              </a:spcAft>
-            </a:pPr>
-            <a:endParaRPr lang="en-US" sz="2400" dirty="0">
-              <a:solidFill>
-                <a:srgbClr val="0070C0"/>
-              </a:solidFill>
-              <a:effectLst/>
-              <a:ea typeface="Calibri" panose="020F0502020204030204" pitchFamily="34" charset="0"/>
-              <a:cs typeface="Times New Roman" panose="02020603050405020304" pitchFamily="18" charset="0"/>
-            </a:endParaRPr>
-          </a:p>
-          <a:p>
-            <a:pPr marL="457200" marR="0" algn="l">
-              <a:lnSpc>
-                <a:spcPts val="1800"/>
-              </a:lnSpc>
-              <a:spcBef>
-                <a:spcPts val="0"/>
-              </a:spcBef>
-              <a:spcAft>
-                <a:spcPts val="0"/>
-              </a:spcAft>
-            </a:pPr>
-            <a:r>
-              <a:rPr lang="en-US" sz="2800" dirty="0">
-                <a:solidFill>
-                  <a:srgbClr val="0070C0"/>
+            <a:r>
+              <a:rPr lang="en-US" sz="4000" b="1" dirty="0">
+                <a:solidFill>
+                  <a:schemeClr val="tx2"/>
                 </a:solidFill>
                 <a:effectLst/>
+                <a:latin typeface="+mj-lt"/>
                 <a:ea typeface="Calibri" panose="020F0502020204030204" pitchFamily="34" charset="0"/>
                 <a:cs typeface="Times New Roman" panose="02020603050405020304" pitchFamily="18" charset="0"/>
               </a:rPr>
-              <a:t>What type of market? </a:t>
+              <a:t> </a:t>
             </a:r>
           </a:p>
           <a:p>
@@ -13495,13 +13529,16 @@
               </a:spcAft>
             </a:pPr>
             <a:endParaRPr lang="en-US" sz="2800" dirty="0">
+              <a:solidFill>
+                <a:srgbClr val="0070C0"/>
+              </a:solidFill>
               <a:effectLst/>
               <a:ea typeface="Calibri" panose="020F0502020204030204" pitchFamily="34" charset="0"/>
               <a:cs typeface="Times New Roman" panose="02020603050405020304" pitchFamily="18" charset="0"/>
             </a:endParaRPr>
           </a:p>
           <a:p>
-            <a:pPr marL="457200" marR="0" algn="l">
+            <a:pPr marL="914400" marR="0" indent="-457200" algn="l">
               <a:lnSpc>
                 <a:spcPts val="1800"/>
               </a:lnSpc>
@@ -13511,21 +13548,23 @@
               <a:spcAft>
                 <a:spcPts val="0"/>
               </a:spcAft>
+              <a:buFont typeface="+mj-lt"/>
+              <a:buAutoNum type="arabicPeriod"/>
             </a:pPr>
             <a:r>
               <a:rPr lang="en-US" sz="2800" dirty="0">
                 <a:solidFill>
-                  <a:srgbClr val="0070C0"/>
+                  <a:srgbClr val="669900"/>
                 </a:solidFill>
                 <a:effectLst/>
                 <a:ea typeface="Calibri" panose="020F0502020204030204" pitchFamily="34" charset="0"/>
                 <a:cs typeface="Times New Roman" panose="02020603050405020304" pitchFamily="18" charset="0"/>
               </a:rPr>
-              <a:t>Is it a good time to invest?</a:t>
-            </a:r>
-          </a:p>
-          <a:p>
-            <a:pPr marL="457200" marR="0" algn="l">
+              <a:t>What type of market? </a:t>
+            </a:r>
+          </a:p>
+          <a:p>
+            <a:pPr marL="914400" marR="0" indent="-457200" algn="l">
               <a:lnSpc>
                 <a:spcPts val="1800"/>
               </a:lnSpc>
@@ -13535,15 +13574,20 @@
               <a:spcAft>
                 <a:spcPts val="0"/>
               </a:spcAft>
+              <a:buFont typeface="+mj-lt"/>
+              <a:buAutoNum type="arabicPeriod"/>
             </a:pPr>
             <a:endParaRPr lang="en-US" sz="2800" dirty="0">
+              <a:solidFill>
+                <a:srgbClr val="669900"/>
+              </a:solidFill>
               <a:effectLst/>
               <a:ea typeface="Calibri" panose="020F0502020204030204" pitchFamily="34" charset="0"/>
               <a:cs typeface="Times New Roman" panose="02020603050405020304" pitchFamily="18" charset="0"/>
             </a:endParaRPr>
           </a:p>
           <a:p>
-            <a:pPr marL="457200" marR="0" algn="l">
+            <a:pPr marL="914400" marR="0" indent="-457200" algn="l">
               <a:lnSpc>
                 <a:spcPts val="1800"/>
               </a:lnSpc>
@@ -13553,21 +13597,23 @@
               <a:spcAft>
                 <a:spcPts val="0"/>
               </a:spcAft>
+              <a:buFont typeface="+mj-lt"/>
+              <a:buAutoNum type="arabicPeriod"/>
             </a:pPr>
             <a:r>
               <a:rPr lang="en-US" sz="2800" dirty="0">
                 <a:solidFill>
-                  <a:srgbClr val="0070C0"/>
+                  <a:srgbClr val="669900"/>
                 </a:solidFill>
                 <a:effectLst/>
                 <a:ea typeface="Calibri" panose="020F0502020204030204" pitchFamily="34" charset="0"/>
                 <a:cs typeface="Times New Roman" panose="02020603050405020304" pitchFamily="18" charset="0"/>
               </a:rPr>
-              <a:t>Is it a good time to sell?  </a:t>
-            </a:r>
-          </a:p>
-          <a:p>
-            <a:pPr marL="457200" marR="0" algn="l">
+              <a:t>Is it a good time to invest?</a:t>
+            </a:r>
+          </a:p>
+          <a:p>
+            <a:pPr marL="914400" marR="0" indent="-457200" algn="l">
               <a:lnSpc>
                 <a:spcPts val="1800"/>
               </a:lnSpc>
@@ -13577,15 +13623,20 @@
               <a:spcAft>
                 <a:spcPts val="0"/>
               </a:spcAft>
+              <a:buFont typeface="+mj-lt"/>
+              <a:buAutoNum type="arabicPeriod"/>
             </a:pPr>
             <a:endParaRPr lang="en-US" sz="2800" dirty="0">
+              <a:solidFill>
+                <a:srgbClr val="669900"/>
+              </a:solidFill>
               <a:effectLst/>
               <a:ea typeface="Calibri" panose="020F0502020204030204" pitchFamily="34" charset="0"/>
               <a:cs typeface="Times New Roman" panose="02020603050405020304" pitchFamily="18" charset="0"/>
             </a:endParaRPr>
           </a:p>
           <a:p>
-            <a:pPr marL="457200" marR="0" algn="l">
+            <a:pPr marL="914400" marR="0" indent="-457200" algn="l">
               <a:lnSpc>
                 <a:spcPts val="1800"/>
               </a:lnSpc>
@@ -13595,23 +13646,69 @@
               <a:spcAft>
                 <a:spcPts val="0"/>
               </a:spcAft>
+              <a:buFont typeface="+mj-lt"/>
+              <a:buAutoNum type="arabicPeriod"/>
             </a:pPr>
             <a:r>
               <a:rPr lang="en-US" sz="2800" dirty="0">
                 <a:solidFill>
-                  <a:srgbClr val="0070C0"/>
+                  <a:srgbClr val="669900"/>
                 </a:solidFill>
                 <a:effectLst/>
                 <a:ea typeface="Calibri" panose="020F0502020204030204" pitchFamily="34" charset="0"/>
                 <a:cs typeface="Times New Roman" panose="02020603050405020304" pitchFamily="18" charset="0"/>
               </a:rPr>
-              <a:t>Are there any trends that may be relevant?</a:t>
-            </a:r>
+              <a:t>Is it a good time to sell?  </a:t>
+            </a:r>
+          </a:p>
+          <a:p>
+            <a:pPr marL="914400" marR="0" indent="-457200" algn="l">
+              <a:lnSpc>
+                <a:spcPts val="1800"/>
+              </a:lnSpc>
+              <a:spcBef>
+                <a:spcPts val="0"/>
+              </a:spcBef>
+              <a:spcAft>
+                <a:spcPts val="0"/>
+              </a:spcAft>
+              <a:buFont typeface="+mj-lt"/>
+              <a:buAutoNum type="arabicPeriod"/>
+            </a:pPr>
             <a:endParaRPr lang="en-US" sz="2800" dirty="0">
+              <a:solidFill>
+                <a:srgbClr val="669900"/>
+              </a:solidFill>
               <a:effectLst/>
               <a:ea typeface="Calibri" panose="020F0502020204030204" pitchFamily="34" charset="0"/>
               <a:cs typeface="Times New Roman" panose="02020603050405020304" pitchFamily="18" charset="0"/>
             </a:endParaRPr>
+          </a:p>
+          <a:p>
+            <a:pPr marL="914400" marR="0" indent="-457200" algn="l">
+              <a:lnSpc>
+                <a:spcPts val="1800"/>
+              </a:lnSpc>
+              <a:spcBef>
+                <a:spcPts val="0"/>
+              </a:spcBef>
+              <a:spcAft>
+                <a:spcPts val="0"/>
+              </a:spcAft>
+              <a:buFont typeface="+mj-lt"/>
+              <a:buAutoNum type="arabicPeriod"/>
+            </a:pPr>
+            <a:r>
+              <a:rPr lang="en-US" sz="2800" dirty="0">
+                <a:solidFill>
+                  <a:srgbClr val="669900"/>
+                </a:solidFill>
+                <a:effectLst/>
+                <a:ea typeface="Calibri" panose="020F0502020204030204" pitchFamily="34" charset="0"/>
+                <a:cs typeface="Times New Roman" panose="02020603050405020304" pitchFamily="18" charset="0"/>
+              </a:rPr>
+              <a:t>Are there any trends that may be relevant?</a:t>
+            </a:r>
           </a:p>
         </p:txBody>
       </p:sp>
@@ -13769,8 +13866,8 @@
         </p:nvSpPr>
         <p:spPr>
           <a:xfrm>
-            <a:off x="7433320" y="366150"/>
-            <a:ext cx="4362440" cy="6080370"/>
+            <a:off x="7890668" y="366150"/>
+            <a:ext cx="3905092" cy="6080370"/>
           </a:xfrm>
         </p:spPr>
         <p:txBody>
@@ -13791,7 +13888,7 @@
               </a:spcAft>
             </a:pPr>
             <a:r>
-              <a:rPr lang="en-US" sz="3600" b="1" dirty="0">
+              <a:rPr lang="en-US" sz="4000" b="1" dirty="0">
                 <a:solidFill>
                   <a:schemeClr val="tx2"/>
                 </a:solidFill>
@@ -13801,6 +13898,48 @@
               </a:rPr>
               <a:t>Data: </a:t>
             </a:r>
+          </a:p>
+          <a:p>
+            <a:pPr marL="457200" marR="0" algn="l">
+              <a:lnSpc>
+                <a:spcPts val="1800"/>
+              </a:lnSpc>
+              <a:spcBef>
+                <a:spcPts val="0"/>
+              </a:spcBef>
+              <a:spcAft>
+                <a:spcPts val="0"/>
+              </a:spcAft>
+            </a:pPr>
+            <a:endParaRPr lang="en-US" sz="4000" b="1" dirty="0">
+              <a:solidFill>
+                <a:schemeClr val="tx2"/>
+              </a:solidFill>
+              <a:effectLst/>
+              <a:ea typeface="Calibri" panose="020F0502020204030204" pitchFamily="34" charset="0"/>
+              <a:cs typeface="Times New Roman" panose="02020603050405020304" pitchFamily="18" charset="0"/>
+            </a:endParaRPr>
+          </a:p>
+          <a:p>
+            <a:pPr marL="457200" marR="0" algn="l">
+              <a:lnSpc>
+                <a:spcPts val="1800"/>
+              </a:lnSpc>
+              <a:spcBef>
+                <a:spcPts val="0"/>
+              </a:spcBef>
+              <a:spcAft>
+                <a:spcPts val="0"/>
+              </a:spcAft>
+            </a:pPr>
+            <a:endParaRPr lang="en-US" sz="4000" b="1" dirty="0">
+              <a:solidFill>
+                <a:schemeClr val="tx2"/>
+              </a:solidFill>
+              <a:effectLst/>
+              <a:ea typeface="Calibri" panose="020F0502020204030204" pitchFamily="34" charset="0"/>
+              <a:cs typeface="Times New Roman" panose="02020603050405020304" pitchFamily="18" charset="0"/>
+            </a:endParaRPr>
           </a:p>
           <a:p>
             <a:pPr marL="457200" marR="0" algn="l">
@@ -13829,13 +13968,31 @@
               <a:buChar char="•"/>
             </a:pPr>
             <a:r>
-              <a:rPr lang="en-US" sz="2800" b="0" i="0" dirty="0">
+              <a:rPr lang="en-US" sz="2400" b="0" i="0" dirty="0">
                 <a:solidFill>
                   <a:srgbClr val="0070C0"/>
                 </a:solidFill>
                 <a:effectLst/>
               </a:rPr>
-              <a:t>API connections </a:t>
+              <a:t> API </a:t>
+            </a:r>
+            <a:r>
+              <a:rPr lang="en-US" sz="2400" dirty="0">
+                <a:solidFill>
+                  <a:srgbClr val="0070C0"/>
+                </a:solidFill>
+                <a:effectLst/>
+              </a:rPr>
+              <a:t>R</a:t>
+            </a:r>
+            <a:r>
+              <a:rPr lang="en-US" sz="2400" b="0" i="0" dirty="0">
+                <a:solidFill>
+                  <a:srgbClr val="0070C0"/>
+                </a:solidFill>
+                <a:effectLst/>
+              </a:rPr>
+              <a:t>equests </a:t>
             </a:r>
           </a:p>
           <a:p>
@@ -13844,28 +14001,13 @@
               <a:buChar char="•"/>
             </a:pPr>
             <a:r>
-              <a:rPr lang="en-US" sz="2800" b="0" i="0" dirty="0">
+              <a:rPr lang="en-US" sz="2400" b="0" i="0" dirty="0">
                 <a:solidFill>
                   <a:srgbClr val="0070C0"/>
                 </a:solidFill>
                 <a:effectLst/>
               </a:rPr>
-              <a:t>Machine Learning Module</a:t>
-            </a:r>
-          </a:p>
-          <a:p>
-            <a:pPr algn="l">
-              <a:buFont typeface="Arial" panose="020B0604020202020204" pitchFamily="34" charset="0"/>
-              <a:buChar char="•"/>
-            </a:pPr>
-            <a:r>
-              <a:rPr lang="en-US" sz="2800" b="0" i="0" dirty="0">
-                <a:solidFill>
-                  <a:srgbClr val="0070C0"/>
-                </a:solidFill>
-                <a:effectLst/>
-              </a:rPr>
-              <a:t>Trends</a:t>
+              <a:t> Monthly/Daily Time Series (10 YEARS)</a:t>
             </a:r>
           </a:p>
         </p:txBody>
@@ -13901,8 +14043,8 @@
         </p:blipFill>
         <p:spPr>
           <a:xfrm>
-            <a:off x="633529" y="1528033"/>
-            <a:ext cx="6492240" cy="3651885"/>
+            <a:off x="616941" y="1264920"/>
+            <a:ext cx="6816379" cy="3834213"/>
           </a:xfrm>
           <a:prstGeom prst="rect">
             <a:avLst/>
@@ -14155,14 +14297,14 @@
           <p:nvPr>
             <p:extLst>
               <p:ext uri="{D42A27DB-BD31-4B8C-83A1-F6EECF244321}">
-                <p14:modId xmlns:p14="http://schemas.microsoft.com/office/powerpoint/2010/main" val="1305520546"/>
+                <p14:modId xmlns:p14="http://schemas.microsoft.com/office/powerpoint/2010/main" val="1452297807"/>
               </p:ext>
             </p:extLst>
           </p:nvPr>
         </p:nvGraphicFramePr>
         <p:xfrm>
-          <a:off x="1454641" y="1151740"/>
-          <a:ext cx="9362660" cy="5338110"/>
+          <a:off x="1409346" y="1066619"/>
+          <a:ext cx="9362660" cy="5298897"/>
         </p:xfrm>
         <a:graphic>
           <a:graphicData uri="http://schemas.openxmlformats.org/drawingml/2006/table">
@@ -14208,9 +14350,9 @@
                     <a:p>
                       <a:pPr algn="ctr"/>
                       <a:r>
-                        <a:rPr lang="en-US" sz="2400" dirty="0">
+                        <a:rPr lang="en-US" dirty="0">
                           <a:solidFill>
-                            <a:schemeClr val="bg1"/>
+                            <a:srgbClr val="00642D"/>
                           </a:solidFill>
                         </a:rPr>
                         <a:t>Software</a:t>
@@ -14226,9 +14368,9 @@
                     <a:p>
                       <a:pPr algn="ctr"/>
                       <a:r>
-                        <a:rPr lang="en-US" sz="2400" dirty="0">
+                        <a:rPr lang="en-US" dirty="0">
                           <a:solidFill>
-                            <a:schemeClr val="bg1"/>
+                            <a:srgbClr val="00642D"/>
                           </a:solidFill>
                         </a:rPr>
                         <a:t>Languages</a:t>
@@ -14244,9 +14386,9 @@
                     <a:p>
                       <a:pPr algn="ctr"/>
                       <a:r>
-                        <a:rPr lang="en-US" sz="2400" dirty="0">
+                        <a:rPr lang="en-US" dirty="0">
                           <a:solidFill>
-                            <a:schemeClr val="bg1"/>
+                            <a:srgbClr val="00642D"/>
                           </a:solidFill>
                         </a:rPr>
                         <a:t>Libraries</a:t>
@@ -14262,9 +14404,9 @@
                     <a:p>
                       <a:pPr algn="ctr"/>
                       <a:r>
-                        <a:rPr lang="en-US" sz="2400" dirty="0">
+                        <a:rPr lang="en-US" dirty="0">
                           <a:solidFill>
-                            <a:schemeClr val="bg1"/>
+                            <a:srgbClr val="00642D"/>
                           </a:solidFill>
                         </a:rPr>
                         <a:t>Sources</a:t>
@@ -14287,7 +14429,7 @@
                     <a:p>
                       <a:pPr algn="ctr"/>
                       <a:r>
-                        <a:rPr lang="en-US" sz="2000" dirty="0">
+                        <a:rPr lang="en-US" dirty="0">
                           <a:solidFill>
                             <a:schemeClr val="bg1"/>
                           </a:solidFill>
@@ -14305,7 +14447,7 @@
                     <a:p>
                       <a:pPr algn="ctr"/>
                       <a:r>
-                        <a:rPr lang="en-US" sz="2000" dirty="0">
+                        <a:rPr lang="en-US" dirty="0">
                           <a:solidFill>
                             <a:schemeClr val="bg1"/>
                           </a:solidFill>
@@ -14323,7 +14465,7 @@
                     <a:p>
                       <a:pPr algn="ctr"/>
                       <a:r>
-                        <a:rPr lang="en-US" sz="2000" b="0" i="0" kern="1200" dirty="0">
+                        <a:rPr lang="en-US" sz="1800" b="0" i="0" kern="1200" dirty="0">
                           <a:solidFill>
                             <a:schemeClr val="dk1"/>
                           </a:solidFill>
@@ -14334,7 +14476,7 @@
                         </a:rPr>
                         <a:t>TensorFlow</a:t>
                       </a:r>
-                      <a:endParaRPr lang="en-US" sz="2000" dirty="0">
+                      <a:endParaRPr lang="en-US" dirty="0">
                         <a:solidFill>
                           <a:schemeClr val="bg1"/>
                         </a:solidFill>
@@ -14350,7 +14492,7 @@
                     <a:p>
                       <a:pPr algn="ctr"/>
                       <a:r>
-                        <a:rPr lang="en-US" sz="2000" b="0" i="0" kern="1200" dirty="0">
+                        <a:rPr lang="en-US" sz="1800" b="0" i="0" kern="1200" dirty="0">
                           <a:solidFill>
                             <a:schemeClr val="dk1"/>
                           </a:solidFill>
@@ -14362,7 +14504,7 @@
                         <a:t> </a:t>
                       </a:r>
                       <a:r>
-                        <a:rPr lang="en-US" sz="2000" b="0" i="0" kern="1200" dirty="0" err="1">
+                        <a:rPr lang="en-US" sz="1800" b="0" i="0" kern="1200" dirty="0" err="1">
                           <a:solidFill>
                             <a:schemeClr val="dk1"/>
                           </a:solidFill>
@@ -14373,7 +14515,7 @@
                         </a:rPr>
                         <a:t>Coinmetrics</a:t>
                       </a:r>
-                      <a:endParaRPr lang="en-US" sz="2000" dirty="0">
+                      <a:endParaRPr lang="en-US" dirty="0">
                         <a:solidFill>
                           <a:schemeClr val="bg1"/>
                         </a:solidFill>
@@ -14396,7 +14538,7 @@
                     <a:p>
                       <a:pPr algn="ctr"/>
                       <a:r>
-                        <a:rPr lang="en-US" sz="2000" dirty="0">
+                        <a:rPr lang="en-US" dirty="0">
                           <a:solidFill>
                             <a:schemeClr val="bg1"/>
                           </a:solidFill>
@@ -14404,14 +14546,14 @@
                         <a:t>Google </a:t>
                       </a:r>
                       <a:r>
-                        <a:rPr lang="en-US" sz="2000" dirty="0" err="1">
+                        <a:rPr lang="en-US" dirty="0" err="1">
                           <a:solidFill>
                             <a:schemeClr val="bg1"/>
                           </a:solidFill>
                         </a:rPr>
                         <a:t>Colab</a:t>
                       </a:r>
-                      <a:endParaRPr lang="en-US" sz="2000" dirty="0">
+                      <a:endParaRPr lang="en-US" dirty="0">
                         <a:solidFill>
                           <a:schemeClr val="bg1"/>
                         </a:solidFill>
@@ -14443,14 +14585,14 @@
                         <a:defRPr/>
                       </a:pPr>
                       <a:r>
-                        <a:rPr lang="en-US" sz="2000" dirty="0" err="1">
+                        <a:rPr lang="en-US" dirty="0" err="1">
                           <a:solidFill>
                             <a:schemeClr val="bg1"/>
                           </a:solidFill>
                         </a:rPr>
                         <a:t>Javascript</a:t>
                       </a:r>
-                      <a:endParaRPr lang="en-US" sz="2000" dirty="0">
+                      <a:endParaRPr lang="en-US" dirty="0">
                         <a:solidFill>
                           <a:schemeClr val="bg1"/>
                         </a:solidFill>
@@ -14466,7 +14608,7 @@
                     <a:p>
                       <a:pPr algn="ctr"/>
                       <a:r>
-                        <a:rPr lang="en-US" sz="2000" b="0" i="0" kern="1200" dirty="0">
+                        <a:rPr lang="en-US" sz="1800" b="0" i="0" kern="1200" dirty="0">
                           <a:solidFill>
                             <a:schemeClr val="dk1"/>
                           </a:solidFill>
@@ -14477,7 +14619,7 @@
                         </a:rPr>
                         <a:t>Matplotlib</a:t>
                       </a:r>
-                      <a:endParaRPr lang="en-US" sz="2000" dirty="0">
+                      <a:endParaRPr lang="en-US" dirty="0">
                         <a:solidFill>
                           <a:schemeClr val="bg1"/>
                         </a:solidFill>
@@ -14493,7 +14635,7 @@
                     <a:p>
                       <a:pPr algn="ctr"/>
                       <a:r>
-                        <a:rPr lang="en-US" sz="2000" dirty="0">
+                        <a:rPr lang="en-US" dirty="0">
                           <a:solidFill>
                             <a:schemeClr val="bg1"/>
                           </a:solidFill>
@@ -14518,7 +14660,7 @@
                     <a:p>
                       <a:pPr algn="ctr"/>
                       <a:r>
-                        <a:rPr lang="en-US" sz="2000" dirty="0" err="1">
+                        <a:rPr lang="en-US" dirty="0" err="1">
                           <a:solidFill>
                             <a:schemeClr val="bg1"/>
                           </a:solidFill>
@@ -14526,7 +14668,7 @@
                         <a:t>Jupyter</a:t>
                       </a:r>
                       <a:r>
-                        <a:rPr lang="en-US" sz="2000" dirty="0">
+                        <a:rPr lang="en-US" dirty="0">
                           <a:solidFill>
                             <a:schemeClr val="bg1"/>
                           </a:solidFill>
@@ -14544,7 +14686,7 @@
                     <a:p>
                       <a:pPr algn="ctr"/>
                       <a:r>
-                        <a:rPr lang="en-US" sz="2000" dirty="0">
+                        <a:rPr lang="en-US" dirty="0">
                           <a:solidFill>
                             <a:schemeClr val="bg1"/>
                           </a:solidFill>
@@ -14562,7 +14704,7 @@
                     <a:p>
                       <a:pPr algn="ctr"/>
                       <a:r>
-                        <a:rPr lang="en-US" sz="2000" b="0" i="0" kern="1200" dirty="0">
+                        <a:rPr lang="en-US" sz="1800" b="0" i="0" kern="1200" dirty="0">
                           <a:solidFill>
                             <a:schemeClr val="dk1"/>
                           </a:solidFill>
@@ -14573,7 +14715,7 @@
                         </a:rPr>
                         <a:t>glob</a:t>
                       </a:r>
-                      <a:endParaRPr lang="en-US" sz="2000" dirty="0">
+                      <a:endParaRPr lang="en-US" dirty="0">
                         <a:solidFill>
                           <a:schemeClr val="bg1"/>
                         </a:solidFill>
@@ -14589,7 +14731,7 @@
                     <a:p>
                       <a:pPr algn="ctr"/>
                       <a:r>
-                        <a:rPr lang="en-US" sz="2000" dirty="0">
+                        <a:rPr lang="en-US" dirty="0">
                           <a:solidFill>
                             <a:schemeClr val="bg1"/>
                           </a:solidFill>
@@ -14614,7 +14756,7 @@
                     <a:p>
                       <a:pPr algn="ctr"/>
                       <a:r>
-                        <a:rPr lang="en-US" sz="2000" dirty="0">
+                        <a:rPr lang="en-US" dirty="0">
                           <a:solidFill>
                             <a:schemeClr val="bg1"/>
                           </a:solidFill>
@@ -14632,7 +14774,7 @@
                     <a:p>
                       <a:pPr algn="ctr"/>
                       <a:r>
-                        <a:rPr lang="en-US" sz="2000" dirty="0">
+                        <a:rPr lang="en-US" dirty="0">
                           <a:solidFill>
                             <a:schemeClr val="bg1"/>
                           </a:solidFill>
@@ -14650,7 +14792,7 @@
                     <a:p>
                       <a:pPr algn="ctr"/>
                       <a:r>
-                        <a:rPr lang="en-US" sz="2000" b="0" i="0" kern="1200" dirty="0" err="1">
+                        <a:rPr lang="en-US" sz="1800" b="0" i="0" kern="1200" dirty="0">
                           <a:solidFill>
                             <a:schemeClr val="dk1"/>
                           </a:solidFill>
@@ -14659,9 +14801,9 @@
                           <a:ea typeface="+mn-ea"/>
                           <a:cs typeface="+mn-cs"/>
                         </a:rPr>
-                        <a:t>Numpy</a:t>
+                        <a:t>NumPy</a:t>
                       </a:r>
-                      <a:endParaRPr lang="en-US" sz="2000" dirty="0">
+                      <a:endParaRPr lang="en-US" dirty="0">
                         <a:solidFill>
                           <a:schemeClr val="bg1"/>
                         </a:solidFill>
@@ -14677,7 +14819,7 @@
                     <a:p>
                       <a:pPr algn="ctr"/>
                       <a:r>
-                        <a:rPr lang="en-US" sz="2000" dirty="0">
+                        <a:rPr lang="en-US" dirty="0">
                           <a:solidFill>
                             <a:schemeClr val="bg1"/>
                           </a:solidFill>
@@ -14702,14 +14844,14 @@
                     <a:p>
                       <a:pPr algn="ctr"/>
                       <a:r>
-                        <a:rPr lang="en-US" sz="2000" dirty="0" err="1">
+                        <a:rPr lang="en-US" dirty="0" err="1">
                           <a:solidFill>
                             <a:schemeClr val="bg1"/>
                           </a:solidFill>
                         </a:rPr>
                         <a:t>QuickDBD</a:t>
                       </a:r>
-                      <a:endParaRPr lang="en-US" sz="2000" dirty="0">
+                      <a:endParaRPr lang="en-US" dirty="0">
                         <a:solidFill>
                           <a:schemeClr val="bg1"/>
                         </a:solidFill>
@@ -14724,7 +14866,7 @@
                     <a:lstStyle/>
                     <a:p>
                       <a:pPr algn="ctr"/>
-                      <a:endParaRPr lang="en-US" sz="2000" dirty="0">
+                      <a:endParaRPr lang="en-US" dirty="0">
                         <a:solidFill>
                           <a:schemeClr val="bg1"/>
                         </a:solidFill>
@@ -14740,7 +14882,7 @@
                     <a:p>
                       <a:pPr algn="ctr"/>
                       <a:r>
-                        <a:rPr lang="en-US" sz="2000" b="0" i="0" kern="1200" dirty="0">
+                        <a:rPr lang="en-US" sz="1800" b="0" i="0" kern="1200" dirty="0">
                           <a:solidFill>
                             <a:schemeClr val="dk1"/>
                           </a:solidFill>
@@ -14751,7 +14893,7 @@
                         </a:rPr>
                         <a:t>Scikit-learn</a:t>
                       </a:r>
-                      <a:endParaRPr lang="en-US" sz="2000" dirty="0">
+                      <a:endParaRPr lang="en-US" dirty="0">
                         <a:solidFill>
                           <a:schemeClr val="bg1"/>
                         </a:solidFill>
@@ -14767,7 +14909,7 @@
                     <a:p>
                       <a:pPr algn="ctr"/>
                       <a:r>
-                        <a:rPr lang="en-US" sz="2000" dirty="0">
+                        <a:rPr lang="en-US" dirty="0">
                           <a:solidFill>
                             <a:schemeClr val="bg1"/>
                           </a:solidFill>
@@ -14791,7 +14933,7 @@
                     <a:lstStyle/>
                     <a:p>
                       <a:pPr algn="ctr"/>
-                      <a:endParaRPr lang="en-US" sz="2000" dirty="0">
+                      <a:endParaRPr lang="en-US" dirty="0">
                         <a:solidFill>
                           <a:schemeClr val="bg1"/>
                         </a:solidFill>
@@ -14806,7 +14948,7 @@
                     <a:lstStyle/>
                     <a:p>
                       <a:pPr algn="ctr"/>
-                      <a:endParaRPr lang="en-US" sz="2000" dirty="0">
+                      <a:endParaRPr lang="en-US" dirty="0">
                         <a:solidFill>
                           <a:schemeClr val="bg1"/>
                         </a:solidFill>
@@ -14822,7 +14964,7 @@
                     <a:p>
                       <a:pPr algn="ctr"/>
                       <a:r>
-                        <a:rPr lang="en-US" sz="2000" dirty="0">
+                        <a:rPr lang="en-US" dirty="0">
                           <a:solidFill>
                             <a:schemeClr val="bg1"/>
                           </a:solidFill>
@@ -14840,7 +14982,7 @@
                     <a:p>
                       <a:pPr algn="ctr"/>
                       <a:r>
-                        <a:rPr lang="en-US" sz="2000" dirty="0" err="1">
+                        <a:rPr lang="en-US" dirty="0" err="1">
                           <a:solidFill>
                             <a:schemeClr val="bg1"/>
                           </a:solidFill>
@@ -14848,7 +14990,7 @@
                         <a:t>Coindesk</a:t>
                       </a:r>
                       <a:r>
-                        <a:rPr lang="en-US" sz="2000" dirty="0">
+                        <a:rPr lang="en-US" dirty="0">
                           <a:solidFill>
                             <a:schemeClr val="bg1"/>
                           </a:solidFill>
@@ -14872,7 +15014,7 @@
                     <a:lstStyle/>
                     <a:p>
                       <a:pPr algn="ctr"/>
-                      <a:endParaRPr lang="en-US" sz="2000">
+                      <a:endParaRPr lang="en-US">
                         <a:solidFill>
                           <a:schemeClr val="bg1"/>
                         </a:solidFill>
@@ -14887,7 +15029,7 @@
                     <a:lstStyle/>
                     <a:p>
                       <a:pPr algn="ctr"/>
-                      <a:endParaRPr lang="en-US" sz="2000">
+                      <a:endParaRPr lang="en-US">
                         <a:solidFill>
                           <a:schemeClr val="bg1"/>
                         </a:solidFill>
@@ -14919,7 +15061,7 @@
                         <a:defRPr/>
                       </a:pPr>
                       <a:r>
-                        <a:rPr lang="en-US" sz="2000" b="0" i="0" kern="1200" dirty="0">
+                        <a:rPr lang="en-US" sz="1800" b="0" i="0" kern="1200" dirty="0">
                           <a:solidFill>
                             <a:schemeClr val="dk1"/>
                           </a:solidFill>
@@ -14930,7 +15072,7 @@
                         </a:rPr>
                         <a:t> Requests</a:t>
                       </a:r>
-                      <a:endParaRPr lang="en-US" sz="2000" dirty="0">
+                      <a:endParaRPr lang="en-US" dirty="0">
                         <a:solidFill>
                           <a:schemeClr val="bg1"/>
                         </a:solidFill>
@@ -14945,7 +15087,7 @@
                     <a:lstStyle/>
                     <a:p>
                       <a:pPr algn="ctr"/>
-                      <a:endParaRPr lang="en-US" sz="2000" dirty="0">
+                      <a:endParaRPr lang="en-US" dirty="0">
                         <a:solidFill>
                           <a:schemeClr val="bg1"/>
                         </a:solidFill>
@@ -14967,7 +15109,7 @@
                     <a:lstStyle/>
                     <a:p>
                       <a:pPr algn="ctr"/>
-                      <a:endParaRPr lang="en-US" sz="2000">
+                      <a:endParaRPr lang="en-US">
                         <a:solidFill>
                           <a:schemeClr val="bg1"/>
                         </a:solidFill>
@@ -14982,7 +15124,7 @@
                     <a:lstStyle/>
                     <a:p>
                       <a:pPr algn="ctr"/>
-                      <a:endParaRPr lang="en-US" sz="2000">
+                      <a:endParaRPr lang="en-US">
                         <a:solidFill>
                           <a:schemeClr val="bg1"/>
                         </a:solidFill>
@@ -15014,7 +15156,7 @@
                         <a:defRPr/>
                       </a:pPr>
                       <a:r>
-                        <a:rPr lang="en-US" sz="2000" dirty="0">
+                        <a:rPr lang="en-US" dirty="0">
                           <a:solidFill>
                             <a:schemeClr val="bg1"/>
                           </a:solidFill>
@@ -15031,7 +15173,7 @@
                     <a:lstStyle/>
                     <a:p>
                       <a:pPr algn="ctr"/>
-                      <a:endParaRPr lang="en-US" sz="2000" dirty="0">
+                      <a:endParaRPr lang="en-US" dirty="0">
                         <a:solidFill>
                           <a:schemeClr val="bg1"/>
                         </a:solidFill>
@@ -15053,7 +15195,7 @@
                     <a:lstStyle/>
                     <a:p>
                       <a:pPr algn="ctr"/>
-                      <a:endParaRPr lang="en-US" sz="2000" dirty="0">
+                      <a:endParaRPr lang="en-US">
                         <a:solidFill>
                           <a:schemeClr val="bg1"/>
                         </a:solidFill>
@@ -15068,7 +15210,7 @@
                     <a:lstStyle/>
                     <a:p>
                       <a:pPr algn="ctr"/>
-                      <a:endParaRPr lang="en-US" sz="2000">
+                      <a:endParaRPr lang="en-US">
                         <a:solidFill>
                           <a:schemeClr val="bg1"/>
                         </a:solidFill>
@@ -15100,7 +15242,7 @@
                         <a:defRPr/>
                       </a:pPr>
                       <a:r>
-                        <a:rPr lang="en-US" sz="2000" dirty="0">
+                        <a:rPr lang="en-US" dirty="0">
                           <a:solidFill>
                             <a:schemeClr val="bg1"/>
                           </a:solidFill>
@@ -15117,7 +15259,7 @@
                     <a:lstStyle/>
                     <a:p>
                       <a:pPr algn="ctr"/>
-                      <a:endParaRPr lang="en-US" sz="2000" dirty="0">
+                      <a:endParaRPr lang="en-US" dirty="0">
                         <a:solidFill>
                           <a:schemeClr val="bg1"/>
                         </a:solidFill>
@@ -15139,7 +15281,7 @@
                     <a:lstStyle/>
                     <a:p>
                       <a:pPr algn="ctr"/>
-                      <a:endParaRPr lang="en-US" sz="2000">
+                      <a:endParaRPr lang="en-US">
                         <a:solidFill>
                           <a:schemeClr val="bg1"/>
                         </a:solidFill>
@@ -15154,7 +15296,7 @@
                     <a:lstStyle/>
                     <a:p>
                       <a:pPr algn="ctr"/>
-                      <a:endParaRPr lang="en-US" sz="2000">
+                      <a:endParaRPr lang="en-US">
                         <a:solidFill>
                           <a:schemeClr val="bg1"/>
                         </a:solidFill>
@@ -15186,18 +15328,13 @@
                         <a:defRPr/>
                       </a:pPr>
                       <a:r>
-                        <a:rPr lang="en-US" sz="2000" dirty="0" err="1">
+                        <a:rPr lang="en-US" dirty="0">
                           <a:solidFill>
                             <a:schemeClr val="bg1"/>
                           </a:solidFill>
                         </a:rPr>
                         <a:t>Keras</a:t>
                       </a:r>
-                      <a:endParaRPr lang="en-US" sz="2000" dirty="0">
-                        <a:solidFill>
-                          <a:schemeClr val="bg1"/>
-                        </a:solidFill>
-                      </a:endParaRPr>
                     </a:p>
                   </a:txBody>
                   <a:tcPr/>
@@ -15208,7 +15345,7 @@
                     <a:lstStyle/>
                     <a:p>
                       <a:pPr algn="ctr"/>
-                      <a:endParaRPr lang="en-US" sz="2000" dirty="0">
+                      <a:endParaRPr lang="en-US" dirty="0">
                         <a:solidFill>
                           <a:schemeClr val="bg1"/>
                         </a:solidFill>
@@ -15230,7 +15367,7 @@
                     <a:lstStyle/>
                     <a:p>
                       <a:pPr algn="ctr"/>
-                      <a:endParaRPr lang="en-US" sz="2000">
+                      <a:endParaRPr lang="en-US">
                         <a:solidFill>
                           <a:schemeClr val="bg1"/>
                         </a:solidFill>
@@ -15245,7 +15382,7 @@
                     <a:lstStyle/>
                     <a:p>
                       <a:pPr algn="ctr"/>
-                      <a:endParaRPr lang="en-US" sz="2000">
+                      <a:endParaRPr lang="en-US">
                         <a:solidFill>
                           <a:schemeClr val="bg1"/>
                         </a:solidFill>
@@ -15277,14 +15414,14 @@
                         <a:defRPr/>
                       </a:pPr>
                       <a:r>
-                        <a:rPr lang="en-US" sz="2000" dirty="0" err="1">
+                        <a:rPr lang="en-US" dirty="0" err="1">
                           <a:solidFill>
                             <a:schemeClr val="bg1"/>
                           </a:solidFill>
                         </a:rPr>
                         <a:t>DateTime</a:t>
                       </a:r>
-                      <a:endParaRPr lang="en-US" sz="2000" dirty="0">
+                      <a:endParaRPr lang="en-US" dirty="0">
                         <a:solidFill>
                           <a:schemeClr val="bg1"/>
                         </a:solidFill>
@@ -15299,7 +15436,7 @@
                     <a:lstStyle/>
                     <a:p>
                       <a:pPr algn="ctr"/>
-                      <a:endParaRPr lang="en-US" sz="2000" dirty="0">
+                      <a:endParaRPr lang="en-US" dirty="0">
                         <a:solidFill>
                           <a:schemeClr val="bg1"/>
                         </a:solidFill>
@@ -15336,7 +15473,7 @@
         </p:nvSpPr>
         <p:spPr>
           <a:xfrm>
-            <a:off x="913795" y="96520"/>
+            <a:off x="1035715" y="148949"/>
             <a:ext cx="10353762" cy="687070"/>
           </a:xfrm>
         </p:spPr>
@@ -15347,15 +15484,12 @@
           <a:lstStyle/>
           <a:p>
             <a:r>
-              <a:rPr lang="en-US" dirty="0">
-                <a:solidFill>
-                  <a:schemeClr val="bg2">
-                    <a:lumMod val="10000"/>
-                    <a:lumOff val="90000"/>
-                  </a:schemeClr>
-                </a:solidFill>
-              </a:rPr>
-              <a:t>Resources</a:t>
+              <a:rPr lang="en-US" b="1" dirty="0">
+                <a:solidFill>
+                  <a:srgbClr val="FFC000"/>
+                </a:solidFill>
+              </a:rPr>
+              <a:t>Tools &amp; Resources</a:t>
             </a:r>
           </a:p>
         </p:txBody>
@@ -15472,7 +15606,7 @@
         </p:spPr>
         <p:txBody>
           <a:bodyPr vert="horz" lIns="91440" tIns="45720" rIns="91440" bIns="45720" rtlCol="0" anchor="ctr">
-            <a:normAutofit fontScale="92500" lnSpcReduction="20000"/>
+            <a:normAutofit lnSpcReduction="10000"/>
           </a:bodyPr>
           <a:lstStyle/>
           <a:p>
@@ -15481,31 +15615,34 @@
               <a:buChar char="•"/>
             </a:pPr>
             <a:r>
-              <a:rPr lang="en-US" sz="2400" b="0" i="0" dirty="0">
+              <a:rPr lang="en-US" sz="2000" b="0" i="0" dirty="0">
                 <a:solidFill>
                   <a:srgbClr val="0070C0"/>
                 </a:solidFill>
                 <a:effectLst/>
-              </a:rPr>
-              <a:t>Convert  csv to </a:t>
-            </a:r>
-            <a:r>
-              <a:rPr lang="en-US" sz="2400" b="0" i="0" dirty="0" err="1">
+                <a:latin typeface="-apple-system"/>
+              </a:rPr>
+              <a:t> Convert CSV to </a:t>
+            </a:r>
+            <a:r>
+              <a:rPr lang="en-US" sz="2000" b="0" i="0" dirty="0" err="1">
                 <a:solidFill>
                   <a:srgbClr val="0070C0"/>
                 </a:solidFill>
                 <a:effectLst/>
+                <a:latin typeface="-apple-system"/>
               </a:rPr>
               <a:t>DataFrame</a:t>
             </a:r>
             <a:r>
-              <a:rPr lang="en-US" sz="2400" b="0" i="0" dirty="0">
+              <a:rPr lang="en-US" sz="2000" b="0" i="0" dirty="0">
                 <a:solidFill>
                   <a:srgbClr val="0070C0"/>
                 </a:solidFill>
                 <a:effectLst/>
-              </a:rPr>
-              <a:t> using glob</a:t>
+                <a:latin typeface="-apple-system"/>
+              </a:rPr>
+              <a:t> using Glob</a:t>
             </a:r>
           </a:p>
           <a:p>
@@ -15514,28 +15651,31 @@
               <a:buChar char="•"/>
             </a:pPr>
             <a:r>
-              <a:rPr lang="en-US" sz="2400" dirty="0">
+              <a:rPr lang="en-US" dirty="0">
                 <a:solidFill>
                   <a:srgbClr val="0070C0"/>
                 </a:solidFill>
                 <a:effectLst/>
-              </a:rPr>
-              <a:t>Combine into single </a:t>
-            </a:r>
-            <a:r>
-              <a:rPr lang="en-US" sz="2400" dirty="0" err="1">
+                <a:latin typeface="-apple-system"/>
+              </a:rPr>
+              <a:t> Merge into single </a:t>
+            </a:r>
+            <a:r>
+              <a:rPr lang="en-US" dirty="0" err="1">
                 <a:solidFill>
                   <a:srgbClr val="0070C0"/>
                 </a:solidFill>
                 <a:effectLst/>
+                <a:latin typeface="-apple-system"/>
               </a:rPr>
               <a:t>DataFrame</a:t>
             </a:r>
-            <a:endParaRPr lang="en-US" sz="2400" dirty="0">
+            <a:endParaRPr lang="en-US" dirty="0">
               <a:solidFill>
                 <a:srgbClr val="0070C0"/>
               </a:solidFill>
               <a:effectLst/>
+              <a:latin typeface="-apple-system"/>
             </a:endParaRPr>
           </a:p>
           <a:p>
@@ -15544,28 +15684,31 @@
               <a:buChar char="•"/>
             </a:pPr>
             <a:r>
-              <a:rPr lang="en-US" sz="2400" dirty="0">
+              <a:rPr lang="en-US" dirty="0">
                 <a:solidFill>
                   <a:srgbClr val="0070C0"/>
                 </a:solidFill>
                 <a:effectLst/>
-              </a:rPr>
-              <a:t>Convert </a:t>
-            </a:r>
-            <a:r>
-              <a:rPr lang="en-US" sz="2400" dirty="0" err="1">
+                <a:latin typeface="-apple-system"/>
+              </a:rPr>
+              <a:t> Convert </a:t>
+            </a:r>
+            <a:r>
+              <a:rPr lang="en-US" dirty="0" err="1">
                 <a:solidFill>
                   <a:srgbClr val="0070C0"/>
                 </a:solidFill>
                 <a:effectLst/>
+                <a:latin typeface="-apple-system"/>
               </a:rPr>
               <a:t>DataTypes</a:t>
             </a:r>
-            <a:endParaRPr lang="en-US" sz="2400" dirty="0">
+            <a:endParaRPr lang="en-US" dirty="0">
               <a:solidFill>
                 <a:srgbClr val="0070C0"/>
               </a:solidFill>
               <a:effectLst/>
+              <a:latin typeface="-apple-system"/>
             </a:endParaRPr>
           </a:p>
           <a:p>
@@ -15574,13 +15717,34 @@
               <a:buChar char="•"/>
             </a:pPr>
             <a:r>
-              <a:rPr lang="en-US" sz="2400" dirty="0">
+              <a:rPr lang="en-US" dirty="0">
                 <a:solidFill>
                   <a:srgbClr val="0070C0"/>
                 </a:solidFill>
                 <a:effectLst/>
-              </a:rPr>
-              <a:t>Drop Nan &amp; Duplicates</a:t>
+                <a:latin typeface="-apple-system"/>
+              </a:rPr>
+              <a:t> Drop </a:t>
+            </a:r>
+            <a:r>
+              <a:rPr lang="en-US" dirty="0" err="1">
+                <a:solidFill>
+                  <a:srgbClr val="0070C0"/>
+                </a:solidFill>
+                <a:effectLst/>
+                <a:latin typeface="-apple-system"/>
+              </a:rPr>
+              <a:t>NaN</a:t>
+            </a:r>
+            <a:r>
+              <a:rPr lang="en-US" dirty="0">
+                <a:solidFill>
+                  <a:srgbClr val="0070C0"/>
+                </a:solidFill>
+                <a:effectLst/>
+                <a:latin typeface="-apple-system"/>
+              </a:rPr>
+              <a:t> &amp; Duplicates</a:t>
             </a:r>
           </a:p>
           <a:p>
@@ -15589,13 +15753,14 @@
               <a:buChar char="•"/>
             </a:pPr>
             <a:r>
-              <a:rPr lang="en-US" sz="2400" dirty="0">
+              <a:rPr lang="en-US" dirty="0">
                 <a:solidFill>
                   <a:srgbClr val="0070C0"/>
                 </a:solidFill>
                 <a:effectLst/>
-              </a:rPr>
-              <a:t>Export to CSV</a:t>
+                <a:latin typeface="-apple-system"/>
+              </a:rPr>
+              <a:t> Export to CSV</a:t>
             </a:r>
           </a:p>
           <a:p>
@@ -15604,31 +15769,34 @@
               <a:buChar char="•"/>
             </a:pPr>
             <a:r>
-              <a:rPr lang="en-US" sz="2400" dirty="0">
+              <a:rPr lang="en-US" dirty="0">
                 <a:solidFill>
                   <a:srgbClr val="0070C0"/>
                 </a:solidFill>
                 <a:effectLst/>
-              </a:rPr>
-              <a:t>Create new </a:t>
-            </a:r>
-            <a:r>
-              <a:rPr lang="en-US" sz="2400" dirty="0" err="1">
+                <a:latin typeface="-apple-system"/>
+              </a:rPr>
+              <a:t> Create new </a:t>
+            </a:r>
+            <a:r>
+              <a:rPr lang="en-US" dirty="0" err="1">
                 <a:solidFill>
                   <a:srgbClr val="0070C0"/>
                 </a:solidFill>
                 <a:effectLst/>
+                <a:latin typeface="-apple-system"/>
               </a:rPr>
               <a:t>DataFrame</a:t>
             </a:r>
             <a:r>
-              <a:rPr lang="en-US" sz="2400" dirty="0">
+              <a:rPr lang="en-US" dirty="0">
                 <a:solidFill>
                   <a:srgbClr val="0070C0"/>
                 </a:solidFill>
                 <a:effectLst/>
-              </a:rPr>
-              <a:t> w/ selected columns</a:t>
+                <a:latin typeface="-apple-system"/>
+              </a:rPr>
+              <a:t> w/ selected features</a:t>
             </a:r>
           </a:p>
           <a:p>
@@ -15637,19 +15805,21 @@
               <a:buChar char="•"/>
             </a:pPr>
             <a:r>
-              <a:rPr lang="en-US" sz="2400" dirty="0">
+              <a:rPr lang="en-US" dirty="0">
                 <a:solidFill>
                   <a:srgbClr val="0070C0"/>
                 </a:solidFill>
                 <a:effectLst/>
-              </a:rPr>
-              <a:t>Calculate % change</a:t>
-            </a:r>
-            <a:endParaRPr lang="en-US" sz="2400" b="0" i="0" dirty="0">
+                <a:latin typeface="-apple-system"/>
+              </a:rPr>
+              <a:t> Calculate % Change</a:t>
+            </a:r>
+            <a:endParaRPr lang="en-US" sz="2000" b="0" i="0" dirty="0">
               <a:solidFill>
                 <a:srgbClr val="0070C0"/>
               </a:solidFill>
               <a:effectLst/>
+              <a:latin typeface="-apple-system"/>
             </a:endParaRPr>
           </a:p>
           <a:p>
@@ -15767,8 +15937,8 @@
         </p:nvSpPr>
         <p:spPr>
           <a:xfrm>
-            <a:off x="539263" y="1097280"/>
-            <a:ext cx="3172903" cy="4626863"/>
+            <a:off x="308511" y="1115568"/>
+            <a:ext cx="3256177" cy="4626863"/>
           </a:xfrm>
         </p:spPr>
         <p:txBody>
@@ -15777,51 +15947,69 @@
           </a:bodyPr>
           <a:lstStyle/>
           <a:p>
-            <a:pPr algn="l"/>
-            <a:r>
-              <a:rPr lang="en-US" sz="3600" dirty="0"/>
+            <a:r>
+              <a:rPr lang="en-US" sz="4000" b="1" dirty="0"/>
               <a:t>Market Type:</a:t>
             </a:r>
           </a:p>
           <a:p>
-            <a:pPr algn="l"/>
-            <a:r>
-              <a:rPr lang="en-US" sz="2800" dirty="0">
-                <a:solidFill>
-                  <a:srgbClr val="0070C0"/>
+            <a:endParaRPr lang="en-US" sz="3200" b="1" dirty="0"/>
+          </a:p>
+          <a:p>
+            <a:pPr marL="342900" indent="-342900">
+              <a:buFont typeface="Arial" panose="020B0604020202020204" pitchFamily="34" charset="0"/>
+              <a:buChar char="•"/>
+            </a:pPr>
+            <a:r>
+              <a:rPr lang="en-US" sz="3200" b="1" dirty="0">
+                <a:solidFill>
+                  <a:srgbClr val="00B050"/>
                 </a:solidFill>
                 <a:effectLst/>
+                <a:latin typeface="Arial" panose="020B0604020202020204" pitchFamily="34" charset="0"/>
                 <a:ea typeface="Calibri" panose="020F0502020204030204" pitchFamily="34" charset="0"/>
               </a:rPr>
               <a:t>Bull</a:t>
             </a:r>
           </a:p>
           <a:p>
-            <a:pPr algn="l"/>
-            <a:r>
-              <a:rPr lang="en-US" sz="2800" dirty="0">
-                <a:solidFill>
-                  <a:srgbClr val="0070C0"/>
+            <a:pPr marL="342900" indent="-342900">
+              <a:buFont typeface="Arial" panose="020B0604020202020204" pitchFamily="34" charset="0"/>
+              <a:buChar char="•"/>
+            </a:pPr>
+            <a:r>
+              <a:rPr lang="en-US" sz="3200" b="1" dirty="0">
+                <a:solidFill>
+                  <a:srgbClr val="FF0000"/>
                 </a:solidFill>
                 <a:effectLst/>
+                <a:latin typeface="Arial" panose="020B0604020202020204" pitchFamily="34" charset="0"/>
                 <a:ea typeface="Calibri" panose="020F0502020204030204" pitchFamily="34" charset="0"/>
               </a:rPr>
               <a:t>Bear</a:t>
             </a:r>
           </a:p>
           <a:p>
-            <a:pPr algn="l"/>
-            <a:r>
-              <a:rPr lang="en-US" sz="2800" dirty="0">
-                <a:solidFill>
-                  <a:srgbClr val="0070C0"/>
+            <a:pPr marL="342900" indent="-342900">
+              <a:buFont typeface="Arial" panose="020B0604020202020204" pitchFamily="34" charset="0"/>
+              <a:buChar char="•"/>
+            </a:pPr>
+            <a:r>
+              <a:rPr lang="en-US" sz="3200" b="1" dirty="0">
+                <a:solidFill>
+                  <a:srgbClr val="FFC000"/>
                 </a:solidFill>
                 <a:effectLst/>
+                <a:latin typeface="Arial" panose="020B0604020202020204" pitchFamily="34" charset="0"/>
                 <a:ea typeface="Calibri" panose="020F0502020204030204" pitchFamily="34" charset="0"/>
               </a:rPr>
               <a:t>Neutral</a:t>
             </a:r>
-            <a:endParaRPr lang="en-US" sz="2800" dirty="0"/>
+            <a:endParaRPr lang="en-US" sz="3200" b="1" dirty="0">
+              <a:solidFill>
+                <a:srgbClr val="FFC000"/>
+              </a:solidFill>
+            </a:endParaRPr>
           </a:p>
         </p:txBody>
       </p:sp>
@@ -15964,7 +16152,7 @@
           <a:lstStyle/>
           <a:p>
             <a:r>
-              <a:rPr lang="en-US" sz="4000" dirty="0">
+              <a:rPr lang="en-US" sz="4000" b="1" dirty="0">
                 <a:solidFill>
                   <a:schemeClr val="bg2">
                     <a:lumMod val="10000"/>
@@ -15972,17 +16160,19 @@
                   </a:schemeClr>
                 </a:solidFill>
                 <a:effectLst/>
+                <a:latin typeface="Calisto MT" panose="02040603050505030304" pitchFamily="18" charset="0"/>
                 <a:ea typeface="Calibri" panose="020F0502020204030204" pitchFamily="34" charset="0"/>
               </a:rPr>
               <a:t>Defining Code for Market Type</a:t>
             </a:r>
-            <a:endParaRPr lang="en-US" dirty="0">
+            <a:endParaRPr lang="en-US" b="1" dirty="0">
               <a:solidFill>
                 <a:schemeClr val="bg2">
                   <a:lumMod val="10000"/>
                   <a:lumOff val="90000"/>
                 </a:schemeClr>
               </a:solidFill>
+              <a:latin typeface="Calisto MT" panose="02040603050505030304" pitchFamily="18" charset="0"/>
             </a:endParaRPr>
           </a:p>
         </p:txBody>
@@ -16009,7 +16199,11 @@
           <a:lstStyle/>
           <a:p>
             <a:r>
-              <a:rPr lang="en-US" sz="3400" dirty="0"/>
+              <a:rPr lang="en-US" b="1" dirty="0">
+                <a:solidFill>
+                  <a:srgbClr val="FF0000"/>
+                </a:solidFill>
+              </a:rPr>
               <a:t>Bear</a:t>
             </a:r>
           </a:p>
@@ -16031,31 +16225,33 @@
             <p:ph type="body" sz="half" idx="15"/>
           </p:nvPr>
         </p:nvSpPr>
-        <p:spPr/>
+        <p:spPr>
+          <a:xfrm>
+            <a:off x="943435" y="2539093"/>
+            <a:ext cx="3300984" cy="3219450"/>
+          </a:xfrm>
+        </p:spPr>
         <p:txBody>
           <a:bodyPr>
             <a:normAutofit/>
           </a:bodyPr>
           <a:lstStyle/>
           <a:p>
-            <a:pPr algn="l"/>
-            <a:r>
-              <a:rPr lang="en-US" sz="2800" dirty="0"/>
-              <a:t>Bitcoin      by over:</a:t>
-            </a:r>
-          </a:p>
-          <a:p>
-            <a:pPr algn="l"/>
-            <a:r>
-              <a:rPr lang="en-US" sz="2800" dirty="0"/>
-              <a:t>	40% - 3 months</a:t>
-            </a:r>
-          </a:p>
-          <a:p>
-            <a:pPr algn="l"/>
-            <a:r>
-              <a:rPr lang="en-US" sz="2800" dirty="0"/>
-              <a:t>	60% - 6 months</a:t>
+            <a:r>
+              <a:rPr lang="en-US" sz="2000" dirty="0"/>
+              <a:t>Bitcoin     by over:</a:t>
+            </a:r>
+          </a:p>
+          <a:p>
+            <a:r>
+              <a:rPr lang="en-US" sz="2000" dirty="0"/>
+              <a:t>40% - 3 months</a:t>
+            </a:r>
+          </a:p>
+          <a:p>
+            <a:r>
+              <a:rPr lang="en-US" sz="2000" dirty="0"/>
+              <a:t>60% - 6 months</a:t>
             </a:r>
           </a:p>
           <a:p>
@@ -16086,7 +16282,11 @@
           <a:lstStyle/>
           <a:p>
             <a:r>
-              <a:rPr lang="en-US" sz="3400" dirty="0"/>
+              <a:rPr lang="en-US" b="1" dirty="0">
+                <a:solidFill>
+                  <a:srgbClr val="00B050"/>
+                </a:solidFill>
+              </a:rPr>
               <a:t>Bull</a:t>
             </a:r>
           </a:p>
@@ -16113,24 +16313,21 @@
           <a:bodyPr/>
           <a:lstStyle/>
           <a:p>
-            <a:pPr algn="l"/>
-            <a:r>
-              <a:rPr lang="en-US" sz="2800" dirty="0"/>
+            <a:r>
+              <a:rPr lang="en-US" sz="2000" dirty="0"/>
               <a:t>Bitcoin     by over:</a:t>
             </a:r>
           </a:p>
           <a:p>
-            <a:pPr algn="l"/>
-            <a:r>
-              <a:rPr lang="en-US" sz="2800" dirty="0"/>
-              <a:t>	70% - 3 months</a:t>
-            </a:r>
-          </a:p>
-          <a:p>
-            <a:pPr algn="l"/>
-            <a:r>
-              <a:rPr lang="en-US" sz="2800" dirty="0"/>
-              <a:t>	150% - 6 months</a:t>
+            <a:r>
+              <a:rPr lang="en-US" sz="2000" dirty="0"/>
+              <a:t>70% - 3 months</a:t>
+            </a:r>
+          </a:p>
+          <a:p>
+            <a:r>
+              <a:rPr lang="en-US" sz="2000" dirty="0"/>
+              <a:t>150% - 6 months</a:t>
             </a:r>
           </a:p>
           <a:p>
@@ -16154,13 +16351,22 @@
             <p:ph type="body" sz="quarter" idx="13"/>
           </p:nvPr>
         </p:nvSpPr>
-        <p:spPr/>
+        <p:spPr>
+          <a:xfrm>
+            <a:off x="8097201" y="1885950"/>
+            <a:ext cx="3300984" cy="576262"/>
+          </a:xfrm>
+        </p:spPr>
         <p:txBody>
           <a:bodyPr/>
           <a:lstStyle/>
           <a:p>
             <a:r>
-              <a:rPr lang="en-US" sz="3400" dirty="0"/>
+              <a:rPr lang="en-US" b="1" dirty="0">
+                <a:solidFill>
+                  <a:srgbClr val="FFC000"/>
+                </a:solidFill>
+              </a:rPr>
               <a:t>Neutral</a:t>
             </a:r>
           </a:p>
@@ -16189,40 +16395,33 @@
           </a:xfrm>
         </p:spPr>
         <p:txBody>
-          <a:bodyPr>
-            <a:normAutofit fontScale="92500" lnSpcReduction="20000"/>
-          </a:bodyPr>
+          <a:bodyPr/>
           <a:lstStyle/>
           <a:p>
-            <a:pPr algn="l"/>
-            <a:r>
-              <a:rPr lang="en-US" sz="2800" dirty="0"/>
+            <a:r>
+              <a:rPr lang="en-US" sz="2000" dirty="0"/>
               <a:t>Bitcoin stayed within</a:t>
             </a:r>
           </a:p>
           <a:p>
-            <a:pPr algn="l"/>
-            <a:r>
-              <a:rPr lang="en-US" sz="2800" dirty="0"/>
-              <a:t>	70% range - 3 months</a:t>
-            </a:r>
-          </a:p>
-          <a:p>
-            <a:pPr algn="l"/>
-            <a:endParaRPr lang="en-US" sz="2800" dirty="0"/>
-          </a:p>
-          <a:p>
-            <a:pPr algn="l"/>
-            <a:r>
-              <a:rPr lang="en-US" sz="2800" dirty="0"/>
+            <a:r>
+              <a:rPr lang="en-US" sz="2000" dirty="0"/>
+              <a:t>70% range - 3 months</a:t>
+            </a:r>
+          </a:p>
+          <a:p>
+            <a:endParaRPr lang="en-US" sz="2000" dirty="0"/>
+          </a:p>
+          <a:p>
+            <a:r>
+              <a:rPr lang="en-US" sz="2000" dirty="0"/>
               <a:t>Bitcoin neither increased/decreased more than:</a:t>
             </a:r>
           </a:p>
           <a:p>
-            <a:pPr algn="l"/>
-            <a:r>
-              <a:rPr lang="en-US" sz="2800" dirty="0"/>
-              <a:t>	150% - 6 months</a:t>
+            <a:r>
+              <a:rPr lang="en-US" sz="2000" dirty="0"/>
+              <a:t>150% - 6 months</a:t>
             </a:r>
           </a:p>
           <a:p>
@@ -16244,8 +16443,8 @@
         </p:nvSpPr>
         <p:spPr>
           <a:xfrm>
-            <a:off x="2131471" y="2733675"/>
-            <a:ext cx="432816" cy="323850"/>
+            <a:off x="2438392" y="2571750"/>
+            <a:ext cx="228600" cy="323850"/>
           </a:xfrm>
           <a:prstGeom prst="downArrow">
             <a:avLst/>
@@ -16290,7 +16489,7 @@
         </p:nvSpPr>
         <p:spPr>
           <a:xfrm>
-            <a:off x="5716172" y="2606187"/>
+            <a:off x="5941422" y="2571750"/>
             <a:ext cx="198120" cy="323850"/>
           </a:xfrm>
           <a:prstGeom prst="upArrow">
@@ -16336,13 +16535,18 @@
         </p:nvSpPr>
         <p:spPr>
           <a:xfrm>
-            <a:off x="792480" y="4937760"/>
-            <a:ext cx="6766560" cy="1200329"/>
+            <a:off x="831499" y="4654731"/>
+            <a:ext cx="6766560" cy="923330"/>
           </a:xfrm>
           <a:prstGeom prst="rect">
             <a:avLst/>
           </a:prstGeom>
           <a:noFill/>
+          <a:ln>
+            <a:solidFill>
+              <a:srgbClr val="7030A0"/>
+            </a:solidFill>
+          </a:ln>
         </p:spPr>
         <p:txBody>
           <a:bodyPr wrap="square" rtlCol="0">
@@ -16351,7 +16555,7 @@
           <a:lstStyle/>
           <a:p>
             <a:r>
-              <a:rPr lang="en-US" sz="2400" b="0" i="0" dirty="0">
+              <a:rPr lang="en-US" b="0" i="0" dirty="0">
                 <a:solidFill>
                   <a:schemeClr val="tx2"/>
                 </a:solidFill>
@@ -16360,7 +16564,7 @@
               </a:rPr>
               <a:t>If selected crypto only shows trend, but Bitcoin does not, then it may indicate project growth or failure but not a true bull market / bear market.</a:t>
             </a:r>
-            <a:endParaRPr lang="en-US" sz="2400" dirty="0">
+            <a:endParaRPr lang="en-US" dirty="0">
               <a:solidFill>
                 <a:schemeClr val="tx2"/>
               </a:solidFill>

--- a/The Omniscient Crypto Oracle.pptx
+++ b/The Omniscient Crypto Oracle.pptx
@@ -797,7 +797,27 @@
                 <a:effectLst/>
                 <a:latin typeface="-apple-system"/>
               </a:rPr>
-              <a:t>Overall, the LSTM model shows promising results in predicting future cryptocurrency prices. However, it is important to note that cryptocurrency prices are highly volatile and unpredictable, and the model's accuracy may vary depending on various factors such as market conditions, news events, and regulatory changes.</a:t>
+              <a:t>Overall, the LSTM model shows promising results in predicting future cryptocurrency prices. However, it is important to note that cryptocurrency prices are highly volatile and unpredictable, and the model's accuracy may vary depending on various factors such as market conditions, news events, and regulatory changes. </a:t>
+            </a:r>
+            <a:r>
+              <a:rPr lang="en-US" b="0" i="0">
+                <a:solidFill>
+                  <a:srgbClr val="D1D5DB"/>
+                </a:solidFill>
+                <a:effectLst/>
+                <a:latin typeface="Söhne"/>
+              </a:rPr>
+              <a:t>Therefore</a:t>
+            </a:r>
+            <a:r>
+              <a:rPr lang="en-US" b="0" i="0" dirty="0">
+                <a:solidFill>
+                  <a:srgbClr val="D1D5DB"/>
+                </a:solidFill>
+                <a:effectLst/>
+                <a:latin typeface="Söhne"/>
+              </a:rPr>
+              <a:t>, while the model can provide a useful tool for predicting future cryptocurrency prices, it's important to interpret the results with caution and continuously monitor the model's performance on new data to ensure that it remains accurate and relevant.</a:t>
             </a:r>
             <a:endParaRPr lang="en-US" dirty="0"/>
           </a:p>
@@ -889,6 +909,207 @@
             </a:r>
           </a:p>
           <a:p>
+            <a:pPr algn="l">
+              <a:buFont typeface="+mj-lt"/>
+              <a:buAutoNum type="arabicPeriod"/>
+            </a:pPr>
+            <a:r>
+              <a:rPr lang="en-US" b="0" i="0" dirty="0">
+                <a:solidFill>
+                  <a:srgbClr val="D1D5DB"/>
+                </a:solidFill>
+                <a:effectLst/>
+                <a:latin typeface="Söhne"/>
+              </a:rPr>
+              <a:t>Mean Squared Error (MSE): This metric measures the average squared difference between the predicted and actual values. A smaller value indicates better performance</a:t>
+            </a:r>
+          </a:p>
+          <a:p>
+            <a:pPr marL="0" marR="0" lvl="0" indent="0" algn="l" defTabSz="914400" rtl="0" eaLnBrk="1" fontAlgn="auto" latinLnBrk="0" hangingPunct="1">
+              <a:lnSpc>
+                <a:spcPct val="100000"/>
+              </a:lnSpc>
+              <a:spcBef>
+                <a:spcPts val="0"/>
+              </a:spcBef>
+              <a:spcAft>
+                <a:spcPts val="0"/>
+              </a:spcAft>
+              <a:buClrTx/>
+              <a:buSzTx/>
+              <a:buFont typeface="+mj-lt"/>
+              <a:buAutoNum type="arabicPeriod"/>
+              <a:tabLst/>
+              <a:defRPr/>
+            </a:pPr>
+            <a:r>
+              <a:rPr lang="en-US" b="0" i="0" dirty="0">
+                <a:solidFill>
+                  <a:srgbClr val="D1D5DB"/>
+                </a:solidFill>
+                <a:effectLst/>
+                <a:latin typeface="Söhne"/>
+              </a:rPr>
+              <a:t>Root Mean Squared Error (RMSE): This metric measures the square root of the average squared difference between the predicted and actual values. A smaller value indicates better performance. </a:t>
+            </a:r>
+          </a:p>
+          <a:p>
+            <a:pPr marL="0" marR="0" lvl="0" indent="0" algn="l" defTabSz="914400" rtl="0" eaLnBrk="1" fontAlgn="auto" latinLnBrk="0" hangingPunct="1">
+              <a:lnSpc>
+                <a:spcPct val="100000"/>
+              </a:lnSpc>
+              <a:spcBef>
+                <a:spcPts val="0"/>
+              </a:spcBef>
+              <a:spcAft>
+                <a:spcPts val="0"/>
+              </a:spcAft>
+              <a:buClrTx/>
+              <a:buSzTx/>
+              <a:buFont typeface="+mj-lt"/>
+              <a:buAutoNum type="arabicPeriod"/>
+              <a:tabLst/>
+              <a:defRPr/>
+            </a:pPr>
+            <a:r>
+              <a:rPr lang="en-US" b="0" i="0" dirty="0">
+                <a:solidFill>
+                  <a:srgbClr val="D1D5DB"/>
+                </a:solidFill>
+                <a:effectLst/>
+                <a:latin typeface="Söhne"/>
+              </a:rPr>
+              <a:t>Mean Absolute Error (MAE): This metric measures the average absolute difference between the predicted and actual values. A smaller value indicates better performance. </a:t>
+            </a:r>
+          </a:p>
+          <a:p>
+            <a:pPr marL="0" marR="0" lvl="0" indent="0" algn="l" defTabSz="914400" rtl="0" eaLnBrk="1" fontAlgn="auto" latinLnBrk="0" hangingPunct="1">
+              <a:lnSpc>
+                <a:spcPct val="100000"/>
+              </a:lnSpc>
+              <a:spcBef>
+                <a:spcPts val="0"/>
+              </a:spcBef>
+              <a:spcAft>
+                <a:spcPts val="0"/>
+              </a:spcAft>
+              <a:buClrTx/>
+              <a:buSzTx/>
+              <a:buFont typeface="+mj-lt"/>
+              <a:buAutoNum type="arabicPeriod"/>
+              <a:tabLst/>
+              <a:defRPr/>
+            </a:pPr>
+            <a:endParaRPr lang="en-US" b="0" i="0" dirty="0">
+              <a:solidFill>
+                <a:srgbClr val="D1D5DB"/>
+              </a:solidFill>
+              <a:effectLst/>
+              <a:latin typeface="Söhne"/>
+            </a:endParaRPr>
+          </a:p>
+          <a:p>
+            <a:pPr marL="0" marR="0" lvl="0" indent="0" algn="l" defTabSz="914400" rtl="0" eaLnBrk="1" fontAlgn="auto" latinLnBrk="0" hangingPunct="1">
+              <a:lnSpc>
+                <a:spcPct val="100000"/>
+              </a:lnSpc>
+              <a:spcBef>
+                <a:spcPts val="0"/>
+              </a:spcBef>
+              <a:spcAft>
+                <a:spcPts val="0"/>
+              </a:spcAft>
+              <a:buClrTx/>
+              <a:buSzTx/>
+              <a:buFont typeface="+mj-lt"/>
+              <a:buNone/>
+              <a:tabLst/>
+              <a:defRPr/>
+            </a:pPr>
+            <a:r>
+              <a:rPr lang="en-US" b="0" i="0" dirty="0">
+                <a:solidFill>
+                  <a:srgbClr val="D1D5DB"/>
+                </a:solidFill>
+                <a:effectLst/>
+                <a:latin typeface="Söhne"/>
+              </a:rPr>
+              <a:t>Indicates that the model's predictions are close to the actual values.</a:t>
+            </a:r>
+          </a:p>
+          <a:p>
+            <a:pPr marL="0" marR="0" lvl="0" indent="0" algn="l" defTabSz="914400" rtl="0" eaLnBrk="1" fontAlgn="auto" latinLnBrk="0" hangingPunct="1">
+              <a:lnSpc>
+                <a:spcPct val="100000"/>
+              </a:lnSpc>
+              <a:spcBef>
+                <a:spcPts val="0"/>
+              </a:spcBef>
+              <a:spcAft>
+                <a:spcPts val="0"/>
+              </a:spcAft>
+              <a:buClrTx/>
+              <a:buSzTx/>
+              <a:buFont typeface="+mj-lt"/>
+              <a:buAutoNum type="arabicPeriod"/>
+              <a:tabLst/>
+              <a:defRPr/>
+            </a:pPr>
+            <a:endParaRPr lang="en-US" b="0" i="0" dirty="0">
+              <a:solidFill>
+                <a:srgbClr val="D1D5DB"/>
+              </a:solidFill>
+              <a:effectLst/>
+              <a:latin typeface="Söhne"/>
+            </a:endParaRPr>
+          </a:p>
+          <a:p>
+            <a:pPr marL="0" marR="0" lvl="0" indent="0" algn="l" defTabSz="914400" rtl="0" eaLnBrk="1" fontAlgn="auto" latinLnBrk="0" hangingPunct="1">
+              <a:lnSpc>
+                <a:spcPct val="100000"/>
+              </a:lnSpc>
+              <a:spcBef>
+                <a:spcPts val="0"/>
+              </a:spcBef>
+              <a:spcAft>
+                <a:spcPts val="0"/>
+              </a:spcAft>
+              <a:buClrTx/>
+              <a:buSzTx/>
+              <a:buFont typeface="+mj-lt"/>
+              <a:buAutoNum type="arabicPeriod"/>
+              <a:tabLst/>
+              <a:defRPr/>
+            </a:pPr>
+            <a:endParaRPr lang="en-US" b="0" i="0" dirty="0">
+              <a:solidFill>
+                <a:srgbClr val="D1D5DB"/>
+              </a:solidFill>
+              <a:effectLst/>
+              <a:latin typeface="Söhne"/>
+            </a:endParaRPr>
+          </a:p>
+          <a:p>
+            <a:pPr algn="l">
+              <a:buFont typeface="+mj-lt"/>
+              <a:buAutoNum type="arabicPeriod"/>
+            </a:pPr>
+            <a:r>
+              <a:rPr lang="en-US" b="0" i="0" dirty="0">
+                <a:solidFill>
+                  <a:srgbClr val="D1D5DB"/>
+                </a:solidFill>
+                <a:effectLst/>
+                <a:latin typeface="Söhne"/>
+              </a:rPr>
+              <a:t>Coefficient of determination (r^2): This metric measures the proportion of variance in the target variable (cryptocurrency prices) that can be explained by the model. The r^2 value of 0.9307 indicates that the model explains 93.07% of the variance in the target variable, which is a high value and suggests that the model has captured the underlying patterns well.</a:t>
+            </a:r>
+          </a:p>
+          <a:p>
+            <a:pPr algn="l">
+              <a:buFont typeface="+mj-lt"/>
+              <a:buAutoNum type="arabicPeriod"/>
+            </a:pPr>
             <a:endParaRPr lang="en-US" dirty="0"/>
           </a:p>
           <a:p>

--- a/The Omniscient Crypto Oracle.pptx
+++ b/The Omniscient Crypto Oracle.pptx
@@ -210,7 +210,7 @@
           <a:p>
             <a:fld id="{75469748-769E-4EB8-880B-F584F94B28ED}" type="datetimeFigureOut">
               <a:rPr lang="en-US" smtClean="0"/>
-              <a:t>3/19/2023</a:t>
+              <a:t>3/20/2023</a:t>
             </a:fld>
             <a:endParaRPr lang="en-US"/>
           </a:p>
@@ -3448,7 +3448,7 @@
           <a:p>
             <a:fld id="{76969C88-B244-455D-A017-012B25B1ACDD}" type="datetimeFigureOut">
               <a:rPr lang="en-US" smtClean="0"/>
-              <a:t>3/19/2023</a:t>
+              <a:t>3/20/2023</a:t>
             </a:fld>
             <a:endParaRPr lang="en-US"/>
           </a:p>
@@ -3747,7 +3747,7 @@
             <a:fld id="{76969C88-B244-455D-A017-012B25B1ACDD}" type="datetimeFigureOut">
               <a:rPr lang="en-US" smtClean="0"/>
               <a:pPr/>
-              <a:t>3/19/2023</a:t>
+              <a:t>3/20/2023</a:t>
             </a:fld>
             <a:endParaRPr lang="en-US"/>
           </a:p>
@@ -3941,7 +3941,7 @@
             <a:fld id="{76969C88-B244-455D-A017-012B25B1ACDD}" type="datetimeFigureOut">
               <a:rPr lang="en-US" smtClean="0"/>
               <a:pPr/>
-              <a:t>3/19/2023</a:t>
+              <a:t>3/20/2023</a:t>
             </a:fld>
             <a:endParaRPr lang="en-US"/>
           </a:p>
@@ -4204,7 +4204,7 @@
             <a:fld id="{76969C88-B244-455D-A017-012B25B1ACDD}" type="datetimeFigureOut">
               <a:rPr lang="en-US" smtClean="0"/>
               <a:pPr/>
-              <a:t>3/19/2023</a:t>
+              <a:t>3/20/2023</a:t>
             </a:fld>
             <a:endParaRPr lang="en-US"/>
           </a:p>
@@ -4630,7 +4630,7 @@
             <a:fld id="{76969C88-B244-455D-A017-012B25B1ACDD}" type="datetimeFigureOut">
               <a:rPr lang="en-US" smtClean="0"/>
               <a:pPr/>
-              <a:t>3/19/2023</a:t>
+              <a:t>3/20/2023</a:t>
             </a:fld>
             <a:endParaRPr lang="en-US"/>
           </a:p>
@@ -5169,7 +5169,7 @@
             <a:fld id="{76969C88-B244-455D-A017-012B25B1ACDD}" type="datetimeFigureOut">
               <a:rPr lang="en-US" smtClean="0"/>
               <a:pPr/>
-              <a:t>3/19/2023</a:t>
+              <a:t>3/20/2023</a:t>
             </a:fld>
             <a:endParaRPr lang="en-US"/>
           </a:p>
@@ -6035,7 +6035,7 @@
             <a:fld id="{76969C88-B244-455D-A017-012B25B1ACDD}" type="datetimeFigureOut">
               <a:rPr lang="en-US" smtClean="0"/>
               <a:pPr/>
-              <a:t>3/19/2023</a:t>
+              <a:t>3/20/2023</a:t>
             </a:fld>
             <a:endParaRPr lang="en-US"/>
           </a:p>
@@ -6206,7 +6206,7 @@
           <a:p>
             <a:fld id="{76969C88-B244-455D-A017-012B25B1ACDD}" type="datetimeFigureOut">
               <a:rPr lang="en-US" smtClean="0"/>
-              <a:t>3/19/2023</a:t>
+              <a:t>3/20/2023</a:t>
             </a:fld>
             <a:endParaRPr lang="en-US"/>
           </a:p>
@@ -6390,7 +6390,7 @@
           <a:p>
             <a:fld id="{76969C88-B244-455D-A017-012B25B1ACDD}" type="datetimeFigureOut">
               <a:rPr lang="en-US" smtClean="0"/>
-              <a:t>3/19/2023</a:t>
+              <a:t>3/20/2023</a:t>
             </a:fld>
             <a:endParaRPr lang="en-US"/>
           </a:p>
@@ -6560,7 +6560,7 @@
           <a:p>
             <a:fld id="{76969C88-B244-455D-A017-012B25B1ACDD}" type="datetimeFigureOut">
               <a:rPr lang="en-US" smtClean="0"/>
-              <a:t>3/19/2023</a:t>
+              <a:t>3/20/2023</a:t>
             </a:fld>
             <a:endParaRPr lang="en-US"/>
           </a:p>
@@ -6804,7 +6804,7 @@
           <a:p>
             <a:fld id="{76969C88-B244-455D-A017-012B25B1ACDD}" type="datetimeFigureOut">
               <a:rPr lang="en-US" smtClean="0"/>
-              <a:t>3/19/2023</a:t>
+              <a:t>3/20/2023</a:t>
             </a:fld>
             <a:endParaRPr lang="en-US"/>
           </a:p>
@@ -7040,7 +7040,7 @@
           <a:p>
             <a:fld id="{76969C88-B244-455D-A017-012B25B1ACDD}" type="datetimeFigureOut">
               <a:rPr lang="en-US" smtClean="0"/>
-              <a:t>3/19/2023</a:t>
+              <a:t>3/20/2023</a:t>
             </a:fld>
             <a:endParaRPr lang="en-US"/>
           </a:p>
@@ -7506,7 +7506,7 @@
           <a:p>
             <a:fld id="{76969C88-B244-455D-A017-012B25B1ACDD}" type="datetimeFigureOut">
               <a:rPr lang="en-US" smtClean="0"/>
-              <a:t>3/19/2023</a:t>
+              <a:t>3/20/2023</a:t>
             </a:fld>
             <a:endParaRPr lang="en-US"/>
           </a:p>
@@ -7624,7 +7624,7 @@
           <a:p>
             <a:fld id="{76969C88-B244-455D-A017-012B25B1ACDD}" type="datetimeFigureOut">
               <a:rPr lang="en-US" smtClean="0"/>
-              <a:t>3/19/2023</a:t>
+              <a:t>3/20/2023</a:t>
             </a:fld>
             <a:endParaRPr lang="en-US"/>
           </a:p>
@@ -7719,7 +7719,7 @@
           <a:p>
             <a:fld id="{76969C88-B244-455D-A017-012B25B1ACDD}" type="datetimeFigureOut">
               <a:rPr lang="en-US" smtClean="0"/>
-              <a:t>3/19/2023</a:t>
+              <a:t>3/20/2023</a:t>
             </a:fld>
             <a:endParaRPr lang="en-US"/>
           </a:p>
@@ -7974,7 +7974,7 @@
           <a:p>
             <a:fld id="{76969C88-B244-455D-A017-012B25B1ACDD}" type="datetimeFigureOut">
               <a:rPr lang="en-US" smtClean="0"/>
-              <a:t>3/19/2023</a:t>
+              <a:t>3/20/2023</a:t>
             </a:fld>
             <a:endParaRPr lang="en-US"/>
           </a:p>
@@ -8274,7 +8274,7 @@
           <a:p>
             <a:fld id="{76969C88-B244-455D-A017-012B25B1ACDD}" type="datetimeFigureOut">
               <a:rPr lang="en-US" smtClean="0"/>
-              <a:t>3/19/2023</a:t>
+              <a:t>3/20/2023</a:t>
             </a:fld>
             <a:endParaRPr lang="en-US"/>
           </a:p>
@@ -8509,7 +8509,7 @@
             <a:fld id="{76969C88-B244-455D-A017-012B25B1ACDD}" type="datetimeFigureOut">
               <a:rPr lang="en-US" smtClean="0"/>
               <a:pPr/>
-              <a:t>3/19/2023</a:t>
+              <a:t>3/20/2023</a:t>
             </a:fld>
             <a:endParaRPr lang="en-US"/>
           </a:p>
